--- a/final_pre.pptx
+++ b/final_pre.pptx
@@ -5,10 +5,10 @@
     <p:sldMasterId id="2147483648" r:id="rId1"/>
   </p:sldMasterIdLst>
   <p:notesMasterIdLst>
-    <p:notesMasterId r:id="rId14"/>
+    <p:notesMasterId r:id="rId17"/>
   </p:notesMasterIdLst>
   <p:handoutMasterIdLst>
-    <p:handoutMasterId r:id="rId15"/>
+    <p:handoutMasterId r:id="rId18"/>
   </p:handoutMasterIdLst>
   <p:sldIdLst>
     <p:sldId id="259" r:id="rId2"/>
@@ -22,7 +22,10 @@
     <p:sldId id="271" r:id="rId10"/>
     <p:sldId id="274" r:id="rId11"/>
     <p:sldId id="272" r:id="rId12"/>
-    <p:sldId id="273" r:id="rId13"/>
+    <p:sldId id="277" r:id="rId13"/>
+    <p:sldId id="273" r:id="rId14"/>
+    <p:sldId id="275" r:id="rId15"/>
+    <p:sldId id="276" r:id="rId16"/>
   </p:sldIdLst>
   <p:sldSz cx="9144000" cy="5143500" type="screen16x9"/>
   <p:notesSz cx="6858000" cy="9144000"/>
@@ -3745,7 +3748,7 @@
         <p:spPr bwMode="auto">
           <a:xfrm>
             <a:off x="-12700" y="1041400"/>
-            <a:ext cx="4205288" cy="3200400"/>
+            <a:ext cx="6336588" cy="3200400"/>
           </a:xfrm>
           <a:prstGeom prst="rect">
             <a:avLst/>
@@ -3915,8 +3918,8 @@
         </p:nvSpPr>
         <p:spPr bwMode="auto">
           <a:xfrm>
-            <a:off x="227013" y="1531938"/>
-            <a:ext cx="3638550" cy="1811337"/>
+            <a:off x="227012" y="1531938"/>
+            <a:ext cx="5977235" cy="1811337"/>
           </a:xfrm>
           <a:noFill/>
           <a:extLst>
@@ -3944,6 +3947,7 @@
             <a:prstTxWarp prst="textNoShape">
               <a:avLst/>
             </a:prstTxWarp>
+            <a:normAutofit/>
           </a:bodyPr>
           <a:lstStyle/>
           <a:p>
@@ -3953,10 +3957,10 @@
               </a:spcBef>
             </a:pPr>
             <a:r>
-              <a:rPr lang="en-US" altLang="zh-CN">
+              <a:rPr lang="en-US" altLang="zh-CN" dirty="0">
                 <a:latin typeface="Arial" panose="020B0604020202020204" pitchFamily="34" charset="0"/>
               </a:rPr>
-              <a:t>Presentation </a:t>
+              <a:t>5-year Treasury Strategy </a:t>
             </a:r>
           </a:p>
           <a:p>
@@ -3966,10 +3970,10 @@
               </a:spcBef>
             </a:pPr>
             <a:r>
-              <a:rPr lang="en-US" altLang="zh-CN">
+              <a:rPr lang="en-US" altLang="zh-CN" dirty="0">
                 <a:latin typeface="Arial" panose="020B0604020202020204" pitchFamily="34" charset="0"/>
               </a:rPr>
-              <a:t>Title Here</a:t>
+              <a:t>Based on Fed Speech Sentiment</a:t>
             </a:r>
           </a:p>
         </p:txBody>
@@ -4030,25 +4034,30 @@
               </a:spcBef>
             </a:pPr>
             <a:r>
+              <a:rPr lang="en-US" altLang="zh-CN" dirty="0"/>
+              <a:t>Hanyuan</a:t>
+            </a:r>
+            <a:r>
+              <a:rPr lang="zh-CN" altLang="en-US" dirty="0"/>
+              <a:t> </a:t>
+            </a:r>
+            <a:r>
+              <a:rPr lang="en-US" altLang="zh-CN" dirty="0"/>
+              <a:t>Hu, </a:t>
+            </a:r>
+            <a:r>
+              <a:rPr lang="en-US" altLang="zh-CN" dirty="0" err="1"/>
+              <a:t>Binlin</a:t>
+            </a:r>
+            <a:r>
               <a:rPr lang="en-US" altLang="zh-CN"/>
-              <a:t>Binlin Chi,</a:t>
+              <a:t> Chi</a:t>
             </a:r>
             <a:r>
               <a:rPr lang="zh-CN" altLang="en-US"/>
               <a:t> </a:t>
             </a:r>
-            <a:r>
-              <a:rPr lang="en-US" altLang="zh-CN"/>
-              <a:t>Hanyuan</a:t>
-            </a:r>
-            <a:r>
-              <a:rPr lang="zh-CN" altLang="en-US"/>
-              <a:t> </a:t>
-            </a:r>
-            <a:r>
-              <a:rPr lang="en-US" altLang="zh-CN"/>
-              <a:t>Hu</a:t>
-            </a:r>
+            <a:endParaRPr lang="en-US" altLang="zh-CN" dirty="0"/>
           </a:p>
           <a:p>
             <a:pPr marL="0" indent="0">
@@ -4057,7 +4066,7 @@
               </a:spcBef>
             </a:pPr>
             <a:r>
-              <a:rPr lang="en-US" altLang="zh-CN"/>
+              <a:rPr lang="en-US" altLang="zh-CN" dirty="0"/>
               <a:t>10/17/2019</a:t>
             </a:r>
           </a:p>
@@ -4283,7 +4292,7 @@
           <a:p>
             <a:r>
               <a:rPr lang="en-US" altLang="zh-CN" dirty="0"/>
-              <a:t>Performance and Comparison</a:t>
+              <a:t>Performance</a:t>
             </a:r>
             <a:endParaRPr lang="zh-CN" altLang="en-US" dirty="0"/>
           </a:p>
@@ -4304,7 +4313,7 @@
           <p:nvPr>
             <p:extLst>
               <p:ext uri="{D42A27DB-BD31-4B8C-83A1-F6EECF244321}">
-                <p14:modId xmlns:p14="http://schemas.microsoft.com/office/powerpoint/2010/main" val="3730704186"/>
+                <p14:modId xmlns:p14="http://schemas.microsoft.com/office/powerpoint/2010/main" val="2556790311"/>
               </p:ext>
             </p:extLst>
           </p:nvPr>
@@ -4364,10 +4373,58 @@
                     <a:p>
                       <a:pPr algn="l" fontAlgn="ctr"/>
                       <a:r>
+                        <a:rPr lang="en-US" sz="1100" u="none" strike="noStrike" dirty="0">
+                          <a:effectLst/>
+                        </a:rPr>
+                        <a:t>Ranking</a:t>
+                      </a:r>
+                      <a:endParaRPr lang="en-US" sz="1100" b="0" i="0" u="none" strike="noStrike" dirty="0">
+                        <a:solidFill>
+                          <a:srgbClr val="000000"/>
+                        </a:solidFill>
+                        <a:effectLst/>
+                        <a:latin typeface="等线" panose="02010600030101010101" pitchFamily="2" charset="-122"/>
+                        <a:ea typeface="等线" panose="02010600030101010101" pitchFamily="2" charset="-122"/>
+                      </a:endParaRPr>
+                    </a:p>
+                  </a:txBody>
+                  <a:tcPr marL="9525" marR="9525" marT="9525" marB="0" anchor="ctr"/>
+                </a:tc>
+                <a:tc>
+                  <a:txBody>
+                    <a:bodyPr/>
+                    <a:lstStyle/>
+                    <a:p>
+                      <a:pPr algn="l" fontAlgn="ctr"/>
+                      <a:r>
+                        <a:rPr lang="en-US" sz="1100" u="none" strike="noStrike" dirty="0">
+                          <a:effectLst/>
+                        </a:rPr>
+                        <a:t>Learning Algorithm</a:t>
+                      </a:r>
+                      <a:endParaRPr lang="en-US" sz="1100" b="0" i="0" u="none" strike="noStrike" dirty="0">
+                        <a:solidFill>
+                          <a:srgbClr val="000000"/>
+                        </a:solidFill>
+                        <a:effectLst/>
+                        <a:latin typeface="等线" panose="02010600030101010101" pitchFamily="2" charset="-122"/>
+                        <a:ea typeface="等线" panose="02010600030101010101" pitchFamily="2" charset="-122"/>
+                      </a:endParaRPr>
+                    </a:p>
+                  </a:txBody>
+                  <a:tcPr marL="9525" marR="9525" marT="9525" marB="0" anchor="ctr"/>
+                </a:tc>
+                <a:tc>
+                  <a:txBody>
+                    <a:bodyPr/>
+                    <a:lstStyle/>
+                    <a:p>
+                      <a:pPr algn="l" fontAlgn="ctr"/>
+                      <a:r>
                         <a:rPr lang="en-US" sz="1100" u="none" strike="noStrike">
                           <a:effectLst/>
                         </a:rPr>
-                        <a:t>Ranking</a:t>
+                        <a:t>Percentage of Labeling</a:t>
                       </a:r>
                       <a:endParaRPr lang="en-US" sz="1100" b="0" i="0" u="none" strike="noStrike">
                         <a:solidFill>
@@ -4391,7 +4448,7 @@
                         <a:rPr lang="en-US" sz="1100" u="none" strike="noStrike">
                           <a:effectLst/>
                         </a:rPr>
-                        <a:t>Learning Algorithm</a:t>
+                        <a:t>Holding Period</a:t>
                       </a:r>
                       <a:endParaRPr lang="en-US" sz="1100" b="0" i="0" u="none" strike="noStrike">
                         <a:solidFill>
@@ -4415,7 +4472,7 @@
                         <a:rPr lang="en-US" sz="1100" u="none" strike="noStrike">
                           <a:effectLst/>
                         </a:rPr>
-                        <a:t>Percentage of Labeling</a:t>
+                        <a:t>Sample Size</a:t>
                       </a:r>
                       <a:endParaRPr lang="en-US" sz="1100" b="0" i="0" u="none" strike="noStrike">
                         <a:solidFill>
@@ -4429,6 +4486,37 @@
                   </a:txBody>
                   <a:tcPr marL="9525" marR="9525" marT="9525" marB="0" anchor="ctr"/>
                 </a:tc>
+                <a:extLst>
+                  <a:ext uri="{0D108BD9-81ED-4DB2-BD59-A6C34878D82A}">
+                    <a16:rowId xmlns:a16="http://schemas.microsoft.com/office/drawing/2014/main" val="4131368795"/>
+                  </a:ext>
+                </a:extLst>
+              </a:tr>
+              <a:tr h="298399">
+                <a:tc>
+                  <a:txBody>
+                    <a:bodyPr/>
+                    <a:lstStyle/>
+                    <a:p>
+                      <a:pPr algn="r" fontAlgn="ctr"/>
+                      <a:r>
+                        <a:rPr lang="en-US" altLang="zh-CN" sz="1100" u="none" strike="noStrike">
+                          <a:effectLst/>
+                        </a:rPr>
+                        <a:t>1</a:t>
+                      </a:r>
+                      <a:endParaRPr lang="en-US" altLang="zh-CN" sz="1100" b="0" i="0" u="none" strike="noStrike">
+                        <a:solidFill>
+                          <a:srgbClr val="000000"/>
+                        </a:solidFill>
+                        <a:effectLst/>
+                        <a:latin typeface="等线" panose="02010600030101010101" pitchFamily="2" charset="-122"/>
+                        <a:ea typeface="等线" panose="02010600030101010101" pitchFamily="2" charset="-122"/>
+                      </a:endParaRPr>
+                    </a:p>
+                  </a:txBody>
+                  <a:tcPr marL="9525" marR="9525" marT="9525" marB="0" anchor="ctr"/>
+                </a:tc>
                 <a:tc>
                   <a:txBody>
                     <a:bodyPr/>
@@ -4436,10 +4524,137 @@
                     <a:p>
                       <a:pPr algn="l" fontAlgn="ctr"/>
                       <a:r>
+                        <a:rPr lang="en-US" sz="1100" u="none" strike="noStrike" dirty="0" err="1">
+                          <a:effectLst/>
+                        </a:rPr>
+                        <a:t>ExtraTree</a:t>
+                      </a:r>
+                      <a:endParaRPr lang="en-US" sz="1100" b="0" i="0" u="none" strike="noStrike" dirty="0">
+                        <a:solidFill>
+                          <a:srgbClr val="000000"/>
+                        </a:solidFill>
+                        <a:effectLst/>
+                        <a:latin typeface="等线" panose="02010600030101010101" pitchFamily="2" charset="-122"/>
+                        <a:ea typeface="等线" panose="02010600030101010101" pitchFamily="2" charset="-122"/>
+                      </a:endParaRPr>
+                    </a:p>
+                  </a:txBody>
+                  <a:tcPr marL="9525" marR="9525" marT="9525" marB="0" anchor="ctr"/>
+                </a:tc>
+                <a:tc>
+                  <a:txBody>
+                    <a:bodyPr/>
+                    <a:lstStyle/>
+                    <a:p>
+                      <a:pPr algn="r" fontAlgn="ctr"/>
+                      <a:r>
+                        <a:rPr lang="en-US" altLang="zh-CN" sz="1100" u="none" strike="noStrike" dirty="0">
+                          <a:effectLst/>
+                        </a:rPr>
+                        <a:t>30</a:t>
+                      </a:r>
+                      <a:endParaRPr lang="en-US" altLang="zh-CN" sz="1100" b="0" i="0" u="none" strike="noStrike" dirty="0">
+                        <a:solidFill>
+                          <a:srgbClr val="000000"/>
+                        </a:solidFill>
+                        <a:effectLst/>
+                        <a:latin typeface="等线" panose="02010600030101010101" pitchFamily="2" charset="-122"/>
+                        <a:ea typeface="等线" panose="02010600030101010101" pitchFamily="2" charset="-122"/>
+                      </a:endParaRPr>
+                    </a:p>
+                  </a:txBody>
+                  <a:tcPr marL="9525" marR="9525" marT="9525" marB="0" anchor="ctr"/>
+                </a:tc>
+                <a:tc>
+                  <a:txBody>
+                    <a:bodyPr/>
+                    <a:lstStyle/>
+                    <a:p>
+                      <a:pPr algn="r" fontAlgn="ctr"/>
+                      <a:r>
+                        <a:rPr lang="en-US" altLang="zh-CN" sz="1100" u="none" strike="noStrike">
+                          <a:effectLst/>
+                        </a:rPr>
+                        <a:t>1</a:t>
+                      </a:r>
+                      <a:endParaRPr lang="en-US" altLang="zh-CN" sz="1100" b="0" i="0" u="none" strike="noStrike">
+                        <a:solidFill>
+                          <a:srgbClr val="000000"/>
+                        </a:solidFill>
+                        <a:effectLst/>
+                        <a:latin typeface="等线" panose="02010600030101010101" pitchFamily="2" charset="-122"/>
+                        <a:ea typeface="等线" panose="02010600030101010101" pitchFamily="2" charset="-122"/>
+                      </a:endParaRPr>
+                    </a:p>
+                  </a:txBody>
+                  <a:tcPr marL="9525" marR="9525" marT="9525" marB="0" anchor="ctr"/>
+                </a:tc>
+                <a:tc>
+                  <a:txBody>
+                    <a:bodyPr/>
+                    <a:lstStyle/>
+                    <a:p>
+                      <a:pPr algn="r" fontAlgn="ctr"/>
+                      <a:r>
+                        <a:rPr lang="en-US" altLang="zh-CN" sz="1100" u="none" strike="noStrike">
+                          <a:effectLst/>
+                        </a:rPr>
+                        <a:t>300</a:t>
+                      </a:r>
+                      <a:endParaRPr lang="en-US" altLang="zh-CN" sz="1100" b="0" i="0" u="none" strike="noStrike">
+                        <a:solidFill>
+                          <a:srgbClr val="000000"/>
+                        </a:solidFill>
+                        <a:effectLst/>
+                        <a:latin typeface="等线" panose="02010600030101010101" pitchFamily="2" charset="-122"/>
+                        <a:ea typeface="等线" panose="02010600030101010101" pitchFamily="2" charset="-122"/>
+                      </a:endParaRPr>
+                    </a:p>
+                  </a:txBody>
+                  <a:tcPr marL="9525" marR="9525" marT="9525" marB="0" anchor="ctr"/>
+                </a:tc>
+                <a:extLst>
+                  <a:ext uri="{0D108BD9-81ED-4DB2-BD59-A6C34878D82A}">
+                    <a16:rowId xmlns:a16="http://schemas.microsoft.com/office/drawing/2014/main" val="620992192"/>
+                  </a:ext>
+                </a:extLst>
+              </a:tr>
+              <a:tr h="298399">
+                <a:tc>
+                  <a:txBody>
+                    <a:bodyPr/>
+                    <a:lstStyle/>
+                    <a:p>
+                      <a:pPr algn="r" fontAlgn="ctr"/>
+                      <a:r>
+                        <a:rPr lang="en-US" altLang="zh-CN" sz="1100" u="none" strike="noStrike">
+                          <a:effectLst/>
+                        </a:rPr>
+                        <a:t>2</a:t>
+                      </a:r>
+                      <a:endParaRPr lang="en-US" altLang="zh-CN" sz="1100" b="0" i="0" u="none" strike="noStrike">
+                        <a:solidFill>
+                          <a:srgbClr val="000000"/>
+                        </a:solidFill>
+                        <a:effectLst/>
+                        <a:latin typeface="等线" panose="02010600030101010101" pitchFamily="2" charset="-122"/>
+                        <a:ea typeface="等线" panose="02010600030101010101" pitchFamily="2" charset="-122"/>
+                      </a:endParaRPr>
+                    </a:p>
+                  </a:txBody>
+                  <a:tcPr marL="9525" marR="9525" marT="9525" marB="0" anchor="ctr"/>
+                </a:tc>
+                <a:tc>
+                  <a:txBody>
+                    <a:bodyPr/>
+                    <a:lstStyle/>
+                    <a:p>
+                      <a:pPr algn="l" fontAlgn="ctr"/>
+                      <a:r>
                         <a:rPr lang="en-US" sz="1100" u="none" strike="noStrike">
                           <a:effectLst/>
                         </a:rPr>
-                        <a:t>Holding Period</a:t>
+                        <a:t>ExtraTree</a:t>
                       </a:r>
                       <a:endParaRPr lang="en-US" sz="1100" b="0" i="0" u="none" strike="noStrike">
                         <a:solidFill>
@@ -4458,12 +4673,115 @@
                     <a:bodyPr/>
                     <a:lstStyle/>
                     <a:p>
+                      <a:pPr algn="r" fontAlgn="ctr"/>
+                      <a:r>
+                        <a:rPr lang="en-US" altLang="zh-CN" sz="1100" u="none" strike="noStrike" dirty="0">
+                          <a:effectLst/>
+                        </a:rPr>
+                        <a:t>30</a:t>
+                      </a:r>
+                      <a:endParaRPr lang="en-US" altLang="zh-CN" sz="1100" b="0" i="0" u="none" strike="noStrike" dirty="0">
+                        <a:solidFill>
+                          <a:srgbClr val="000000"/>
+                        </a:solidFill>
+                        <a:effectLst/>
+                        <a:latin typeface="等线" panose="02010600030101010101" pitchFamily="2" charset="-122"/>
+                        <a:ea typeface="等线" panose="02010600030101010101" pitchFamily="2" charset="-122"/>
+                      </a:endParaRPr>
+                    </a:p>
+                  </a:txBody>
+                  <a:tcPr marL="9525" marR="9525" marT="9525" marB="0" anchor="ctr"/>
+                </a:tc>
+                <a:tc>
+                  <a:txBody>
+                    <a:bodyPr/>
+                    <a:lstStyle/>
+                    <a:p>
+                      <a:pPr algn="r" fontAlgn="ctr"/>
+                      <a:r>
+                        <a:rPr lang="en-US" altLang="zh-CN" sz="1100" u="none" strike="noStrike">
+                          <a:effectLst/>
+                        </a:rPr>
+                        <a:t>1</a:t>
+                      </a:r>
+                      <a:endParaRPr lang="en-US" altLang="zh-CN" sz="1100" b="0" i="0" u="none" strike="noStrike">
+                        <a:solidFill>
+                          <a:srgbClr val="000000"/>
+                        </a:solidFill>
+                        <a:effectLst/>
+                        <a:latin typeface="等线" panose="02010600030101010101" pitchFamily="2" charset="-122"/>
+                        <a:ea typeface="等线" panose="02010600030101010101" pitchFamily="2" charset="-122"/>
+                      </a:endParaRPr>
+                    </a:p>
+                  </a:txBody>
+                  <a:tcPr marL="9525" marR="9525" marT="9525" marB="0" anchor="ctr"/>
+                </a:tc>
+                <a:tc>
+                  <a:txBody>
+                    <a:bodyPr/>
+                    <a:lstStyle/>
+                    <a:p>
+                      <a:pPr algn="r" fontAlgn="ctr"/>
+                      <a:r>
+                        <a:rPr lang="en-US" altLang="zh-CN" sz="1100" u="none" strike="noStrike">
+                          <a:effectLst/>
+                        </a:rPr>
+                        <a:t>500</a:t>
+                      </a:r>
+                      <a:endParaRPr lang="en-US" altLang="zh-CN" sz="1100" b="0" i="0" u="none" strike="noStrike">
+                        <a:solidFill>
+                          <a:srgbClr val="000000"/>
+                        </a:solidFill>
+                        <a:effectLst/>
+                        <a:latin typeface="等线" panose="02010600030101010101" pitchFamily="2" charset="-122"/>
+                        <a:ea typeface="等线" panose="02010600030101010101" pitchFamily="2" charset="-122"/>
+                      </a:endParaRPr>
+                    </a:p>
+                  </a:txBody>
+                  <a:tcPr marL="9525" marR="9525" marT="9525" marB="0" anchor="ctr"/>
+                </a:tc>
+                <a:extLst>
+                  <a:ext uri="{0D108BD9-81ED-4DB2-BD59-A6C34878D82A}">
+                    <a16:rowId xmlns:a16="http://schemas.microsoft.com/office/drawing/2014/main" val="2653997710"/>
+                  </a:ext>
+                </a:extLst>
+              </a:tr>
+              <a:tr h="298399">
+                <a:tc>
+                  <a:txBody>
+                    <a:bodyPr/>
+                    <a:lstStyle/>
+                    <a:p>
+                      <a:pPr algn="r" fontAlgn="ctr"/>
+                      <a:r>
+                        <a:rPr lang="en-US" altLang="zh-CN" sz="1100" u="none" strike="noStrike">
+                          <a:effectLst/>
+                        </a:rPr>
+                        <a:t>3</a:t>
+                      </a:r>
+                      <a:endParaRPr lang="en-US" altLang="zh-CN" sz="1100" b="0" i="0" u="none" strike="noStrike">
+                        <a:solidFill>
+                          <a:srgbClr val="000000"/>
+                        </a:solidFill>
+                        <a:effectLst/>
+                        <a:latin typeface="等线" panose="02010600030101010101" pitchFamily="2" charset="-122"/>
+                        <a:ea typeface="等线" panose="02010600030101010101" pitchFamily="2" charset="-122"/>
+                      </a:endParaRPr>
+                    </a:p>
+                  </a:txBody>
+                  <a:tcPr marL="9525" marR="9525" marT="9525" marB="0" anchor="ctr"/>
+                </a:tc>
+                <a:tc>
+                  <a:txBody>
+                    <a:bodyPr/>
+                    <a:lstStyle/>
+                    <a:p>
                       <a:pPr algn="l" fontAlgn="ctr"/>
                       <a:r>
                         <a:rPr lang="en-US" sz="1100" u="none" strike="noStrike">
                           <a:effectLst/>
                         </a:rPr>
-                        <a:t>Sample Size</a:t>
+                        <a:t>ExtraTree</a:t>
                       </a:r>
                       <a:endParaRPr lang="en-US" sz="1100" b="0" i="0" u="none" strike="noStrike">
                         <a:solidFill>
@@ -4477,13 +4795,6 @@
                   </a:txBody>
                   <a:tcPr marL="9525" marR="9525" marT="9525" marB="0" anchor="ctr"/>
                 </a:tc>
-                <a:extLst>
-                  <a:ext uri="{0D108BD9-81ED-4DB2-BD59-A6C34878D82A}">
-                    <a16:rowId xmlns:a16="http://schemas.microsoft.com/office/drawing/2014/main" val="4131368795"/>
-                  </a:ext>
-                </a:extLst>
-              </a:tr>
-              <a:tr h="298399">
                 <a:tc>
                   <a:txBody>
                     <a:bodyPr/>
@@ -4491,10 +4802,34 @@
                     <a:p>
                       <a:pPr algn="r" fontAlgn="ctr"/>
                       <a:r>
+                        <a:rPr lang="en-US" altLang="zh-CN" sz="1100" u="none" strike="noStrike" dirty="0">
+                          <a:effectLst/>
+                        </a:rPr>
+                        <a:t>30</a:t>
+                      </a:r>
+                      <a:endParaRPr lang="en-US" altLang="zh-CN" sz="1100" b="0" i="0" u="none" strike="noStrike" dirty="0">
+                        <a:solidFill>
+                          <a:srgbClr val="000000"/>
+                        </a:solidFill>
+                        <a:effectLst/>
+                        <a:latin typeface="等线" panose="02010600030101010101" pitchFamily="2" charset="-122"/>
+                        <a:ea typeface="等线" panose="02010600030101010101" pitchFamily="2" charset="-122"/>
+                      </a:endParaRPr>
+                    </a:p>
+                  </a:txBody>
+                  <a:tcPr marL="9525" marR="9525" marT="9525" marB="0" anchor="ctr"/>
+                </a:tc>
+                <a:tc>
+                  <a:txBody>
+                    <a:bodyPr/>
+                    <a:lstStyle/>
+                    <a:p>
+                      <a:pPr algn="r" fontAlgn="ctr"/>
+                      <a:r>
                         <a:rPr lang="en-US" altLang="zh-CN" sz="1100" u="none" strike="noStrike">
                           <a:effectLst/>
                         </a:rPr>
-                        <a:t>1</a:t>
+                        <a:t>2</a:t>
                       </a:r>
                       <a:endParaRPr lang="en-US" altLang="zh-CN" sz="1100" b="0" i="0" u="none" strike="noStrike">
                         <a:solidFill>
@@ -4513,6 +4848,61 @@
                     <a:bodyPr/>
                     <a:lstStyle/>
                     <a:p>
+                      <a:pPr algn="r" fontAlgn="ctr"/>
+                      <a:r>
+                        <a:rPr lang="en-US" altLang="zh-CN" sz="1100" u="none" strike="noStrike">
+                          <a:effectLst/>
+                        </a:rPr>
+                        <a:t>100</a:t>
+                      </a:r>
+                      <a:endParaRPr lang="en-US" altLang="zh-CN" sz="1100" b="0" i="0" u="none" strike="noStrike">
+                        <a:solidFill>
+                          <a:srgbClr val="000000"/>
+                        </a:solidFill>
+                        <a:effectLst/>
+                        <a:latin typeface="等线" panose="02010600030101010101" pitchFamily="2" charset="-122"/>
+                        <a:ea typeface="等线" panose="02010600030101010101" pitchFamily="2" charset="-122"/>
+                      </a:endParaRPr>
+                    </a:p>
+                  </a:txBody>
+                  <a:tcPr marL="9525" marR="9525" marT="9525" marB="0" anchor="ctr"/>
+                </a:tc>
+                <a:extLst>
+                  <a:ext uri="{0D108BD9-81ED-4DB2-BD59-A6C34878D82A}">
+                    <a16:rowId xmlns:a16="http://schemas.microsoft.com/office/drawing/2014/main" val="2837042659"/>
+                  </a:ext>
+                </a:extLst>
+              </a:tr>
+              <a:tr h="298399">
+                <a:tc>
+                  <a:txBody>
+                    <a:bodyPr/>
+                    <a:lstStyle/>
+                    <a:p>
+                      <a:pPr algn="r" fontAlgn="ctr"/>
+                      <a:r>
+                        <a:rPr lang="en-US" altLang="zh-CN" sz="1100" u="none" strike="noStrike">
+                          <a:effectLst/>
+                        </a:rPr>
+                        <a:t>4</a:t>
+                      </a:r>
+                      <a:endParaRPr lang="en-US" altLang="zh-CN" sz="1100" b="0" i="0" u="none" strike="noStrike">
+                        <a:solidFill>
+                          <a:srgbClr val="000000"/>
+                        </a:solidFill>
+                        <a:effectLst/>
+                        <a:latin typeface="等线" panose="02010600030101010101" pitchFamily="2" charset="-122"/>
+                        <a:ea typeface="等线" panose="02010600030101010101" pitchFamily="2" charset="-122"/>
+                      </a:endParaRPr>
+                    </a:p>
+                  </a:txBody>
+                  <a:tcPr marL="9525" marR="9525" marT="9525" marB="0" anchor="ctr"/>
+                </a:tc>
+                <a:tc>
+                  <a:txBody>
+                    <a:bodyPr/>
+                    <a:lstStyle/>
+                    <a:p>
                       <a:pPr algn="l" fontAlgn="ctr"/>
                       <a:r>
                         <a:rPr lang="en-US" sz="1100" u="none" strike="noStrike">
@@ -4566,7 +4956,7 @@
                         <a:rPr lang="en-US" altLang="zh-CN" sz="1100" u="none" strike="noStrike">
                           <a:effectLst/>
                         </a:rPr>
-                        <a:t>1</a:t>
+                        <a:t>2</a:t>
                       </a:r>
                       <a:endParaRPr lang="en-US" altLang="zh-CN" sz="1100" b="0" i="0" u="none" strike="noStrike">
                         <a:solidFill>
@@ -4590,7 +4980,7 @@
                         <a:rPr lang="en-US" altLang="zh-CN" sz="1100" u="none" strike="noStrike">
                           <a:effectLst/>
                         </a:rPr>
-                        <a:t>300</a:t>
+                        <a:t>200</a:t>
                       </a:r>
                       <a:endParaRPr lang="en-US" altLang="zh-CN" sz="1100" b="0" i="0" u="none" strike="noStrike">
                         <a:solidFill>
@@ -4606,7 +4996,7 @@
                 </a:tc>
                 <a:extLst>
                   <a:ext uri="{0D108BD9-81ED-4DB2-BD59-A6C34878D82A}">
-                    <a16:rowId xmlns:a16="http://schemas.microsoft.com/office/drawing/2014/main" val="620992192"/>
+                    <a16:rowId xmlns:a16="http://schemas.microsoft.com/office/drawing/2014/main" val="3128359782"/>
                   </a:ext>
                 </a:extLst>
               </a:tr>
@@ -4621,7 +5011,7 @@
                         <a:rPr lang="en-US" altLang="zh-CN" sz="1100" u="none" strike="noStrike">
                           <a:effectLst/>
                         </a:rPr>
-                        <a:t>2</a:t>
+                        <a:t>5</a:t>
                       </a:r>
                       <a:endParaRPr lang="en-US" altLang="zh-CN" sz="1100" b="0" i="0" u="none" strike="noStrike">
                         <a:solidFill>
@@ -4693,7 +5083,7 @@
                         <a:rPr lang="en-US" altLang="zh-CN" sz="1100" u="none" strike="noStrike">
                           <a:effectLst/>
                         </a:rPr>
-                        <a:t>1</a:t>
+                        <a:t>2</a:t>
                       </a:r>
                       <a:endParaRPr lang="en-US" altLang="zh-CN" sz="1100" b="0" i="0" u="none" strike="noStrike">
                         <a:solidFill>
@@ -4717,7 +5107,7 @@
                         <a:rPr lang="en-US" altLang="zh-CN" sz="1100" u="none" strike="noStrike">
                           <a:effectLst/>
                         </a:rPr>
-                        <a:t>500</a:t>
+                        <a:t>400</a:t>
                       </a:r>
                       <a:endParaRPr lang="en-US" altLang="zh-CN" sz="1100" b="0" i="0" u="none" strike="noStrike">
                         <a:solidFill>
@@ -4733,7 +5123,7 @@
                 </a:tc>
                 <a:extLst>
                   <a:ext uri="{0D108BD9-81ED-4DB2-BD59-A6C34878D82A}">
-                    <a16:rowId xmlns:a16="http://schemas.microsoft.com/office/drawing/2014/main" val="2653997710"/>
+                    <a16:rowId xmlns:a16="http://schemas.microsoft.com/office/drawing/2014/main" val="2534320431"/>
                   </a:ext>
                 </a:extLst>
               </a:tr>
@@ -4748,7 +5138,7 @@
                         <a:rPr lang="en-US" altLang="zh-CN" sz="1100" u="none" strike="noStrike">
                           <a:effectLst/>
                         </a:rPr>
-                        <a:t>3</a:t>
+                        <a:t>6</a:t>
                       </a:r>
                       <a:endParaRPr lang="en-US" altLang="zh-CN" sz="1100" b="0" i="0" u="none" strike="noStrike">
                         <a:solidFill>
@@ -4820,7 +5210,7 @@
                         <a:rPr lang="en-US" altLang="zh-CN" sz="1100" u="none" strike="noStrike">
                           <a:effectLst/>
                         </a:rPr>
-                        <a:t>2</a:t>
+                        <a:t>5</a:t>
                       </a:r>
                       <a:endParaRPr lang="en-US" altLang="zh-CN" sz="1100" b="0" i="0" u="none" strike="noStrike">
                         <a:solidFill>
@@ -4860,7 +5250,7 @@
                 </a:tc>
                 <a:extLst>
                   <a:ext uri="{0D108BD9-81ED-4DB2-BD59-A6C34878D82A}">
-                    <a16:rowId xmlns:a16="http://schemas.microsoft.com/office/drawing/2014/main" val="2837042659"/>
+                    <a16:rowId xmlns:a16="http://schemas.microsoft.com/office/drawing/2014/main" val="2418169795"/>
                   </a:ext>
                 </a:extLst>
               </a:tr>
@@ -4875,7 +5265,7 @@
                         <a:rPr lang="en-US" altLang="zh-CN" sz="1100" u="none" strike="noStrike">
                           <a:effectLst/>
                         </a:rPr>
-                        <a:t>4</a:t>
+                        <a:t>7</a:t>
                       </a:r>
                       <a:endParaRPr lang="en-US" altLang="zh-CN" sz="1100" b="0" i="0" u="none" strike="noStrike">
                         <a:solidFill>
@@ -4923,7 +5313,7 @@
                         <a:rPr lang="en-US" altLang="zh-CN" sz="1100" u="none" strike="noStrike">
                           <a:effectLst/>
                         </a:rPr>
-                        <a:t>30</a:t>
+                        <a:t>20</a:t>
                       </a:r>
                       <a:endParaRPr lang="en-US" altLang="zh-CN" sz="1100" b="0" i="0" u="none" strike="noStrike">
                         <a:solidFill>
@@ -4947,7 +5337,7 @@
                         <a:rPr lang="en-US" altLang="zh-CN" sz="1100" u="none" strike="noStrike">
                           <a:effectLst/>
                         </a:rPr>
-                        <a:t>2</a:t>
+                        <a:t>10</a:t>
                       </a:r>
                       <a:endParaRPr lang="en-US" altLang="zh-CN" sz="1100" b="0" i="0" u="none" strike="noStrike">
                         <a:solidFill>
@@ -4971,7 +5361,7 @@
                         <a:rPr lang="en-US" altLang="zh-CN" sz="1100" u="none" strike="noStrike">
                           <a:effectLst/>
                         </a:rPr>
-                        <a:t>200</a:t>
+                        <a:t>100</a:t>
                       </a:r>
                       <a:endParaRPr lang="en-US" altLang="zh-CN" sz="1100" b="0" i="0" u="none" strike="noStrike">
                         <a:solidFill>
@@ -4987,7 +5377,7 @@
                 </a:tc>
                 <a:extLst>
                   <a:ext uri="{0D108BD9-81ED-4DB2-BD59-A6C34878D82A}">
-                    <a16:rowId xmlns:a16="http://schemas.microsoft.com/office/drawing/2014/main" val="3128359782"/>
+                    <a16:rowId xmlns:a16="http://schemas.microsoft.com/office/drawing/2014/main" val="2672525000"/>
                   </a:ext>
                 </a:extLst>
               </a:tr>
@@ -5002,7 +5392,7 @@
                         <a:rPr lang="en-US" altLang="zh-CN" sz="1100" u="none" strike="noStrike">
                           <a:effectLst/>
                         </a:rPr>
-                        <a:t>5</a:t>
+                        <a:t>8</a:t>
                       </a:r>
                       <a:endParaRPr lang="en-US" altLang="zh-CN" sz="1100" b="0" i="0" u="none" strike="noStrike">
                         <a:solidFill>
@@ -5050,7 +5440,7 @@
                         <a:rPr lang="en-US" altLang="zh-CN" sz="1100" u="none" strike="noStrike">
                           <a:effectLst/>
                         </a:rPr>
-                        <a:t>30</a:t>
+                        <a:t>20</a:t>
                       </a:r>
                       <a:endParaRPr lang="en-US" altLang="zh-CN" sz="1100" b="0" i="0" u="none" strike="noStrike">
                         <a:solidFill>
@@ -5074,7 +5464,7 @@
                         <a:rPr lang="en-US" altLang="zh-CN" sz="1100" u="none" strike="noStrike">
                           <a:effectLst/>
                         </a:rPr>
-                        <a:t>2</a:t>
+                        <a:t>10</a:t>
                       </a:r>
                       <a:endParaRPr lang="en-US" altLang="zh-CN" sz="1100" b="0" i="0" u="none" strike="noStrike">
                         <a:solidFill>
@@ -5098,7 +5488,7 @@
                         <a:rPr lang="en-US" altLang="zh-CN" sz="1100" u="none" strike="noStrike">
                           <a:effectLst/>
                         </a:rPr>
-                        <a:t>400</a:t>
+                        <a:t>300</a:t>
                       </a:r>
                       <a:endParaRPr lang="en-US" altLang="zh-CN" sz="1100" b="0" i="0" u="none" strike="noStrike">
                         <a:solidFill>
@@ -5114,7 +5504,7 @@
                 </a:tc>
                 <a:extLst>
                   <a:ext uri="{0D108BD9-81ED-4DB2-BD59-A6C34878D82A}">
-                    <a16:rowId xmlns:a16="http://schemas.microsoft.com/office/drawing/2014/main" val="2534320431"/>
+                    <a16:rowId xmlns:a16="http://schemas.microsoft.com/office/drawing/2014/main" val="769010402"/>
                   </a:ext>
                 </a:extLst>
               </a:tr>
@@ -5129,7 +5519,7 @@
                         <a:rPr lang="en-US" altLang="zh-CN" sz="1100" u="none" strike="noStrike">
                           <a:effectLst/>
                         </a:rPr>
-                        <a:t>6</a:t>
+                        <a:t>9</a:t>
                       </a:r>
                       <a:endParaRPr lang="en-US" altLang="zh-CN" sz="1100" b="0" i="0" u="none" strike="noStrike">
                         <a:solidFill>
@@ -5201,7 +5591,7 @@
                         <a:rPr lang="en-US" altLang="zh-CN" sz="1100" u="none" strike="noStrike">
                           <a:effectLst/>
                         </a:rPr>
-                        <a:t>5</a:t>
+                        <a:t>10</a:t>
                       </a:r>
                       <a:endParaRPr lang="en-US" altLang="zh-CN" sz="1100" b="0" i="0" u="none" strike="noStrike">
                         <a:solidFill>
@@ -5241,7 +5631,7 @@
                 </a:tc>
                 <a:extLst>
                   <a:ext uri="{0D108BD9-81ED-4DB2-BD59-A6C34878D82A}">
-                    <a16:rowId xmlns:a16="http://schemas.microsoft.com/office/drawing/2014/main" val="2418169795"/>
+                    <a16:rowId xmlns:a16="http://schemas.microsoft.com/office/drawing/2014/main" val="749269442"/>
                   </a:ext>
                 </a:extLst>
               </a:tr>
@@ -5256,7 +5646,7 @@
                         <a:rPr lang="en-US" altLang="zh-CN" sz="1100" u="none" strike="noStrike">
                           <a:effectLst/>
                         </a:rPr>
-                        <a:t>7</a:t>
+                        <a:t>10</a:t>
                       </a:r>
                       <a:endParaRPr lang="en-US" altLang="zh-CN" sz="1100" b="0" i="0" u="none" strike="noStrike">
                         <a:solidFill>
@@ -5277,393 +5667,12 @@
                     <a:p>
                       <a:pPr algn="l" fontAlgn="ctr"/>
                       <a:r>
-                        <a:rPr lang="en-US" sz="1100" u="none" strike="noStrike">
+                        <a:rPr lang="en-US" sz="1100" u="none" strike="noStrike" dirty="0" err="1">
                           <a:effectLst/>
                         </a:rPr>
                         <a:t>ExtraTree</a:t>
                       </a:r>
-                      <a:endParaRPr lang="en-US" sz="1100" b="0" i="0" u="none" strike="noStrike">
-                        <a:solidFill>
-                          <a:srgbClr val="000000"/>
-                        </a:solidFill>
-                        <a:effectLst/>
-                        <a:latin typeface="等线" panose="02010600030101010101" pitchFamily="2" charset="-122"/>
-                        <a:ea typeface="等线" panose="02010600030101010101" pitchFamily="2" charset="-122"/>
-                      </a:endParaRPr>
-                    </a:p>
-                  </a:txBody>
-                  <a:tcPr marL="9525" marR="9525" marT="9525" marB="0" anchor="ctr"/>
-                </a:tc>
-                <a:tc>
-                  <a:txBody>
-                    <a:bodyPr/>
-                    <a:lstStyle/>
-                    <a:p>
-                      <a:pPr algn="r" fontAlgn="ctr"/>
-                      <a:r>
-                        <a:rPr lang="en-US" altLang="zh-CN" sz="1100" u="none" strike="noStrike">
-                          <a:effectLst/>
-                        </a:rPr>
-                        <a:t>20</a:t>
-                      </a:r>
-                      <a:endParaRPr lang="en-US" altLang="zh-CN" sz="1100" b="0" i="0" u="none" strike="noStrike">
-                        <a:solidFill>
-                          <a:srgbClr val="000000"/>
-                        </a:solidFill>
-                        <a:effectLst/>
-                        <a:latin typeface="等线" panose="02010600030101010101" pitchFamily="2" charset="-122"/>
-                        <a:ea typeface="等线" panose="02010600030101010101" pitchFamily="2" charset="-122"/>
-                      </a:endParaRPr>
-                    </a:p>
-                  </a:txBody>
-                  <a:tcPr marL="9525" marR="9525" marT="9525" marB="0" anchor="ctr"/>
-                </a:tc>
-                <a:tc>
-                  <a:txBody>
-                    <a:bodyPr/>
-                    <a:lstStyle/>
-                    <a:p>
-                      <a:pPr algn="r" fontAlgn="ctr"/>
-                      <a:r>
-                        <a:rPr lang="en-US" altLang="zh-CN" sz="1100" u="none" strike="noStrike">
-                          <a:effectLst/>
-                        </a:rPr>
-                        <a:t>10</a:t>
-                      </a:r>
-                      <a:endParaRPr lang="en-US" altLang="zh-CN" sz="1100" b="0" i="0" u="none" strike="noStrike">
-                        <a:solidFill>
-                          <a:srgbClr val="000000"/>
-                        </a:solidFill>
-                        <a:effectLst/>
-                        <a:latin typeface="等线" panose="02010600030101010101" pitchFamily="2" charset="-122"/>
-                        <a:ea typeface="等线" panose="02010600030101010101" pitchFamily="2" charset="-122"/>
-                      </a:endParaRPr>
-                    </a:p>
-                  </a:txBody>
-                  <a:tcPr marL="9525" marR="9525" marT="9525" marB="0" anchor="ctr"/>
-                </a:tc>
-                <a:tc>
-                  <a:txBody>
-                    <a:bodyPr/>
-                    <a:lstStyle/>
-                    <a:p>
-                      <a:pPr algn="r" fontAlgn="ctr"/>
-                      <a:r>
-                        <a:rPr lang="en-US" altLang="zh-CN" sz="1100" u="none" strike="noStrike">
-                          <a:effectLst/>
-                        </a:rPr>
-                        <a:t>100</a:t>
-                      </a:r>
-                      <a:endParaRPr lang="en-US" altLang="zh-CN" sz="1100" b="0" i="0" u="none" strike="noStrike">
-                        <a:solidFill>
-                          <a:srgbClr val="000000"/>
-                        </a:solidFill>
-                        <a:effectLst/>
-                        <a:latin typeface="等线" panose="02010600030101010101" pitchFamily="2" charset="-122"/>
-                        <a:ea typeface="等线" panose="02010600030101010101" pitchFamily="2" charset="-122"/>
-                      </a:endParaRPr>
-                    </a:p>
-                  </a:txBody>
-                  <a:tcPr marL="9525" marR="9525" marT="9525" marB="0" anchor="ctr"/>
-                </a:tc>
-                <a:extLst>
-                  <a:ext uri="{0D108BD9-81ED-4DB2-BD59-A6C34878D82A}">
-                    <a16:rowId xmlns:a16="http://schemas.microsoft.com/office/drawing/2014/main" val="2672525000"/>
-                  </a:ext>
-                </a:extLst>
-              </a:tr>
-              <a:tr h="298399">
-                <a:tc>
-                  <a:txBody>
-                    <a:bodyPr/>
-                    <a:lstStyle/>
-                    <a:p>
-                      <a:pPr algn="r" fontAlgn="ctr"/>
-                      <a:r>
-                        <a:rPr lang="en-US" altLang="zh-CN" sz="1100" u="none" strike="noStrike">
-                          <a:effectLst/>
-                        </a:rPr>
-                        <a:t>8</a:t>
-                      </a:r>
-                      <a:endParaRPr lang="en-US" altLang="zh-CN" sz="1100" b="0" i="0" u="none" strike="noStrike">
-                        <a:solidFill>
-                          <a:srgbClr val="000000"/>
-                        </a:solidFill>
-                        <a:effectLst/>
-                        <a:latin typeface="等线" panose="02010600030101010101" pitchFamily="2" charset="-122"/>
-                        <a:ea typeface="等线" panose="02010600030101010101" pitchFamily="2" charset="-122"/>
-                      </a:endParaRPr>
-                    </a:p>
-                  </a:txBody>
-                  <a:tcPr marL="9525" marR="9525" marT="9525" marB="0" anchor="ctr"/>
-                </a:tc>
-                <a:tc>
-                  <a:txBody>
-                    <a:bodyPr/>
-                    <a:lstStyle/>
-                    <a:p>
-                      <a:pPr algn="l" fontAlgn="ctr"/>
-                      <a:r>
-                        <a:rPr lang="en-US" sz="1100" u="none" strike="noStrike">
-                          <a:effectLst/>
-                        </a:rPr>
-                        <a:t>ExtraTree</a:t>
-                      </a:r>
-                      <a:endParaRPr lang="en-US" sz="1100" b="0" i="0" u="none" strike="noStrike">
-                        <a:solidFill>
-                          <a:srgbClr val="000000"/>
-                        </a:solidFill>
-                        <a:effectLst/>
-                        <a:latin typeface="等线" panose="02010600030101010101" pitchFamily="2" charset="-122"/>
-                        <a:ea typeface="等线" panose="02010600030101010101" pitchFamily="2" charset="-122"/>
-                      </a:endParaRPr>
-                    </a:p>
-                  </a:txBody>
-                  <a:tcPr marL="9525" marR="9525" marT="9525" marB="0" anchor="ctr"/>
-                </a:tc>
-                <a:tc>
-                  <a:txBody>
-                    <a:bodyPr/>
-                    <a:lstStyle/>
-                    <a:p>
-                      <a:pPr algn="r" fontAlgn="ctr"/>
-                      <a:r>
-                        <a:rPr lang="en-US" altLang="zh-CN" sz="1100" u="none" strike="noStrike">
-                          <a:effectLst/>
-                        </a:rPr>
-                        <a:t>20</a:t>
-                      </a:r>
-                      <a:endParaRPr lang="en-US" altLang="zh-CN" sz="1100" b="0" i="0" u="none" strike="noStrike">
-                        <a:solidFill>
-                          <a:srgbClr val="000000"/>
-                        </a:solidFill>
-                        <a:effectLst/>
-                        <a:latin typeface="等线" panose="02010600030101010101" pitchFamily="2" charset="-122"/>
-                        <a:ea typeface="等线" panose="02010600030101010101" pitchFamily="2" charset="-122"/>
-                      </a:endParaRPr>
-                    </a:p>
-                  </a:txBody>
-                  <a:tcPr marL="9525" marR="9525" marT="9525" marB="0" anchor="ctr"/>
-                </a:tc>
-                <a:tc>
-                  <a:txBody>
-                    <a:bodyPr/>
-                    <a:lstStyle/>
-                    <a:p>
-                      <a:pPr algn="r" fontAlgn="ctr"/>
-                      <a:r>
-                        <a:rPr lang="en-US" altLang="zh-CN" sz="1100" u="none" strike="noStrike">
-                          <a:effectLst/>
-                        </a:rPr>
-                        <a:t>10</a:t>
-                      </a:r>
-                      <a:endParaRPr lang="en-US" altLang="zh-CN" sz="1100" b="0" i="0" u="none" strike="noStrike">
-                        <a:solidFill>
-                          <a:srgbClr val="000000"/>
-                        </a:solidFill>
-                        <a:effectLst/>
-                        <a:latin typeface="等线" panose="02010600030101010101" pitchFamily="2" charset="-122"/>
-                        <a:ea typeface="等线" panose="02010600030101010101" pitchFamily="2" charset="-122"/>
-                      </a:endParaRPr>
-                    </a:p>
-                  </a:txBody>
-                  <a:tcPr marL="9525" marR="9525" marT="9525" marB="0" anchor="ctr"/>
-                </a:tc>
-                <a:tc>
-                  <a:txBody>
-                    <a:bodyPr/>
-                    <a:lstStyle/>
-                    <a:p>
-                      <a:pPr algn="r" fontAlgn="ctr"/>
-                      <a:r>
-                        <a:rPr lang="en-US" altLang="zh-CN" sz="1100" u="none" strike="noStrike">
-                          <a:effectLst/>
-                        </a:rPr>
-                        <a:t>300</a:t>
-                      </a:r>
-                      <a:endParaRPr lang="en-US" altLang="zh-CN" sz="1100" b="0" i="0" u="none" strike="noStrike">
-                        <a:solidFill>
-                          <a:srgbClr val="000000"/>
-                        </a:solidFill>
-                        <a:effectLst/>
-                        <a:latin typeface="等线" panose="02010600030101010101" pitchFamily="2" charset="-122"/>
-                        <a:ea typeface="等线" panose="02010600030101010101" pitchFamily="2" charset="-122"/>
-                      </a:endParaRPr>
-                    </a:p>
-                  </a:txBody>
-                  <a:tcPr marL="9525" marR="9525" marT="9525" marB="0" anchor="ctr"/>
-                </a:tc>
-                <a:extLst>
-                  <a:ext uri="{0D108BD9-81ED-4DB2-BD59-A6C34878D82A}">
-                    <a16:rowId xmlns:a16="http://schemas.microsoft.com/office/drawing/2014/main" val="769010402"/>
-                  </a:ext>
-                </a:extLst>
-              </a:tr>
-              <a:tr h="298399">
-                <a:tc>
-                  <a:txBody>
-                    <a:bodyPr/>
-                    <a:lstStyle/>
-                    <a:p>
-                      <a:pPr algn="r" fontAlgn="ctr"/>
-                      <a:r>
-                        <a:rPr lang="en-US" altLang="zh-CN" sz="1100" u="none" strike="noStrike">
-                          <a:effectLst/>
-                        </a:rPr>
-                        <a:t>9</a:t>
-                      </a:r>
-                      <a:endParaRPr lang="en-US" altLang="zh-CN" sz="1100" b="0" i="0" u="none" strike="noStrike">
-                        <a:solidFill>
-                          <a:srgbClr val="000000"/>
-                        </a:solidFill>
-                        <a:effectLst/>
-                        <a:latin typeface="等线" panose="02010600030101010101" pitchFamily="2" charset="-122"/>
-                        <a:ea typeface="等线" panose="02010600030101010101" pitchFamily="2" charset="-122"/>
-                      </a:endParaRPr>
-                    </a:p>
-                  </a:txBody>
-                  <a:tcPr marL="9525" marR="9525" marT="9525" marB="0" anchor="ctr"/>
-                </a:tc>
-                <a:tc>
-                  <a:txBody>
-                    <a:bodyPr/>
-                    <a:lstStyle/>
-                    <a:p>
-                      <a:pPr algn="l" fontAlgn="ctr"/>
-                      <a:r>
-                        <a:rPr lang="en-US" sz="1100" u="none" strike="noStrike">
-                          <a:effectLst/>
-                        </a:rPr>
-                        <a:t>ExtraTree</a:t>
-                      </a:r>
-                      <a:endParaRPr lang="en-US" sz="1100" b="0" i="0" u="none" strike="noStrike">
-                        <a:solidFill>
-                          <a:srgbClr val="000000"/>
-                        </a:solidFill>
-                        <a:effectLst/>
-                        <a:latin typeface="等线" panose="02010600030101010101" pitchFamily="2" charset="-122"/>
-                        <a:ea typeface="等线" panose="02010600030101010101" pitchFamily="2" charset="-122"/>
-                      </a:endParaRPr>
-                    </a:p>
-                  </a:txBody>
-                  <a:tcPr marL="9525" marR="9525" marT="9525" marB="0" anchor="ctr"/>
-                </a:tc>
-                <a:tc>
-                  <a:txBody>
-                    <a:bodyPr/>
-                    <a:lstStyle/>
-                    <a:p>
-                      <a:pPr algn="r" fontAlgn="ctr"/>
-                      <a:r>
-                        <a:rPr lang="en-US" altLang="zh-CN" sz="1100" u="none" strike="noStrike">
-                          <a:effectLst/>
-                        </a:rPr>
-                        <a:t>30</a:t>
-                      </a:r>
-                      <a:endParaRPr lang="en-US" altLang="zh-CN" sz="1100" b="0" i="0" u="none" strike="noStrike">
-                        <a:solidFill>
-                          <a:srgbClr val="000000"/>
-                        </a:solidFill>
-                        <a:effectLst/>
-                        <a:latin typeface="等线" panose="02010600030101010101" pitchFamily="2" charset="-122"/>
-                        <a:ea typeface="等线" panose="02010600030101010101" pitchFamily="2" charset="-122"/>
-                      </a:endParaRPr>
-                    </a:p>
-                  </a:txBody>
-                  <a:tcPr marL="9525" marR="9525" marT="9525" marB="0" anchor="ctr"/>
-                </a:tc>
-                <a:tc>
-                  <a:txBody>
-                    <a:bodyPr/>
-                    <a:lstStyle/>
-                    <a:p>
-                      <a:pPr algn="r" fontAlgn="ctr"/>
-                      <a:r>
-                        <a:rPr lang="en-US" altLang="zh-CN" sz="1100" u="none" strike="noStrike">
-                          <a:effectLst/>
-                        </a:rPr>
-                        <a:t>10</a:t>
-                      </a:r>
-                      <a:endParaRPr lang="en-US" altLang="zh-CN" sz="1100" b="0" i="0" u="none" strike="noStrike">
-                        <a:solidFill>
-                          <a:srgbClr val="000000"/>
-                        </a:solidFill>
-                        <a:effectLst/>
-                        <a:latin typeface="等线" panose="02010600030101010101" pitchFamily="2" charset="-122"/>
-                        <a:ea typeface="等线" panose="02010600030101010101" pitchFamily="2" charset="-122"/>
-                      </a:endParaRPr>
-                    </a:p>
-                  </a:txBody>
-                  <a:tcPr marL="9525" marR="9525" marT="9525" marB="0" anchor="ctr"/>
-                </a:tc>
-                <a:tc>
-                  <a:txBody>
-                    <a:bodyPr/>
-                    <a:lstStyle/>
-                    <a:p>
-                      <a:pPr algn="r" fontAlgn="ctr"/>
-                      <a:r>
-                        <a:rPr lang="en-US" altLang="zh-CN" sz="1100" u="none" strike="noStrike">
-                          <a:effectLst/>
-                        </a:rPr>
-                        <a:t>100</a:t>
-                      </a:r>
-                      <a:endParaRPr lang="en-US" altLang="zh-CN" sz="1100" b="0" i="0" u="none" strike="noStrike">
-                        <a:solidFill>
-                          <a:srgbClr val="000000"/>
-                        </a:solidFill>
-                        <a:effectLst/>
-                        <a:latin typeface="等线" panose="02010600030101010101" pitchFamily="2" charset="-122"/>
-                        <a:ea typeface="等线" panose="02010600030101010101" pitchFamily="2" charset="-122"/>
-                      </a:endParaRPr>
-                    </a:p>
-                  </a:txBody>
-                  <a:tcPr marL="9525" marR="9525" marT="9525" marB="0" anchor="ctr"/>
-                </a:tc>
-                <a:extLst>
-                  <a:ext uri="{0D108BD9-81ED-4DB2-BD59-A6C34878D82A}">
-                    <a16:rowId xmlns:a16="http://schemas.microsoft.com/office/drawing/2014/main" val="749269442"/>
-                  </a:ext>
-                </a:extLst>
-              </a:tr>
-              <a:tr h="298399">
-                <a:tc>
-                  <a:txBody>
-                    <a:bodyPr/>
-                    <a:lstStyle/>
-                    <a:p>
-                      <a:pPr algn="r" fontAlgn="ctr"/>
-                      <a:r>
-                        <a:rPr lang="en-US" altLang="zh-CN" sz="1100" u="none" strike="noStrike">
-                          <a:effectLst/>
-                        </a:rPr>
-                        <a:t>10</a:t>
-                      </a:r>
-                      <a:endParaRPr lang="en-US" altLang="zh-CN" sz="1100" b="0" i="0" u="none" strike="noStrike">
-                        <a:solidFill>
-                          <a:srgbClr val="000000"/>
-                        </a:solidFill>
-                        <a:effectLst/>
-                        <a:latin typeface="等线" panose="02010600030101010101" pitchFamily="2" charset="-122"/>
-                        <a:ea typeface="等线" panose="02010600030101010101" pitchFamily="2" charset="-122"/>
-                      </a:endParaRPr>
-                    </a:p>
-                  </a:txBody>
-                  <a:tcPr marL="9525" marR="9525" marT="9525" marB="0" anchor="ctr"/>
-                </a:tc>
-                <a:tc>
-                  <a:txBody>
-                    <a:bodyPr/>
-                    <a:lstStyle/>
-                    <a:p>
-                      <a:pPr algn="l" fontAlgn="ctr"/>
-                      <a:r>
-                        <a:rPr lang="en-US" sz="1100" u="none" strike="noStrike">
-                          <a:effectLst/>
-                        </a:rPr>
-                        <a:t>ExtraTree</a:t>
-                      </a:r>
-                      <a:endParaRPr lang="en-US" sz="1100" b="0" i="0" u="none" strike="noStrike">
+                      <a:endParaRPr lang="en-US" sz="1100" b="0" i="0" u="none" strike="noStrike" dirty="0">
                         <a:solidFill>
                           <a:srgbClr val="000000"/>
                         </a:solidFill>
@@ -6035,6 +6044,255 @@
           <p:cNvPr id="2" name="Text Placeholder 1">
             <a:extLst>
               <a:ext uri="{FF2B5EF4-FFF2-40B4-BE49-F238E27FC236}">
+                <a16:creationId xmlns:a16="http://schemas.microsoft.com/office/drawing/2014/main" id="{99815D90-00AF-45B3-8A66-6FA6DA8EE776}"/>
+              </a:ext>
+            </a:extLst>
+          </p:cNvPr>
+          <p:cNvSpPr>
+            <a:spLocks noGrp="1"/>
+          </p:cNvSpPr>
+          <p:nvPr>
+            <p:ph type="body" sz="quarter" idx="12"/>
+          </p:nvPr>
+        </p:nvSpPr>
+        <p:spPr>
+          <a:xfrm>
+            <a:off x="501792" y="1051133"/>
+            <a:ext cx="8315553" cy="3663742"/>
+          </a:xfrm>
+        </p:spPr>
+        <p:txBody>
+          <a:bodyPr/>
+          <a:lstStyle/>
+          <a:p>
+            <a:r>
+              <a:rPr lang="en-US" altLang="zh-CN" dirty="0"/>
+              <a:t>Model Intuition</a:t>
+            </a:r>
+            <a:endParaRPr lang="zh-CN" altLang="en-US" dirty="0"/>
+          </a:p>
+        </p:txBody>
+      </p:sp>
+      <p:sp>
+        <p:nvSpPr>
+          <p:cNvPr id="3" name="Text Placeholder 2">
+            <a:extLst>
+              <a:ext uri="{FF2B5EF4-FFF2-40B4-BE49-F238E27FC236}">
+                <a16:creationId xmlns:a16="http://schemas.microsoft.com/office/drawing/2014/main" id="{D95D6EC5-39BC-4B14-9ABC-9D26C50E906D}"/>
+              </a:ext>
+            </a:extLst>
+          </p:cNvPr>
+          <p:cNvSpPr>
+            <a:spLocks noGrp="1"/>
+          </p:cNvSpPr>
+          <p:nvPr>
+            <p:ph type="body" sz="quarter" idx="14"/>
+          </p:nvPr>
+        </p:nvSpPr>
+        <p:spPr>
+          <a:xfrm>
+            <a:off x="4042161" y="228989"/>
+            <a:ext cx="4875291" cy="265113"/>
+          </a:xfrm>
+        </p:spPr>
+        <p:txBody>
+          <a:bodyPr/>
+          <a:lstStyle/>
+          <a:p>
+            <a:r>
+              <a:rPr lang="en-US" altLang="zh-CN" dirty="0"/>
+              <a:t>Model Improvements - </a:t>
+            </a:r>
+            <a:r>
+              <a:rPr lang="en-US" altLang="zh-CN" dirty="0">
+                <a:ea typeface="ＭＳ Ｐゴシック" charset="0"/>
+                <a:cs typeface="Arial"/>
+              </a:rPr>
+              <a:t>Doc2Vec and Pooling</a:t>
+            </a:r>
+          </a:p>
+          <a:p>
+            <a:endParaRPr lang="zh-CN" altLang="en-US" dirty="0"/>
+          </a:p>
+        </p:txBody>
+      </p:sp>
+      <p:sp>
+        <p:nvSpPr>
+          <p:cNvPr id="4" name="Date Placeholder 3">
+            <a:extLst>
+              <a:ext uri="{FF2B5EF4-FFF2-40B4-BE49-F238E27FC236}">
+                <a16:creationId xmlns:a16="http://schemas.microsoft.com/office/drawing/2014/main" id="{34DDD6FA-896D-48AB-88E8-89C7B2F67F9E}"/>
+              </a:ext>
+            </a:extLst>
+          </p:cNvPr>
+          <p:cNvSpPr>
+            <a:spLocks noGrp="1"/>
+          </p:cNvSpPr>
+          <p:nvPr>
+            <p:ph type="dt" sz="half" idx="15"/>
+          </p:nvPr>
+        </p:nvSpPr>
+        <p:spPr/>
+        <p:txBody>
+          <a:bodyPr/>
+          <a:lstStyle/>
+          <a:p>
+            <a:pPr>
+              <a:defRPr/>
+            </a:pPr>
+            <a:fld id="{BB8BC90C-0B0D-4B70-9E78-7734F7D5884F}" type="datetime1">
+              <a:rPr lang="en-US" altLang="zh-CN" smtClean="0"/>
+              <a:pPr>
+                <a:defRPr/>
+              </a:pPr>
+              <a:t>10/18/2019</a:t>
+            </a:fld>
+            <a:endParaRPr lang="en-US" altLang="zh-CN"/>
+          </a:p>
+        </p:txBody>
+      </p:sp>
+      <p:sp>
+        <p:nvSpPr>
+          <p:cNvPr id="5" name="Slide Number Placeholder 4">
+            <a:extLst>
+              <a:ext uri="{FF2B5EF4-FFF2-40B4-BE49-F238E27FC236}">
+                <a16:creationId xmlns:a16="http://schemas.microsoft.com/office/drawing/2014/main" id="{7287783A-8C96-4F89-BF25-0FFEB2E906D5}"/>
+              </a:ext>
+            </a:extLst>
+          </p:cNvPr>
+          <p:cNvSpPr>
+            <a:spLocks noGrp="1"/>
+          </p:cNvSpPr>
+          <p:nvPr>
+            <p:ph type="sldNum" sz="quarter" idx="16"/>
+          </p:nvPr>
+        </p:nvSpPr>
+        <p:spPr/>
+        <p:txBody>
+          <a:bodyPr/>
+          <a:lstStyle/>
+          <a:p>
+            <a:pPr>
+              <a:defRPr/>
+            </a:pPr>
+            <a:fld id="{663A759A-91C0-40B8-8C45-F12E9D2FF7F2}" type="slidenum">
+              <a:rPr lang="en-US" altLang="zh-CN" smtClean="0"/>
+              <a:pPr>
+                <a:defRPr/>
+              </a:pPr>
+              <a:t>12</a:t>
+            </a:fld>
+            <a:endParaRPr lang="en-US" altLang="zh-CN"/>
+          </a:p>
+        </p:txBody>
+      </p:sp>
+      <p:pic>
+        <p:nvPicPr>
+          <p:cNvPr id="7" name="Picture 6">
+            <a:extLst>
+              <a:ext uri="{FF2B5EF4-FFF2-40B4-BE49-F238E27FC236}">
+                <a16:creationId xmlns:a16="http://schemas.microsoft.com/office/drawing/2014/main" id="{F4022A21-4062-4935-A877-0435E0A58742}"/>
+              </a:ext>
+            </a:extLst>
+          </p:cNvPr>
+          <p:cNvPicPr>
+            <a:picLocks noChangeAspect="1"/>
+          </p:cNvPicPr>
+          <p:nvPr/>
+        </p:nvPicPr>
+        <p:blipFill>
+          <a:blip r:embed="rId2"/>
+          <a:stretch>
+            <a:fillRect/>
+          </a:stretch>
+        </p:blipFill>
+        <p:spPr>
+          <a:xfrm>
+            <a:off x="501792" y="1397774"/>
+            <a:ext cx="5787677" cy="3114405"/>
+          </a:xfrm>
+          <a:prstGeom prst="rect">
+            <a:avLst/>
+          </a:prstGeom>
+        </p:spPr>
+      </p:pic>
+      <p:sp>
+        <p:nvSpPr>
+          <p:cNvPr id="8" name="TextBox 7">
+            <a:extLst>
+              <a:ext uri="{FF2B5EF4-FFF2-40B4-BE49-F238E27FC236}">
+                <a16:creationId xmlns:a16="http://schemas.microsoft.com/office/drawing/2014/main" id="{AD79C89C-C4BD-4D0A-AD6E-3D6E678D0E03}"/>
+              </a:ext>
+            </a:extLst>
+          </p:cNvPr>
+          <p:cNvSpPr txBox="1"/>
+          <p:nvPr/>
+        </p:nvSpPr>
+        <p:spPr>
+          <a:xfrm>
+            <a:off x="501792" y="4424878"/>
+            <a:ext cx="6170063" cy="253916"/>
+          </a:xfrm>
+          <a:prstGeom prst="rect">
+            <a:avLst/>
+          </a:prstGeom>
+          <a:noFill/>
+        </p:spPr>
+        <p:txBody>
+          <a:bodyPr wrap="square" rtlCol="0">
+            <a:spAutoFit/>
+          </a:bodyPr>
+          <a:lstStyle/>
+          <a:p>
+            <a:r>
+              <a:rPr lang="en-US" altLang="zh-CN" sz="1050" dirty="0"/>
+              <a:t>From: </a:t>
+            </a:r>
+            <a:r>
+              <a:rPr lang="en-US" altLang="zh-CN" sz="1050" dirty="0">
+                <a:hlinkClick r:id="rId3"/>
+              </a:rPr>
+              <a:t>https://blog.acolyer.org/2016/06/01/distributed-representations-of-sentences-and-documents/</a:t>
+            </a:r>
+            <a:endParaRPr lang="zh-CN" altLang="en-US" sz="1050" dirty="0"/>
+          </a:p>
+        </p:txBody>
+      </p:sp>
+    </p:spTree>
+    <p:extLst>
+      <p:ext uri="{BB962C8B-B14F-4D97-AF65-F5344CB8AC3E}">
+        <p14:creationId xmlns:p14="http://schemas.microsoft.com/office/powerpoint/2010/main" val="2819684182"/>
+      </p:ext>
+    </p:extLst>
+  </p:cSld>
+  <p:clrMapOvr>
+    <a:masterClrMapping/>
+  </p:clrMapOvr>
+</p:sld>
+</file>
+
+<file path=ppt/slides/slide13.xml><?xml version="1.0" encoding="utf-8"?>
+<p:sld xmlns:a="http://schemas.openxmlformats.org/drawingml/2006/main" xmlns:r="http://schemas.openxmlformats.org/officeDocument/2006/relationships" xmlns:p="http://schemas.openxmlformats.org/presentationml/2006/main">
+  <p:cSld>
+    <p:spTree>
+      <p:nvGrpSpPr>
+        <p:cNvPr id="1" name=""/>
+        <p:cNvGrpSpPr/>
+        <p:nvPr/>
+      </p:nvGrpSpPr>
+      <p:grpSpPr>
+        <a:xfrm>
+          <a:off x="0" y="0"/>
+          <a:ext cx="0" cy="0"/>
+          <a:chOff x="0" y="0"/>
+          <a:chExt cx="0" cy="0"/>
+        </a:xfrm>
+      </p:grpSpPr>
+      <p:sp>
+        <p:nvSpPr>
+          <p:cNvPr id="2" name="Text Placeholder 1">
+            <a:extLst>
+              <a:ext uri="{FF2B5EF4-FFF2-40B4-BE49-F238E27FC236}">
                 <a16:creationId xmlns:a16="http://schemas.microsoft.com/office/drawing/2014/main" id="{C40DC57D-74E8-4706-AE23-960BE052A6D7}"/>
               </a:ext>
             </a:extLst>
@@ -6046,11 +6304,20 @@
             <p:ph type="body" sz="quarter" idx="12"/>
           </p:nvPr>
         </p:nvSpPr>
-        <p:spPr/>
+        <p:spPr>
+          <a:xfrm>
+            <a:off x="371247" y="830722"/>
+            <a:ext cx="8315553" cy="3131018"/>
+          </a:xfrm>
+        </p:spPr>
         <p:txBody>
           <a:bodyPr/>
           <a:lstStyle/>
           <a:p>
+            <a:r>
+              <a:rPr lang="en-US" altLang="zh-CN" dirty="0"/>
+              <a:t>Performance</a:t>
+            </a:r>
             <a:endParaRPr lang="zh-CN" altLang="en-US" dirty="0"/>
           </a:p>
         </p:txBody>
@@ -6162,7 +6429,1811 @@
               <a:pPr>
                 <a:defRPr/>
               </a:pPr>
-              <a:t>12</a:t>
+              <a:t>13</a:t>
+            </a:fld>
+            <a:endParaRPr lang="en-US" altLang="zh-CN"/>
+          </a:p>
+        </p:txBody>
+      </p:sp>
+      <p:pic>
+        <p:nvPicPr>
+          <p:cNvPr id="7" name="Picture 6">
+            <a:extLst>
+              <a:ext uri="{FF2B5EF4-FFF2-40B4-BE49-F238E27FC236}">
+                <a16:creationId xmlns:a16="http://schemas.microsoft.com/office/drawing/2014/main" id="{4F480417-1B28-4247-8655-DCCBD45AB17D}"/>
+              </a:ext>
+            </a:extLst>
+          </p:cNvPr>
+          <p:cNvPicPr>
+            <a:picLocks noChangeAspect="1"/>
+          </p:cNvPicPr>
+          <p:nvPr/>
+        </p:nvPicPr>
+        <p:blipFill>
+          <a:blip r:embed="rId2"/>
+          <a:stretch>
+            <a:fillRect/>
+          </a:stretch>
+        </p:blipFill>
+        <p:spPr>
+          <a:xfrm>
+            <a:off x="551206" y="1121938"/>
+            <a:ext cx="7887768" cy="3916638"/>
+          </a:xfrm>
+          <a:prstGeom prst="rect">
+            <a:avLst/>
+          </a:prstGeom>
+        </p:spPr>
+      </p:pic>
+    </p:spTree>
+    <p:extLst>
+      <p:ext uri="{BB962C8B-B14F-4D97-AF65-F5344CB8AC3E}">
+        <p14:creationId xmlns:p14="http://schemas.microsoft.com/office/powerpoint/2010/main" val="2919254538"/>
+      </p:ext>
+    </p:extLst>
+  </p:cSld>
+  <p:clrMapOvr>
+    <a:masterClrMapping/>
+  </p:clrMapOvr>
+</p:sld>
+</file>
+
+<file path=ppt/slides/slide14.xml><?xml version="1.0" encoding="utf-8"?>
+<p:sld xmlns:a="http://schemas.openxmlformats.org/drawingml/2006/main" xmlns:r="http://schemas.openxmlformats.org/officeDocument/2006/relationships" xmlns:p="http://schemas.openxmlformats.org/presentationml/2006/main">
+  <p:cSld>
+    <p:spTree>
+      <p:nvGrpSpPr>
+        <p:cNvPr id="1" name=""/>
+        <p:cNvGrpSpPr/>
+        <p:nvPr/>
+      </p:nvGrpSpPr>
+      <p:grpSpPr>
+        <a:xfrm>
+          <a:off x="0" y="0"/>
+          <a:ext cx="0" cy="0"/>
+          <a:chOff x="0" y="0"/>
+          <a:chExt cx="0" cy="0"/>
+        </a:xfrm>
+      </p:grpSpPr>
+      <p:sp>
+        <p:nvSpPr>
+          <p:cNvPr id="3" name="Text Placeholder 2">
+            <a:extLst>
+              <a:ext uri="{FF2B5EF4-FFF2-40B4-BE49-F238E27FC236}">
+                <a16:creationId xmlns:a16="http://schemas.microsoft.com/office/drawing/2014/main" id="{9F28347D-2A5D-4C15-85DD-1B95A294F54B}"/>
+              </a:ext>
+            </a:extLst>
+          </p:cNvPr>
+          <p:cNvSpPr>
+            <a:spLocks noGrp="1"/>
+          </p:cNvSpPr>
+          <p:nvPr>
+            <p:ph type="body" sz="quarter" idx="14"/>
+          </p:nvPr>
+        </p:nvSpPr>
+        <p:spPr>
+          <a:xfrm>
+            <a:off x="3982341" y="228989"/>
+            <a:ext cx="4935112" cy="265113"/>
+          </a:xfrm>
+        </p:spPr>
+        <p:txBody>
+          <a:bodyPr/>
+          <a:lstStyle/>
+          <a:p>
+            <a:r>
+              <a:rPr lang="en-US" altLang="zh-CN" dirty="0"/>
+              <a:t>Model Improvements - </a:t>
+            </a:r>
+            <a:r>
+              <a:rPr lang="en-US" altLang="zh-CN" dirty="0">
+                <a:ea typeface="ＭＳ Ｐゴシック" charset="0"/>
+                <a:cs typeface="Arial"/>
+              </a:rPr>
+              <a:t>Doc2Vec and Pooling</a:t>
+            </a:r>
+          </a:p>
+          <a:p>
+            <a:endParaRPr lang="zh-CN" altLang="en-US" dirty="0"/>
+          </a:p>
+          <a:p>
+            <a:endParaRPr lang="zh-CN" altLang="en-US" dirty="0"/>
+          </a:p>
+        </p:txBody>
+      </p:sp>
+      <p:sp>
+        <p:nvSpPr>
+          <p:cNvPr id="4" name="Date Placeholder 3">
+            <a:extLst>
+              <a:ext uri="{FF2B5EF4-FFF2-40B4-BE49-F238E27FC236}">
+                <a16:creationId xmlns:a16="http://schemas.microsoft.com/office/drawing/2014/main" id="{8998B741-BD10-4D77-8487-A957EB9AA6B7}"/>
+              </a:ext>
+            </a:extLst>
+          </p:cNvPr>
+          <p:cNvSpPr>
+            <a:spLocks noGrp="1"/>
+          </p:cNvSpPr>
+          <p:nvPr>
+            <p:ph type="dt" sz="half" idx="15"/>
+          </p:nvPr>
+        </p:nvSpPr>
+        <p:spPr/>
+        <p:txBody>
+          <a:bodyPr/>
+          <a:lstStyle/>
+          <a:p>
+            <a:pPr>
+              <a:defRPr/>
+            </a:pPr>
+            <a:fld id="{BB8BC90C-0B0D-4B70-9E78-7734F7D5884F}" type="datetime1">
+              <a:rPr lang="en-US" altLang="zh-CN" smtClean="0"/>
+              <a:pPr>
+                <a:defRPr/>
+              </a:pPr>
+              <a:t>10/18/2019</a:t>
+            </a:fld>
+            <a:endParaRPr lang="en-US" altLang="zh-CN"/>
+          </a:p>
+        </p:txBody>
+      </p:sp>
+      <p:sp>
+        <p:nvSpPr>
+          <p:cNvPr id="5" name="Slide Number Placeholder 4">
+            <a:extLst>
+              <a:ext uri="{FF2B5EF4-FFF2-40B4-BE49-F238E27FC236}">
+                <a16:creationId xmlns:a16="http://schemas.microsoft.com/office/drawing/2014/main" id="{E077CB31-ED50-4438-B22A-7E013DA3A48D}"/>
+              </a:ext>
+            </a:extLst>
+          </p:cNvPr>
+          <p:cNvSpPr>
+            <a:spLocks noGrp="1"/>
+          </p:cNvSpPr>
+          <p:nvPr>
+            <p:ph type="sldNum" sz="quarter" idx="16"/>
+          </p:nvPr>
+        </p:nvSpPr>
+        <p:spPr/>
+        <p:txBody>
+          <a:bodyPr/>
+          <a:lstStyle/>
+          <a:p>
+            <a:pPr>
+              <a:defRPr/>
+            </a:pPr>
+            <a:fld id="{663A759A-91C0-40B8-8C45-F12E9D2FF7F2}" type="slidenum">
+              <a:rPr lang="en-US" altLang="zh-CN" smtClean="0"/>
+              <a:pPr>
+                <a:defRPr/>
+              </a:pPr>
+              <a:t>14</a:t>
+            </a:fld>
+            <a:endParaRPr lang="en-US" altLang="zh-CN"/>
+          </a:p>
+        </p:txBody>
+      </p:sp>
+      <p:graphicFrame>
+        <p:nvGraphicFramePr>
+          <p:cNvPr id="6" name="Table 5">
+            <a:extLst>
+              <a:ext uri="{FF2B5EF4-FFF2-40B4-BE49-F238E27FC236}">
+                <a16:creationId xmlns:a16="http://schemas.microsoft.com/office/drawing/2014/main" id="{0F6463D7-E99C-4793-B9C7-8E1460746D66}"/>
+              </a:ext>
+            </a:extLst>
+          </p:cNvPr>
+          <p:cNvGraphicFramePr>
+            <a:graphicFrameLocks noGrp="1"/>
+          </p:cNvGraphicFramePr>
+          <p:nvPr>
+            <p:extLst>
+              <p:ext uri="{D42A27DB-BD31-4B8C-83A1-F6EECF244321}">
+                <p14:modId xmlns:p14="http://schemas.microsoft.com/office/powerpoint/2010/main" val="3241992903"/>
+              </p:ext>
+            </p:extLst>
+          </p:nvPr>
+        </p:nvGraphicFramePr>
+        <p:xfrm>
+          <a:off x="317498" y="1145048"/>
+          <a:ext cx="4408326" cy="3538043"/>
+        </p:xfrm>
+        <a:graphic>
+          <a:graphicData uri="http://schemas.openxmlformats.org/drawingml/2006/table">
+            <a:tbl>
+              <a:tblPr>
+                <a:tableStyleId>{5C22544A-7EE6-4342-B048-85BDC9FD1C3A}</a:tableStyleId>
+              </a:tblPr>
+              <a:tblGrid>
+                <a:gridCol w="710066">
+                  <a:extLst>
+                    <a:ext uri="{9D8B030D-6E8A-4147-A177-3AD203B41FA5}">
+                      <a16:colId xmlns:a16="http://schemas.microsoft.com/office/drawing/2014/main" val="735307104"/>
+                    </a:ext>
+                  </a:extLst>
+                </a:gridCol>
+                <a:gridCol w="710066">
+                  <a:extLst>
+                    <a:ext uri="{9D8B030D-6E8A-4147-A177-3AD203B41FA5}">
+                      <a16:colId xmlns:a16="http://schemas.microsoft.com/office/drawing/2014/main" val="426549386"/>
+                    </a:ext>
+                  </a:extLst>
+                </a:gridCol>
+                <a:gridCol w="1568062">
+                  <a:extLst>
+                    <a:ext uri="{9D8B030D-6E8A-4147-A177-3AD203B41FA5}">
+                      <a16:colId xmlns:a16="http://schemas.microsoft.com/office/drawing/2014/main" val="791535229"/>
+                    </a:ext>
+                  </a:extLst>
+                </a:gridCol>
+                <a:gridCol w="710066">
+                  <a:extLst>
+                    <a:ext uri="{9D8B030D-6E8A-4147-A177-3AD203B41FA5}">
+                      <a16:colId xmlns:a16="http://schemas.microsoft.com/office/drawing/2014/main" val="4088841938"/>
+                    </a:ext>
+                  </a:extLst>
+                </a:gridCol>
+                <a:gridCol w="710066">
+                  <a:extLst>
+                    <a:ext uri="{9D8B030D-6E8A-4147-A177-3AD203B41FA5}">
+                      <a16:colId xmlns:a16="http://schemas.microsoft.com/office/drawing/2014/main" val="1568193578"/>
+                    </a:ext>
+                  </a:extLst>
+                </a:gridCol>
+              </a:tblGrid>
+              <a:tr h="566213">
+                <a:tc>
+                  <a:txBody>
+                    <a:bodyPr/>
+                    <a:lstStyle/>
+                    <a:p>
+                      <a:pPr marL="0" algn="l" defTabSz="457200" rtl="0" eaLnBrk="1" fontAlgn="ctr" latinLnBrk="0" hangingPunct="1"/>
+                      <a:r>
+                        <a:rPr lang="en-US" sz="1100" u="none" strike="noStrike" kern="1200">
+                          <a:solidFill>
+                            <a:schemeClr val="dk1"/>
+                          </a:solidFill>
+                          <a:effectLst/>
+                          <a:latin typeface="+mn-lt"/>
+                          <a:ea typeface="+mn-ea"/>
+                          <a:cs typeface="+mn-cs"/>
+                        </a:rPr>
+                        <a:t>Ranking</a:t>
+                      </a:r>
+                    </a:p>
+                  </a:txBody>
+                  <a:tcPr marL="9525" marR="9525" marT="9525" marB="0" anchor="ctr"/>
+                </a:tc>
+                <a:tc>
+                  <a:txBody>
+                    <a:bodyPr/>
+                    <a:lstStyle/>
+                    <a:p>
+                      <a:pPr marL="0" algn="l" defTabSz="457200" rtl="0" eaLnBrk="1" fontAlgn="ctr" latinLnBrk="0" hangingPunct="1"/>
+                      <a:r>
+                        <a:rPr lang="en-US" sz="1100" u="none" strike="noStrike" kern="1200">
+                          <a:solidFill>
+                            <a:schemeClr val="dk1"/>
+                          </a:solidFill>
+                          <a:effectLst/>
+                          <a:latin typeface="+mn-lt"/>
+                          <a:ea typeface="+mn-ea"/>
+                          <a:cs typeface="+mn-cs"/>
+                        </a:rPr>
+                        <a:t>Learning Algorithm</a:t>
+                      </a:r>
+                    </a:p>
+                  </a:txBody>
+                  <a:tcPr marL="9525" marR="9525" marT="9525" marB="0" anchor="ctr"/>
+                </a:tc>
+                <a:tc>
+                  <a:txBody>
+                    <a:bodyPr/>
+                    <a:lstStyle/>
+                    <a:p>
+                      <a:pPr marL="0" algn="l" defTabSz="457200" rtl="0" eaLnBrk="1" fontAlgn="ctr" latinLnBrk="0" hangingPunct="1"/>
+                      <a:r>
+                        <a:rPr lang="en-US" sz="1100" u="none" strike="noStrike" kern="1200">
+                          <a:solidFill>
+                            <a:schemeClr val="dk1"/>
+                          </a:solidFill>
+                          <a:effectLst/>
+                          <a:latin typeface="+mn-lt"/>
+                          <a:ea typeface="+mn-ea"/>
+                          <a:cs typeface="+mn-cs"/>
+                        </a:rPr>
+                        <a:t>Percentage of Labeling</a:t>
+                      </a:r>
+                    </a:p>
+                  </a:txBody>
+                  <a:tcPr marL="9525" marR="9525" marT="9525" marB="0" anchor="ctr"/>
+                </a:tc>
+                <a:tc>
+                  <a:txBody>
+                    <a:bodyPr/>
+                    <a:lstStyle/>
+                    <a:p>
+                      <a:pPr marL="0" algn="l" defTabSz="457200" rtl="0" eaLnBrk="1" fontAlgn="ctr" latinLnBrk="0" hangingPunct="1"/>
+                      <a:r>
+                        <a:rPr lang="en-US" sz="1100" u="none" strike="noStrike" kern="1200">
+                          <a:solidFill>
+                            <a:schemeClr val="dk1"/>
+                          </a:solidFill>
+                          <a:effectLst/>
+                          <a:latin typeface="+mn-lt"/>
+                          <a:ea typeface="+mn-ea"/>
+                          <a:cs typeface="+mn-cs"/>
+                        </a:rPr>
+                        <a:t>Holding Period</a:t>
+                      </a:r>
+                    </a:p>
+                  </a:txBody>
+                  <a:tcPr marL="9525" marR="9525" marT="9525" marB="0" anchor="ctr"/>
+                </a:tc>
+                <a:tc>
+                  <a:txBody>
+                    <a:bodyPr/>
+                    <a:lstStyle/>
+                    <a:p>
+                      <a:pPr marL="0" algn="l" defTabSz="457200" rtl="0" eaLnBrk="1" fontAlgn="ctr" latinLnBrk="0" hangingPunct="1"/>
+                      <a:r>
+                        <a:rPr lang="en-US" sz="1100" u="none" strike="noStrike" kern="1200">
+                          <a:solidFill>
+                            <a:schemeClr val="dk1"/>
+                          </a:solidFill>
+                          <a:effectLst/>
+                          <a:latin typeface="+mn-lt"/>
+                          <a:ea typeface="+mn-ea"/>
+                          <a:cs typeface="+mn-cs"/>
+                        </a:rPr>
+                        <a:t>Sample Size</a:t>
+                      </a:r>
+                    </a:p>
+                  </a:txBody>
+                  <a:tcPr marL="9525" marR="9525" marT="9525" marB="0" anchor="ctr"/>
+                </a:tc>
+                <a:extLst>
+                  <a:ext uri="{0D108BD9-81ED-4DB2-BD59-A6C34878D82A}">
+                    <a16:rowId xmlns:a16="http://schemas.microsoft.com/office/drawing/2014/main" val="4282566564"/>
+                  </a:ext>
+                </a:extLst>
+              </a:tr>
+              <a:tr h="297183">
+                <a:tc>
+                  <a:txBody>
+                    <a:bodyPr/>
+                    <a:lstStyle/>
+                    <a:p>
+                      <a:pPr marL="0" algn="l" defTabSz="457200" rtl="0" eaLnBrk="1" fontAlgn="ctr" latinLnBrk="0" hangingPunct="1"/>
+                      <a:r>
+                        <a:rPr lang="en-US" altLang="zh-CN" sz="1100" u="none" strike="noStrike" kern="1200">
+                          <a:solidFill>
+                            <a:schemeClr val="dk1"/>
+                          </a:solidFill>
+                          <a:effectLst/>
+                          <a:latin typeface="+mn-lt"/>
+                          <a:ea typeface="+mn-ea"/>
+                          <a:cs typeface="+mn-cs"/>
+                        </a:rPr>
+                        <a:t>1</a:t>
+                      </a:r>
+                    </a:p>
+                  </a:txBody>
+                  <a:tcPr marL="9525" marR="9525" marT="9525" marB="0" anchor="ctr"/>
+                </a:tc>
+                <a:tc>
+                  <a:txBody>
+                    <a:bodyPr/>
+                    <a:lstStyle/>
+                    <a:p>
+                      <a:pPr marL="0" algn="l" defTabSz="457200" rtl="0" eaLnBrk="1" fontAlgn="ctr" latinLnBrk="0" hangingPunct="1"/>
+                      <a:r>
+                        <a:rPr lang="en-US" sz="1100" u="none" strike="noStrike" kern="1200">
+                          <a:solidFill>
+                            <a:schemeClr val="dk1"/>
+                          </a:solidFill>
+                          <a:effectLst/>
+                          <a:latin typeface="+mn-lt"/>
+                          <a:ea typeface="+mn-ea"/>
+                          <a:cs typeface="+mn-cs"/>
+                        </a:rPr>
+                        <a:t>ExtraTree</a:t>
+                      </a:r>
+                    </a:p>
+                  </a:txBody>
+                  <a:tcPr marL="9525" marR="9525" marT="9525" marB="0" anchor="ctr"/>
+                </a:tc>
+                <a:tc>
+                  <a:txBody>
+                    <a:bodyPr/>
+                    <a:lstStyle/>
+                    <a:p>
+                      <a:pPr marL="0" algn="l" defTabSz="457200" rtl="0" eaLnBrk="1" fontAlgn="ctr" latinLnBrk="0" hangingPunct="1"/>
+                      <a:r>
+                        <a:rPr lang="en-US" altLang="zh-CN" sz="1100" u="none" strike="noStrike" kern="1200">
+                          <a:solidFill>
+                            <a:schemeClr val="dk1"/>
+                          </a:solidFill>
+                          <a:effectLst/>
+                          <a:latin typeface="+mn-lt"/>
+                          <a:ea typeface="+mn-ea"/>
+                          <a:cs typeface="+mn-cs"/>
+                        </a:rPr>
+                        <a:t>10</a:t>
+                      </a:r>
+                    </a:p>
+                  </a:txBody>
+                  <a:tcPr marL="9525" marR="9525" marT="9525" marB="0" anchor="ctr"/>
+                </a:tc>
+                <a:tc>
+                  <a:txBody>
+                    <a:bodyPr/>
+                    <a:lstStyle/>
+                    <a:p>
+                      <a:pPr marL="0" algn="l" defTabSz="457200" rtl="0" eaLnBrk="1" fontAlgn="ctr" latinLnBrk="0" hangingPunct="1"/>
+                      <a:r>
+                        <a:rPr lang="en-US" altLang="zh-CN" sz="1100" u="none" strike="noStrike" kern="1200">
+                          <a:solidFill>
+                            <a:schemeClr val="dk1"/>
+                          </a:solidFill>
+                          <a:effectLst/>
+                          <a:latin typeface="+mn-lt"/>
+                          <a:ea typeface="+mn-ea"/>
+                          <a:cs typeface="+mn-cs"/>
+                        </a:rPr>
+                        <a:t>1</a:t>
+                      </a:r>
+                    </a:p>
+                  </a:txBody>
+                  <a:tcPr marL="9525" marR="9525" marT="9525" marB="0" anchor="ctr"/>
+                </a:tc>
+                <a:tc>
+                  <a:txBody>
+                    <a:bodyPr/>
+                    <a:lstStyle/>
+                    <a:p>
+                      <a:pPr marL="0" algn="l" defTabSz="457200" rtl="0" eaLnBrk="1" fontAlgn="ctr" latinLnBrk="0" hangingPunct="1"/>
+                      <a:r>
+                        <a:rPr lang="en-US" altLang="zh-CN" sz="1100" u="none" strike="noStrike" kern="1200">
+                          <a:solidFill>
+                            <a:schemeClr val="dk1"/>
+                          </a:solidFill>
+                          <a:effectLst/>
+                          <a:latin typeface="+mn-lt"/>
+                          <a:ea typeface="+mn-ea"/>
+                          <a:cs typeface="+mn-cs"/>
+                        </a:rPr>
+                        <a:t>100</a:t>
+                      </a:r>
+                    </a:p>
+                  </a:txBody>
+                  <a:tcPr marL="9525" marR="9525" marT="9525" marB="0" anchor="ctr"/>
+                </a:tc>
+                <a:extLst>
+                  <a:ext uri="{0D108BD9-81ED-4DB2-BD59-A6C34878D82A}">
+                    <a16:rowId xmlns:a16="http://schemas.microsoft.com/office/drawing/2014/main" val="1544084773"/>
+                  </a:ext>
+                </a:extLst>
+              </a:tr>
+              <a:tr h="297183">
+                <a:tc>
+                  <a:txBody>
+                    <a:bodyPr/>
+                    <a:lstStyle/>
+                    <a:p>
+                      <a:pPr marL="0" algn="l" defTabSz="457200" rtl="0" eaLnBrk="1" fontAlgn="ctr" latinLnBrk="0" hangingPunct="1"/>
+                      <a:r>
+                        <a:rPr lang="en-US" altLang="zh-CN" sz="1100" u="none" strike="noStrike" kern="1200">
+                          <a:solidFill>
+                            <a:schemeClr val="dk1"/>
+                          </a:solidFill>
+                          <a:effectLst/>
+                          <a:latin typeface="+mn-lt"/>
+                          <a:ea typeface="+mn-ea"/>
+                          <a:cs typeface="+mn-cs"/>
+                        </a:rPr>
+                        <a:t>2</a:t>
+                      </a:r>
+                    </a:p>
+                  </a:txBody>
+                  <a:tcPr marL="9525" marR="9525" marT="9525" marB="0" anchor="ctr"/>
+                </a:tc>
+                <a:tc>
+                  <a:txBody>
+                    <a:bodyPr/>
+                    <a:lstStyle/>
+                    <a:p>
+                      <a:pPr marL="0" algn="l" defTabSz="457200" rtl="0" eaLnBrk="1" fontAlgn="ctr" latinLnBrk="0" hangingPunct="1"/>
+                      <a:r>
+                        <a:rPr lang="en-US" sz="1100" u="none" strike="noStrike" kern="1200" dirty="0" err="1">
+                          <a:solidFill>
+                            <a:schemeClr val="dk1"/>
+                          </a:solidFill>
+                          <a:effectLst/>
+                          <a:latin typeface="+mn-lt"/>
+                          <a:ea typeface="+mn-ea"/>
+                          <a:cs typeface="+mn-cs"/>
+                        </a:rPr>
+                        <a:t>ExtraTree</a:t>
+                      </a:r>
+                      <a:endParaRPr lang="en-US" sz="1100" u="none" strike="noStrike" kern="1200" dirty="0">
+                        <a:solidFill>
+                          <a:schemeClr val="dk1"/>
+                        </a:solidFill>
+                        <a:effectLst/>
+                        <a:latin typeface="+mn-lt"/>
+                        <a:ea typeface="+mn-ea"/>
+                        <a:cs typeface="+mn-cs"/>
+                      </a:endParaRPr>
+                    </a:p>
+                  </a:txBody>
+                  <a:tcPr marL="9525" marR="9525" marT="9525" marB="0" anchor="ctr"/>
+                </a:tc>
+                <a:tc>
+                  <a:txBody>
+                    <a:bodyPr/>
+                    <a:lstStyle/>
+                    <a:p>
+                      <a:pPr marL="0" algn="l" defTabSz="457200" rtl="0" eaLnBrk="1" fontAlgn="ctr" latinLnBrk="0" hangingPunct="1"/>
+                      <a:r>
+                        <a:rPr lang="en-US" altLang="zh-CN" sz="1100" u="none" strike="noStrike" kern="1200" dirty="0">
+                          <a:solidFill>
+                            <a:schemeClr val="dk1"/>
+                          </a:solidFill>
+                          <a:effectLst/>
+                          <a:latin typeface="+mn-lt"/>
+                          <a:ea typeface="+mn-ea"/>
+                          <a:cs typeface="+mn-cs"/>
+                        </a:rPr>
+                        <a:t>30</a:t>
+                      </a:r>
+                    </a:p>
+                  </a:txBody>
+                  <a:tcPr marL="9525" marR="9525" marT="9525" marB="0" anchor="ctr"/>
+                </a:tc>
+                <a:tc>
+                  <a:txBody>
+                    <a:bodyPr/>
+                    <a:lstStyle/>
+                    <a:p>
+                      <a:pPr marL="0" algn="l" defTabSz="457200" rtl="0" eaLnBrk="1" fontAlgn="ctr" latinLnBrk="0" hangingPunct="1"/>
+                      <a:r>
+                        <a:rPr lang="en-US" altLang="zh-CN" sz="1100" u="none" strike="noStrike" kern="1200">
+                          <a:solidFill>
+                            <a:schemeClr val="dk1"/>
+                          </a:solidFill>
+                          <a:effectLst/>
+                          <a:latin typeface="+mn-lt"/>
+                          <a:ea typeface="+mn-ea"/>
+                          <a:cs typeface="+mn-cs"/>
+                        </a:rPr>
+                        <a:t>1</a:t>
+                      </a:r>
+                    </a:p>
+                  </a:txBody>
+                  <a:tcPr marL="9525" marR="9525" marT="9525" marB="0" anchor="ctr"/>
+                </a:tc>
+                <a:tc>
+                  <a:txBody>
+                    <a:bodyPr/>
+                    <a:lstStyle/>
+                    <a:p>
+                      <a:pPr marL="0" algn="l" defTabSz="457200" rtl="0" eaLnBrk="1" fontAlgn="ctr" latinLnBrk="0" hangingPunct="1"/>
+                      <a:r>
+                        <a:rPr lang="en-US" altLang="zh-CN" sz="1100" u="none" strike="noStrike" kern="1200">
+                          <a:solidFill>
+                            <a:schemeClr val="dk1"/>
+                          </a:solidFill>
+                          <a:effectLst/>
+                          <a:latin typeface="+mn-lt"/>
+                          <a:ea typeface="+mn-ea"/>
+                          <a:cs typeface="+mn-cs"/>
+                        </a:rPr>
+                        <a:t>100</a:t>
+                      </a:r>
+                    </a:p>
+                  </a:txBody>
+                  <a:tcPr marL="9525" marR="9525" marT="9525" marB="0" anchor="ctr"/>
+                </a:tc>
+                <a:extLst>
+                  <a:ext uri="{0D108BD9-81ED-4DB2-BD59-A6C34878D82A}">
+                    <a16:rowId xmlns:a16="http://schemas.microsoft.com/office/drawing/2014/main" val="3715662620"/>
+                  </a:ext>
+                </a:extLst>
+              </a:tr>
+              <a:tr h="297183">
+                <a:tc>
+                  <a:txBody>
+                    <a:bodyPr/>
+                    <a:lstStyle/>
+                    <a:p>
+                      <a:pPr marL="0" algn="l" defTabSz="457200" rtl="0" eaLnBrk="1" fontAlgn="ctr" latinLnBrk="0" hangingPunct="1"/>
+                      <a:r>
+                        <a:rPr lang="en-US" altLang="zh-CN" sz="1100" u="none" strike="noStrike" kern="1200">
+                          <a:solidFill>
+                            <a:schemeClr val="dk1"/>
+                          </a:solidFill>
+                          <a:effectLst/>
+                          <a:latin typeface="+mn-lt"/>
+                          <a:ea typeface="+mn-ea"/>
+                          <a:cs typeface="+mn-cs"/>
+                        </a:rPr>
+                        <a:t>3</a:t>
+                      </a:r>
+                    </a:p>
+                  </a:txBody>
+                  <a:tcPr marL="9525" marR="9525" marT="9525" marB="0" anchor="ctr"/>
+                </a:tc>
+                <a:tc>
+                  <a:txBody>
+                    <a:bodyPr/>
+                    <a:lstStyle/>
+                    <a:p>
+                      <a:pPr marL="0" algn="l" defTabSz="457200" rtl="0" eaLnBrk="1" fontAlgn="ctr" latinLnBrk="0" hangingPunct="1"/>
+                      <a:r>
+                        <a:rPr lang="en-US" sz="1100" u="none" strike="noStrike" kern="1200">
+                          <a:solidFill>
+                            <a:schemeClr val="dk1"/>
+                          </a:solidFill>
+                          <a:effectLst/>
+                          <a:latin typeface="+mn-lt"/>
+                          <a:ea typeface="+mn-ea"/>
+                          <a:cs typeface="+mn-cs"/>
+                        </a:rPr>
+                        <a:t>ExtraTree</a:t>
+                      </a:r>
+                    </a:p>
+                  </a:txBody>
+                  <a:tcPr marL="9525" marR="9525" marT="9525" marB="0" anchor="ctr"/>
+                </a:tc>
+                <a:tc>
+                  <a:txBody>
+                    <a:bodyPr/>
+                    <a:lstStyle/>
+                    <a:p>
+                      <a:pPr marL="0" algn="l" defTabSz="457200" rtl="0" eaLnBrk="1" fontAlgn="ctr" latinLnBrk="0" hangingPunct="1"/>
+                      <a:r>
+                        <a:rPr lang="en-US" altLang="zh-CN" sz="1100" u="none" strike="noStrike" kern="1200">
+                          <a:solidFill>
+                            <a:schemeClr val="dk1"/>
+                          </a:solidFill>
+                          <a:effectLst/>
+                          <a:latin typeface="+mn-lt"/>
+                          <a:ea typeface="+mn-ea"/>
+                          <a:cs typeface="+mn-cs"/>
+                        </a:rPr>
+                        <a:t>30</a:t>
+                      </a:r>
+                    </a:p>
+                  </a:txBody>
+                  <a:tcPr marL="9525" marR="9525" marT="9525" marB="0" anchor="ctr"/>
+                </a:tc>
+                <a:tc>
+                  <a:txBody>
+                    <a:bodyPr/>
+                    <a:lstStyle/>
+                    <a:p>
+                      <a:pPr marL="0" algn="l" defTabSz="457200" rtl="0" eaLnBrk="1" fontAlgn="ctr" latinLnBrk="0" hangingPunct="1"/>
+                      <a:r>
+                        <a:rPr lang="en-US" altLang="zh-CN" sz="1100" u="none" strike="noStrike" kern="1200">
+                          <a:solidFill>
+                            <a:schemeClr val="dk1"/>
+                          </a:solidFill>
+                          <a:effectLst/>
+                          <a:latin typeface="+mn-lt"/>
+                          <a:ea typeface="+mn-ea"/>
+                          <a:cs typeface="+mn-cs"/>
+                        </a:rPr>
+                        <a:t>1</a:t>
+                      </a:r>
+                    </a:p>
+                  </a:txBody>
+                  <a:tcPr marL="9525" marR="9525" marT="9525" marB="0" anchor="ctr"/>
+                </a:tc>
+                <a:tc>
+                  <a:txBody>
+                    <a:bodyPr/>
+                    <a:lstStyle/>
+                    <a:p>
+                      <a:pPr marL="0" algn="l" defTabSz="457200" rtl="0" eaLnBrk="1" fontAlgn="ctr" latinLnBrk="0" hangingPunct="1"/>
+                      <a:r>
+                        <a:rPr lang="en-US" altLang="zh-CN" sz="1100" u="none" strike="noStrike" kern="1200">
+                          <a:solidFill>
+                            <a:schemeClr val="dk1"/>
+                          </a:solidFill>
+                          <a:effectLst/>
+                          <a:latin typeface="+mn-lt"/>
+                          <a:ea typeface="+mn-ea"/>
+                          <a:cs typeface="+mn-cs"/>
+                        </a:rPr>
+                        <a:t>300</a:t>
+                      </a:r>
+                    </a:p>
+                  </a:txBody>
+                  <a:tcPr marL="9525" marR="9525" marT="9525" marB="0" anchor="ctr"/>
+                </a:tc>
+                <a:extLst>
+                  <a:ext uri="{0D108BD9-81ED-4DB2-BD59-A6C34878D82A}">
+                    <a16:rowId xmlns:a16="http://schemas.microsoft.com/office/drawing/2014/main" val="1522417120"/>
+                  </a:ext>
+                </a:extLst>
+              </a:tr>
+              <a:tr h="297183">
+                <a:tc>
+                  <a:txBody>
+                    <a:bodyPr/>
+                    <a:lstStyle/>
+                    <a:p>
+                      <a:pPr marL="0" algn="l" defTabSz="457200" rtl="0" eaLnBrk="1" fontAlgn="ctr" latinLnBrk="0" hangingPunct="1"/>
+                      <a:r>
+                        <a:rPr lang="en-US" altLang="zh-CN" sz="1100" u="none" strike="noStrike" kern="1200">
+                          <a:solidFill>
+                            <a:schemeClr val="dk1"/>
+                          </a:solidFill>
+                          <a:effectLst/>
+                          <a:latin typeface="+mn-lt"/>
+                          <a:ea typeface="+mn-ea"/>
+                          <a:cs typeface="+mn-cs"/>
+                        </a:rPr>
+                        <a:t>4</a:t>
+                      </a:r>
+                    </a:p>
+                  </a:txBody>
+                  <a:tcPr marL="9525" marR="9525" marT="9525" marB="0" anchor="ctr"/>
+                </a:tc>
+                <a:tc>
+                  <a:txBody>
+                    <a:bodyPr/>
+                    <a:lstStyle/>
+                    <a:p>
+                      <a:pPr marL="0" algn="l" defTabSz="457200" rtl="0" eaLnBrk="1" fontAlgn="ctr" latinLnBrk="0" hangingPunct="1"/>
+                      <a:r>
+                        <a:rPr lang="en-US" sz="1100" u="none" strike="noStrike" kern="1200">
+                          <a:solidFill>
+                            <a:schemeClr val="dk1"/>
+                          </a:solidFill>
+                          <a:effectLst/>
+                          <a:latin typeface="+mn-lt"/>
+                          <a:ea typeface="+mn-ea"/>
+                          <a:cs typeface="+mn-cs"/>
+                        </a:rPr>
+                        <a:t>ExtraTree</a:t>
+                      </a:r>
+                    </a:p>
+                  </a:txBody>
+                  <a:tcPr marL="9525" marR="9525" marT="9525" marB="0" anchor="ctr"/>
+                </a:tc>
+                <a:tc>
+                  <a:txBody>
+                    <a:bodyPr/>
+                    <a:lstStyle/>
+                    <a:p>
+                      <a:pPr marL="0" algn="l" defTabSz="457200" rtl="0" eaLnBrk="1" fontAlgn="ctr" latinLnBrk="0" hangingPunct="1"/>
+                      <a:r>
+                        <a:rPr lang="en-US" altLang="zh-CN" sz="1100" u="none" strike="noStrike" kern="1200">
+                          <a:solidFill>
+                            <a:schemeClr val="dk1"/>
+                          </a:solidFill>
+                          <a:effectLst/>
+                          <a:latin typeface="+mn-lt"/>
+                          <a:ea typeface="+mn-ea"/>
+                          <a:cs typeface="+mn-cs"/>
+                        </a:rPr>
+                        <a:t>10</a:t>
+                      </a:r>
+                    </a:p>
+                  </a:txBody>
+                  <a:tcPr marL="9525" marR="9525" marT="9525" marB="0" anchor="ctr"/>
+                </a:tc>
+                <a:tc>
+                  <a:txBody>
+                    <a:bodyPr/>
+                    <a:lstStyle/>
+                    <a:p>
+                      <a:pPr marL="0" algn="l" defTabSz="457200" rtl="0" eaLnBrk="1" fontAlgn="ctr" latinLnBrk="0" hangingPunct="1"/>
+                      <a:r>
+                        <a:rPr lang="en-US" altLang="zh-CN" sz="1100" u="none" strike="noStrike" kern="1200">
+                          <a:solidFill>
+                            <a:schemeClr val="dk1"/>
+                          </a:solidFill>
+                          <a:effectLst/>
+                          <a:latin typeface="+mn-lt"/>
+                          <a:ea typeface="+mn-ea"/>
+                          <a:cs typeface="+mn-cs"/>
+                        </a:rPr>
+                        <a:t>2</a:t>
+                      </a:r>
+                    </a:p>
+                  </a:txBody>
+                  <a:tcPr marL="9525" marR="9525" marT="9525" marB="0" anchor="ctr"/>
+                </a:tc>
+                <a:tc>
+                  <a:txBody>
+                    <a:bodyPr/>
+                    <a:lstStyle/>
+                    <a:p>
+                      <a:pPr marL="0" algn="l" defTabSz="457200" rtl="0" eaLnBrk="1" fontAlgn="ctr" latinLnBrk="0" hangingPunct="1"/>
+                      <a:r>
+                        <a:rPr lang="en-US" altLang="zh-CN" sz="1100" u="none" strike="noStrike" kern="1200">
+                          <a:solidFill>
+                            <a:schemeClr val="dk1"/>
+                          </a:solidFill>
+                          <a:effectLst/>
+                          <a:latin typeface="+mn-lt"/>
+                          <a:ea typeface="+mn-ea"/>
+                          <a:cs typeface="+mn-cs"/>
+                        </a:rPr>
+                        <a:t>100</a:t>
+                      </a:r>
+                    </a:p>
+                  </a:txBody>
+                  <a:tcPr marL="9525" marR="9525" marT="9525" marB="0" anchor="ctr"/>
+                </a:tc>
+                <a:extLst>
+                  <a:ext uri="{0D108BD9-81ED-4DB2-BD59-A6C34878D82A}">
+                    <a16:rowId xmlns:a16="http://schemas.microsoft.com/office/drawing/2014/main" val="2033883690"/>
+                  </a:ext>
+                </a:extLst>
+              </a:tr>
+              <a:tr h="297183">
+                <a:tc>
+                  <a:txBody>
+                    <a:bodyPr/>
+                    <a:lstStyle/>
+                    <a:p>
+                      <a:pPr marL="0" algn="l" defTabSz="457200" rtl="0" eaLnBrk="1" fontAlgn="ctr" latinLnBrk="0" hangingPunct="1"/>
+                      <a:r>
+                        <a:rPr lang="en-US" altLang="zh-CN" sz="1100" u="none" strike="noStrike" kern="1200">
+                          <a:solidFill>
+                            <a:schemeClr val="dk1"/>
+                          </a:solidFill>
+                          <a:effectLst/>
+                          <a:latin typeface="+mn-lt"/>
+                          <a:ea typeface="+mn-ea"/>
+                          <a:cs typeface="+mn-cs"/>
+                        </a:rPr>
+                        <a:t>5</a:t>
+                      </a:r>
+                    </a:p>
+                  </a:txBody>
+                  <a:tcPr marL="9525" marR="9525" marT="9525" marB="0" anchor="ctr"/>
+                </a:tc>
+                <a:tc>
+                  <a:txBody>
+                    <a:bodyPr/>
+                    <a:lstStyle/>
+                    <a:p>
+                      <a:pPr marL="0" algn="l" defTabSz="457200" rtl="0" eaLnBrk="1" fontAlgn="ctr" latinLnBrk="0" hangingPunct="1"/>
+                      <a:r>
+                        <a:rPr lang="en-US" sz="1100" u="none" strike="noStrike" kern="1200">
+                          <a:solidFill>
+                            <a:schemeClr val="dk1"/>
+                          </a:solidFill>
+                          <a:effectLst/>
+                          <a:latin typeface="+mn-lt"/>
+                          <a:ea typeface="+mn-ea"/>
+                          <a:cs typeface="+mn-cs"/>
+                        </a:rPr>
+                        <a:t>ExtraTree</a:t>
+                      </a:r>
+                    </a:p>
+                  </a:txBody>
+                  <a:tcPr marL="9525" marR="9525" marT="9525" marB="0" anchor="ctr"/>
+                </a:tc>
+                <a:tc>
+                  <a:txBody>
+                    <a:bodyPr/>
+                    <a:lstStyle/>
+                    <a:p>
+                      <a:pPr marL="0" algn="l" defTabSz="457200" rtl="0" eaLnBrk="1" fontAlgn="ctr" latinLnBrk="0" hangingPunct="1"/>
+                      <a:r>
+                        <a:rPr lang="en-US" altLang="zh-CN" sz="1100" u="none" strike="noStrike" kern="1200">
+                          <a:solidFill>
+                            <a:schemeClr val="dk1"/>
+                          </a:solidFill>
+                          <a:effectLst/>
+                          <a:latin typeface="+mn-lt"/>
+                          <a:ea typeface="+mn-ea"/>
+                          <a:cs typeface="+mn-cs"/>
+                        </a:rPr>
+                        <a:t>20</a:t>
+                      </a:r>
+                    </a:p>
+                  </a:txBody>
+                  <a:tcPr marL="9525" marR="9525" marT="9525" marB="0" anchor="ctr"/>
+                </a:tc>
+                <a:tc>
+                  <a:txBody>
+                    <a:bodyPr/>
+                    <a:lstStyle/>
+                    <a:p>
+                      <a:pPr marL="0" algn="l" defTabSz="457200" rtl="0" eaLnBrk="1" fontAlgn="ctr" latinLnBrk="0" hangingPunct="1"/>
+                      <a:r>
+                        <a:rPr lang="en-US" altLang="zh-CN" sz="1100" u="none" strike="noStrike" kern="1200">
+                          <a:solidFill>
+                            <a:schemeClr val="dk1"/>
+                          </a:solidFill>
+                          <a:effectLst/>
+                          <a:latin typeface="+mn-lt"/>
+                          <a:ea typeface="+mn-ea"/>
+                          <a:cs typeface="+mn-cs"/>
+                        </a:rPr>
+                        <a:t>2</a:t>
+                      </a:r>
+                    </a:p>
+                  </a:txBody>
+                  <a:tcPr marL="9525" marR="9525" marT="9525" marB="0" anchor="ctr"/>
+                </a:tc>
+                <a:tc>
+                  <a:txBody>
+                    <a:bodyPr/>
+                    <a:lstStyle/>
+                    <a:p>
+                      <a:pPr marL="0" algn="l" defTabSz="457200" rtl="0" eaLnBrk="1" fontAlgn="ctr" latinLnBrk="0" hangingPunct="1"/>
+                      <a:r>
+                        <a:rPr lang="en-US" altLang="zh-CN" sz="1100" u="none" strike="noStrike" kern="1200">
+                          <a:solidFill>
+                            <a:schemeClr val="dk1"/>
+                          </a:solidFill>
+                          <a:effectLst/>
+                          <a:latin typeface="+mn-lt"/>
+                          <a:ea typeface="+mn-ea"/>
+                          <a:cs typeface="+mn-cs"/>
+                        </a:rPr>
+                        <a:t>300</a:t>
+                      </a:r>
+                    </a:p>
+                  </a:txBody>
+                  <a:tcPr marL="9525" marR="9525" marT="9525" marB="0" anchor="ctr"/>
+                </a:tc>
+                <a:extLst>
+                  <a:ext uri="{0D108BD9-81ED-4DB2-BD59-A6C34878D82A}">
+                    <a16:rowId xmlns:a16="http://schemas.microsoft.com/office/drawing/2014/main" val="685121529"/>
+                  </a:ext>
+                </a:extLst>
+              </a:tr>
+              <a:tr h="297183">
+                <a:tc>
+                  <a:txBody>
+                    <a:bodyPr/>
+                    <a:lstStyle/>
+                    <a:p>
+                      <a:pPr marL="0" algn="l" defTabSz="457200" rtl="0" eaLnBrk="1" fontAlgn="ctr" latinLnBrk="0" hangingPunct="1"/>
+                      <a:r>
+                        <a:rPr lang="en-US" altLang="zh-CN" sz="1100" u="none" strike="noStrike" kern="1200">
+                          <a:solidFill>
+                            <a:schemeClr val="dk1"/>
+                          </a:solidFill>
+                          <a:effectLst/>
+                          <a:latin typeface="+mn-lt"/>
+                          <a:ea typeface="+mn-ea"/>
+                          <a:cs typeface="+mn-cs"/>
+                        </a:rPr>
+                        <a:t>6</a:t>
+                      </a:r>
+                    </a:p>
+                  </a:txBody>
+                  <a:tcPr marL="9525" marR="9525" marT="9525" marB="0" anchor="ctr"/>
+                </a:tc>
+                <a:tc>
+                  <a:txBody>
+                    <a:bodyPr/>
+                    <a:lstStyle/>
+                    <a:p>
+                      <a:pPr marL="0" algn="l" defTabSz="457200" rtl="0" eaLnBrk="1" fontAlgn="ctr" latinLnBrk="0" hangingPunct="1"/>
+                      <a:r>
+                        <a:rPr lang="en-US" sz="1100" u="none" strike="noStrike" kern="1200">
+                          <a:solidFill>
+                            <a:schemeClr val="dk1"/>
+                          </a:solidFill>
+                          <a:effectLst/>
+                          <a:latin typeface="+mn-lt"/>
+                          <a:ea typeface="+mn-ea"/>
+                          <a:cs typeface="+mn-cs"/>
+                        </a:rPr>
+                        <a:t>ExtraTree</a:t>
+                      </a:r>
+                    </a:p>
+                  </a:txBody>
+                  <a:tcPr marL="9525" marR="9525" marT="9525" marB="0" anchor="ctr"/>
+                </a:tc>
+                <a:tc>
+                  <a:txBody>
+                    <a:bodyPr/>
+                    <a:lstStyle/>
+                    <a:p>
+                      <a:pPr marL="0" algn="l" defTabSz="457200" rtl="0" eaLnBrk="1" fontAlgn="ctr" latinLnBrk="0" hangingPunct="1"/>
+                      <a:r>
+                        <a:rPr lang="en-US" altLang="zh-CN" sz="1100" u="none" strike="noStrike" kern="1200">
+                          <a:solidFill>
+                            <a:schemeClr val="dk1"/>
+                          </a:solidFill>
+                          <a:effectLst/>
+                          <a:latin typeface="+mn-lt"/>
+                          <a:ea typeface="+mn-ea"/>
+                          <a:cs typeface="+mn-cs"/>
+                        </a:rPr>
+                        <a:t>30</a:t>
+                      </a:r>
+                    </a:p>
+                  </a:txBody>
+                  <a:tcPr marL="9525" marR="9525" marT="9525" marB="0" anchor="ctr"/>
+                </a:tc>
+                <a:tc>
+                  <a:txBody>
+                    <a:bodyPr/>
+                    <a:lstStyle/>
+                    <a:p>
+                      <a:pPr marL="0" algn="l" defTabSz="457200" rtl="0" eaLnBrk="1" fontAlgn="ctr" latinLnBrk="0" hangingPunct="1"/>
+                      <a:r>
+                        <a:rPr lang="en-US" altLang="zh-CN" sz="1100" u="none" strike="noStrike" kern="1200">
+                          <a:solidFill>
+                            <a:schemeClr val="dk1"/>
+                          </a:solidFill>
+                          <a:effectLst/>
+                          <a:latin typeface="+mn-lt"/>
+                          <a:ea typeface="+mn-ea"/>
+                          <a:cs typeface="+mn-cs"/>
+                        </a:rPr>
+                        <a:t>2</a:t>
+                      </a:r>
+                    </a:p>
+                  </a:txBody>
+                  <a:tcPr marL="9525" marR="9525" marT="9525" marB="0" anchor="ctr"/>
+                </a:tc>
+                <a:tc>
+                  <a:txBody>
+                    <a:bodyPr/>
+                    <a:lstStyle/>
+                    <a:p>
+                      <a:pPr marL="0" algn="l" defTabSz="457200" rtl="0" eaLnBrk="1" fontAlgn="ctr" latinLnBrk="0" hangingPunct="1"/>
+                      <a:r>
+                        <a:rPr lang="en-US" altLang="zh-CN" sz="1100" u="none" strike="noStrike" kern="1200">
+                          <a:solidFill>
+                            <a:schemeClr val="dk1"/>
+                          </a:solidFill>
+                          <a:effectLst/>
+                          <a:latin typeface="+mn-lt"/>
+                          <a:ea typeface="+mn-ea"/>
+                          <a:cs typeface="+mn-cs"/>
+                        </a:rPr>
+                        <a:t>200</a:t>
+                      </a:r>
+                    </a:p>
+                  </a:txBody>
+                  <a:tcPr marL="9525" marR="9525" marT="9525" marB="0" anchor="ctr"/>
+                </a:tc>
+                <a:extLst>
+                  <a:ext uri="{0D108BD9-81ED-4DB2-BD59-A6C34878D82A}">
+                    <a16:rowId xmlns:a16="http://schemas.microsoft.com/office/drawing/2014/main" val="231295002"/>
+                  </a:ext>
+                </a:extLst>
+              </a:tr>
+              <a:tr h="297183">
+                <a:tc>
+                  <a:txBody>
+                    <a:bodyPr/>
+                    <a:lstStyle/>
+                    <a:p>
+                      <a:pPr marL="0" algn="l" defTabSz="457200" rtl="0" eaLnBrk="1" fontAlgn="ctr" latinLnBrk="0" hangingPunct="1"/>
+                      <a:r>
+                        <a:rPr lang="en-US" altLang="zh-CN" sz="1100" u="none" strike="noStrike" kern="1200">
+                          <a:solidFill>
+                            <a:schemeClr val="dk1"/>
+                          </a:solidFill>
+                          <a:effectLst/>
+                          <a:latin typeface="+mn-lt"/>
+                          <a:ea typeface="+mn-ea"/>
+                          <a:cs typeface="+mn-cs"/>
+                        </a:rPr>
+                        <a:t>7</a:t>
+                      </a:r>
+                    </a:p>
+                  </a:txBody>
+                  <a:tcPr marL="9525" marR="9525" marT="9525" marB="0" anchor="ctr"/>
+                </a:tc>
+                <a:tc>
+                  <a:txBody>
+                    <a:bodyPr/>
+                    <a:lstStyle/>
+                    <a:p>
+                      <a:pPr marL="0" algn="l" defTabSz="457200" rtl="0" eaLnBrk="1" fontAlgn="ctr" latinLnBrk="0" hangingPunct="1"/>
+                      <a:r>
+                        <a:rPr lang="en-US" sz="1100" u="none" strike="noStrike" kern="1200">
+                          <a:solidFill>
+                            <a:schemeClr val="dk1"/>
+                          </a:solidFill>
+                          <a:effectLst/>
+                          <a:latin typeface="+mn-lt"/>
+                          <a:ea typeface="+mn-ea"/>
+                          <a:cs typeface="+mn-cs"/>
+                        </a:rPr>
+                        <a:t>ExtraTree</a:t>
+                      </a:r>
+                    </a:p>
+                  </a:txBody>
+                  <a:tcPr marL="9525" marR="9525" marT="9525" marB="0" anchor="ctr"/>
+                </a:tc>
+                <a:tc>
+                  <a:txBody>
+                    <a:bodyPr/>
+                    <a:lstStyle/>
+                    <a:p>
+                      <a:pPr marL="0" algn="l" defTabSz="457200" rtl="0" eaLnBrk="1" fontAlgn="ctr" latinLnBrk="0" hangingPunct="1"/>
+                      <a:r>
+                        <a:rPr lang="en-US" altLang="zh-CN" sz="1100" u="none" strike="noStrike" kern="1200">
+                          <a:solidFill>
+                            <a:schemeClr val="dk1"/>
+                          </a:solidFill>
+                          <a:effectLst/>
+                          <a:latin typeface="+mn-lt"/>
+                          <a:ea typeface="+mn-ea"/>
+                          <a:cs typeface="+mn-cs"/>
+                        </a:rPr>
+                        <a:t>10</a:t>
+                      </a:r>
+                    </a:p>
+                  </a:txBody>
+                  <a:tcPr marL="9525" marR="9525" marT="9525" marB="0" anchor="ctr"/>
+                </a:tc>
+                <a:tc>
+                  <a:txBody>
+                    <a:bodyPr/>
+                    <a:lstStyle/>
+                    <a:p>
+                      <a:pPr marL="0" algn="l" defTabSz="457200" rtl="0" eaLnBrk="1" fontAlgn="ctr" latinLnBrk="0" hangingPunct="1"/>
+                      <a:r>
+                        <a:rPr lang="en-US" altLang="zh-CN" sz="1100" u="none" strike="noStrike" kern="1200">
+                          <a:solidFill>
+                            <a:schemeClr val="dk1"/>
+                          </a:solidFill>
+                          <a:effectLst/>
+                          <a:latin typeface="+mn-lt"/>
+                          <a:ea typeface="+mn-ea"/>
+                          <a:cs typeface="+mn-cs"/>
+                        </a:rPr>
+                        <a:t>5</a:t>
+                      </a:r>
+                    </a:p>
+                  </a:txBody>
+                  <a:tcPr marL="9525" marR="9525" marT="9525" marB="0" anchor="ctr"/>
+                </a:tc>
+                <a:tc>
+                  <a:txBody>
+                    <a:bodyPr/>
+                    <a:lstStyle/>
+                    <a:p>
+                      <a:pPr marL="0" algn="l" defTabSz="457200" rtl="0" eaLnBrk="1" fontAlgn="ctr" latinLnBrk="0" hangingPunct="1"/>
+                      <a:r>
+                        <a:rPr lang="en-US" altLang="zh-CN" sz="1100" u="none" strike="noStrike" kern="1200">
+                          <a:solidFill>
+                            <a:schemeClr val="dk1"/>
+                          </a:solidFill>
+                          <a:effectLst/>
+                          <a:latin typeface="+mn-lt"/>
+                          <a:ea typeface="+mn-ea"/>
+                          <a:cs typeface="+mn-cs"/>
+                        </a:rPr>
+                        <a:t>100</a:t>
+                      </a:r>
+                    </a:p>
+                  </a:txBody>
+                  <a:tcPr marL="9525" marR="9525" marT="9525" marB="0" anchor="ctr"/>
+                </a:tc>
+                <a:extLst>
+                  <a:ext uri="{0D108BD9-81ED-4DB2-BD59-A6C34878D82A}">
+                    <a16:rowId xmlns:a16="http://schemas.microsoft.com/office/drawing/2014/main" val="4059397971"/>
+                  </a:ext>
+                </a:extLst>
+              </a:tr>
+              <a:tr h="297183">
+                <a:tc>
+                  <a:txBody>
+                    <a:bodyPr/>
+                    <a:lstStyle/>
+                    <a:p>
+                      <a:pPr marL="0" algn="l" defTabSz="457200" rtl="0" eaLnBrk="1" fontAlgn="ctr" latinLnBrk="0" hangingPunct="1"/>
+                      <a:r>
+                        <a:rPr lang="en-US" altLang="zh-CN" sz="1100" u="none" strike="noStrike" kern="1200">
+                          <a:solidFill>
+                            <a:schemeClr val="dk1"/>
+                          </a:solidFill>
+                          <a:effectLst/>
+                          <a:latin typeface="+mn-lt"/>
+                          <a:ea typeface="+mn-ea"/>
+                          <a:cs typeface="+mn-cs"/>
+                        </a:rPr>
+                        <a:t>8</a:t>
+                      </a:r>
+                    </a:p>
+                  </a:txBody>
+                  <a:tcPr marL="9525" marR="9525" marT="9525" marB="0" anchor="ctr"/>
+                </a:tc>
+                <a:tc>
+                  <a:txBody>
+                    <a:bodyPr/>
+                    <a:lstStyle/>
+                    <a:p>
+                      <a:pPr marL="0" algn="l" defTabSz="457200" rtl="0" eaLnBrk="1" fontAlgn="ctr" latinLnBrk="0" hangingPunct="1"/>
+                      <a:r>
+                        <a:rPr lang="en-US" sz="1100" u="none" strike="noStrike" kern="1200">
+                          <a:solidFill>
+                            <a:schemeClr val="dk1"/>
+                          </a:solidFill>
+                          <a:effectLst/>
+                          <a:latin typeface="+mn-lt"/>
+                          <a:ea typeface="+mn-ea"/>
+                          <a:cs typeface="+mn-cs"/>
+                        </a:rPr>
+                        <a:t>ExtraTree</a:t>
+                      </a:r>
+                    </a:p>
+                  </a:txBody>
+                  <a:tcPr marL="9525" marR="9525" marT="9525" marB="0" anchor="ctr"/>
+                </a:tc>
+                <a:tc>
+                  <a:txBody>
+                    <a:bodyPr/>
+                    <a:lstStyle/>
+                    <a:p>
+                      <a:pPr marL="0" algn="l" defTabSz="457200" rtl="0" eaLnBrk="1" fontAlgn="ctr" latinLnBrk="0" hangingPunct="1"/>
+                      <a:r>
+                        <a:rPr lang="en-US" altLang="zh-CN" sz="1100" u="none" strike="noStrike" kern="1200">
+                          <a:solidFill>
+                            <a:schemeClr val="dk1"/>
+                          </a:solidFill>
+                          <a:effectLst/>
+                          <a:latin typeface="+mn-lt"/>
+                          <a:ea typeface="+mn-ea"/>
+                          <a:cs typeface="+mn-cs"/>
+                        </a:rPr>
+                        <a:t>30</a:t>
+                      </a:r>
+                    </a:p>
+                  </a:txBody>
+                  <a:tcPr marL="9525" marR="9525" marT="9525" marB="0" anchor="ctr"/>
+                </a:tc>
+                <a:tc>
+                  <a:txBody>
+                    <a:bodyPr/>
+                    <a:lstStyle/>
+                    <a:p>
+                      <a:pPr marL="0" algn="l" defTabSz="457200" rtl="0" eaLnBrk="1" fontAlgn="ctr" latinLnBrk="0" hangingPunct="1"/>
+                      <a:r>
+                        <a:rPr lang="en-US" altLang="zh-CN" sz="1100" u="none" strike="noStrike" kern="1200">
+                          <a:solidFill>
+                            <a:schemeClr val="dk1"/>
+                          </a:solidFill>
+                          <a:effectLst/>
+                          <a:latin typeface="+mn-lt"/>
+                          <a:ea typeface="+mn-ea"/>
+                          <a:cs typeface="+mn-cs"/>
+                        </a:rPr>
+                        <a:t>5</a:t>
+                      </a:r>
+                    </a:p>
+                  </a:txBody>
+                  <a:tcPr marL="9525" marR="9525" marT="9525" marB="0" anchor="ctr"/>
+                </a:tc>
+                <a:tc>
+                  <a:txBody>
+                    <a:bodyPr/>
+                    <a:lstStyle/>
+                    <a:p>
+                      <a:pPr marL="0" algn="l" defTabSz="457200" rtl="0" eaLnBrk="1" fontAlgn="ctr" latinLnBrk="0" hangingPunct="1"/>
+                      <a:r>
+                        <a:rPr lang="en-US" altLang="zh-CN" sz="1100" u="none" strike="noStrike" kern="1200">
+                          <a:solidFill>
+                            <a:schemeClr val="dk1"/>
+                          </a:solidFill>
+                          <a:effectLst/>
+                          <a:latin typeface="+mn-lt"/>
+                          <a:ea typeface="+mn-ea"/>
+                          <a:cs typeface="+mn-cs"/>
+                        </a:rPr>
+                        <a:t>100</a:t>
+                      </a:r>
+                    </a:p>
+                  </a:txBody>
+                  <a:tcPr marL="9525" marR="9525" marT="9525" marB="0" anchor="ctr"/>
+                </a:tc>
+                <a:extLst>
+                  <a:ext uri="{0D108BD9-81ED-4DB2-BD59-A6C34878D82A}">
+                    <a16:rowId xmlns:a16="http://schemas.microsoft.com/office/drawing/2014/main" val="2557848410"/>
+                  </a:ext>
+                </a:extLst>
+              </a:tr>
+              <a:tr h="297183">
+                <a:tc>
+                  <a:txBody>
+                    <a:bodyPr/>
+                    <a:lstStyle/>
+                    <a:p>
+                      <a:pPr marL="0" algn="l" defTabSz="457200" rtl="0" eaLnBrk="1" fontAlgn="ctr" latinLnBrk="0" hangingPunct="1"/>
+                      <a:r>
+                        <a:rPr lang="en-US" altLang="zh-CN" sz="1100" u="none" strike="noStrike" kern="1200">
+                          <a:solidFill>
+                            <a:schemeClr val="dk1"/>
+                          </a:solidFill>
+                          <a:effectLst/>
+                          <a:latin typeface="+mn-lt"/>
+                          <a:ea typeface="+mn-ea"/>
+                          <a:cs typeface="+mn-cs"/>
+                        </a:rPr>
+                        <a:t>9</a:t>
+                      </a:r>
+                    </a:p>
+                  </a:txBody>
+                  <a:tcPr marL="9525" marR="9525" marT="9525" marB="0" anchor="ctr"/>
+                </a:tc>
+                <a:tc>
+                  <a:txBody>
+                    <a:bodyPr/>
+                    <a:lstStyle/>
+                    <a:p>
+                      <a:pPr marL="0" algn="l" defTabSz="457200" rtl="0" eaLnBrk="1" fontAlgn="ctr" latinLnBrk="0" hangingPunct="1"/>
+                      <a:r>
+                        <a:rPr lang="en-US" sz="1100" u="none" strike="noStrike" kern="1200">
+                          <a:solidFill>
+                            <a:schemeClr val="dk1"/>
+                          </a:solidFill>
+                          <a:effectLst/>
+                          <a:latin typeface="+mn-lt"/>
+                          <a:ea typeface="+mn-ea"/>
+                          <a:cs typeface="+mn-cs"/>
+                        </a:rPr>
+                        <a:t>ExtraTree</a:t>
+                      </a:r>
+                    </a:p>
+                  </a:txBody>
+                  <a:tcPr marL="9525" marR="9525" marT="9525" marB="0" anchor="ctr"/>
+                </a:tc>
+                <a:tc>
+                  <a:txBody>
+                    <a:bodyPr/>
+                    <a:lstStyle/>
+                    <a:p>
+                      <a:pPr marL="0" algn="l" defTabSz="457200" rtl="0" eaLnBrk="1" fontAlgn="ctr" latinLnBrk="0" hangingPunct="1"/>
+                      <a:r>
+                        <a:rPr lang="en-US" altLang="zh-CN" sz="1100" u="none" strike="noStrike" kern="1200">
+                          <a:solidFill>
+                            <a:schemeClr val="dk1"/>
+                          </a:solidFill>
+                          <a:effectLst/>
+                          <a:latin typeface="+mn-lt"/>
+                          <a:ea typeface="+mn-ea"/>
+                          <a:cs typeface="+mn-cs"/>
+                        </a:rPr>
+                        <a:t>30</a:t>
+                      </a:r>
+                    </a:p>
+                  </a:txBody>
+                  <a:tcPr marL="9525" marR="9525" marT="9525" marB="0" anchor="ctr"/>
+                </a:tc>
+                <a:tc>
+                  <a:txBody>
+                    <a:bodyPr/>
+                    <a:lstStyle/>
+                    <a:p>
+                      <a:pPr marL="0" algn="l" defTabSz="457200" rtl="0" eaLnBrk="1" fontAlgn="ctr" latinLnBrk="0" hangingPunct="1"/>
+                      <a:r>
+                        <a:rPr lang="en-US" altLang="zh-CN" sz="1100" u="none" strike="noStrike" kern="1200">
+                          <a:solidFill>
+                            <a:schemeClr val="dk1"/>
+                          </a:solidFill>
+                          <a:effectLst/>
+                          <a:latin typeface="+mn-lt"/>
+                          <a:ea typeface="+mn-ea"/>
+                          <a:cs typeface="+mn-cs"/>
+                        </a:rPr>
+                        <a:t>10</a:t>
+                      </a:r>
+                    </a:p>
+                  </a:txBody>
+                  <a:tcPr marL="9525" marR="9525" marT="9525" marB="0" anchor="ctr"/>
+                </a:tc>
+                <a:tc>
+                  <a:txBody>
+                    <a:bodyPr/>
+                    <a:lstStyle/>
+                    <a:p>
+                      <a:pPr marL="0" algn="l" defTabSz="457200" rtl="0" eaLnBrk="1" fontAlgn="ctr" latinLnBrk="0" hangingPunct="1"/>
+                      <a:r>
+                        <a:rPr lang="en-US" altLang="zh-CN" sz="1100" u="none" strike="noStrike" kern="1200">
+                          <a:solidFill>
+                            <a:schemeClr val="dk1"/>
+                          </a:solidFill>
+                          <a:effectLst/>
+                          <a:latin typeface="+mn-lt"/>
+                          <a:ea typeface="+mn-ea"/>
+                          <a:cs typeface="+mn-cs"/>
+                        </a:rPr>
+                        <a:t>100</a:t>
+                      </a:r>
+                    </a:p>
+                  </a:txBody>
+                  <a:tcPr marL="9525" marR="9525" marT="9525" marB="0" anchor="ctr"/>
+                </a:tc>
+                <a:extLst>
+                  <a:ext uri="{0D108BD9-81ED-4DB2-BD59-A6C34878D82A}">
+                    <a16:rowId xmlns:a16="http://schemas.microsoft.com/office/drawing/2014/main" val="1605396555"/>
+                  </a:ext>
+                </a:extLst>
+              </a:tr>
+              <a:tr h="297183">
+                <a:tc>
+                  <a:txBody>
+                    <a:bodyPr/>
+                    <a:lstStyle/>
+                    <a:p>
+                      <a:pPr marL="0" algn="l" defTabSz="457200" rtl="0" eaLnBrk="1" fontAlgn="ctr" latinLnBrk="0" hangingPunct="1"/>
+                      <a:r>
+                        <a:rPr lang="en-US" altLang="zh-CN" sz="1100" u="none" strike="noStrike" kern="1200">
+                          <a:solidFill>
+                            <a:schemeClr val="dk1"/>
+                          </a:solidFill>
+                          <a:effectLst/>
+                          <a:latin typeface="+mn-lt"/>
+                          <a:ea typeface="+mn-ea"/>
+                          <a:cs typeface="+mn-cs"/>
+                        </a:rPr>
+                        <a:t>10</a:t>
+                      </a:r>
+                    </a:p>
+                  </a:txBody>
+                  <a:tcPr marL="9525" marR="9525" marT="9525" marB="0" anchor="ctr"/>
+                </a:tc>
+                <a:tc>
+                  <a:txBody>
+                    <a:bodyPr/>
+                    <a:lstStyle/>
+                    <a:p>
+                      <a:pPr marL="0" algn="l" defTabSz="457200" rtl="0" eaLnBrk="1" fontAlgn="ctr" latinLnBrk="0" hangingPunct="1"/>
+                      <a:r>
+                        <a:rPr lang="en-US" sz="1100" u="none" strike="noStrike" kern="1200">
+                          <a:solidFill>
+                            <a:schemeClr val="dk1"/>
+                          </a:solidFill>
+                          <a:effectLst/>
+                          <a:latin typeface="+mn-lt"/>
+                          <a:ea typeface="+mn-ea"/>
+                          <a:cs typeface="+mn-cs"/>
+                        </a:rPr>
+                        <a:t>ExtraTree</a:t>
+                      </a:r>
+                    </a:p>
+                  </a:txBody>
+                  <a:tcPr marL="9525" marR="9525" marT="9525" marB="0" anchor="ctr"/>
+                </a:tc>
+                <a:tc>
+                  <a:txBody>
+                    <a:bodyPr/>
+                    <a:lstStyle/>
+                    <a:p>
+                      <a:pPr marL="0" algn="l" defTabSz="457200" rtl="0" eaLnBrk="1" fontAlgn="ctr" latinLnBrk="0" hangingPunct="1"/>
+                      <a:r>
+                        <a:rPr lang="en-US" altLang="zh-CN" sz="1100" u="none" strike="noStrike" kern="1200">
+                          <a:solidFill>
+                            <a:schemeClr val="dk1"/>
+                          </a:solidFill>
+                          <a:effectLst/>
+                          <a:latin typeface="+mn-lt"/>
+                          <a:ea typeface="+mn-ea"/>
+                          <a:cs typeface="+mn-cs"/>
+                        </a:rPr>
+                        <a:t>30</a:t>
+                      </a:r>
+                    </a:p>
+                  </a:txBody>
+                  <a:tcPr marL="9525" marR="9525" marT="9525" marB="0" anchor="ctr"/>
+                </a:tc>
+                <a:tc>
+                  <a:txBody>
+                    <a:bodyPr/>
+                    <a:lstStyle/>
+                    <a:p>
+                      <a:pPr marL="0" algn="l" defTabSz="457200" rtl="0" eaLnBrk="1" fontAlgn="ctr" latinLnBrk="0" hangingPunct="1"/>
+                      <a:r>
+                        <a:rPr lang="en-US" altLang="zh-CN" sz="1100" u="none" strike="noStrike" kern="1200">
+                          <a:solidFill>
+                            <a:schemeClr val="dk1"/>
+                          </a:solidFill>
+                          <a:effectLst/>
+                          <a:latin typeface="+mn-lt"/>
+                          <a:ea typeface="+mn-ea"/>
+                          <a:cs typeface="+mn-cs"/>
+                        </a:rPr>
+                        <a:t>10</a:t>
+                      </a:r>
+                    </a:p>
+                  </a:txBody>
+                  <a:tcPr marL="9525" marR="9525" marT="9525" marB="0" anchor="ctr"/>
+                </a:tc>
+                <a:tc>
+                  <a:txBody>
+                    <a:bodyPr/>
+                    <a:lstStyle/>
+                    <a:p>
+                      <a:pPr marL="0" algn="l" defTabSz="457200" rtl="0" eaLnBrk="1" fontAlgn="ctr" latinLnBrk="0" hangingPunct="1"/>
+                      <a:r>
+                        <a:rPr lang="en-US" altLang="zh-CN" sz="1100" u="none" strike="noStrike" kern="1200" dirty="0">
+                          <a:solidFill>
+                            <a:schemeClr val="dk1"/>
+                          </a:solidFill>
+                          <a:effectLst/>
+                          <a:latin typeface="+mn-lt"/>
+                          <a:ea typeface="+mn-ea"/>
+                          <a:cs typeface="+mn-cs"/>
+                        </a:rPr>
+                        <a:t>300</a:t>
+                      </a:r>
+                    </a:p>
+                  </a:txBody>
+                  <a:tcPr marL="9525" marR="9525" marT="9525" marB="0" anchor="ctr"/>
+                </a:tc>
+                <a:extLst>
+                  <a:ext uri="{0D108BD9-81ED-4DB2-BD59-A6C34878D82A}">
+                    <a16:rowId xmlns:a16="http://schemas.microsoft.com/office/drawing/2014/main" val="319560713"/>
+                  </a:ext>
+                </a:extLst>
+              </a:tr>
+            </a:tbl>
+          </a:graphicData>
+        </a:graphic>
+      </p:graphicFrame>
+      <p:sp>
+        <p:nvSpPr>
+          <p:cNvPr id="7" name="Text Placeholder 1">
+            <a:extLst>
+              <a:ext uri="{FF2B5EF4-FFF2-40B4-BE49-F238E27FC236}">
+                <a16:creationId xmlns:a16="http://schemas.microsoft.com/office/drawing/2014/main" id="{F057A1FE-EA67-421A-B0F1-3E021886CF2E}"/>
+              </a:ext>
+            </a:extLst>
+          </p:cNvPr>
+          <p:cNvSpPr>
+            <a:spLocks noGrp="1"/>
+          </p:cNvSpPr>
+          <p:nvPr>
+            <p:ph type="body" sz="quarter" idx="12"/>
+          </p:nvPr>
+        </p:nvSpPr>
+        <p:spPr>
+          <a:xfrm>
+            <a:off x="371247" y="830722"/>
+            <a:ext cx="8315553" cy="3131018"/>
+          </a:xfrm>
+        </p:spPr>
+        <p:txBody>
+          <a:bodyPr/>
+          <a:lstStyle/>
+          <a:p>
+            <a:r>
+              <a:rPr lang="en-US" altLang="zh-CN" dirty="0"/>
+              <a:t>Performance</a:t>
+            </a:r>
+            <a:endParaRPr lang="zh-CN" altLang="en-US" dirty="0"/>
+          </a:p>
+        </p:txBody>
+      </p:sp>
+      <p:pic>
+        <p:nvPicPr>
+          <p:cNvPr id="9" name="Picture 8">
+            <a:extLst>
+              <a:ext uri="{FF2B5EF4-FFF2-40B4-BE49-F238E27FC236}">
+                <a16:creationId xmlns:a16="http://schemas.microsoft.com/office/drawing/2014/main" id="{02BBC8DA-EC7B-4113-9527-F7354A397FAE}"/>
+              </a:ext>
+            </a:extLst>
+          </p:cNvPr>
+          <p:cNvPicPr>
+            <a:picLocks noChangeAspect="1"/>
+          </p:cNvPicPr>
+          <p:nvPr/>
+        </p:nvPicPr>
+        <p:blipFill>
+          <a:blip r:embed="rId2"/>
+          <a:stretch>
+            <a:fillRect/>
+          </a:stretch>
+        </p:blipFill>
+        <p:spPr>
+          <a:xfrm>
+            <a:off x="4801714" y="918286"/>
+            <a:ext cx="4115738" cy="3848977"/>
+          </a:xfrm>
+          <a:prstGeom prst="rect">
+            <a:avLst/>
+          </a:prstGeom>
+        </p:spPr>
+      </p:pic>
+    </p:spTree>
+    <p:extLst>
+      <p:ext uri="{BB962C8B-B14F-4D97-AF65-F5344CB8AC3E}">
+        <p14:creationId xmlns:p14="http://schemas.microsoft.com/office/powerpoint/2010/main" val="43420382"/>
+      </p:ext>
+    </p:extLst>
+  </p:cSld>
+  <p:clrMapOvr>
+    <a:masterClrMapping/>
+  </p:clrMapOvr>
+</p:sld>
+</file>
+
+<file path=ppt/slides/slide15.xml><?xml version="1.0" encoding="utf-8"?>
+<p:sld xmlns:a="http://schemas.openxmlformats.org/drawingml/2006/main" xmlns:r="http://schemas.openxmlformats.org/officeDocument/2006/relationships" xmlns:p="http://schemas.openxmlformats.org/presentationml/2006/main">
+  <p:cSld>
+    <p:spTree>
+      <p:nvGrpSpPr>
+        <p:cNvPr id="1" name=""/>
+        <p:cNvGrpSpPr/>
+        <p:nvPr/>
+      </p:nvGrpSpPr>
+      <p:grpSpPr>
+        <a:xfrm>
+          <a:off x="0" y="0"/>
+          <a:ext cx="0" cy="0"/>
+          <a:chOff x="0" y="0"/>
+          <a:chExt cx="0" cy="0"/>
+        </a:xfrm>
+      </p:grpSpPr>
+      <p:sp>
+        <p:nvSpPr>
+          <p:cNvPr id="2" name="Text Placeholder 1">
+            <a:extLst>
+              <a:ext uri="{FF2B5EF4-FFF2-40B4-BE49-F238E27FC236}">
+                <a16:creationId xmlns:a16="http://schemas.microsoft.com/office/drawing/2014/main" id="{B81424F3-7B0C-43DF-A0F5-E5837E210088}"/>
+              </a:ext>
+            </a:extLst>
+          </p:cNvPr>
+          <p:cNvSpPr>
+            <a:spLocks noGrp="1"/>
+          </p:cNvSpPr>
+          <p:nvPr>
+            <p:ph type="body" sz="quarter" idx="12"/>
+          </p:nvPr>
+        </p:nvSpPr>
+        <p:spPr/>
+        <p:txBody>
+          <a:bodyPr/>
+          <a:lstStyle/>
+          <a:p>
+            <a:r>
+              <a:rPr lang="en-US" altLang="zh-CN" dirty="0"/>
+              <a:t>Conclusions:</a:t>
+            </a:r>
+          </a:p>
+          <a:p>
+            <a:r>
+              <a:rPr lang="en-US" altLang="zh-CN" dirty="0"/>
+              <a:t>	</a:t>
+            </a:r>
+            <a:r>
+              <a:rPr lang="en-US" altLang="zh-CN" b="0" dirty="0"/>
+              <a:t>1. Doc2Vec embedding alpha has smoother profile, i.e. easier for 			portfolio implementation.</a:t>
+            </a:r>
+          </a:p>
+          <a:p>
+            <a:r>
+              <a:rPr lang="en-US" altLang="zh-CN" b="0" dirty="0"/>
+              <a:t>	2.</a:t>
+            </a:r>
+            <a:r>
+              <a:rPr lang="zh-CN" altLang="en-US" b="0" dirty="0"/>
+              <a:t> </a:t>
+            </a:r>
+            <a:r>
+              <a:rPr lang="en-US" altLang="zh-CN" b="0" dirty="0"/>
+              <a:t>Adding intra-sample information by clustering may not be helpful in 		this problem and dataset.</a:t>
+            </a:r>
+          </a:p>
+          <a:p>
+            <a:r>
+              <a:rPr lang="en-US" altLang="zh-CN" b="0" dirty="0"/>
+              <a:t>	3. Several Fed speeches contribute significantly large to the total </a:t>
+            </a:r>
+            <a:r>
+              <a:rPr lang="en-US" altLang="zh-CN" b="0" dirty="0" err="1"/>
+              <a:t>PnL</a:t>
+            </a:r>
+            <a:r>
+              <a:rPr lang="en-US" altLang="zh-CN" b="0" dirty="0"/>
+              <a:t>, 		which we may be interested in determine what those are.</a:t>
+            </a:r>
+          </a:p>
+        </p:txBody>
+      </p:sp>
+      <p:sp>
+        <p:nvSpPr>
+          <p:cNvPr id="3" name="Text Placeholder 2">
+            <a:extLst>
+              <a:ext uri="{FF2B5EF4-FFF2-40B4-BE49-F238E27FC236}">
+                <a16:creationId xmlns:a16="http://schemas.microsoft.com/office/drawing/2014/main" id="{F2669D7F-0EC2-48CA-BA3D-51DC8B7ECE93}"/>
+              </a:ext>
+            </a:extLst>
+          </p:cNvPr>
+          <p:cNvSpPr>
+            <a:spLocks noGrp="1"/>
+          </p:cNvSpPr>
+          <p:nvPr>
+            <p:ph type="body" sz="quarter" idx="14"/>
+          </p:nvPr>
+        </p:nvSpPr>
+        <p:spPr/>
+        <p:txBody>
+          <a:bodyPr/>
+          <a:lstStyle/>
+          <a:p>
+            <a:r>
+              <a:rPr lang="en-US" altLang="zh-CN" dirty="0"/>
+              <a:t>Comparison and Summary</a:t>
+            </a:r>
+          </a:p>
+          <a:p>
+            <a:endParaRPr lang="zh-CN" altLang="en-US" dirty="0"/>
+          </a:p>
+        </p:txBody>
+      </p:sp>
+      <p:sp>
+        <p:nvSpPr>
+          <p:cNvPr id="4" name="Date Placeholder 3">
+            <a:extLst>
+              <a:ext uri="{FF2B5EF4-FFF2-40B4-BE49-F238E27FC236}">
+                <a16:creationId xmlns:a16="http://schemas.microsoft.com/office/drawing/2014/main" id="{742ABF96-FF47-4E2F-AA24-DE2BB1AA6AFE}"/>
+              </a:ext>
+            </a:extLst>
+          </p:cNvPr>
+          <p:cNvSpPr>
+            <a:spLocks noGrp="1"/>
+          </p:cNvSpPr>
+          <p:nvPr>
+            <p:ph type="dt" sz="half" idx="15"/>
+          </p:nvPr>
+        </p:nvSpPr>
+        <p:spPr/>
+        <p:txBody>
+          <a:bodyPr/>
+          <a:lstStyle/>
+          <a:p>
+            <a:pPr>
+              <a:defRPr/>
+            </a:pPr>
+            <a:fld id="{BB8BC90C-0B0D-4B70-9E78-7734F7D5884F}" type="datetime1">
+              <a:rPr lang="en-US" altLang="zh-CN" smtClean="0"/>
+              <a:pPr>
+                <a:defRPr/>
+              </a:pPr>
+              <a:t>10/18/2019</a:t>
+            </a:fld>
+            <a:endParaRPr lang="en-US" altLang="zh-CN"/>
+          </a:p>
+        </p:txBody>
+      </p:sp>
+      <p:sp>
+        <p:nvSpPr>
+          <p:cNvPr id="5" name="Slide Number Placeholder 4">
+            <a:extLst>
+              <a:ext uri="{FF2B5EF4-FFF2-40B4-BE49-F238E27FC236}">
+                <a16:creationId xmlns:a16="http://schemas.microsoft.com/office/drawing/2014/main" id="{1635B6DE-97C7-40F9-9AD4-B79159F21DE7}"/>
+              </a:ext>
+            </a:extLst>
+          </p:cNvPr>
+          <p:cNvSpPr>
+            <a:spLocks noGrp="1"/>
+          </p:cNvSpPr>
+          <p:nvPr>
+            <p:ph type="sldNum" sz="quarter" idx="16"/>
+          </p:nvPr>
+        </p:nvSpPr>
+        <p:spPr/>
+        <p:txBody>
+          <a:bodyPr/>
+          <a:lstStyle/>
+          <a:p>
+            <a:pPr>
+              <a:defRPr/>
+            </a:pPr>
+            <a:fld id="{663A759A-91C0-40B8-8C45-F12E9D2FF7F2}" type="slidenum">
+              <a:rPr lang="en-US" altLang="zh-CN" smtClean="0"/>
+              <a:pPr>
+                <a:defRPr/>
+              </a:pPr>
+              <a:t>15</a:t>
             </a:fld>
             <a:endParaRPr lang="en-US" altLang="zh-CN"/>
           </a:p>
@@ -6171,7 +8242,7 @@
     </p:spTree>
     <p:extLst>
       <p:ext uri="{BB962C8B-B14F-4D97-AF65-F5344CB8AC3E}">
-        <p14:creationId xmlns:p14="http://schemas.microsoft.com/office/powerpoint/2010/main" val="2919254538"/>
+        <p14:creationId xmlns:p14="http://schemas.microsoft.com/office/powerpoint/2010/main" val="1666438489"/>
       </p:ext>
     </p:extLst>
   </p:cSld>
@@ -6259,7 +8330,7 @@
                 <a:ea typeface="ＭＳ Ｐゴシック" charset="0"/>
                 <a:cs typeface="Arial"/>
               </a:rPr>
-              <a:t>A Quick Refresh</a:t>
+              <a:t>Quick Refresh</a:t>
             </a:r>
           </a:p>
           <a:p>
@@ -7187,7 +9258,7 @@
             </a:pPr>
             <a:r>
               <a:rPr lang="en-US" altLang="zh-CN" dirty="0"/>
-              <a:t>A Quick Refresh</a:t>
+              <a:t>Quick Refresh</a:t>
             </a:r>
             <a:endParaRPr lang="zh-CN" altLang="zh-CN" dirty="0"/>
           </a:p>
@@ -11757,8 +13828,8 @@
           <a:chExt cx="0" cy="0"/>
         </a:xfrm>
       </p:grpSpPr>
-      <mc:AlternateContent xmlns:mc="http://schemas.openxmlformats.org/markup-compatibility/2006">
-        <mc:Choice xmlns:a14="http://schemas.microsoft.com/office/drawing/2010/main" Requires="a14">
+      <mc:AlternateContent xmlns:mc="http://schemas.openxmlformats.org/markup-compatibility/2006" xmlns:a14="http://schemas.microsoft.com/office/drawing/2010/main">
+        <mc:Choice Requires="a14">
           <p:sp>
             <p:nvSpPr>
               <p:cNvPr id="2" name="Text Placeholder 1">
@@ -12104,7 +14175,7 @@
             </p:txBody>
           </p:sp>
         </mc:Choice>
-        <mc:Fallback>
+        <mc:Fallback xmlns="">
           <p:sp>
             <p:nvSpPr>
               <p:cNvPr id="2" name="Text Placeholder 1">
@@ -12346,7 +14417,7 @@
           <a:p>
             <a:r>
               <a:rPr lang="en-US" altLang="zh-CN" dirty="0"/>
-              <a:t>Performance and Comparison</a:t>
+              <a:t>Performance</a:t>
             </a:r>
             <a:endParaRPr lang="zh-CN" altLang="en-US" dirty="0"/>
           </a:p>

--- a/final_pre.pptx
+++ b/final_pre.pptx
@@ -5,10 +5,10 @@
     <p:sldMasterId id="2147483648" r:id="rId1"/>
   </p:sldMasterIdLst>
   <p:notesMasterIdLst>
-    <p:notesMasterId r:id="rId17"/>
+    <p:notesMasterId r:id="rId20"/>
   </p:notesMasterIdLst>
   <p:handoutMasterIdLst>
-    <p:handoutMasterId r:id="rId18"/>
+    <p:handoutMasterId r:id="rId21"/>
   </p:handoutMasterIdLst>
   <p:sldIdLst>
     <p:sldId id="259" r:id="rId2"/>
@@ -16,16 +16,19 @@
     <p:sldId id="265" r:id="rId4"/>
     <p:sldId id="266" r:id="rId5"/>
     <p:sldId id="267" r:id="rId6"/>
-    <p:sldId id="268" r:id="rId7"/>
-    <p:sldId id="269" r:id="rId8"/>
-    <p:sldId id="270" r:id="rId9"/>
-    <p:sldId id="271" r:id="rId10"/>
-    <p:sldId id="274" r:id="rId11"/>
-    <p:sldId id="272" r:id="rId12"/>
-    <p:sldId id="277" r:id="rId13"/>
-    <p:sldId id="273" r:id="rId14"/>
-    <p:sldId id="275" r:id="rId15"/>
-    <p:sldId id="276" r:id="rId16"/>
+    <p:sldId id="279" r:id="rId7"/>
+    <p:sldId id="268" r:id="rId8"/>
+    <p:sldId id="269" r:id="rId9"/>
+    <p:sldId id="270" r:id="rId10"/>
+    <p:sldId id="271" r:id="rId11"/>
+    <p:sldId id="278" r:id="rId12"/>
+    <p:sldId id="274" r:id="rId13"/>
+    <p:sldId id="272" r:id="rId14"/>
+    <p:sldId id="277" r:id="rId15"/>
+    <p:sldId id="273" r:id="rId16"/>
+    <p:sldId id="281" r:id="rId17"/>
+    <p:sldId id="275" r:id="rId18"/>
+    <p:sldId id="276" r:id="rId19"/>
   </p:sldIdLst>
   <p:sldSz cx="9144000" cy="5143500" type="screen16x9"/>
   <p:notesSz cx="6858000" cy="9144000"/>
@@ -1105,7 +1108,7 @@
               <a:pPr>
                 <a:defRPr/>
               </a:pPr>
-              <a:t>10/18/2019</a:t>
+              <a:t>10/22/2019</a:t>
             </a:fld>
             <a:endParaRPr lang="en-US" altLang="zh-CN"/>
           </a:p>
@@ -1327,7 +1330,7 @@
               <a:pPr>
                 <a:defRPr/>
               </a:pPr>
-              <a:t>10/18/2019</a:t>
+              <a:t>10/22/2019</a:t>
             </a:fld>
             <a:endParaRPr lang="en-US" altLang="zh-CN"/>
           </a:p>
@@ -1733,7 +1736,241 @@
               <a:pPr>
                 <a:defRPr/>
               </a:pPr>
+              <a:t>2</a:t>
+            </a:fld>
+            <a:endParaRPr lang="en-US" altLang="zh-CN"/>
+          </a:p>
+        </p:txBody>
+      </p:sp>
+    </p:spTree>
+    <p:extLst>
+      <p:ext uri="{BB962C8B-B14F-4D97-AF65-F5344CB8AC3E}">
+        <p14:creationId xmlns:p14="http://schemas.microsoft.com/office/powerpoint/2010/main" val="1868531480"/>
+      </p:ext>
+    </p:extLst>
+  </p:cSld>
+  <p:clrMapOvr>
+    <a:masterClrMapping/>
+  </p:clrMapOvr>
+</p:notes>
+</file>
+
+<file path=ppt/notesSlides/notesSlide2.xml><?xml version="1.0" encoding="utf-8"?>
+<p:notes xmlns:a="http://schemas.openxmlformats.org/drawingml/2006/main" xmlns:r="http://schemas.openxmlformats.org/officeDocument/2006/relationships" xmlns:p="http://schemas.openxmlformats.org/presentationml/2006/main">
+  <p:cSld>
+    <p:spTree>
+      <p:nvGrpSpPr>
+        <p:cNvPr id="1" name=""/>
+        <p:cNvGrpSpPr/>
+        <p:nvPr/>
+      </p:nvGrpSpPr>
+      <p:grpSpPr>
+        <a:xfrm>
+          <a:off x="0" y="0"/>
+          <a:ext cx="0" cy="0"/>
+          <a:chOff x="0" y="0"/>
+          <a:chExt cx="0" cy="0"/>
+        </a:xfrm>
+      </p:grpSpPr>
+      <p:sp>
+        <p:nvSpPr>
+          <p:cNvPr id="2" name="Slide Image Placeholder 1"/>
+          <p:cNvSpPr>
+            <a:spLocks noGrp="1" noRot="1" noChangeAspect="1"/>
+          </p:cNvSpPr>
+          <p:nvPr>
+            <p:ph type="sldImg"/>
+          </p:nvPr>
+        </p:nvSpPr>
+        <p:spPr/>
+      </p:sp>
+      <p:sp>
+        <p:nvSpPr>
+          <p:cNvPr id="3" name="Notes Placeholder 2"/>
+          <p:cNvSpPr>
+            <a:spLocks noGrp="1"/>
+          </p:cNvSpPr>
+          <p:nvPr>
+            <p:ph type="body" idx="1"/>
+          </p:nvPr>
+        </p:nvSpPr>
+        <p:spPr/>
+        <p:txBody>
+          <a:bodyPr/>
+          <a:lstStyle/>
+          <a:p>
+            <a:r>
+              <a:rPr lang="en-US" altLang="zh-CN" sz="1200" b="0" i="0" kern="1200" dirty="0">
+                <a:solidFill>
+                  <a:schemeClr val="tx1"/>
+                </a:solidFill>
+                <a:effectLst/>
+                <a:latin typeface="+mn-lt"/>
+                <a:ea typeface="MS PGothic" panose="020B0600070205080204" pitchFamily="34" charset="-128"/>
+                <a:cs typeface="ＭＳ Ｐゴシック" charset="0"/>
+              </a:rPr>
+              <a:t>Balanced Iterative Reducing and Clustering Using Hierarchies</a:t>
+            </a:r>
+          </a:p>
+          <a:p>
+            <a:endParaRPr lang="en-US" altLang="zh-CN" sz="1200" b="0" i="0" kern="1200" dirty="0">
+              <a:solidFill>
+                <a:schemeClr val="tx1"/>
+              </a:solidFill>
+              <a:effectLst/>
+              <a:latin typeface="+mn-lt"/>
+              <a:ea typeface="MS PGothic" panose="020B0600070205080204" pitchFamily="34" charset="-128"/>
+            </a:endParaRPr>
+          </a:p>
+          <a:p>
+            <a:r>
+              <a:rPr lang="zh-CN" altLang="en-US" dirty="0"/>
+              <a:t>在设计之初就考虑到了大规模数据集上聚类的精确性（充分利用有限内存保证好的聚类效果）和最小化</a:t>
+            </a:r>
+            <a:r>
+              <a:rPr lang="en-US" altLang="zh-CN" dirty="0"/>
+              <a:t>I/O</a:t>
+            </a:r>
+            <a:r>
+              <a:rPr lang="zh-CN" altLang="en-US" dirty="0"/>
+              <a:t>代价（减少数据库的读写，保证效率）之间的均衡。</a:t>
+            </a:r>
+            <a:r>
+              <a:rPr lang="en-US" altLang="zh-CN" dirty="0"/>
+              <a:t>BIRCH</a:t>
+            </a:r>
+            <a:r>
+              <a:rPr lang="zh-CN" altLang="en-US" dirty="0"/>
+              <a:t>能够识别出数据集中数据分布的不均衡性，将分布在稠密区域中的点聚类，将分布在稀疏区域中的点视作异常点而移除。此外，</a:t>
+            </a:r>
+            <a:r>
+              <a:rPr lang="en-US" altLang="zh-CN" dirty="0"/>
+              <a:t>BIRCH</a:t>
+            </a:r>
+            <a:r>
+              <a:rPr lang="zh-CN" altLang="en-US" dirty="0"/>
+              <a:t>是一种增量聚类方法，针对每一个点的聚类决策都是基于当前已经处理过的数据点，而不是全局的数据点。</a:t>
+            </a:r>
+          </a:p>
+          <a:p>
+            <a:endParaRPr lang="zh-CN" altLang="en-US" dirty="0"/>
+          </a:p>
+        </p:txBody>
+      </p:sp>
+      <p:sp>
+        <p:nvSpPr>
+          <p:cNvPr id="4" name="Slide Number Placeholder 3"/>
+          <p:cNvSpPr>
+            <a:spLocks noGrp="1"/>
+          </p:cNvSpPr>
+          <p:nvPr>
+            <p:ph type="sldNum" sz="quarter" idx="5"/>
+          </p:nvPr>
+        </p:nvSpPr>
+        <p:spPr/>
+        <p:txBody>
+          <a:bodyPr/>
+          <a:lstStyle/>
+          <a:p>
+            <a:pPr>
+              <a:defRPr/>
+            </a:pPr>
+            <a:fld id="{B316CEBB-BFF0-43F8-9E07-93A9E73A701E}" type="slidenum">
+              <a:rPr lang="en-US" altLang="zh-CN" smtClean="0"/>
+              <a:pPr>
+                <a:defRPr/>
+              </a:pPr>
               <a:t>8</a:t>
+            </a:fld>
+            <a:endParaRPr lang="en-US" altLang="zh-CN"/>
+          </a:p>
+        </p:txBody>
+      </p:sp>
+    </p:spTree>
+    <p:extLst>
+      <p:ext uri="{BB962C8B-B14F-4D97-AF65-F5344CB8AC3E}">
+        <p14:creationId xmlns:p14="http://schemas.microsoft.com/office/powerpoint/2010/main" val="389153735"/>
+      </p:ext>
+    </p:extLst>
+  </p:cSld>
+  <p:clrMapOvr>
+    <a:masterClrMapping/>
+  </p:clrMapOvr>
+</p:notes>
+</file>
+
+<file path=ppt/notesSlides/notesSlide3.xml><?xml version="1.0" encoding="utf-8"?>
+<p:notes xmlns:a="http://schemas.openxmlformats.org/drawingml/2006/main" xmlns:r="http://schemas.openxmlformats.org/officeDocument/2006/relationships" xmlns:p="http://schemas.openxmlformats.org/presentationml/2006/main">
+  <p:cSld>
+    <p:spTree>
+      <p:nvGrpSpPr>
+        <p:cNvPr id="1" name=""/>
+        <p:cNvGrpSpPr/>
+        <p:nvPr/>
+      </p:nvGrpSpPr>
+      <p:grpSpPr>
+        <a:xfrm>
+          <a:off x="0" y="0"/>
+          <a:ext cx="0" cy="0"/>
+          <a:chOff x="0" y="0"/>
+          <a:chExt cx="0" cy="0"/>
+        </a:xfrm>
+      </p:grpSpPr>
+      <p:sp>
+        <p:nvSpPr>
+          <p:cNvPr id="2" name="Slide Image Placeholder 1"/>
+          <p:cNvSpPr>
+            <a:spLocks noGrp="1" noRot="1" noChangeAspect="1"/>
+          </p:cNvSpPr>
+          <p:nvPr>
+            <p:ph type="sldImg"/>
+          </p:nvPr>
+        </p:nvSpPr>
+        <p:spPr/>
+      </p:sp>
+      <p:sp>
+        <p:nvSpPr>
+          <p:cNvPr id="3" name="Notes Placeholder 2"/>
+          <p:cNvSpPr>
+            <a:spLocks noGrp="1"/>
+          </p:cNvSpPr>
+          <p:nvPr>
+            <p:ph type="body" idx="1"/>
+          </p:nvPr>
+        </p:nvSpPr>
+        <p:spPr/>
+        <p:txBody>
+          <a:bodyPr/>
+          <a:lstStyle/>
+          <a:p>
+            <a:endParaRPr lang="zh-CN" altLang="en-US" dirty="0"/>
+          </a:p>
+        </p:txBody>
+      </p:sp>
+      <p:sp>
+        <p:nvSpPr>
+          <p:cNvPr id="4" name="Slide Number Placeholder 3"/>
+          <p:cNvSpPr>
+            <a:spLocks noGrp="1"/>
+          </p:cNvSpPr>
+          <p:nvPr>
+            <p:ph type="sldNum" sz="quarter" idx="5"/>
+          </p:nvPr>
+        </p:nvSpPr>
+        <p:spPr/>
+        <p:txBody>
+          <a:bodyPr/>
+          <a:lstStyle/>
+          <a:p>
+            <a:pPr>
+              <a:defRPr/>
+            </a:pPr>
+            <a:fld id="{B316CEBB-BFF0-43F8-9E07-93A9E73A701E}" type="slidenum">
+              <a:rPr lang="en-US" altLang="zh-CN" smtClean="0"/>
+              <a:pPr>
+                <a:defRPr/>
+              </a:pPr>
+              <a:t>9</a:t>
             </a:fld>
             <a:endParaRPr lang="en-US" altLang="zh-CN"/>
           </a:p>
@@ -2623,7 +2860,7 @@
               <a:pPr>
                 <a:defRPr/>
               </a:pPr>
-              <a:t>10/18/2019</a:t>
+              <a:t>10/22/2019</a:t>
             </a:fld>
             <a:endParaRPr lang="en-US" altLang="zh-CN"/>
           </a:p>
@@ -2879,7 +3116,7 @@
               <a:pPr>
                 <a:defRPr/>
               </a:pPr>
-              <a:t>10/18/2019</a:t>
+              <a:t>10/22/2019</a:t>
             </a:fld>
             <a:endParaRPr lang="en-US" altLang="zh-CN"/>
           </a:p>
@@ -3190,7 +3427,7 @@
               <a:pPr>
                 <a:defRPr/>
               </a:pPr>
-              <a:t>10/18/2019</a:t>
+              <a:t>10/22/2019</a:t>
             </a:fld>
             <a:endParaRPr lang="en-US" altLang="zh-CN"/>
           </a:p>
@@ -3747,8 +3984,8 @@
         </p:nvSpPr>
         <p:spPr bwMode="auto">
           <a:xfrm>
-            <a:off x="-12700" y="1041400"/>
-            <a:ext cx="6336588" cy="3200400"/>
+            <a:off x="-12701" y="1041400"/>
+            <a:ext cx="6447683" cy="3200400"/>
           </a:xfrm>
           <a:prstGeom prst="rect">
             <a:avLst/>
@@ -3919,7 +4156,7 @@
         <p:spPr bwMode="auto">
           <a:xfrm>
             <a:off x="227012" y="1531938"/>
-            <a:ext cx="5977235" cy="1811337"/>
+            <a:ext cx="6336588" cy="1811337"/>
           </a:xfrm>
           <a:noFill/>
           <a:extLst>
@@ -3960,7 +4197,7 @@
               <a:rPr lang="en-US" altLang="zh-CN" dirty="0">
                 <a:latin typeface="Arial" panose="020B0604020202020204" pitchFamily="34" charset="0"/>
               </a:rPr>
-              <a:t>5-year Treasury Strategy </a:t>
+              <a:t>5-year Treasury Yield Prediction </a:t>
             </a:r>
           </a:p>
           <a:p>
@@ -3973,7 +4210,7 @@
               <a:rPr lang="en-US" altLang="zh-CN" dirty="0">
                 <a:latin typeface="Arial" panose="020B0604020202020204" pitchFamily="34" charset="0"/>
               </a:rPr>
-              <a:t>Based on Fed Speech Sentiment</a:t>
+              <a:t>Based on Fed Speech Sentiments</a:t>
             </a:r>
           </a:p>
         </p:txBody>
@@ -4159,6 +4396,2778 @@
       </p:grpSpPr>
       <p:sp>
         <p:nvSpPr>
+          <p:cNvPr id="2" name="Text Placeholder 1">
+            <a:extLst>
+              <a:ext uri="{FF2B5EF4-FFF2-40B4-BE49-F238E27FC236}">
+                <a16:creationId xmlns:a16="http://schemas.microsoft.com/office/drawing/2014/main" id="{D4369BB7-8F3A-4C89-B2A8-E690340AD2A7}"/>
+              </a:ext>
+            </a:extLst>
+          </p:cNvPr>
+          <p:cNvSpPr>
+            <a:spLocks noGrp="1"/>
+          </p:cNvSpPr>
+          <p:nvPr>
+            <p:ph type="body" sz="quarter" idx="12"/>
+          </p:nvPr>
+        </p:nvSpPr>
+        <p:spPr>
+          <a:xfrm>
+            <a:off x="294582" y="831827"/>
+            <a:ext cx="8315553" cy="3131018"/>
+          </a:xfrm>
+        </p:spPr>
+        <p:txBody>
+          <a:bodyPr/>
+          <a:lstStyle/>
+          <a:p>
+            <a:r>
+              <a:rPr lang="en-US" altLang="zh-CN" dirty="0"/>
+              <a:t>Performance</a:t>
+            </a:r>
+            <a:endParaRPr lang="zh-CN" altLang="en-US" dirty="0"/>
+          </a:p>
+        </p:txBody>
+      </p:sp>
+      <p:sp>
+        <p:nvSpPr>
+          <p:cNvPr id="3" name="Text Placeholder 2">
+            <a:extLst>
+              <a:ext uri="{FF2B5EF4-FFF2-40B4-BE49-F238E27FC236}">
+                <a16:creationId xmlns:a16="http://schemas.microsoft.com/office/drawing/2014/main" id="{2EAA1F98-823B-49AC-AD8C-D462D7DA2647}"/>
+              </a:ext>
+            </a:extLst>
+          </p:cNvPr>
+          <p:cNvSpPr>
+            <a:spLocks noGrp="1"/>
+          </p:cNvSpPr>
+          <p:nvPr>
+            <p:ph type="body" sz="quarter" idx="14"/>
+          </p:nvPr>
+        </p:nvSpPr>
+        <p:spPr>
+          <a:xfrm>
+            <a:off x="4452359" y="228989"/>
+            <a:ext cx="4465093" cy="265113"/>
+          </a:xfrm>
+        </p:spPr>
+        <p:txBody>
+          <a:bodyPr/>
+          <a:lstStyle/>
+          <a:p>
+            <a:r>
+              <a:rPr lang="en-US" altLang="zh-CN" dirty="0"/>
+              <a:t>Model Improvements – Using Clustering</a:t>
+            </a:r>
+            <a:endParaRPr lang="zh-CN" altLang="en-US" dirty="0"/>
+          </a:p>
+          <a:p>
+            <a:endParaRPr lang="zh-CN" altLang="en-US" dirty="0"/>
+          </a:p>
+          <a:p>
+            <a:endParaRPr lang="zh-CN" altLang="en-US" dirty="0"/>
+          </a:p>
+          <a:p>
+            <a:endParaRPr lang="zh-CN" altLang="en-US" dirty="0"/>
+          </a:p>
+        </p:txBody>
+      </p:sp>
+      <p:sp>
+        <p:nvSpPr>
+          <p:cNvPr id="4" name="Date Placeholder 3">
+            <a:extLst>
+              <a:ext uri="{FF2B5EF4-FFF2-40B4-BE49-F238E27FC236}">
+                <a16:creationId xmlns:a16="http://schemas.microsoft.com/office/drawing/2014/main" id="{03B60576-8BB1-42E7-908A-E41687F8C6EF}"/>
+              </a:ext>
+            </a:extLst>
+          </p:cNvPr>
+          <p:cNvSpPr>
+            <a:spLocks noGrp="1"/>
+          </p:cNvSpPr>
+          <p:nvPr>
+            <p:ph type="dt" sz="half" idx="15"/>
+          </p:nvPr>
+        </p:nvSpPr>
+        <p:spPr/>
+        <p:txBody>
+          <a:bodyPr/>
+          <a:lstStyle/>
+          <a:p>
+            <a:pPr>
+              <a:defRPr/>
+            </a:pPr>
+            <a:fld id="{BB8BC90C-0B0D-4B70-9E78-7734F7D5884F}" type="datetime1">
+              <a:rPr lang="en-US" altLang="zh-CN" smtClean="0"/>
+              <a:pPr>
+                <a:defRPr/>
+              </a:pPr>
+              <a:t>10/22/2019</a:t>
+            </a:fld>
+            <a:endParaRPr lang="en-US" altLang="zh-CN"/>
+          </a:p>
+        </p:txBody>
+      </p:sp>
+      <p:sp>
+        <p:nvSpPr>
+          <p:cNvPr id="5" name="Slide Number Placeholder 4">
+            <a:extLst>
+              <a:ext uri="{FF2B5EF4-FFF2-40B4-BE49-F238E27FC236}">
+                <a16:creationId xmlns:a16="http://schemas.microsoft.com/office/drawing/2014/main" id="{0D37F277-4234-4781-99CB-274183C3B3AE}"/>
+              </a:ext>
+            </a:extLst>
+          </p:cNvPr>
+          <p:cNvSpPr>
+            <a:spLocks noGrp="1"/>
+          </p:cNvSpPr>
+          <p:nvPr>
+            <p:ph type="sldNum" sz="quarter" idx="16"/>
+          </p:nvPr>
+        </p:nvSpPr>
+        <p:spPr/>
+        <p:txBody>
+          <a:bodyPr/>
+          <a:lstStyle/>
+          <a:p>
+            <a:pPr>
+              <a:defRPr/>
+            </a:pPr>
+            <a:fld id="{663A759A-91C0-40B8-8C45-F12E9D2FF7F2}" type="slidenum">
+              <a:rPr lang="en-US" altLang="zh-CN" smtClean="0"/>
+              <a:pPr>
+                <a:defRPr/>
+              </a:pPr>
+              <a:t>10</a:t>
+            </a:fld>
+            <a:endParaRPr lang="en-US" altLang="zh-CN"/>
+          </a:p>
+        </p:txBody>
+      </p:sp>
+      <p:pic>
+        <p:nvPicPr>
+          <p:cNvPr id="9" name="Picture 8">
+            <a:extLst>
+              <a:ext uri="{FF2B5EF4-FFF2-40B4-BE49-F238E27FC236}">
+                <a16:creationId xmlns:a16="http://schemas.microsoft.com/office/drawing/2014/main" id="{7268FD8D-022A-4391-A9DE-A4BE01312DEF}"/>
+              </a:ext>
+            </a:extLst>
+          </p:cNvPr>
+          <p:cNvPicPr>
+            <a:picLocks noChangeAspect="1"/>
+          </p:cNvPicPr>
+          <p:nvPr/>
+        </p:nvPicPr>
+        <p:blipFill>
+          <a:blip r:embed="rId2"/>
+          <a:stretch>
+            <a:fillRect/>
+          </a:stretch>
+        </p:blipFill>
+        <p:spPr>
+          <a:xfrm>
+            <a:off x="63929" y="1080474"/>
+            <a:ext cx="8315553" cy="4097210"/>
+          </a:xfrm>
+          <a:prstGeom prst="rect">
+            <a:avLst/>
+          </a:prstGeom>
+        </p:spPr>
+      </p:pic>
+    </p:spTree>
+    <p:extLst>
+      <p:ext uri="{BB962C8B-B14F-4D97-AF65-F5344CB8AC3E}">
+        <p14:creationId xmlns:p14="http://schemas.microsoft.com/office/powerpoint/2010/main" val="1605745820"/>
+      </p:ext>
+    </p:extLst>
+  </p:cSld>
+  <p:clrMapOvr>
+    <a:masterClrMapping/>
+  </p:clrMapOvr>
+</p:sld>
+</file>
+
+<file path=ppt/slides/slide11.xml><?xml version="1.0" encoding="utf-8"?>
+<p:sld xmlns:a="http://schemas.openxmlformats.org/drawingml/2006/main" xmlns:r="http://schemas.openxmlformats.org/officeDocument/2006/relationships" xmlns:p="http://schemas.openxmlformats.org/presentationml/2006/main">
+  <p:cSld>
+    <p:spTree>
+      <p:nvGrpSpPr>
+        <p:cNvPr id="1" name=""/>
+        <p:cNvGrpSpPr/>
+        <p:nvPr/>
+      </p:nvGrpSpPr>
+      <p:grpSpPr>
+        <a:xfrm>
+          <a:off x="0" y="0"/>
+          <a:ext cx="0" cy="0"/>
+          <a:chOff x="0" y="0"/>
+          <a:chExt cx="0" cy="0"/>
+        </a:xfrm>
+      </p:grpSpPr>
+      <p:sp>
+        <p:nvSpPr>
+          <p:cNvPr id="2" name="Text Placeholder 1">
+            <a:extLst>
+              <a:ext uri="{FF2B5EF4-FFF2-40B4-BE49-F238E27FC236}">
+                <a16:creationId xmlns:a16="http://schemas.microsoft.com/office/drawing/2014/main" id="{A3826608-4D72-46DC-87DD-BD60D1E541A4}"/>
+              </a:ext>
+            </a:extLst>
+          </p:cNvPr>
+          <p:cNvSpPr>
+            <a:spLocks noGrp="1"/>
+          </p:cNvSpPr>
+          <p:nvPr>
+            <p:ph type="body" sz="quarter" idx="12"/>
+          </p:nvPr>
+        </p:nvSpPr>
+        <p:spPr>
+          <a:xfrm>
+            <a:off x="501792" y="1054249"/>
+            <a:ext cx="8315553" cy="3660626"/>
+          </a:xfrm>
+        </p:spPr>
+        <p:txBody>
+          <a:bodyPr/>
+          <a:lstStyle/>
+          <a:p>
+            <a:r>
+              <a:rPr lang="en-US" altLang="zh-CN" dirty="0"/>
+              <a:t>Performance</a:t>
+            </a:r>
+            <a:endParaRPr lang="zh-CN" altLang="en-US" dirty="0"/>
+          </a:p>
+        </p:txBody>
+      </p:sp>
+      <p:sp>
+        <p:nvSpPr>
+          <p:cNvPr id="3" name="Text Placeholder 2">
+            <a:extLst>
+              <a:ext uri="{FF2B5EF4-FFF2-40B4-BE49-F238E27FC236}">
+                <a16:creationId xmlns:a16="http://schemas.microsoft.com/office/drawing/2014/main" id="{4C288B6A-2802-4EC7-B71E-AF221B280C00}"/>
+              </a:ext>
+            </a:extLst>
+          </p:cNvPr>
+          <p:cNvSpPr>
+            <a:spLocks noGrp="1"/>
+          </p:cNvSpPr>
+          <p:nvPr>
+            <p:ph type="body" sz="quarter" idx="14"/>
+          </p:nvPr>
+        </p:nvSpPr>
+        <p:spPr>
+          <a:xfrm>
+            <a:off x="4044875" y="228989"/>
+            <a:ext cx="4872577" cy="265113"/>
+          </a:xfrm>
+        </p:spPr>
+        <p:txBody>
+          <a:bodyPr/>
+          <a:lstStyle/>
+          <a:p>
+            <a:r>
+              <a:rPr lang="en-US" altLang="zh-CN" dirty="0"/>
+              <a:t>Model Improvements – Using Clustering</a:t>
+            </a:r>
+            <a:endParaRPr lang="zh-CN" altLang="en-US" dirty="0"/>
+          </a:p>
+          <a:p>
+            <a:endParaRPr lang="zh-CN" altLang="en-US" dirty="0"/>
+          </a:p>
+        </p:txBody>
+      </p:sp>
+      <p:sp>
+        <p:nvSpPr>
+          <p:cNvPr id="4" name="Date Placeholder 3">
+            <a:extLst>
+              <a:ext uri="{FF2B5EF4-FFF2-40B4-BE49-F238E27FC236}">
+                <a16:creationId xmlns:a16="http://schemas.microsoft.com/office/drawing/2014/main" id="{5C81D4A2-FDDC-463D-BDC2-E12FF0C75281}"/>
+              </a:ext>
+            </a:extLst>
+          </p:cNvPr>
+          <p:cNvSpPr>
+            <a:spLocks noGrp="1"/>
+          </p:cNvSpPr>
+          <p:nvPr>
+            <p:ph type="dt" sz="half" idx="15"/>
+          </p:nvPr>
+        </p:nvSpPr>
+        <p:spPr/>
+        <p:txBody>
+          <a:bodyPr/>
+          <a:lstStyle/>
+          <a:p>
+            <a:pPr>
+              <a:defRPr/>
+            </a:pPr>
+            <a:fld id="{BB8BC90C-0B0D-4B70-9E78-7734F7D5884F}" type="datetime1">
+              <a:rPr lang="en-US" altLang="zh-CN" smtClean="0"/>
+              <a:pPr>
+                <a:defRPr/>
+              </a:pPr>
+              <a:t>10/22/2019</a:t>
+            </a:fld>
+            <a:endParaRPr lang="en-US" altLang="zh-CN"/>
+          </a:p>
+        </p:txBody>
+      </p:sp>
+      <p:sp>
+        <p:nvSpPr>
+          <p:cNvPr id="5" name="Slide Number Placeholder 4">
+            <a:extLst>
+              <a:ext uri="{FF2B5EF4-FFF2-40B4-BE49-F238E27FC236}">
+                <a16:creationId xmlns:a16="http://schemas.microsoft.com/office/drawing/2014/main" id="{115F00A3-E460-40BD-9ED8-3B5D73F7FD0E}"/>
+              </a:ext>
+            </a:extLst>
+          </p:cNvPr>
+          <p:cNvSpPr>
+            <a:spLocks noGrp="1"/>
+          </p:cNvSpPr>
+          <p:nvPr>
+            <p:ph type="sldNum" sz="quarter" idx="16"/>
+          </p:nvPr>
+        </p:nvSpPr>
+        <p:spPr/>
+        <p:txBody>
+          <a:bodyPr/>
+          <a:lstStyle/>
+          <a:p>
+            <a:pPr>
+              <a:defRPr/>
+            </a:pPr>
+            <a:fld id="{663A759A-91C0-40B8-8C45-F12E9D2FF7F2}" type="slidenum">
+              <a:rPr lang="en-US" altLang="zh-CN" smtClean="0"/>
+              <a:pPr>
+                <a:defRPr/>
+              </a:pPr>
+              <a:t>11</a:t>
+            </a:fld>
+            <a:endParaRPr lang="en-US" altLang="zh-CN"/>
+          </a:p>
+        </p:txBody>
+      </p:sp>
+      <p:graphicFrame>
+        <p:nvGraphicFramePr>
+          <p:cNvPr id="7" name="Table 6">
+            <a:extLst>
+              <a:ext uri="{FF2B5EF4-FFF2-40B4-BE49-F238E27FC236}">
+                <a16:creationId xmlns:a16="http://schemas.microsoft.com/office/drawing/2014/main" id="{99B8FC95-CE53-4513-9F9A-EF3B743B89F4}"/>
+              </a:ext>
+            </a:extLst>
+          </p:cNvPr>
+          <p:cNvGraphicFramePr>
+            <a:graphicFrameLocks noGrp="1"/>
+          </p:cNvGraphicFramePr>
+          <p:nvPr>
+            <p:extLst>
+              <p:ext uri="{D42A27DB-BD31-4B8C-83A1-F6EECF244321}">
+                <p14:modId xmlns:p14="http://schemas.microsoft.com/office/powerpoint/2010/main" val="2225912665"/>
+              </p:ext>
+            </p:extLst>
+          </p:nvPr>
+        </p:nvGraphicFramePr>
+        <p:xfrm>
+          <a:off x="107576" y="1493632"/>
+          <a:ext cx="4070208" cy="3220398"/>
+        </p:xfrm>
+        <a:graphic>
+          <a:graphicData uri="http://schemas.openxmlformats.org/drawingml/2006/table">
+            <a:tbl>
+              <a:tblPr>
+                <a:tableStyleId>{5C22544A-7EE6-4342-B048-85BDC9FD1C3A}</a:tableStyleId>
+              </a:tblPr>
+              <a:tblGrid>
+                <a:gridCol w="1017552">
+                  <a:extLst>
+                    <a:ext uri="{9D8B030D-6E8A-4147-A177-3AD203B41FA5}">
+                      <a16:colId xmlns:a16="http://schemas.microsoft.com/office/drawing/2014/main" val="2882460662"/>
+                    </a:ext>
+                  </a:extLst>
+                </a:gridCol>
+                <a:gridCol w="1017552">
+                  <a:extLst>
+                    <a:ext uri="{9D8B030D-6E8A-4147-A177-3AD203B41FA5}">
+                      <a16:colId xmlns:a16="http://schemas.microsoft.com/office/drawing/2014/main" val="1456779860"/>
+                    </a:ext>
+                  </a:extLst>
+                </a:gridCol>
+                <a:gridCol w="1017552">
+                  <a:extLst>
+                    <a:ext uri="{9D8B030D-6E8A-4147-A177-3AD203B41FA5}">
+                      <a16:colId xmlns:a16="http://schemas.microsoft.com/office/drawing/2014/main" val="191311052"/>
+                    </a:ext>
+                  </a:extLst>
+                </a:gridCol>
+                <a:gridCol w="1017552">
+                  <a:extLst>
+                    <a:ext uri="{9D8B030D-6E8A-4147-A177-3AD203B41FA5}">
+                      <a16:colId xmlns:a16="http://schemas.microsoft.com/office/drawing/2014/main" val="3472059486"/>
+                    </a:ext>
+                  </a:extLst>
+                </a:gridCol>
+              </a:tblGrid>
+              <a:tr h="515378">
+                <a:tc>
+                  <a:txBody>
+                    <a:bodyPr/>
+                    <a:lstStyle/>
+                    <a:p>
+                      <a:pPr algn="l" fontAlgn="ctr"/>
+                      <a:r>
+                        <a:rPr lang="en-US" sz="1100" b="0" i="0" u="none" strike="noStrike" dirty="0">
+                          <a:solidFill>
+                            <a:srgbClr val="000000"/>
+                          </a:solidFill>
+                          <a:effectLst/>
+                          <a:latin typeface="等线" panose="02010600030101010101" pitchFamily="2" charset="-122"/>
+                          <a:ea typeface="等线" panose="02010600030101010101" pitchFamily="2" charset="-122"/>
+                        </a:rPr>
+                        <a:t>Strategy ID</a:t>
+                      </a:r>
+                    </a:p>
+                  </a:txBody>
+                  <a:tcPr marL="9525" marR="9525" marT="9525" marB="0" anchor="ctr"/>
+                </a:tc>
+                <a:tc>
+                  <a:txBody>
+                    <a:bodyPr/>
+                    <a:lstStyle/>
+                    <a:p>
+                      <a:pPr algn="l" fontAlgn="ctr"/>
+                      <a:r>
+                        <a:rPr lang="en-US" sz="1100" b="0" i="0" u="none" strike="noStrike" dirty="0">
+                          <a:solidFill>
+                            <a:srgbClr val="000000"/>
+                          </a:solidFill>
+                          <a:effectLst/>
+                          <a:latin typeface="等线" panose="02010600030101010101" pitchFamily="2" charset="-122"/>
+                          <a:ea typeface="等线" panose="02010600030101010101" pitchFamily="2" charset="-122"/>
+                        </a:rPr>
+                        <a:t>Information Ratio</a:t>
+                      </a:r>
+                    </a:p>
+                  </a:txBody>
+                  <a:tcPr marL="9525" marR="9525" marT="9525" marB="0" anchor="ctr"/>
+                </a:tc>
+                <a:tc>
+                  <a:txBody>
+                    <a:bodyPr/>
+                    <a:lstStyle/>
+                    <a:p>
+                      <a:pPr algn="l" fontAlgn="ctr"/>
+                      <a:r>
+                        <a:rPr lang="en-US" sz="1100" u="none" strike="noStrike" dirty="0">
+                          <a:effectLst/>
+                        </a:rPr>
+                        <a:t>Maximum Drawdown</a:t>
+                      </a:r>
+                      <a:endParaRPr lang="en-US" sz="1100" b="0" i="0" u="none" strike="noStrike" dirty="0">
+                        <a:solidFill>
+                          <a:srgbClr val="000000"/>
+                        </a:solidFill>
+                        <a:effectLst/>
+                        <a:latin typeface="等线" panose="02010600030101010101" pitchFamily="2" charset="-122"/>
+                        <a:ea typeface="等线" panose="02010600030101010101" pitchFamily="2" charset="-122"/>
+                      </a:endParaRPr>
+                    </a:p>
+                  </a:txBody>
+                  <a:tcPr marL="9525" marR="9525" marT="9525" marB="0" anchor="ctr"/>
+                </a:tc>
+                <a:tc>
+                  <a:txBody>
+                    <a:bodyPr/>
+                    <a:lstStyle/>
+                    <a:p>
+                      <a:pPr algn="l" fontAlgn="ctr"/>
+                      <a:r>
+                        <a:rPr lang="en-US" sz="1100" u="none" strike="noStrike" dirty="0">
+                          <a:effectLst/>
+                        </a:rPr>
+                        <a:t>Cumulative Return</a:t>
+                      </a:r>
+                      <a:endParaRPr lang="en-US" sz="1100" b="0" i="0" u="none" strike="noStrike" dirty="0">
+                        <a:solidFill>
+                          <a:srgbClr val="000000"/>
+                        </a:solidFill>
+                        <a:effectLst/>
+                        <a:latin typeface="等线" panose="02010600030101010101" pitchFamily="2" charset="-122"/>
+                        <a:ea typeface="等线" panose="02010600030101010101" pitchFamily="2" charset="-122"/>
+                      </a:endParaRPr>
+                    </a:p>
+                  </a:txBody>
+                  <a:tcPr marL="9525" marR="9525" marT="9525" marB="0" anchor="ctr"/>
+                </a:tc>
+                <a:extLst>
+                  <a:ext uri="{0D108BD9-81ED-4DB2-BD59-A6C34878D82A}">
+                    <a16:rowId xmlns:a16="http://schemas.microsoft.com/office/drawing/2014/main" val="465822209"/>
+                  </a:ext>
+                </a:extLst>
+              </a:tr>
+              <a:tr h="270502">
+                <a:tc>
+                  <a:txBody>
+                    <a:bodyPr/>
+                    <a:lstStyle/>
+                    <a:p>
+                      <a:pPr algn="r" fontAlgn="ctr"/>
+                      <a:r>
+                        <a:rPr lang="en-US" altLang="zh-CN" sz="1100" u="none" strike="noStrike">
+                          <a:effectLst/>
+                        </a:rPr>
+                        <a:t>55</a:t>
+                      </a:r>
+                      <a:endParaRPr lang="en-US" altLang="zh-CN" sz="1100" b="0" i="0" u="none" strike="noStrike">
+                        <a:solidFill>
+                          <a:srgbClr val="000000"/>
+                        </a:solidFill>
+                        <a:effectLst/>
+                        <a:latin typeface="等线" panose="02010600030101010101" pitchFamily="2" charset="-122"/>
+                        <a:ea typeface="等线" panose="02010600030101010101" pitchFamily="2" charset="-122"/>
+                      </a:endParaRPr>
+                    </a:p>
+                  </a:txBody>
+                  <a:tcPr marL="9525" marR="9525" marT="9525" marB="0" anchor="ctr"/>
+                </a:tc>
+                <a:tc>
+                  <a:txBody>
+                    <a:bodyPr/>
+                    <a:lstStyle/>
+                    <a:p>
+                      <a:pPr algn="r" fontAlgn="ctr"/>
+                      <a:r>
+                        <a:rPr lang="en-US" altLang="zh-CN" sz="1100" u="none" strike="noStrike">
+                          <a:effectLst/>
+                        </a:rPr>
+                        <a:t>0.701122</a:t>
+                      </a:r>
+                      <a:endParaRPr lang="en-US" altLang="zh-CN" sz="1100" b="0" i="0" u="none" strike="noStrike">
+                        <a:solidFill>
+                          <a:srgbClr val="000000"/>
+                        </a:solidFill>
+                        <a:effectLst/>
+                        <a:latin typeface="等线" panose="02010600030101010101" pitchFamily="2" charset="-122"/>
+                        <a:ea typeface="等线" panose="02010600030101010101" pitchFamily="2" charset="-122"/>
+                      </a:endParaRPr>
+                    </a:p>
+                  </a:txBody>
+                  <a:tcPr marL="9525" marR="9525" marT="9525" marB="0" anchor="ctr"/>
+                </a:tc>
+                <a:tc>
+                  <a:txBody>
+                    <a:bodyPr/>
+                    <a:lstStyle/>
+                    <a:p>
+                      <a:pPr algn="r" fontAlgn="ctr"/>
+                      <a:r>
+                        <a:rPr lang="en-US" altLang="zh-CN" sz="1100" u="none" strike="noStrike">
+                          <a:effectLst/>
+                        </a:rPr>
+                        <a:t>4.490692</a:t>
+                      </a:r>
+                      <a:endParaRPr lang="en-US" altLang="zh-CN" sz="1100" b="0" i="0" u="none" strike="noStrike">
+                        <a:solidFill>
+                          <a:srgbClr val="000000"/>
+                        </a:solidFill>
+                        <a:effectLst/>
+                        <a:latin typeface="等线" panose="02010600030101010101" pitchFamily="2" charset="-122"/>
+                        <a:ea typeface="等线" panose="02010600030101010101" pitchFamily="2" charset="-122"/>
+                      </a:endParaRPr>
+                    </a:p>
+                  </a:txBody>
+                  <a:tcPr marL="9525" marR="9525" marT="9525" marB="0" anchor="ctr"/>
+                </a:tc>
+                <a:tc>
+                  <a:txBody>
+                    <a:bodyPr/>
+                    <a:lstStyle/>
+                    <a:p>
+                      <a:pPr algn="r" fontAlgn="ctr"/>
+                      <a:r>
+                        <a:rPr lang="en-US" altLang="zh-CN" sz="1100" u="none" strike="noStrike">
+                          <a:effectLst/>
+                        </a:rPr>
+                        <a:t>6.808737</a:t>
+                      </a:r>
+                      <a:endParaRPr lang="en-US" altLang="zh-CN" sz="1100" b="0" i="0" u="none" strike="noStrike">
+                        <a:solidFill>
+                          <a:srgbClr val="000000"/>
+                        </a:solidFill>
+                        <a:effectLst/>
+                        <a:latin typeface="等线" panose="02010600030101010101" pitchFamily="2" charset="-122"/>
+                        <a:ea typeface="等线" panose="02010600030101010101" pitchFamily="2" charset="-122"/>
+                      </a:endParaRPr>
+                    </a:p>
+                  </a:txBody>
+                  <a:tcPr marL="9525" marR="9525" marT="9525" marB="0" anchor="ctr"/>
+                </a:tc>
+                <a:extLst>
+                  <a:ext uri="{0D108BD9-81ED-4DB2-BD59-A6C34878D82A}">
+                    <a16:rowId xmlns:a16="http://schemas.microsoft.com/office/drawing/2014/main" val="823802316"/>
+                  </a:ext>
+                </a:extLst>
+              </a:tr>
+              <a:tr h="270502">
+                <a:tc>
+                  <a:txBody>
+                    <a:bodyPr/>
+                    <a:lstStyle/>
+                    <a:p>
+                      <a:pPr algn="r" fontAlgn="ctr"/>
+                      <a:r>
+                        <a:rPr lang="en-US" altLang="zh-CN" sz="1100" u="none" strike="noStrike">
+                          <a:effectLst/>
+                        </a:rPr>
+                        <a:t>40</a:t>
+                      </a:r>
+                      <a:endParaRPr lang="en-US" altLang="zh-CN" sz="1100" b="0" i="0" u="none" strike="noStrike">
+                        <a:solidFill>
+                          <a:srgbClr val="000000"/>
+                        </a:solidFill>
+                        <a:effectLst/>
+                        <a:latin typeface="等线" panose="02010600030101010101" pitchFamily="2" charset="-122"/>
+                        <a:ea typeface="等线" panose="02010600030101010101" pitchFamily="2" charset="-122"/>
+                      </a:endParaRPr>
+                    </a:p>
+                  </a:txBody>
+                  <a:tcPr marL="9525" marR="9525" marT="9525" marB="0" anchor="ctr"/>
+                </a:tc>
+                <a:tc>
+                  <a:txBody>
+                    <a:bodyPr/>
+                    <a:lstStyle/>
+                    <a:p>
+                      <a:pPr algn="r" fontAlgn="ctr"/>
+                      <a:r>
+                        <a:rPr lang="en-US" altLang="zh-CN" sz="1100" u="none" strike="noStrike" dirty="0">
+                          <a:effectLst/>
+                        </a:rPr>
+                        <a:t>0.57091</a:t>
+                      </a:r>
+                      <a:endParaRPr lang="en-US" altLang="zh-CN" sz="1100" b="0" i="0" u="none" strike="noStrike" dirty="0">
+                        <a:solidFill>
+                          <a:srgbClr val="000000"/>
+                        </a:solidFill>
+                        <a:effectLst/>
+                        <a:latin typeface="等线" panose="02010600030101010101" pitchFamily="2" charset="-122"/>
+                        <a:ea typeface="等线" panose="02010600030101010101" pitchFamily="2" charset="-122"/>
+                      </a:endParaRPr>
+                    </a:p>
+                  </a:txBody>
+                  <a:tcPr marL="9525" marR="9525" marT="9525" marB="0" anchor="ctr"/>
+                </a:tc>
+                <a:tc>
+                  <a:txBody>
+                    <a:bodyPr/>
+                    <a:lstStyle/>
+                    <a:p>
+                      <a:pPr algn="r" fontAlgn="ctr"/>
+                      <a:r>
+                        <a:rPr lang="en-US" altLang="zh-CN" sz="1100" u="none" strike="noStrike">
+                          <a:effectLst/>
+                        </a:rPr>
+                        <a:t>3.480486</a:t>
+                      </a:r>
+                      <a:endParaRPr lang="en-US" altLang="zh-CN" sz="1100" b="0" i="0" u="none" strike="noStrike">
+                        <a:solidFill>
+                          <a:srgbClr val="000000"/>
+                        </a:solidFill>
+                        <a:effectLst/>
+                        <a:latin typeface="等线" panose="02010600030101010101" pitchFamily="2" charset="-122"/>
+                        <a:ea typeface="等线" panose="02010600030101010101" pitchFamily="2" charset="-122"/>
+                      </a:endParaRPr>
+                    </a:p>
+                  </a:txBody>
+                  <a:tcPr marL="9525" marR="9525" marT="9525" marB="0" anchor="ctr"/>
+                </a:tc>
+                <a:tc>
+                  <a:txBody>
+                    <a:bodyPr/>
+                    <a:lstStyle/>
+                    <a:p>
+                      <a:pPr algn="r" fontAlgn="ctr"/>
+                      <a:r>
+                        <a:rPr lang="en-US" altLang="zh-CN" sz="1100" u="none" strike="noStrike">
+                          <a:effectLst/>
+                        </a:rPr>
+                        <a:t>4.8916</a:t>
+                      </a:r>
+                      <a:endParaRPr lang="en-US" altLang="zh-CN" sz="1100" b="0" i="0" u="none" strike="noStrike">
+                        <a:solidFill>
+                          <a:srgbClr val="000000"/>
+                        </a:solidFill>
+                        <a:effectLst/>
+                        <a:latin typeface="等线" panose="02010600030101010101" pitchFamily="2" charset="-122"/>
+                        <a:ea typeface="等线" panose="02010600030101010101" pitchFamily="2" charset="-122"/>
+                      </a:endParaRPr>
+                    </a:p>
+                  </a:txBody>
+                  <a:tcPr marL="9525" marR="9525" marT="9525" marB="0" anchor="ctr"/>
+                </a:tc>
+                <a:extLst>
+                  <a:ext uri="{0D108BD9-81ED-4DB2-BD59-A6C34878D82A}">
+                    <a16:rowId xmlns:a16="http://schemas.microsoft.com/office/drawing/2014/main" val="4242091317"/>
+                  </a:ext>
+                </a:extLst>
+              </a:tr>
+              <a:tr h="270502">
+                <a:tc>
+                  <a:txBody>
+                    <a:bodyPr/>
+                    <a:lstStyle/>
+                    <a:p>
+                      <a:pPr algn="r" fontAlgn="ctr"/>
+                      <a:r>
+                        <a:rPr lang="en-US" altLang="zh-CN" sz="1100" u="none" strike="noStrike">
+                          <a:effectLst/>
+                        </a:rPr>
+                        <a:t>31</a:t>
+                      </a:r>
+                      <a:endParaRPr lang="en-US" altLang="zh-CN" sz="1100" b="0" i="0" u="none" strike="noStrike">
+                        <a:solidFill>
+                          <a:srgbClr val="000000"/>
+                        </a:solidFill>
+                        <a:effectLst/>
+                        <a:latin typeface="等线" panose="02010600030101010101" pitchFamily="2" charset="-122"/>
+                        <a:ea typeface="等线" panose="02010600030101010101" pitchFamily="2" charset="-122"/>
+                      </a:endParaRPr>
+                    </a:p>
+                  </a:txBody>
+                  <a:tcPr marL="9525" marR="9525" marT="9525" marB="0" anchor="ctr"/>
+                </a:tc>
+                <a:tc>
+                  <a:txBody>
+                    <a:bodyPr/>
+                    <a:lstStyle/>
+                    <a:p>
+                      <a:pPr algn="r" fontAlgn="ctr"/>
+                      <a:r>
+                        <a:rPr lang="en-US" altLang="zh-CN" sz="1100" u="none" strike="noStrike">
+                          <a:effectLst/>
+                        </a:rPr>
+                        <a:t>0.509244</a:t>
+                      </a:r>
+                      <a:endParaRPr lang="en-US" altLang="zh-CN" sz="1100" b="0" i="0" u="none" strike="noStrike">
+                        <a:solidFill>
+                          <a:srgbClr val="000000"/>
+                        </a:solidFill>
+                        <a:effectLst/>
+                        <a:latin typeface="等线" panose="02010600030101010101" pitchFamily="2" charset="-122"/>
+                        <a:ea typeface="等线" panose="02010600030101010101" pitchFamily="2" charset="-122"/>
+                      </a:endParaRPr>
+                    </a:p>
+                  </a:txBody>
+                  <a:tcPr marL="9525" marR="9525" marT="9525" marB="0" anchor="ctr"/>
+                </a:tc>
+                <a:tc>
+                  <a:txBody>
+                    <a:bodyPr/>
+                    <a:lstStyle/>
+                    <a:p>
+                      <a:pPr algn="r" fontAlgn="ctr"/>
+                      <a:r>
+                        <a:rPr lang="en-US" altLang="zh-CN" sz="1100" u="none" strike="noStrike">
+                          <a:effectLst/>
+                        </a:rPr>
+                        <a:t>0.039221</a:t>
+                      </a:r>
+                      <a:endParaRPr lang="en-US" altLang="zh-CN" sz="1100" b="0" i="0" u="none" strike="noStrike">
+                        <a:solidFill>
+                          <a:srgbClr val="000000"/>
+                        </a:solidFill>
+                        <a:effectLst/>
+                        <a:latin typeface="等线" panose="02010600030101010101" pitchFamily="2" charset="-122"/>
+                        <a:ea typeface="等线" panose="02010600030101010101" pitchFamily="2" charset="-122"/>
+                      </a:endParaRPr>
+                    </a:p>
+                  </a:txBody>
+                  <a:tcPr marL="9525" marR="9525" marT="9525" marB="0" anchor="ctr"/>
+                </a:tc>
+                <a:tc>
+                  <a:txBody>
+                    <a:bodyPr/>
+                    <a:lstStyle/>
+                    <a:p>
+                      <a:pPr algn="r" fontAlgn="ctr"/>
+                      <a:r>
+                        <a:rPr lang="en-US" altLang="zh-CN" sz="1100" u="none" strike="noStrike">
+                          <a:effectLst/>
+                        </a:rPr>
+                        <a:t>0.620025</a:t>
+                      </a:r>
+                      <a:endParaRPr lang="en-US" altLang="zh-CN" sz="1100" b="0" i="0" u="none" strike="noStrike">
+                        <a:solidFill>
+                          <a:srgbClr val="000000"/>
+                        </a:solidFill>
+                        <a:effectLst/>
+                        <a:latin typeface="等线" panose="02010600030101010101" pitchFamily="2" charset="-122"/>
+                        <a:ea typeface="等线" panose="02010600030101010101" pitchFamily="2" charset="-122"/>
+                      </a:endParaRPr>
+                    </a:p>
+                  </a:txBody>
+                  <a:tcPr marL="9525" marR="9525" marT="9525" marB="0" anchor="ctr"/>
+                </a:tc>
+                <a:extLst>
+                  <a:ext uri="{0D108BD9-81ED-4DB2-BD59-A6C34878D82A}">
+                    <a16:rowId xmlns:a16="http://schemas.microsoft.com/office/drawing/2014/main" val="4244988620"/>
+                  </a:ext>
+                </a:extLst>
+              </a:tr>
+              <a:tr h="270502">
+                <a:tc>
+                  <a:txBody>
+                    <a:bodyPr/>
+                    <a:lstStyle/>
+                    <a:p>
+                      <a:pPr algn="r" fontAlgn="ctr"/>
+                      <a:r>
+                        <a:rPr lang="en-US" altLang="zh-CN" sz="1100" u="none" strike="noStrike">
+                          <a:effectLst/>
+                        </a:rPr>
+                        <a:t>50</a:t>
+                      </a:r>
+                      <a:endParaRPr lang="en-US" altLang="zh-CN" sz="1100" b="0" i="0" u="none" strike="noStrike">
+                        <a:solidFill>
+                          <a:srgbClr val="000000"/>
+                        </a:solidFill>
+                        <a:effectLst/>
+                        <a:latin typeface="等线" panose="02010600030101010101" pitchFamily="2" charset="-122"/>
+                        <a:ea typeface="等线" panose="02010600030101010101" pitchFamily="2" charset="-122"/>
+                      </a:endParaRPr>
+                    </a:p>
+                  </a:txBody>
+                  <a:tcPr marL="9525" marR="9525" marT="9525" marB="0" anchor="ctr"/>
+                </a:tc>
+                <a:tc>
+                  <a:txBody>
+                    <a:bodyPr/>
+                    <a:lstStyle/>
+                    <a:p>
+                      <a:pPr algn="r" fontAlgn="ctr"/>
+                      <a:r>
+                        <a:rPr lang="en-US" altLang="zh-CN" sz="1100" u="none" strike="noStrike">
+                          <a:effectLst/>
+                        </a:rPr>
+                        <a:t>0.445645</a:t>
+                      </a:r>
+                      <a:endParaRPr lang="en-US" altLang="zh-CN" sz="1100" b="0" i="0" u="none" strike="noStrike">
+                        <a:solidFill>
+                          <a:srgbClr val="000000"/>
+                        </a:solidFill>
+                        <a:effectLst/>
+                        <a:latin typeface="等线" panose="02010600030101010101" pitchFamily="2" charset="-122"/>
+                        <a:ea typeface="等线" panose="02010600030101010101" pitchFamily="2" charset="-122"/>
+                      </a:endParaRPr>
+                    </a:p>
+                  </a:txBody>
+                  <a:tcPr marL="9525" marR="9525" marT="9525" marB="0" anchor="ctr"/>
+                </a:tc>
+                <a:tc>
+                  <a:txBody>
+                    <a:bodyPr/>
+                    <a:lstStyle/>
+                    <a:p>
+                      <a:pPr algn="r" fontAlgn="ctr"/>
+                      <a:r>
+                        <a:rPr lang="en-US" altLang="zh-CN" sz="1100" u="none" strike="noStrike">
+                          <a:effectLst/>
+                        </a:rPr>
+                        <a:t>4.695299</a:t>
+                      </a:r>
+                      <a:endParaRPr lang="en-US" altLang="zh-CN" sz="1100" b="0" i="0" u="none" strike="noStrike">
+                        <a:solidFill>
+                          <a:srgbClr val="000000"/>
+                        </a:solidFill>
+                        <a:effectLst/>
+                        <a:latin typeface="等线" panose="02010600030101010101" pitchFamily="2" charset="-122"/>
+                        <a:ea typeface="等线" panose="02010600030101010101" pitchFamily="2" charset="-122"/>
+                      </a:endParaRPr>
+                    </a:p>
+                  </a:txBody>
+                  <a:tcPr marL="9525" marR="9525" marT="9525" marB="0" anchor="ctr"/>
+                </a:tc>
+                <a:tc>
+                  <a:txBody>
+                    <a:bodyPr/>
+                    <a:lstStyle/>
+                    <a:p>
+                      <a:pPr algn="r" fontAlgn="ctr"/>
+                      <a:r>
+                        <a:rPr lang="en-US" altLang="zh-CN" sz="1100" u="none" strike="noStrike">
+                          <a:effectLst/>
+                        </a:rPr>
+                        <a:t>2.946374</a:t>
+                      </a:r>
+                      <a:endParaRPr lang="en-US" altLang="zh-CN" sz="1100" b="0" i="0" u="none" strike="noStrike">
+                        <a:solidFill>
+                          <a:srgbClr val="000000"/>
+                        </a:solidFill>
+                        <a:effectLst/>
+                        <a:latin typeface="等线" panose="02010600030101010101" pitchFamily="2" charset="-122"/>
+                        <a:ea typeface="等线" panose="02010600030101010101" pitchFamily="2" charset="-122"/>
+                      </a:endParaRPr>
+                    </a:p>
+                  </a:txBody>
+                  <a:tcPr marL="9525" marR="9525" marT="9525" marB="0" anchor="ctr"/>
+                </a:tc>
+                <a:extLst>
+                  <a:ext uri="{0D108BD9-81ED-4DB2-BD59-A6C34878D82A}">
+                    <a16:rowId xmlns:a16="http://schemas.microsoft.com/office/drawing/2014/main" val="3063013986"/>
+                  </a:ext>
+                </a:extLst>
+              </a:tr>
+              <a:tr h="270502">
+                <a:tc>
+                  <a:txBody>
+                    <a:bodyPr/>
+                    <a:lstStyle/>
+                    <a:p>
+                      <a:pPr algn="r" fontAlgn="ctr"/>
+                      <a:r>
+                        <a:rPr lang="en-US" altLang="zh-CN" sz="1100" u="none" strike="noStrike">
+                          <a:effectLst/>
+                        </a:rPr>
+                        <a:t>45</a:t>
+                      </a:r>
+                      <a:endParaRPr lang="en-US" altLang="zh-CN" sz="1100" b="0" i="0" u="none" strike="noStrike">
+                        <a:solidFill>
+                          <a:srgbClr val="000000"/>
+                        </a:solidFill>
+                        <a:effectLst/>
+                        <a:latin typeface="等线" panose="02010600030101010101" pitchFamily="2" charset="-122"/>
+                        <a:ea typeface="等线" panose="02010600030101010101" pitchFamily="2" charset="-122"/>
+                      </a:endParaRPr>
+                    </a:p>
+                  </a:txBody>
+                  <a:tcPr marL="9525" marR="9525" marT="9525" marB="0" anchor="ctr"/>
+                </a:tc>
+                <a:tc>
+                  <a:txBody>
+                    <a:bodyPr/>
+                    <a:lstStyle/>
+                    <a:p>
+                      <a:pPr algn="r" fontAlgn="ctr"/>
+                      <a:r>
+                        <a:rPr lang="en-US" altLang="zh-CN" sz="1100" u="none" strike="noStrike">
+                          <a:effectLst/>
+                        </a:rPr>
+                        <a:t>0.387308</a:t>
+                      </a:r>
+                      <a:endParaRPr lang="en-US" altLang="zh-CN" sz="1100" b="0" i="0" u="none" strike="noStrike">
+                        <a:solidFill>
+                          <a:srgbClr val="000000"/>
+                        </a:solidFill>
+                        <a:effectLst/>
+                        <a:latin typeface="等线" panose="02010600030101010101" pitchFamily="2" charset="-122"/>
+                        <a:ea typeface="等线" panose="02010600030101010101" pitchFamily="2" charset="-122"/>
+                      </a:endParaRPr>
+                    </a:p>
+                  </a:txBody>
+                  <a:tcPr marL="9525" marR="9525" marT="9525" marB="0" anchor="ctr"/>
+                </a:tc>
+                <a:tc>
+                  <a:txBody>
+                    <a:bodyPr/>
+                    <a:lstStyle/>
+                    <a:p>
+                      <a:pPr algn="r" fontAlgn="ctr"/>
+                      <a:r>
+                        <a:rPr lang="en-US" altLang="zh-CN" sz="1100" u="none" strike="noStrike">
+                          <a:effectLst/>
+                        </a:rPr>
+                        <a:t>0.111226</a:t>
+                      </a:r>
+                      <a:endParaRPr lang="en-US" altLang="zh-CN" sz="1100" b="0" i="0" u="none" strike="noStrike">
+                        <a:solidFill>
+                          <a:srgbClr val="000000"/>
+                        </a:solidFill>
+                        <a:effectLst/>
+                        <a:latin typeface="等线" panose="02010600030101010101" pitchFamily="2" charset="-122"/>
+                        <a:ea typeface="等线" panose="02010600030101010101" pitchFamily="2" charset="-122"/>
+                      </a:endParaRPr>
+                    </a:p>
+                  </a:txBody>
+                  <a:tcPr marL="9525" marR="9525" marT="9525" marB="0" anchor="ctr"/>
+                </a:tc>
+                <a:tc>
+                  <a:txBody>
+                    <a:bodyPr/>
+                    <a:lstStyle/>
+                    <a:p>
+                      <a:pPr algn="r" fontAlgn="ctr"/>
+                      <a:r>
+                        <a:rPr lang="en-US" altLang="zh-CN" sz="1100" u="none" strike="noStrike">
+                          <a:effectLst/>
+                        </a:rPr>
+                        <a:t>0.201752</a:t>
+                      </a:r>
+                      <a:endParaRPr lang="en-US" altLang="zh-CN" sz="1100" b="0" i="0" u="none" strike="noStrike">
+                        <a:solidFill>
+                          <a:srgbClr val="000000"/>
+                        </a:solidFill>
+                        <a:effectLst/>
+                        <a:latin typeface="等线" panose="02010600030101010101" pitchFamily="2" charset="-122"/>
+                        <a:ea typeface="等线" panose="02010600030101010101" pitchFamily="2" charset="-122"/>
+                      </a:endParaRPr>
+                    </a:p>
+                  </a:txBody>
+                  <a:tcPr marL="9525" marR="9525" marT="9525" marB="0" anchor="ctr"/>
+                </a:tc>
+                <a:extLst>
+                  <a:ext uri="{0D108BD9-81ED-4DB2-BD59-A6C34878D82A}">
+                    <a16:rowId xmlns:a16="http://schemas.microsoft.com/office/drawing/2014/main" val="3898980975"/>
+                  </a:ext>
+                </a:extLst>
+              </a:tr>
+              <a:tr h="270502">
+                <a:tc>
+                  <a:txBody>
+                    <a:bodyPr/>
+                    <a:lstStyle/>
+                    <a:p>
+                      <a:pPr algn="r" fontAlgn="ctr"/>
+                      <a:r>
+                        <a:rPr lang="en-US" altLang="zh-CN" sz="1100" u="none" strike="noStrike">
+                          <a:effectLst/>
+                        </a:rPr>
+                        <a:t>25</a:t>
+                      </a:r>
+                      <a:endParaRPr lang="en-US" altLang="zh-CN" sz="1100" b="0" i="0" u="none" strike="noStrike">
+                        <a:solidFill>
+                          <a:srgbClr val="000000"/>
+                        </a:solidFill>
+                        <a:effectLst/>
+                        <a:latin typeface="等线" panose="02010600030101010101" pitchFamily="2" charset="-122"/>
+                        <a:ea typeface="等线" panose="02010600030101010101" pitchFamily="2" charset="-122"/>
+                      </a:endParaRPr>
+                    </a:p>
+                  </a:txBody>
+                  <a:tcPr marL="9525" marR="9525" marT="9525" marB="0" anchor="ctr"/>
+                </a:tc>
+                <a:tc>
+                  <a:txBody>
+                    <a:bodyPr/>
+                    <a:lstStyle/>
+                    <a:p>
+                      <a:pPr algn="r" fontAlgn="ctr"/>
+                      <a:r>
+                        <a:rPr lang="en-US" altLang="zh-CN" sz="1100" u="none" strike="noStrike">
+                          <a:effectLst/>
+                        </a:rPr>
+                        <a:t>0.364599</a:t>
+                      </a:r>
+                      <a:endParaRPr lang="en-US" altLang="zh-CN" sz="1100" b="0" i="0" u="none" strike="noStrike">
+                        <a:solidFill>
+                          <a:srgbClr val="000000"/>
+                        </a:solidFill>
+                        <a:effectLst/>
+                        <a:latin typeface="等线" panose="02010600030101010101" pitchFamily="2" charset="-122"/>
+                        <a:ea typeface="等线" panose="02010600030101010101" pitchFamily="2" charset="-122"/>
+                      </a:endParaRPr>
+                    </a:p>
+                  </a:txBody>
+                  <a:tcPr marL="9525" marR="9525" marT="9525" marB="0" anchor="ctr"/>
+                </a:tc>
+                <a:tc>
+                  <a:txBody>
+                    <a:bodyPr/>
+                    <a:lstStyle/>
+                    <a:p>
+                      <a:pPr algn="r" fontAlgn="ctr"/>
+                      <a:r>
+                        <a:rPr lang="en-US" altLang="zh-CN" sz="1100" u="none" strike="noStrike">
+                          <a:effectLst/>
+                        </a:rPr>
+                        <a:t>4.491992</a:t>
+                      </a:r>
+                      <a:endParaRPr lang="en-US" altLang="zh-CN" sz="1100" b="0" i="0" u="none" strike="noStrike">
+                        <a:solidFill>
+                          <a:srgbClr val="000000"/>
+                        </a:solidFill>
+                        <a:effectLst/>
+                        <a:latin typeface="等线" panose="02010600030101010101" pitchFamily="2" charset="-122"/>
+                        <a:ea typeface="等线" panose="02010600030101010101" pitchFamily="2" charset="-122"/>
+                      </a:endParaRPr>
+                    </a:p>
+                  </a:txBody>
+                  <a:tcPr marL="9525" marR="9525" marT="9525" marB="0" anchor="ctr"/>
+                </a:tc>
+                <a:tc>
+                  <a:txBody>
+                    <a:bodyPr/>
+                    <a:lstStyle/>
+                    <a:p>
+                      <a:pPr algn="r" fontAlgn="ctr"/>
+                      <a:r>
+                        <a:rPr lang="en-US" altLang="zh-CN" sz="1100" u="none" strike="noStrike">
+                          <a:effectLst/>
+                        </a:rPr>
+                        <a:t>3.416569</a:t>
+                      </a:r>
+                      <a:endParaRPr lang="en-US" altLang="zh-CN" sz="1100" b="0" i="0" u="none" strike="noStrike">
+                        <a:solidFill>
+                          <a:srgbClr val="000000"/>
+                        </a:solidFill>
+                        <a:effectLst/>
+                        <a:latin typeface="等线" panose="02010600030101010101" pitchFamily="2" charset="-122"/>
+                        <a:ea typeface="等线" panose="02010600030101010101" pitchFamily="2" charset="-122"/>
+                      </a:endParaRPr>
+                    </a:p>
+                  </a:txBody>
+                  <a:tcPr marL="9525" marR="9525" marT="9525" marB="0" anchor="ctr"/>
+                </a:tc>
+                <a:extLst>
+                  <a:ext uri="{0D108BD9-81ED-4DB2-BD59-A6C34878D82A}">
+                    <a16:rowId xmlns:a16="http://schemas.microsoft.com/office/drawing/2014/main" val="3298316243"/>
+                  </a:ext>
+                </a:extLst>
+              </a:tr>
+              <a:tr h="270502">
+                <a:tc>
+                  <a:txBody>
+                    <a:bodyPr/>
+                    <a:lstStyle/>
+                    <a:p>
+                      <a:pPr algn="r" fontAlgn="ctr"/>
+                      <a:r>
+                        <a:rPr lang="en-US" altLang="zh-CN" sz="1100" u="none" strike="noStrike">
+                          <a:effectLst/>
+                        </a:rPr>
+                        <a:t>47</a:t>
+                      </a:r>
+                      <a:endParaRPr lang="en-US" altLang="zh-CN" sz="1100" b="0" i="0" u="none" strike="noStrike">
+                        <a:solidFill>
+                          <a:srgbClr val="000000"/>
+                        </a:solidFill>
+                        <a:effectLst/>
+                        <a:latin typeface="等线" panose="02010600030101010101" pitchFamily="2" charset="-122"/>
+                        <a:ea typeface="等线" panose="02010600030101010101" pitchFamily="2" charset="-122"/>
+                      </a:endParaRPr>
+                    </a:p>
+                  </a:txBody>
+                  <a:tcPr marL="9525" marR="9525" marT="9525" marB="0" anchor="ctr"/>
+                </a:tc>
+                <a:tc>
+                  <a:txBody>
+                    <a:bodyPr/>
+                    <a:lstStyle/>
+                    <a:p>
+                      <a:pPr algn="r" fontAlgn="ctr"/>
+                      <a:r>
+                        <a:rPr lang="en-US" altLang="zh-CN" sz="1100" u="none" strike="noStrike">
+                          <a:effectLst/>
+                        </a:rPr>
+                        <a:t>0.339173</a:t>
+                      </a:r>
+                      <a:endParaRPr lang="en-US" altLang="zh-CN" sz="1100" b="0" i="0" u="none" strike="noStrike">
+                        <a:solidFill>
+                          <a:srgbClr val="000000"/>
+                        </a:solidFill>
+                        <a:effectLst/>
+                        <a:latin typeface="等线" panose="02010600030101010101" pitchFamily="2" charset="-122"/>
+                        <a:ea typeface="等线" panose="02010600030101010101" pitchFamily="2" charset="-122"/>
+                      </a:endParaRPr>
+                    </a:p>
+                  </a:txBody>
+                  <a:tcPr marL="9525" marR="9525" marT="9525" marB="0" anchor="ctr"/>
+                </a:tc>
+                <a:tc>
+                  <a:txBody>
+                    <a:bodyPr/>
+                    <a:lstStyle/>
+                    <a:p>
+                      <a:pPr algn="r" fontAlgn="ctr"/>
+                      <a:r>
+                        <a:rPr lang="en-US" altLang="zh-CN" sz="1100" u="none" strike="noStrike">
+                          <a:effectLst/>
+                        </a:rPr>
+                        <a:t>0.058841</a:t>
+                      </a:r>
+                      <a:endParaRPr lang="en-US" altLang="zh-CN" sz="1100" b="0" i="0" u="none" strike="noStrike">
+                        <a:solidFill>
+                          <a:srgbClr val="000000"/>
+                        </a:solidFill>
+                        <a:effectLst/>
+                        <a:latin typeface="等线" panose="02010600030101010101" pitchFamily="2" charset="-122"/>
+                        <a:ea typeface="等线" panose="02010600030101010101" pitchFamily="2" charset="-122"/>
+                      </a:endParaRPr>
+                    </a:p>
+                  </a:txBody>
+                  <a:tcPr marL="9525" marR="9525" marT="9525" marB="0" anchor="ctr"/>
+                </a:tc>
+                <a:tc>
+                  <a:txBody>
+                    <a:bodyPr/>
+                    <a:lstStyle/>
+                    <a:p>
+                      <a:pPr algn="r" fontAlgn="ctr"/>
+                      <a:r>
+                        <a:rPr lang="en-US" altLang="zh-CN" sz="1100" u="none" strike="noStrike">
+                          <a:effectLst/>
+                        </a:rPr>
+                        <a:t>0.101502</a:t>
+                      </a:r>
+                      <a:endParaRPr lang="en-US" altLang="zh-CN" sz="1100" b="0" i="0" u="none" strike="noStrike">
+                        <a:solidFill>
+                          <a:srgbClr val="000000"/>
+                        </a:solidFill>
+                        <a:effectLst/>
+                        <a:latin typeface="等线" panose="02010600030101010101" pitchFamily="2" charset="-122"/>
+                        <a:ea typeface="等线" panose="02010600030101010101" pitchFamily="2" charset="-122"/>
+                      </a:endParaRPr>
+                    </a:p>
+                  </a:txBody>
+                  <a:tcPr marL="9525" marR="9525" marT="9525" marB="0" anchor="ctr"/>
+                </a:tc>
+                <a:extLst>
+                  <a:ext uri="{0D108BD9-81ED-4DB2-BD59-A6C34878D82A}">
+                    <a16:rowId xmlns:a16="http://schemas.microsoft.com/office/drawing/2014/main" val="2006182088"/>
+                  </a:ext>
+                </a:extLst>
+              </a:tr>
+              <a:tr h="270502">
+                <a:tc>
+                  <a:txBody>
+                    <a:bodyPr/>
+                    <a:lstStyle/>
+                    <a:p>
+                      <a:pPr algn="r" fontAlgn="ctr"/>
+                      <a:r>
+                        <a:rPr lang="en-US" altLang="zh-CN" sz="1100" u="none" strike="noStrike">
+                          <a:effectLst/>
+                        </a:rPr>
+                        <a:t>48</a:t>
+                      </a:r>
+                      <a:endParaRPr lang="en-US" altLang="zh-CN" sz="1100" b="0" i="0" u="none" strike="noStrike">
+                        <a:solidFill>
+                          <a:srgbClr val="000000"/>
+                        </a:solidFill>
+                        <a:effectLst/>
+                        <a:latin typeface="等线" panose="02010600030101010101" pitchFamily="2" charset="-122"/>
+                        <a:ea typeface="等线" panose="02010600030101010101" pitchFamily="2" charset="-122"/>
+                      </a:endParaRPr>
+                    </a:p>
+                  </a:txBody>
+                  <a:tcPr marL="9525" marR="9525" marT="9525" marB="0" anchor="ctr"/>
+                </a:tc>
+                <a:tc>
+                  <a:txBody>
+                    <a:bodyPr/>
+                    <a:lstStyle/>
+                    <a:p>
+                      <a:pPr algn="r" fontAlgn="ctr"/>
+                      <a:r>
+                        <a:rPr lang="en-US" altLang="zh-CN" sz="1100" u="none" strike="noStrike">
+                          <a:effectLst/>
+                        </a:rPr>
+                        <a:t>0.329672</a:t>
+                      </a:r>
+                      <a:endParaRPr lang="en-US" altLang="zh-CN" sz="1100" b="0" i="0" u="none" strike="noStrike">
+                        <a:solidFill>
+                          <a:srgbClr val="000000"/>
+                        </a:solidFill>
+                        <a:effectLst/>
+                        <a:latin typeface="等线" panose="02010600030101010101" pitchFamily="2" charset="-122"/>
+                        <a:ea typeface="等线" panose="02010600030101010101" pitchFamily="2" charset="-122"/>
+                      </a:endParaRPr>
+                    </a:p>
+                  </a:txBody>
+                  <a:tcPr marL="9525" marR="9525" marT="9525" marB="0" anchor="ctr"/>
+                </a:tc>
+                <a:tc>
+                  <a:txBody>
+                    <a:bodyPr/>
+                    <a:lstStyle/>
+                    <a:p>
+                      <a:pPr algn="r" fontAlgn="ctr"/>
+                      <a:r>
+                        <a:rPr lang="en-US" altLang="zh-CN" sz="1100" u="none" strike="noStrike">
+                          <a:effectLst/>
+                        </a:rPr>
+                        <a:t>0.058841</a:t>
+                      </a:r>
+                      <a:endParaRPr lang="en-US" altLang="zh-CN" sz="1100" b="0" i="0" u="none" strike="noStrike">
+                        <a:solidFill>
+                          <a:srgbClr val="000000"/>
+                        </a:solidFill>
+                        <a:effectLst/>
+                        <a:latin typeface="等线" panose="02010600030101010101" pitchFamily="2" charset="-122"/>
+                        <a:ea typeface="等线" panose="02010600030101010101" pitchFamily="2" charset="-122"/>
+                      </a:endParaRPr>
+                    </a:p>
+                  </a:txBody>
+                  <a:tcPr marL="9525" marR="9525" marT="9525" marB="0" anchor="ctr"/>
+                </a:tc>
+                <a:tc>
+                  <a:txBody>
+                    <a:bodyPr/>
+                    <a:lstStyle/>
+                    <a:p>
+                      <a:pPr algn="r" fontAlgn="ctr"/>
+                      <a:r>
+                        <a:rPr lang="en-US" altLang="zh-CN" sz="1100" u="none" strike="noStrike">
+                          <a:effectLst/>
+                        </a:rPr>
+                        <a:t>0.09531</a:t>
+                      </a:r>
+                      <a:endParaRPr lang="en-US" altLang="zh-CN" sz="1100" b="0" i="0" u="none" strike="noStrike">
+                        <a:solidFill>
+                          <a:srgbClr val="000000"/>
+                        </a:solidFill>
+                        <a:effectLst/>
+                        <a:latin typeface="等线" panose="02010600030101010101" pitchFamily="2" charset="-122"/>
+                        <a:ea typeface="等线" panose="02010600030101010101" pitchFamily="2" charset="-122"/>
+                      </a:endParaRPr>
+                    </a:p>
+                  </a:txBody>
+                  <a:tcPr marL="9525" marR="9525" marT="9525" marB="0" anchor="ctr"/>
+                </a:tc>
+                <a:extLst>
+                  <a:ext uri="{0D108BD9-81ED-4DB2-BD59-A6C34878D82A}">
+                    <a16:rowId xmlns:a16="http://schemas.microsoft.com/office/drawing/2014/main" val="593392851"/>
+                  </a:ext>
+                </a:extLst>
+              </a:tr>
+              <a:tr h="270502">
+                <a:tc>
+                  <a:txBody>
+                    <a:bodyPr/>
+                    <a:lstStyle/>
+                    <a:p>
+                      <a:pPr algn="r" fontAlgn="ctr"/>
+                      <a:r>
+                        <a:rPr lang="en-US" altLang="zh-CN" sz="1100" u="none" strike="noStrike">
+                          <a:effectLst/>
+                        </a:rPr>
+                        <a:t>12</a:t>
+                      </a:r>
+                      <a:endParaRPr lang="en-US" altLang="zh-CN" sz="1100" b="0" i="0" u="none" strike="noStrike">
+                        <a:solidFill>
+                          <a:srgbClr val="000000"/>
+                        </a:solidFill>
+                        <a:effectLst/>
+                        <a:latin typeface="等线" panose="02010600030101010101" pitchFamily="2" charset="-122"/>
+                        <a:ea typeface="等线" panose="02010600030101010101" pitchFamily="2" charset="-122"/>
+                      </a:endParaRPr>
+                    </a:p>
+                  </a:txBody>
+                  <a:tcPr marL="9525" marR="9525" marT="9525" marB="0" anchor="ctr"/>
+                </a:tc>
+                <a:tc>
+                  <a:txBody>
+                    <a:bodyPr/>
+                    <a:lstStyle/>
+                    <a:p>
+                      <a:pPr algn="r" fontAlgn="ctr"/>
+                      <a:r>
+                        <a:rPr lang="en-US" altLang="zh-CN" sz="1100" u="none" strike="noStrike">
+                          <a:effectLst/>
+                        </a:rPr>
+                        <a:t>0.326528</a:t>
+                      </a:r>
+                      <a:endParaRPr lang="en-US" altLang="zh-CN" sz="1100" b="0" i="0" u="none" strike="noStrike">
+                        <a:solidFill>
+                          <a:srgbClr val="000000"/>
+                        </a:solidFill>
+                        <a:effectLst/>
+                        <a:latin typeface="等线" panose="02010600030101010101" pitchFamily="2" charset="-122"/>
+                        <a:ea typeface="等线" panose="02010600030101010101" pitchFamily="2" charset="-122"/>
+                      </a:endParaRPr>
+                    </a:p>
+                  </a:txBody>
+                  <a:tcPr marL="9525" marR="9525" marT="9525" marB="0" anchor="ctr"/>
+                </a:tc>
+                <a:tc>
+                  <a:txBody>
+                    <a:bodyPr/>
+                    <a:lstStyle/>
+                    <a:p>
+                      <a:pPr algn="r" fontAlgn="ctr"/>
+                      <a:r>
+                        <a:rPr lang="en-US" altLang="zh-CN" sz="1100" u="none" strike="noStrike">
+                          <a:effectLst/>
+                        </a:rPr>
+                        <a:t>5.489241</a:t>
+                      </a:r>
+                      <a:endParaRPr lang="en-US" altLang="zh-CN" sz="1100" b="0" i="0" u="none" strike="noStrike">
+                        <a:solidFill>
+                          <a:srgbClr val="000000"/>
+                        </a:solidFill>
+                        <a:effectLst/>
+                        <a:latin typeface="等线" panose="02010600030101010101" pitchFamily="2" charset="-122"/>
+                        <a:ea typeface="等线" panose="02010600030101010101" pitchFamily="2" charset="-122"/>
+                      </a:endParaRPr>
+                    </a:p>
+                  </a:txBody>
+                  <a:tcPr marL="9525" marR="9525" marT="9525" marB="0" anchor="ctr"/>
+                </a:tc>
+                <a:tc>
+                  <a:txBody>
+                    <a:bodyPr/>
+                    <a:lstStyle/>
+                    <a:p>
+                      <a:pPr algn="r" fontAlgn="ctr"/>
+                      <a:r>
+                        <a:rPr lang="en-US" altLang="zh-CN" sz="1100" u="none" strike="noStrike">
+                          <a:effectLst/>
+                        </a:rPr>
+                        <a:t>2.818283</a:t>
+                      </a:r>
+                      <a:endParaRPr lang="en-US" altLang="zh-CN" sz="1100" b="0" i="0" u="none" strike="noStrike">
+                        <a:solidFill>
+                          <a:srgbClr val="000000"/>
+                        </a:solidFill>
+                        <a:effectLst/>
+                        <a:latin typeface="等线" panose="02010600030101010101" pitchFamily="2" charset="-122"/>
+                        <a:ea typeface="等线" panose="02010600030101010101" pitchFamily="2" charset="-122"/>
+                      </a:endParaRPr>
+                    </a:p>
+                  </a:txBody>
+                  <a:tcPr marL="9525" marR="9525" marT="9525" marB="0" anchor="ctr"/>
+                </a:tc>
+                <a:extLst>
+                  <a:ext uri="{0D108BD9-81ED-4DB2-BD59-A6C34878D82A}">
+                    <a16:rowId xmlns:a16="http://schemas.microsoft.com/office/drawing/2014/main" val="3593793488"/>
+                  </a:ext>
+                </a:extLst>
+              </a:tr>
+              <a:tr h="270502">
+                <a:tc>
+                  <a:txBody>
+                    <a:bodyPr/>
+                    <a:lstStyle/>
+                    <a:p>
+                      <a:pPr algn="r" fontAlgn="ctr"/>
+                      <a:r>
+                        <a:rPr lang="en-US" altLang="zh-CN" sz="1100" u="none" strike="noStrike">
+                          <a:effectLst/>
+                        </a:rPr>
+                        <a:t>14</a:t>
+                      </a:r>
+                      <a:endParaRPr lang="en-US" altLang="zh-CN" sz="1100" b="0" i="0" u="none" strike="noStrike">
+                        <a:solidFill>
+                          <a:srgbClr val="000000"/>
+                        </a:solidFill>
+                        <a:effectLst/>
+                        <a:latin typeface="等线" panose="02010600030101010101" pitchFamily="2" charset="-122"/>
+                        <a:ea typeface="等线" panose="02010600030101010101" pitchFamily="2" charset="-122"/>
+                      </a:endParaRPr>
+                    </a:p>
+                  </a:txBody>
+                  <a:tcPr marL="9525" marR="9525" marT="9525" marB="0" anchor="ctr"/>
+                </a:tc>
+                <a:tc>
+                  <a:txBody>
+                    <a:bodyPr/>
+                    <a:lstStyle/>
+                    <a:p>
+                      <a:pPr algn="r" fontAlgn="ctr"/>
+                      <a:r>
+                        <a:rPr lang="en-US" altLang="zh-CN" sz="1100" u="none" strike="noStrike">
+                          <a:effectLst/>
+                        </a:rPr>
+                        <a:t>0.30177</a:t>
+                      </a:r>
+                      <a:endParaRPr lang="en-US" altLang="zh-CN" sz="1100" b="0" i="0" u="none" strike="noStrike">
+                        <a:solidFill>
+                          <a:srgbClr val="000000"/>
+                        </a:solidFill>
+                        <a:effectLst/>
+                        <a:latin typeface="等线" panose="02010600030101010101" pitchFamily="2" charset="-122"/>
+                        <a:ea typeface="等线" panose="02010600030101010101" pitchFamily="2" charset="-122"/>
+                      </a:endParaRPr>
+                    </a:p>
+                  </a:txBody>
+                  <a:tcPr marL="9525" marR="9525" marT="9525" marB="0" anchor="ctr"/>
+                </a:tc>
+                <a:tc>
+                  <a:txBody>
+                    <a:bodyPr/>
+                    <a:lstStyle/>
+                    <a:p>
+                      <a:pPr algn="r" fontAlgn="ctr"/>
+                      <a:r>
+                        <a:rPr lang="en-US" altLang="zh-CN" sz="1100" u="none" strike="noStrike">
+                          <a:effectLst/>
+                        </a:rPr>
+                        <a:t>2.60515</a:t>
+                      </a:r>
+                      <a:endParaRPr lang="en-US" altLang="zh-CN" sz="1100" b="0" i="0" u="none" strike="noStrike">
+                        <a:solidFill>
+                          <a:srgbClr val="000000"/>
+                        </a:solidFill>
+                        <a:effectLst/>
+                        <a:latin typeface="等线" panose="02010600030101010101" pitchFamily="2" charset="-122"/>
+                        <a:ea typeface="等线" panose="02010600030101010101" pitchFamily="2" charset="-122"/>
+                      </a:endParaRPr>
+                    </a:p>
+                  </a:txBody>
+                  <a:tcPr marL="9525" marR="9525" marT="9525" marB="0" anchor="ctr"/>
+                </a:tc>
+                <a:tc>
+                  <a:txBody>
+                    <a:bodyPr/>
+                    <a:lstStyle/>
+                    <a:p>
+                      <a:pPr algn="r" fontAlgn="ctr"/>
+                      <a:r>
+                        <a:rPr lang="en-US" altLang="zh-CN" sz="1100" u="none" strike="noStrike" dirty="0">
+                          <a:effectLst/>
+                        </a:rPr>
+                        <a:t>2.504622</a:t>
+                      </a:r>
+                      <a:endParaRPr lang="en-US" altLang="zh-CN" sz="1100" b="0" i="0" u="none" strike="noStrike" dirty="0">
+                        <a:solidFill>
+                          <a:srgbClr val="000000"/>
+                        </a:solidFill>
+                        <a:effectLst/>
+                        <a:latin typeface="等线" panose="02010600030101010101" pitchFamily="2" charset="-122"/>
+                        <a:ea typeface="等线" panose="02010600030101010101" pitchFamily="2" charset="-122"/>
+                      </a:endParaRPr>
+                    </a:p>
+                  </a:txBody>
+                  <a:tcPr marL="9525" marR="9525" marT="9525" marB="0" anchor="ctr"/>
+                </a:tc>
+                <a:extLst>
+                  <a:ext uri="{0D108BD9-81ED-4DB2-BD59-A6C34878D82A}">
+                    <a16:rowId xmlns:a16="http://schemas.microsoft.com/office/drawing/2014/main" val="3201755212"/>
+                  </a:ext>
+                </a:extLst>
+              </a:tr>
+            </a:tbl>
+          </a:graphicData>
+        </a:graphic>
+      </p:graphicFrame>
+      <p:graphicFrame>
+        <p:nvGraphicFramePr>
+          <p:cNvPr id="8" name="Table 7">
+            <a:extLst>
+              <a:ext uri="{FF2B5EF4-FFF2-40B4-BE49-F238E27FC236}">
+                <a16:creationId xmlns:a16="http://schemas.microsoft.com/office/drawing/2014/main" id="{4E3ED8E4-03B7-4F44-B15F-BC846E38E85D}"/>
+              </a:ext>
+            </a:extLst>
+          </p:cNvPr>
+          <p:cNvGraphicFramePr>
+            <a:graphicFrameLocks noGrp="1"/>
+          </p:cNvGraphicFramePr>
+          <p:nvPr>
+            <p:extLst>
+              <p:ext uri="{D42A27DB-BD31-4B8C-83A1-F6EECF244321}">
+                <p14:modId xmlns:p14="http://schemas.microsoft.com/office/powerpoint/2010/main" val="1069428302"/>
+              </p:ext>
+            </p:extLst>
+          </p:nvPr>
+        </p:nvGraphicFramePr>
+        <p:xfrm>
+          <a:off x="4184725" y="1487200"/>
+          <a:ext cx="4776395" cy="3324082"/>
+        </p:xfrm>
+        <a:graphic>
+          <a:graphicData uri="http://schemas.openxmlformats.org/drawingml/2006/table">
+            <a:tbl>
+              <a:tblPr>
+                <a:tableStyleId>{5C22544A-7EE6-4342-B048-85BDC9FD1C3A}</a:tableStyleId>
+              </a:tblPr>
+              <a:tblGrid>
+                <a:gridCol w="1159587">
+                  <a:extLst>
+                    <a:ext uri="{9D8B030D-6E8A-4147-A177-3AD203B41FA5}">
+                      <a16:colId xmlns:a16="http://schemas.microsoft.com/office/drawing/2014/main" val="3870275542"/>
+                    </a:ext>
+                  </a:extLst>
+                </a:gridCol>
+                <a:gridCol w="1311438">
+                  <a:extLst>
+                    <a:ext uri="{9D8B030D-6E8A-4147-A177-3AD203B41FA5}">
+                      <a16:colId xmlns:a16="http://schemas.microsoft.com/office/drawing/2014/main" val="3108713383"/>
+                    </a:ext>
+                  </a:extLst>
+                </a:gridCol>
+                <a:gridCol w="1559921">
+                  <a:extLst>
+                    <a:ext uri="{9D8B030D-6E8A-4147-A177-3AD203B41FA5}">
+                      <a16:colId xmlns:a16="http://schemas.microsoft.com/office/drawing/2014/main" val="279525163"/>
+                    </a:ext>
+                  </a:extLst>
+                </a:gridCol>
+                <a:gridCol w="745449">
+                  <a:extLst>
+                    <a:ext uri="{9D8B030D-6E8A-4147-A177-3AD203B41FA5}">
+                      <a16:colId xmlns:a16="http://schemas.microsoft.com/office/drawing/2014/main" val="3174882261"/>
+                    </a:ext>
+                  </a:extLst>
+                </a:gridCol>
+              </a:tblGrid>
+              <a:tr h="524480">
+                <a:tc>
+                  <a:txBody>
+                    <a:bodyPr/>
+                    <a:lstStyle/>
+                    <a:p>
+                      <a:pPr algn="l" fontAlgn="ctr"/>
+                      <a:r>
+                        <a:rPr lang="en-US" sz="1100" u="none" strike="noStrike" dirty="0">
+                          <a:effectLst/>
+                        </a:rPr>
+                        <a:t>Strategy ID</a:t>
+                      </a:r>
+                      <a:endParaRPr lang="en-US" sz="1100" b="0" i="0" u="none" strike="noStrike" dirty="0">
+                        <a:solidFill>
+                          <a:srgbClr val="000000"/>
+                        </a:solidFill>
+                        <a:effectLst/>
+                        <a:latin typeface="等线" panose="02010600030101010101" pitchFamily="2" charset="-122"/>
+                        <a:ea typeface="等线" panose="02010600030101010101" pitchFamily="2" charset="-122"/>
+                      </a:endParaRPr>
+                    </a:p>
+                  </a:txBody>
+                  <a:tcPr marL="9525" marR="9525" marT="9525" marB="0" anchor="ctr"/>
+                </a:tc>
+                <a:tc>
+                  <a:txBody>
+                    <a:bodyPr/>
+                    <a:lstStyle/>
+                    <a:p>
+                      <a:pPr algn="l" fontAlgn="ctr"/>
+                      <a:r>
+                        <a:rPr lang="en-US" altLang="zh-CN" sz="1100" u="none" strike="noStrike" dirty="0">
+                          <a:effectLst/>
+                        </a:rPr>
+                        <a:t>Information</a:t>
+                      </a:r>
+                      <a:r>
+                        <a:rPr lang="en-US" sz="1100" u="none" strike="noStrike" dirty="0">
+                          <a:effectLst/>
+                        </a:rPr>
+                        <a:t> Ratio</a:t>
+                      </a:r>
+                      <a:endParaRPr lang="en-US" sz="1100" b="0" i="0" u="none" strike="noStrike" dirty="0">
+                        <a:solidFill>
+                          <a:srgbClr val="000000"/>
+                        </a:solidFill>
+                        <a:effectLst/>
+                        <a:latin typeface="等线" panose="02010600030101010101" pitchFamily="2" charset="-122"/>
+                        <a:ea typeface="等线" panose="02010600030101010101" pitchFamily="2" charset="-122"/>
+                      </a:endParaRPr>
+                    </a:p>
+                  </a:txBody>
+                  <a:tcPr marL="9525" marR="9525" marT="9525" marB="0" anchor="ctr"/>
+                </a:tc>
+                <a:tc>
+                  <a:txBody>
+                    <a:bodyPr/>
+                    <a:lstStyle/>
+                    <a:p>
+                      <a:pPr algn="l" fontAlgn="ctr"/>
+                      <a:r>
+                        <a:rPr lang="en-US" sz="1100" u="none" strike="noStrike">
+                          <a:effectLst/>
+                        </a:rPr>
+                        <a:t>Maximum Drawdown</a:t>
+                      </a:r>
+                      <a:endParaRPr lang="en-US" sz="1100" b="0" i="0" u="none" strike="noStrike">
+                        <a:solidFill>
+                          <a:srgbClr val="000000"/>
+                        </a:solidFill>
+                        <a:effectLst/>
+                        <a:latin typeface="等线" panose="02010600030101010101" pitchFamily="2" charset="-122"/>
+                        <a:ea typeface="等线" panose="02010600030101010101" pitchFamily="2" charset="-122"/>
+                      </a:endParaRPr>
+                    </a:p>
+                  </a:txBody>
+                  <a:tcPr marL="9525" marR="9525" marT="9525" marB="0" anchor="ctr"/>
+                </a:tc>
+                <a:tc>
+                  <a:txBody>
+                    <a:bodyPr/>
+                    <a:lstStyle/>
+                    <a:p>
+                      <a:pPr algn="l" fontAlgn="ctr"/>
+                      <a:r>
+                        <a:rPr lang="en-US" sz="1100" u="none" strike="noStrike" dirty="0">
+                          <a:effectLst/>
+                        </a:rPr>
+                        <a:t>Cumulative Return</a:t>
+                      </a:r>
+                      <a:endParaRPr lang="en-US" sz="1100" b="0" i="0" u="none" strike="noStrike" dirty="0">
+                        <a:solidFill>
+                          <a:srgbClr val="000000"/>
+                        </a:solidFill>
+                        <a:effectLst/>
+                        <a:latin typeface="等线" panose="02010600030101010101" pitchFamily="2" charset="-122"/>
+                        <a:ea typeface="等线" panose="02010600030101010101" pitchFamily="2" charset="-122"/>
+                      </a:endParaRPr>
+                    </a:p>
+                  </a:txBody>
+                  <a:tcPr marL="9525" marR="9525" marT="9525" marB="0" anchor="ctr"/>
+                </a:tc>
+                <a:extLst>
+                  <a:ext uri="{0D108BD9-81ED-4DB2-BD59-A6C34878D82A}">
+                    <a16:rowId xmlns:a16="http://schemas.microsoft.com/office/drawing/2014/main" val="1770042639"/>
+                  </a:ext>
+                </a:extLst>
+              </a:tr>
+              <a:tr h="305659">
+                <a:tc>
+                  <a:txBody>
+                    <a:bodyPr/>
+                    <a:lstStyle/>
+                    <a:p>
+                      <a:pPr algn="r" fontAlgn="ctr"/>
+                      <a:r>
+                        <a:rPr lang="en-US" altLang="zh-CN" sz="1100" u="none" strike="noStrike" dirty="0">
+                          <a:effectLst/>
+                        </a:rPr>
+                        <a:t>20</a:t>
+                      </a:r>
+                      <a:endParaRPr lang="en-US" altLang="zh-CN" sz="1100" b="0" i="0" u="none" strike="noStrike" dirty="0">
+                        <a:solidFill>
+                          <a:srgbClr val="000000"/>
+                        </a:solidFill>
+                        <a:effectLst/>
+                        <a:latin typeface="等线" panose="02010600030101010101" pitchFamily="2" charset="-122"/>
+                        <a:ea typeface="等线" panose="02010600030101010101" pitchFamily="2" charset="-122"/>
+                      </a:endParaRPr>
+                    </a:p>
+                  </a:txBody>
+                  <a:tcPr marL="9525" marR="9525" marT="9525" marB="0" anchor="ctr"/>
+                </a:tc>
+                <a:tc>
+                  <a:txBody>
+                    <a:bodyPr/>
+                    <a:lstStyle/>
+                    <a:p>
+                      <a:pPr algn="r" fontAlgn="ctr"/>
+                      <a:r>
+                        <a:rPr lang="en-US" altLang="zh-CN" sz="1100" u="none" strike="noStrike" dirty="0">
+                          <a:effectLst/>
+                        </a:rPr>
+                        <a:t>1.117799277</a:t>
+                      </a:r>
+                      <a:endParaRPr lang="en-US" altLang="zh-CN" sz="1100" b="0" i="0" u="none" strike="noStrike" dirty="0">
+                        <a:solidFill>
+                          <a:srgbClr val="000000"/>
+                        </a:solidFill>
+                        <a:effectLst/>
+                        <a:latin typeface="等线" panose="02010600030101010101" pitchFamily="2" charset="-122"/>
+                        <a:ea typeface="等线" panose="02010600030101010101" pitchFamily="2" charset="-122"/>
+                      </a:endParaRPr>
+                    </a:p>
+                  </a:txBody>
+                  <a:tcPr marL="9525" marR="9525" marT="9525" marB="0" anchor="ctr"/>
+                </a:tc>
+                <a:tc>
+                  <a:txBody>
+                    <a:bodyPr/>
+                    <a:lstStyle/>
+                    <a:p>
+                      <a:pPr algn="r" fontAlgn="ctr"/>
+                      <a:r>
+                        <a:rPr lang="en-US" altLang="zh-CN" sz="1100" u="none" strike="noStrike">
+                          <a:effectLst/>
+                        </a:rPr>
+                        <a:t>2.128294673</a:t>
+                      </a:r>
+                      <a:endParaRPr lang="en-US" altLang="zh-CN" sz="1100" b="0" i="0" u="none" strike="noStrike">
+                        <a:solidFill>
+                          <a:srgbClr val="000000"/>
+                        </a:solidFill>
+                        <a:effectLst/>
+                        <a:latin typeface="等线" panose="02010600030101010101" pitchFamily="2" charset="-122"/>
+                        <a:ea typeface="等线" panose="02010600030101010101" pitchFamily="2" charset="-122"/>
+                      </a:endParaRPr>
+                    </a:p>
+                  </a:txBody>
+                  <a:tcPr marL="9525" marR="9525" marT="9525" marB="0" anchor="ctr"/>
+                </a:tc>
+                <a:tc>
+                  <a:txBody>
+                    <a:bodyPr/>
+                    <a:lstStyle/>
+                    <a:p>
+                      <a:pPr algn="r" fontAlgn="ctr"/>
+                      <a:r>
+                        <a:rPr lang="en-US" altLang="zh-CN" sz="1100" u="none" strike="noStrike">
+                          <a:effectLst/>
+                        </a:rPr>
+                        <a:t>9.025915</a:t>
+                      </a:r>
+                      <a:endParaRPr lang="en-US" altLang="zh-CN" sz="1100" b="0" i="0" u="none" strike="noStrike">
+                        <a:solidFill>
+                          <a:srgbClr val="000000"/>
+                        </a:solidFill>
+                        <a:effectLst/>
+                        <a:latin typeface="等线" panose="02010600030101010101" pitchFamily="2" charset="-122"/>
+                        <a:ea typeface="等线" panose="02010600030101010101" pitchFamily="2" charset="-122"/>
+                      </a:endParaRPr>
+                    </a:p>
+                  </a:txBody>
+                  <a:tcPr marL="9525" marR="9525" marT="9525" marB="0" anchor="ctr"/>
+                </a:tc>
+                <a:extLst>
+                  <a:ext uri="{0D108BD9-81ED-4DB2-BD59-A6C34878D82A}">
+                    <a16:rowId xmlns:a16="http://schemas.microsoft.com/office/drawing/2014/main" val="2862264014"/>
+                  </a:ext>
+                </a:extLst>
+              </a:tr>
+              <a:tr h="160429">
+                <a:tc>
+                  <a:txBody>
+                    <a:bodyPr/>
+                    <a:lstStyle/>
+                    <a:p>
+                      <a:pPr algn="r" fontAlgn="ctr"/>
+                      <a:r>
+                        <a:rPr lang="en-US" altLang="zh-CN" sz="1100" u="none" strike="noStrike">
+                          <a:effectLst/>
+                        </a:rPr>
+                        <a:t>35</a:t>
+                      </a:r>
+                      <a:endParaRPr lang="en-US" altLang="zh-CN" sz="1100" b="0" i="0" u="none" strike="noStrike">
+                        <a:solidFill>
+                          <a:srgbClr val="000000"/>
+                        </a:solidFill>
+                        <a:effectLst/>
+                        <a:latin typeface="等线" panose="02010600030101010101" pitchFamily="2" charset="-122"/>
+                        <a:ea typeface="等线" panose="02010600030101010101" pitchFamily="2" charset="-122"/>
+                      </a:endParaRPr>
+                    </a:p>
+                  </a:txBody>
+                  <a:tcPr marL="9525" marR="9525" marT="9525" marB="0" anchor="ctr"/>
+                </a:tc>
+                <a:tc>
+                  <a:txBody>
+                    <a:bodyPr/>
+                    <a:lstStyle/>
+                    <a:p>
+                      <a:pPr algn="r" fontAlgn="ctr"/>
+                      <a:r>
+                        <a:rPr lang="en-US" altLang="zh-CN" sz="1100" u="none" strike="noStrike" dirty="0">
+                          <a:effectLst/>
+                        </a:rPr>
+                        <a:t>0.811062124</a:t>
+                      </a:r>
+                      <a:endParaRPr lang="en-US" altLang="zh-CN" sz="1100" b="0" i="0" u="none" strike="noStrike" dirty="0">
+                        <a:solidFill>
+                          <a:srgbClr val="000000"/>
+                        </a:solidFill>
+                        <a:effectLst/>
+                        <a:latin typeface="等线" panose="02010600030101010101" pitchFamily="2" charset="-122"/>
+                        <a:ea typeface="等线" panose="02010600030101010101" pitchFamily="2" charset="-122"/>
+                      </a:endParaRPr>
+                    </a:p>
+                  </a:txBody>
+                  <a:tcPr marL="9525" marR="9525" marT="9525" marB="0" anchor="ctr"/>
+                </a:tc>
+                <a:tc>
+                  <a:txBody>
+                    <a:bodyPr/>
+                    <a:lstStyle/>
+                    <a:p>
+                      <a:pPr algn="r" fontAlgn="ctr"/>
+                      <a:r>
+                        <a:rPr lang="en-US" altLang="zh-CN" sz="1100" u="none" strike="noStrike" dirty="0">
+                          <a:effectLst/>
+                        </a:rPr>
+                        <a:t>3.19641783</a:t>
+                      </a:r>
+                      <a:endParaRPr lang="en-US" altLang="zh-CN" sz="1100" b="0" i="0" u="none" strike="noStrike" dirty="0">
+                        <a:solidFill>
+                          <a:srgbClr val="000000"/>
+                        </a:solidFill>
+                        <a:effectLst/>
+                        <a:latin typeface="等线" panose="02010600030101010101" pitchFamily="2" charset="-122"/>
+                        <a:ea typeface="等线" panose="02010600030101010101" pitchFamily="2" charset="-122"/>
+                      </a:endParaRPr>
+                    </a:p>
+                  </a:txBody>
+                  <a:tcPr marL="9525" marR="9525" marT="9525" marB="0" anchor="ctr"/>
+                </a:tc>
+                <a:tc>
+                  <a:txBody>
+                    <a:bodyPr/>
+                    <a:lstStyle/>
+                    <a:p>
+                      <a:pPr algn="r" fontAlgn="ctr"/>
+                      <a:r>
+                        <a:rPr lang="en-US" altLang="zh-CN" sz="1100" u="none" strike="noStrike">
+                          <a:effectLst/>
+                        </a:rPr>
+                        <a:t>4.94178</a:t>
+                      </a:r>
+                      <a:endParaRPr lang="en-US" altLang="zh-CN" sz="1100" b="0" i="0" u="none" strike="noStrike">
+                        <a:solidFill>
+                          <a:srgbClr val="000000"/>
+                        </a:solidFill>
+                        <a:effectLst/>
+                        <a:latin typeface="等线" panose="02010600030101010101" pitchFamily="2" charset="-122"/>
+                        <a:ea typeface="等线" panose="02010600030101010101" pitchFamily="2" charset="-122"/>
+                      </a:endParaRPr>
+                    </a:p>
+                  </a:txBody>
+                  <a:tcPr marL="9525" marR="9525" marT="9525" marB="0" anchor="ctr"/>
+                </a:tc>
+                <a:extLst>
+                  <a:ext uri="{0D108BD9-81ED-4DB2-BD59-A6C34878D82A}">
+                    <a16:rowId xmlns:a16="http://schemas.microsoft.com/office/drawing/2014/main" val="3664842628"/>
+                  </a:ext>
+                </a:extLst>
+              </a:tr>
+              <a:tr h="305659">
+                <a:tc>
+                  <a:txBody>
+                    <a:bodyPr/>
+                    <a:lstStyle/>
+                    <a:p>
+                      <a:pPr algn="r" fontAlgn="ctr"/>
+                      <a:r>
+                        <a:rPr lang="en-US" altLang="zh-CN" sz="1100" u="none" strike="noStrike">
+                          <a:effectLst/>
+                        </a:rPr>
+                        <a:t>12</a:t>
+                      </a:r>
+                      <a:endParaRPr lang="en-US" altLang="zh-CN" sz="1100" b="0" i="0" u="none" strike="noStrike">
+                        <a:solidFill>
+                          <a:srgbClr val="000000"/>
+                        </a:solidFill>
+                        <a:effectLst/>
+                        <a:latin typeface="等线" panose="02010600030101010101" pitchFamily="2" charset="-122"/>
+                        <a:ea typeface="等线" panose="02010600030101010101" pitchFamily="2" charset="-122"/>
+                      </a:endParaRPr>
+                    </a:p>
+                  </a:txBody>
+                  <a:tcPr marL="9525" marR="9525" marT="9525" marB="0" anchor="ctr"/>
+                </a:tc>
+                <a:tc>
+                  <a:txBody>
+                    <a:bodyPr/>
+                    <a:lstStyle/>
+                    <a:p>
+                      <a:pPr algn="r" fontAlgn="ctr"/>
+                      <a:r>
+                        <a:rPr lang="en-US" altLang="zh-CN" sz="1100" u="none" strike="noStrike">
+                          <a:effectLst/>
+                        </a:rPr>
+                        <a:t>0.609563784</a:t>
+                      </a:r>
+                      <a:endParaRPr lang="en-US" altLang="zh-CN" sz="1100" b="0" i="0" u="none" strike="noStrike">
+                        <a:solidFill>
+                          <a:srgbClr val="000000"/>
+                        </a:solidFill>
+                        <a:effectLst/>
+                        <a:latin typeface="等线" panose="02010600030101010101" pitchFamily="2" charset="-122"/>
+                        <a:ea typeface="等线" panose="02010600030101010101" pitchFamily="2" charset="-122"/>
+                      </a:endParaRPr>
+                    </a:p>
+                  </a:txBody>
+                  <a:tcPr marL="9525" marR="9525" marT="9525" marB="0" anchor="ctr"/>
+                </a:tc>
+                <a:tc>
+                  <a:txBody>
+                    <a:bodyPr/>
+                    <a:lstStyle/>
+                    <a:p>
+                      <a:pPr algn="r" fontAlgn="ctr"/>
+                      <a:r>
+                        <a:rPr lang="en-US" altLang="zh-CN" sz="1100" u="none" strike="noStrike" dirty="0">
+                          <a:effectLst/>
+                        </a:rPr>
+                        <a:t>2.217124259</a:t>
+                      </a:r>
+                      <a:endParaRPr lang="en-US" altLang="zh-CN" sz="1100" b="0" i="0" u="none" strike="noStrike" dirty="0">
+                        <a:solidFill>
+                          <a:srgbClr val="000000"/>
+                        </a:solidFill>
+                        <a:effectLst/>
+                        <a:latin typeface="等线" panose="02010600030101010101" pitchFamily="2" charset="-122"/>
+                        <a:ea typeface="等线" panose="02010600030101010101" pitchFamily="2" charset="-122"/>
+                      </a:endParaRPr>
+                    </a:p>
+                  </a:txBody>
+                  <a:tcPr marL="9525" marR="9525" marT="9525" marB="0" anchor="ctr"/>
+                </a:tc>
+                <a:tc>
+                  <a:txBody>
+                    <a:bodyPr/>
+                    <a:lstStyle/>
+                    <a:p>
+                      <a:pPr algn="r" fontAlgn="ctr"/>
+                      <a:r>
+                        <a:rPr lang="en-US" altLang="zh-CN" sz="1100" u="none" strike="noStrike">
+                          <a:effectLst/>
+                        </a:rPr>
+                        <a:t>5.740266</a:t>
+                      </a:r>
+                      <a:endParaRPr lang="en-US" altLang="zh-CN" sz="1100" b="0" i="0" u="none" strike="noStrike">
+                        <a:solidFill>
+                          <a:srgbClr val="000000"/>
+                        </a:solidFill>
+                        <a:effectLst/>
+                        <a:latin typeface="等线" panose="02010600030101010101" pitchFamily="2" charset="-122"/>
+                        <a:ea typeface="等线" panose="02010600030101010101" pitchFamily="2" charset="-122"/>
+                      </a:endParaRPr>
+                    </a:p>
+                  </a:txBody>
+                  <a:tcPr marL="9525" marR="9525" marT="9525" marB="0" anchor="ctr"/>
+                </a:tc>
+                <a:extLst>
+                  <a:ext uri="{0D108BD9-81ED-4DB2-BD59-A6C34878D82A}">
+                    <a16:rowId xmlns:a16="http://schemas.microsoft.com/office/drawing/2014/main" val="1002550635"/>
+                  </a:ext>
+                </a:extLst>
+              </a:tr>
+              <a:tr h="160429">
+                <a:tc>
+                  <a:txBody>
+                    <a:bodyPr/>
+                    <a:lstStyle/>
+                    <a:p>
+                      <a:pPr algn="r" fontAlgn="ctr"/>
+                      <a:r>
+                        <a:rPr lang="en-US" altLang="zh-CN" sz="1100" u="none" strike="noStrike">
+                          <a:effectLst/>
+                        </a:rPr>
+                        <a:t>54</a:t>
+                      </a:r>
+                      <a:endParaRPr lang="en-US" altLang="zh-CN" sz="1100" b="0" i="0" u="none" strike="noStrike">
+                        <a:solidFill>
+                          <a:srgbClr val="000000"/>
+                        </a:solidFill>
+                        <a:effectLst/>
+                        <a:latin typeface="等线" panose="02010600030101010101" pitchFamily="2" charset="-122"/>
+                        <a:ea typeface="等线" panose="02010600030101010101" pitchFamily="2" charset="-122"/>
+                      </a:endParaRPr>
+                    </a:p>
+                  </a:txBody>
+                  <a:tcPr marL="9525" marR="9525" marT="9525" marB="0" anchor="ctr"/>
+                </a:tc>
+                <a:tc>
+                  <a:txBody>
+                    <a:bodyPr/>
+                    <a:lstStyle/>
+                    <a:p>
+                      <a:pPr algn="r" fontAlgn="ctr"/>
+                      <a:r>
+                        <a:rPr lang="en-US" altLang="zh-CN" sz="1100" u="none" strike="noStrike">
+                          <a:effectLst/>
+                        </a:rPr>
+                        <a:t>0.569434943</a:t>
+                      </a:r>
+                      <a:endParaRPr lang="en-US" altLang="zh-CN" sz="1100" b="0" i="0" u="none" strike="noStrike">
+                        <a:solidFill>
+                          <a:srgbClr val="000000"/>
+                        </a:solidFill>
+                        <a:effectLst/>
+                        <a:latin typeface="等线" panose="02010600030101010101" pitchFamily="2" charset="-122"/>
+                        <a:ea typeface="等线" panose="02010600030101010101" pitchFamily="2" charset="-122"/>
+                      </a:endParaRPr>
+                    </a:p>
+                  </a:txBody>
+                  <a:tcPr marL="9525" marR="9525" marT="9525" marB="0" anchor="ctr"/>
+                </a:tc>
+                <a:tc>
+                  <a:txBody>
+                    <a:bodyPr/>
+                    <a:lstStyle/>
+                    <a:p>
+                      <a:pPr algn="r" fontAlgn="ctr"/>
+                      <a:r>
+                        <a:rPr lang="en-US" altLang="zh-CN" sz="1100" u="none" strike="noStrike" dirty="0">
+                          <a:effectLst/>
+                        </a:rPr>
+                        <a:t>0.295962135</a:t>
+                      </a:r>
+                      <a:endParaRPr lang="en-US" altLang="zh-CN" sz="1100" b="0" i="0" u="none" strike="noStrike" dirty="0">
+                        <a:solidFill>
+                          <a:srgbClr val="000000"/>
+                        </a:solidFill>
+                        <a:effectLst/>
+                        <a:latin typeface="等线" panose="02010600030101010101" pitchFamily="2" charset="-122"/>
+                        <a:ea typeface="等线" panose="02010600030101010101" pitchFamily="2" charset="-122"/>
+                      </a:endParaRPr>
+                    </a:p>
+                  </a:txBody>
+                  <a:tcPr marL="9525" marR="9525" marT="9525" marB="0" anchor="ctr"/>
+                </a:tc>
+                <a:tc>
+                  <a:txBody>
+                    <a:bodyPr/>
+                    <a:lstStyle/>
+                    <a:p>
+                      <a:pPr algn="r" fontAlgn="ctr"/>
+                      <a:r>
+                        <a:rPr lang="en-US" altLang="zh-CN" sz="1100" u="none" strike="noStrike">
+                          <a:effectLst/>
+                        </a:rPr>
+                        <a:t>0.38338</a:t>
+                      </a:r>
+                      <a:endParaRPr lang="en-US" altLang="zh-CN" sz="1100" b="0" i="0" u="none" strike="noStrike">
+                        <a:solidFill>
+                          <a:srgbClr val="000000"/>
+                        </a:solidFill>
+                        <a:effectLst/>
+                        <a:latin typeface="等线" panose="02010600030101010101" pitchFamily="2" charset="-122"/>
+                        <a:ea typeface="等线" panose="02010600030101010101" pitchFamily="2" charset="-122"/>
+                      </a:endParaRPr>
+                    </a:p>
+                  </a:txBody>
+                  <a:tcPr marL="9525" marR="9525" marT="9525" marB="0" anchor="ctr"/>
+                </a:tc>
+                <a:extLst>
+                  <a:ext uri="{0D108BD9-81ED-4DB2-BD59-A6C34878D82A}">
+                    <a16:rowId xmlns:a16="http://schemas.microsoft.com/office/drawing/2014/main" val="192391914"/>
+                  </a:ext>
+                </a:extLst>
+              </a:tr>
+              <a:tr h="305659">
+                <a:tc>
+                  <a:txBody>
+                    <a:bodyPr/>
+                    <a:lstStyle/>
+                    <a:p>
+                      <a:pPr algn="r" fontAlgn="ctr"/>
+                      <a:r>
+                        <a:rPr lang="en-US" altLang="zh-CN" sz="1100" u="none" strike="noStrike">
+                          <a:effectLst/>
+                        </a:rPr>
+                        <a:t>56</a:t>
+                      </a:r>
+                      <a:endParaRPr lang="en-US" altLang="zh-CN" sz="1100" b="0" i="0" u="none" strike="noStrike">
+                        <a:solidFill>
+                          <a:srgbClr val="000000"/>
+                        </a:solidFill>
+                        <a:effectLst/>
+                        <a:latin typeface="等线" panose="02010600030101010101" pitchFamily="2" charset="-122"/>
+                        <a:ea typeface="等线" panose="02010600030101010101" pitchFamily="2" charset="-122"/>
+                      </a:endParaRPr>
+                    </a:p>
+                  </a:txBody>
+                  <a:tcPr marL="9525" marR="9525" marT="9525" marB="0" anchor="ctr"/>
+                </a:tc>
+                <a:tc>
+                  <a:txBody>
+                    <a:bodyPr/>
+                    <a:lstStyle/>
+                    <a:p>
+                      <a:pPr algn="r" fontAlgn="ctr"/>
+                      <a:r>
+                        <a:rPr lang="en-US" altLang="zh-CN" sz="1100" u="none" strike="noStrike">
+                          <a:effectLst/>
+                        </a:rPr>
+                        <a:t>0.566517857</a:t>
+                      </a:r>
+                      <a:endParaRPr lang="en-US" altLang="zh-CN" sz="1100" b="0" i="0" u="none" strike="noStrike">
+                        <a:solidFill>
+                          <a:srgbClr val="000000"/>
+                        </a:solidFill>
+                        <a:effectLst/>
+                        <a:latin typeface="等线" panose="02010600030101010101" pitchFamily="2" charset="-122"/>
+                        <a:ea typeface="等线" panose="02010600030101010101" pitchFamily="2" charset="-122"/>
+                      </a:endParaRPr>
+                    </a:p>
+                  </a:txBody>
+                  <a:tcPr marL="9525" marR="9525" marT="9525" marB="0" anchor="ctr"/>
+                </a:tc>
+                <a:tc>
+                  <a:txBody>
+                    <a:bodyPr/>
+                    <a:lstStyle/>
+                    <a:p>
+                      <a:pPr algn="r" fontAlgn="ctr"/>
+                      <a:r>
+                        <a:rPr lang="en-US" altLang="zh-CN" sz="1100" u="none" strike="noStrike" dirty="0">
+                          <a:effectLst/>
+                        </a:rPr>
+                        <a:t>2.782303302</a:t>
+                      </a:r>
+                      <a:endParaRPr lang="en-US" altLang="zh-CN" sz="1100" b="0" i="0" u="none" strike="noStrike" dirty="0">
+                        <a:solidFill>
+                          <a:srgbClr val="000000"/>
+                        </a:solidFill>
+                        <a:effectLst/>
+                        <a:latin typeface="等线" panose="02010600030101010101" pitchFamily="2" charset="-122"/>
+                        <a:ea typeface="等线" panose="02010600030101010101" pitchFamily="2" charset="-122"/>
+                      </a:endParaRPr>
+                    </a:p>
+                  </a:txBody>
+                  <a:tcPr marL="9525" marR="9525" marT="9525" marB="0" anchor="ctr"/>
+                </a:tc>
+                <a:tc>
+                  <a:txBody>
+                    <a:bodyPr/>
+                    <a:lstStyle/>
+                    <a:p>
+                      <a:pPr algn="r" fontAlgn="ctr"/>
+                      <a:r>
+                        <a:rPr lang="en-US" altLang="zh-CN" sz="1100" u="none" strike="noStrike">
+                          <a:effectLst/>
+                        </a:rPr>
+                        <a:t>5.254754</a:t>
+                      </a:r>
+                      <a:endParaRPr lang="en-US" altLang="zh-CN" sz="1100" b="0" i="0" u="none" strike="noStrike">
+                        <a:solidFill>
+                          <a:srgbClr val="000000"/>
+                        </a:solidFill>
+                        <a:effectLst/>
+                        <a:latin typeface="等线" panose="02010600030101010101" pitchFamily="2" charset="-122"/>
+                        <a:ea typeface="等线" panose="02010600030101010101" pitchFamily="2" charset="-122"/>
+                      </a:endParaRPr>
+                    </a:p>
+                  </a:txBody>
+                  <a:tcPr marL="9525" marR="9525" marT="9525" marB="0" anchor="ctr"/>
+                </a:tc>
+                <a:extLst>
+                  <a:ext uri="{0D108BD9-81ED-4DB2-BD59-A6C34878D82A}">
+                    <a16:rowId xmlns:a16="http://schemas.microsoft.com/office/drawing/2014/main" val="2016386922"/>
+                  </a:ext>
+                </a:extLst>
+              </a:tr>
+              <a:tr h="305659">
+                <a:tc>
+                  <a:txBody>
+                    <a:bodyPr/>
+                    <a:lstStyle/>
+                    <a:p>
+                      <a:pPr algn="r" fontAlgn="ctr"/>
+                      <a:r>
+                        <a:rPr lang="en-US" altLang="zh-CN" sz="1100" u="none" strike="noStrike">
+                          <a:effectLst/>
+                        </a:rPr>
+                        <a:t>55</a:t>
+                      </a:r>
+                      <a:endParaRPr lang="en-US" altLang="zh-CN" sz="1100" b="0" i="0" u="none" strike="noStrike">
+                        <a:solidFill>
+                          <a:srgbClr val="000000"/>
+                        </a:solidFill>
+                        <a:effectLst/>
+                        <a:latin typeface="等线" panose="02010600030101010101" pitchFamily="2" charset="-122"/>
+                        <a:ea typeface="等线" panose="02010600030101010101" pitchFamily="2" charset="-122"/>
+                      </a:endParaRPr>
+                    </a:p>
+                  </a:txBody>
+                  <a:tcPr marL="9525" marR="9525" marT="9525" marB="0" anchor="ctr"/>
+                </a:tc>
+                <a:tc>
+                  <a:txBody>
+                    <a:bodyPr/>
+                    <a:lstStyle/>
+                    <a:p>
+                      <a:pPr algn="r" fontAlgn="ctr"/>
+                      <a:r>
+                        <a:rPr lang="en-US" altLang="zh-CN" sz="1100" u="none" strike="noStrike">
+                          <a:effectLst/>
+                        </a:rPr>
+                        <a:t>0.565095573</a:t>
+                      </a:r>
+                      <a:endParaRPr lang="en-US" altLang="zh-CN" sz="1100" b="0" i="0" u="none" strike="noStrike">
+                        <a:solidFill>
+                          <a:srgbClr val="000000"/>
+                        </a:solidFill>
+                        <a:effectLst/>
+                        <a:latin typeface="等线" panose="02010600030101010101" pitchFamily="2" charset="-122"/>
+                        <a:ea typeface="等线" panose="02010600030101010101" pitchFamily="2" charset="-122"/>
+                      </a:endParaRPr>
+                    </a:p>
+                  </a:txBody>
+                  <a:tcPr marL="9525" marR="9525" marT="9525" marB="0" anchor="ctr"/>
+                </a:tc>
+                <a:tc>
+                  <a:txBody>
+                    <a:bodyPr/>
+                    <a:lstStyle/>
+                    <a:p>
+                      <a:pPr algn="r" fontAlgn="ctr"/>
+                      <a:r>
+                        <a:rPr lang="en-US" altLang="zh-CN" sz="1100" u="none" strike="noStrike" dirty="0">
+                          <a:effectLst/>
+                        </a:rPr>
+                        <a:t>3.301107805</a:t>
+                      </a:r>
+                      <a:endParaRPr lang="en-US" altLang="zh-CN" sz="1100" b="0" i="0" u="none" strike="noStrike" dirty="0">
+                        <a:solidFill>
+                          <a:srgbClr val="000000"/>
+                        </a:solidFill>
+                        <a:effectLst/>
+                        <a:latin typeface="等线" panose="02010600030101010101" pitchFamily="2" charset="-122"/>
+                        <a:ea typeface="等线" panose="02010600030101010101" pitchFamily="2" charset="-122"/>
+                      </a:endParaRPr>
+                    </a:p>
+                  </a:txBody>
+                  <a:tcPr marL="9525" marR="9525" marT="9525" marB="0" anchor="ctr"/>
+                </a:tc>
+                <a:tc>
+                  <a:txBody>
+                    <a:bodyPr/>
+                    <a:lstStyle/>
+                    <a:p>
+                      <a:pPr algn="r" fontAlgn="ctr"/>
+                      <a:r>
+                        <a:rPr lang="en-US" altLang="zh-CN" sz="1100" u="none" strike="noStrike">
+                          <a:effectLst/>
+                        </a:rPr>
+                        <a:t>5.491214</a:t>
+                      </a:r>
+                      <a:endParaRPr lang="en-US" altLang="zh-CN" sz="1100" b="0" i="0" u="none" strike="noStrike">
+                        <a:solidFill>
+                          <a:srgbClr val="000000"/>
+                        </a:solidFill>
+                        <a:effectLst/>
+                        <a:latin typeface="等线" panose="02010600030101010101" pitchFamily="2" charset="-122"/>
+                        <a:ea typeface="等线" panose="02010600030101010101" pitchFamily="2" charset="-122"/>
+                      </a:endParaRPr>
+                    </a:p>
+                  </a:txBody>
+                  <a:tcPr marL="9525" marR="9525" marT="9525" marB="0" anchor="ctr"/>
+                </a:tc>
+                <a:extLst>
+                  <a:ext uri="{0D108BD9-81ED-4DB2-BD59-A6C34878D82A}">
+                    <a16:rowId xmlns:a16="http://schemas.microsoft.com/office/drawing/2014/main" val="3013130845"/>
+                  </a:ext>
+                </a:extLst>
+              </a:tr>
+              <a:tr h="305659">
+                <a:tc>
+                  <a:txBody>
+                    <a:bodyPr/>
+                    <a:lstStyle/>
+                    <a:p>
+                      <a:pPr algn="r" fontAlgn="ctr"/>
+                      <a:r>
+                        <a:rPr lang="en-US" altLang="zh-CN" sz="1100" u="none" strike="noStrike">
+                          <a:effectLst/>
+                        </a:rPr>
+                        <a:t>15</a:t>
+                      </a:r>
+                      <a:endParaRPr lang="en-US" altLang="zh-CN" sz="1100" b="0" i="0" u="none" strike="noStrike">
+                        <a:solidFill>
+                          <a:srgbClr val="000000"/>
+                        </a:solidFill>
+                        <a:effectLst/>
+                        <a:latin typeface="等线" panose="02010600030101010101" pitchFamily="2" charset="-122"/>
+                        <a:ea typeface="等线" panose="02010600030101010101" pitchFamily="2" charset="-122"/>
+                      </a:endParaRPr>
+                    </a:p>
+                  </a:txBody>
+                  <a:tcPr marL="9525" marR="9525" marT="9525" marB="0" anchor="ctr"/>
+                </a:tc>
+                <a:tc>
+                  <a:txBody>
+                    <a:bodyPr/>
+                    <a:lstStyle/>
+                    <a:p>
+                      <a:pPr algn="r" fontAlgn="ctr"/>
+                      <a:r>
+                        <a:rPr lang="en-US" altLang="zh-CN" sz="1100" u="none" strike="noStrike">
+                          <a:effectLst/>
+                        </a:rPr>
+                        <a:t>0.51284976</a:t>
+                      </a:r>
+                      <a:endParaRPr lang="en-US" altLang="zh-CN" sz="1100" b="0" i="0" u="none" strike="noStrike">
+                        <a:solidFill>
+                          <a:srgbClr val="000000"/>
+                        </a:solidFill>
+                        <a:effectLst/>
+                        <a:latin typeface="等线" panose="02010600030101010101" pitchFamily="2" charset="-122"/>
+                        <a:ea typeface="等线" panose="02010600030101010101" pitchFamily="2" charset="-122"/>
+                      </a:endParaRPr>
+                    </a:p>
+                  </a:txBody>
+                  <a:tcPr marL="9525" marR="9525" marT="9525" marB="0" anchor="ctr"/>
+                </a:tc>
+                <a:tc>
+                  <a:txBody>
+                    <a:bodyPr/>
+                    <a:lstStyle/>
+                    <a:p>
+                      <a:pPr algn="r" fontAlgn="ctr"/>
+                      <a:r>
+                        <a:rPr lang="en-US" altLang="zh-CN" sz="1100" u="none" strike="noStrike" dirty="0">
+                          <a:effectLst/>
+                        </a:rPr>
+                        <a:t>0.325011571</a:t>
+                      </a:r>
+                      <a:endParaRPr lang="en-US" altLang="zh-CN" sz="1100" b="0" i="0" u="none" strike="noStrike" dirty="0">
+                        <a:solidFill>
+                          <a:srgbClr val="000000"/>
+                        </a:solidFill>
+                        <a:effectLst/>
+                        <a:latin typeface="等线" panose="02010600030101010101" pitchFamily="2" charset="-122"/>
+                        <a:ea typeface="等线" panose="02010600030101010101" pitchFamily="2" charset="-122"/>
+                      </a:endParaRPr>
+                    </a:p>
+                  </a:txBody>
+                  <a:tcPr marL="9525" marR="9525" marT="9525" marB="0" anchor="ctr"/>
+                </a:tc>
+                <a:tc>
+                  <a:txBody>
+                    <a:bodyPr/>
+                    <a:lstStyle/>
+                    <a:p>
+                      <a:pPr algn="r" fontAlgn="ctr"/>
+                      <a:r>
+                        <a:rPr lang="en-US" altLang="zh-CN" sz="1100" u="none" strike="noStrike">
+                          <a:effectLst/>
+                        </a:rPr>
+                        <a:t>0.937775</a:t>
+                      </a:r>
+                      <a:endParaRPr lang="en-US" altLang="zh-CN" sz="1100" b="0" i="0" u="none" strike="noStrike">
+                        <a:solidFill>
+                          <a:srgbClr val="000000"/>
+                        </a:solidFill>
+                        <a:effectLst/>
+                        <a:latin typeface="等线" panose="02010600030101010101" pitchFamily="2" charset="-122"/>
+                        <a:ea typeface="等线" panose="02010600030101010101" pitchFamily="2" charset="-122"/>
+                      </a:endParaRPr>
+                    </a:p>
+                  </a:txBody>
+                  <a:tcPr marL="9525" marR="9525" marT="9525" marB="0" anchor="ctr"/>
+                </a:tc>
+                <a:extLst>
+                  <a:ext uri="{0D108BD9-81ED-4DB2-BD59-A6C34878D82A}">
+                    <a16:rowId xmlns:a16="http://schemas.microsoft.com/office/drawing/2014/main" val="2218948112"/>
+                  </a:ext>
+                </a:extLst>
+              </a:tr>
+              <a:tr h="305659">
+                <a:tc>
+                  <a:txBody>
+                    <a:bodyPr/>
+                    <a:lstStyle/>
+                    <a:p>
+                      <a:pPr algn="r" fontAlgn="ctr"/>
+                      <a:r>
+                        <a:rPr lang="en-US" altLang="zh-CN" sz="1100" u="none" strike="noStrike">
+                          <a:effectLst/>
+                        </a:rPr>
+                        <a:t>46</a:t>
+                      </a:r>
+                      <a:endParaRPr lang="en-US" altLang="zh-CN" sz="1100" b="0" i="0" u="none" strike="noStrike">
+                        <a:solidFill>
+                          <a:srgbClr val="000000"/>
+                        </a:solidFill>
+                        <a:effectLst/>
+                        <a:latin typeface="等线" panose="02010600030101010101" pitchFamily="2" charset="-122"/>
+                        <a:ea typeface="等线" panose="02010600030101010101" pitchFamily="2" charset="-122"/>
+                      </a:endParaRPr>
+                    </a:p>
+                  </a:txBody>
+                  <a:tcPr marL="9525" marR="9525" marT="9525" marB="0" anchor="ctr"/>
+                </a:tc>
+                <a:tc>
+                  <a:txBody>
+                    <a:bodyPr/>
+                    <a:lstStyle/>
+                    <a:p>
+                      <a:pPr algn="r" fontAlgn="ctr"/>
+                      <a:r>
+                        <a:rPr lang="en-US" altLang="zh-CN" sz="1100" u="none" strike="noStrike">
+                          <a:effectLst/>
+                        </a:rPr>
+                        <a:t>0.488450989</a:t>
+                      </a:r>
+                      <a:endParaRPr lang="en-US" altLang="zh-CN" sz="1100" b="0" i="0" u="none" strike="noStrike">
+                        <a:solidFill>
+                          <a:srgbClr val="000000"/>
+                        </a:solidFill>
+                        <a:effectLst/>
+                        <a:latin typeface="等线" panose="02010600030101010101" pitchFamily="2" charset="-122"/>
+                        <a:ea typeface="等线" panose="02010600030101010101" pitchFamily="2" charset="-122"/>
+                      </a:endParaRPr>
+                    </a:p>
+                  </a:txBody>
+                  <a:tcPr marL="9525" marR="9525" marT="9525" marB="0" anchor="ctr"/>
+                </a:tc>
+                <a:tc>
+                  <a:txBody>
+                    <a:bodyPr/>
+                    <a:lstStyle/>
+                    <a:p>
+                      <a:pPr algn="r" fontAlgn="ctr"/>
+                      <a:r>
+                        <a:rPr lang="en-US" altLang="zh-CN" sz="1100" u="none" strike="noStrike" dirty="0">
+                          <a:effectLst/>
+                        </a:rPr>
+                        <a:t>0.0588405</a:t>
+                      </a:r>
+                      <a:endParaRPr lang="en-US" altLang="zh-CN" sz="1100" b="0" i="0" u="none" strike="noStrike" dirty="0">
+                        <a:solidFill>
+                          <a:srgbClr val="000000"/>
+                        </a:solidFill>
+                        <a:effectLst/>
+                        <a:latin typeface="等线" panose="02010600030101010101" pitchFamily="2" charset="-122"/>
+                        <a:ea typeface="等线" panose="02010600030101010101" pitchFamily="2" charset="-122"/>
+                      </a:endParaRPr>
+                    </a:p>
+                  </a:txBody>
+                  <a:tcPr marL="9525" marR="9525" marT="9525" marB="0" anchor="ctr"/>
+                </a:tc>
+                <a:tc>
+                  <a:txBody>
+                    <a:bodyPr/>
+                    <a:lstStyle/>
+                    <a:p>
+                      <a:pPr algn="r" fontAlgn="ctr"/>
+                      <a:r>
+                        <a:rPr lang="en-US" altLang="zh-CN" sz="1100" u="none" strike="noStrike" dirty="0">
+                          <a:effectLst/>
+                        </a:rPr>
+                        <a:t>0.211837</a:t>
+                      </a:r>
+                      <a:endParaRPr lang="en-US" altLang="zh-CN" sz="1100" b="0" i="0" u="none" strike="noStrike" dirty="0">
+                        <a:solidFill>
+                          <a:srgbClr val="000000"/>
+                        </a:solidFill>
+                        <a:effectLst/>
+                        <a:latin typeface="等线" panose="02010600030101010101" pitchFamily="2" charset="-122"/>
+                        <a:ea typeface="等线" panose="02010600030101010101" pitchFamily="2" charset="-122"/>
+                      </a:endParaRPr>
+                    </a:p>
+                  </a:txBody>
+                  <a:tcPr marL="9525" marR="9525" marT="9525" marB="0" anchor="ctr"/>
+                </a:tc>
+                <a:extLst>
+                  <a:ext uri="{0D108BD9-81ED-4DB2-BD59-A6C34878D82A}">
+                    <a16:rowId xmlns:a16="http://schemas.microsoft.com/office/drawing/2014/main" val="3687538214"/>
+                  </a:ext>
+                </a:extLst>
+              </a:tr>
+              <a:tr h="305659">
+                <a:tc>
+                  <a:txBody>
+                    <a:bodyPr/>
+                    <a:lstStyle/>
+                    <a:p>
+                      <a:pPr algn="r" fontAlgn="ctr"/>
+                      <a:r>
+                        <a:rPr lang="en-US" altLang="zh-CN" sz="1100" u="none" strike="noStrike">
+                          <a:effectLst/>
+                        </a:rPr>
+                        <a:t>2</a:t>
+                      </a:r>
+                      <a:endParaRPr lang="en-US" altLang="zh-CN" sz="1100" b="0" i="0" u="none" strike="noStrike">
+                        <a:solidFill>
+                          <a:srgbClr val="000000"/>
+                        </a:solidFill>
+                        <a:effectLst/>
+                        <a:latin typeface="等线" panose="02010600030101010101" pitchFamily="2" charset="-122"/>
+                        <a:ea typeface="等线" panose="02010600030101010101" pitchFamily="2" charset="-122"/>
+                      </a:endParaRPr>
+                    </a:p>
+                  </a:txBody>
+                  <a:tcPr marL="9525" marR="9525" marT="9525" marB="0" anchor="ctr"/>
+                </a:tc>
+                <a:tc>
+                  <a:txBody>
+                    <a:bodyPr/>
+                    <a:lstStyle/>
+                    <a:p>
+                      <a:pPr algn="r" fontAlgn="ctr"/>
+                      <a:r>
+                        <a:rPr lang="en-US" altLang="zh-CN" sz="1100" u="none" strike="noStrike">
+                          <a:effectLst/>
+                        </a:rPr>
+                        <a:t>0.409534789</a:t>
+                      </a:r>
+                      <a:endParaRPr lang="en-US" altLang="zh-CN" sz="1100" b="0" i="0" u="none" strike="noStrike">
+                        <a:solidFill>
+                          <a:srgbClr val="000000"/>
+                        </a:solidFill>
+                        <a:effectLst/>
+                        <a:latin typeface="等线" panose="02010600030101010101" pitchFamily="2" charset="-122"/>
+                        <a:ea typeface="等线" panose="02010600030101010101" pitchFamily="2" charset="-122"/>
+                      </a:endParaRPr>
+                    </a:p>
+                  </a:txBody>
+                  <a:tcPr marL="9525" marR="9525" marT="9525" marB="0" anchor="ctr"/>
+                </a:tc>
+                <a:tc>
+                  <a:txBody>
+                    <a:bodyPr/>
+                    <a:lstStyle/>
+                    <a:p>
+                      <a:pPr algn="r" fontAlgn="ctr"/>
+                      <a:r>
+                        <a:rPr lang="en-US" altLang="zh-CN" sz="1100" u="none" strike="noStrike">
+                          <a:effectLst/>
+                        </a:rPr>
+                        <a:t>0.072085727</a:t>
+                      </a:r>
+                      <a:endParaRPr lang="en-US" altLang="zh-CN" sz="1100" b="0" i="0" u="none" strike="noStrike">
+                        <a:solidFill>
+                          <a:srgbClr val="000000"/>
+                        </a:solidFill>
+                        <a:effectLst/>
+                        <a:latin typeface="等线" panose="02010600030101010101" pitchFamily="2" charset="-122"/>
+                        <a:ea typeface="等线" panose="02010600030101010101" pitchFamily="2" charset="-122"/>
+                      </a:endParaRPr>
+                    </a:p>
+                  </a:txBody>
+                  <a:tcPr marL="9525" marR="9525" marT="9525" marB="0" anchor="ctr"/>
+                </a:tc>
+                <a:tc>
+                  <a:txBody>
+                    <a:bodyPr/>
+                    <a:lstStyle/>
+                    <a:p>
+                      <a:pPr algn="r" fontAlgn="ctr"/>
+                      <a:r>
+                        <a:rPr lang="en-US" altLang="zh-CN" sz="1100" u="none" strike="noStrike" dirty="0">
+                          <a:effectLst/>
+                        </a:rPr>
+                        <a:t>0.132422</a:t>
+                      </a:r>
+                      <a:endParaRPr lang="en-US" altLang="zh-CN" sz="1100" b="0" i="0" u="none" strike="noStrike" dirty="0">
+                        <a:solidFill>
+                          <a:srgbClr val="000000"/>
+                        </a:solidFill>
+                        <a:effectLst/>
+                        <a:latin typeface="等线" panose="02010600030101010101" pitchFamily="2" charset="-122"/>
+                        <a:ea typeface="等线" panose="02010600030101010101" pitchFamily="2" charset="-122"/>
+                      </a:endParaRPr>
+                    </a:p>
+                  </a:txBody>
+                  <a:tcPr marL="9525" marR="9525" marT="9525" marB="0" anchor="ctr"/>
+                </a:tc>
+                <a:extLst>
+                  <a:ext uri="{0D108BD9-81ED-4DB2-BD59-A6C34878D82A}">
+                    <a16:rowId xmlns:a16="http://schemas.microsoft.com/office/drawing/2014/main" val="1582863938"/>
+                  </a:ext>
+                </a:extLst>
+              </a:tr>
+              <a:tr h="305659">
+                <a:tc>
+                  <a:txBody>
+                    <a:bodyPr/>
+                    <a:lstStyle/>
+                    <a:p>
+                      <a:pPr algn="r" fontAlgn="ctr"/>
+                      <a:r>
+                        <a:rPr lang="en-US" altLang="zh-CN" sz="1100" u="none" strike="noStrike">
+                          <a:effectLst/>
+                        </a:rPr>
+                        <a:t>40</a:t>
+                      </a:r>
+                      <a:endParaRPr lang="en-US" altLang="zh-CN" sz="1100" b="0" i="0" u="none" strike="noStrike">
+                        <a:solidFill>
+                          <a:srgbClr val="000000"/>
+                        </a:solidFill>
+                        <a:effectLst/>
+                        <a:latin typeface="等线" panose="02010600030101010101" pitchFamily="2" charset="-122"/>
+                        <a:ea typeface="等线" panose="02010600030101010101" pitchFamily="2" charset="-122"/>
+                      </a:endParaRPr>
+                    </a:p>
+                  </a:txBody>
+                  <a:tcPr marL="9525" marR="9525" marT="9525" marB="0" anchor="ctr"/>
+                </a:tc>
+                <a:tc>
+                  <a:txBody>
+                    <a:bodyPr/>
+                    <a:lstStyle/>
+                    <a:p>
+                      <a:pPr algn="r" fontAlgn="ctr"/>
+                      <a:r>
+                        <a:rPr lang="en-US" altLang="zh-CN" sz="1100" u="none" strike="noStrike">
+                          <a:effectLst/>
+                        </a:rPr>
+                        <a:t>0.375522125</a:t>
+                      </a:r>
+                      <a:endParaRPr lang="en-US" altLang="zh-CN" sz="1100" b="0" i="0" u="none" strike="noStrike">
+                        <a:solidFill>
+                          <a:srgbClr val="000000"/>
+                        </a:solidFill>
+                        <a:effectLst/>
+                        <a:latin typeface="等线" panose="02010600030101010101" pitchFamily="2" charset="-122"/>
+                        <a:ea typeface="等线" panose="02010600030101010101" pitchFamily="2" charset="-122"/>
+                      </a:endParaRPr>
+                    </a:p>
+                  </a:txBody>
+                  <a:tcPr marL="9525" marR="9525" marT="9525" marB="0" anchor="ctr"/>
+                </a:tc>
+                <a:tc>
+                  <a:txBody>
+                    <a:bodyPr/>
+                    <a:lstStyle/>
+                    <a:p>
+                      <a:pPr algn="r" fontAlgn="ctr"/>
+                      <a:r>
+                        <a:rPr lang="en-US" altLang="zh-CN" sz="1100" u="none" strike="noStrike">
+                          <a:effectLst/>
+                        </a:rPr>
+                        <a:t>5.976538897</a:t>
+                      </a:r>
+                      <a:endParaRPr lang="en-US" altLang="zh-CN" sz="1100" b="0" i="0" u="none" strike="noStrike">
+                        <a:solidFill>
+                          <a:srgbClr val="000000"/>
+                        </a:solidFill>
+                        <a:effectLst/>
+                        <a:latin typeface="等线" panose="02010600030101010101" pitchFamily="2" charset="-122"/>
+                        <a:ea typeface="等线" panose="02010600030101010101" pitchFamily="2" charset="-122"/>
+                      </a:endParaRPr>
+                    </a:p>
+                  </a:txBody>
+                  <a:tcPr marL="9525" marR="9525" marT="9525" marB="0" anchor="ctr"/>
+                </a:tc>
+                <a:tc>
+                  <a:txBody>
+                    <a:bodyPr/>
+                    <a:lstStyle/>
+                    <a:p>
+                      <a:pPr algn="r" fontAlgn="ctr"/>
+                      <a:r>
+                        <a:rPr lang="en-US" altLang="zh-CN" sz="1100" u="none" strike="noStrike" dirty="0">
+                          <a:effectLst/>
+                        </a:rPr>
+                        <a:t>3.606798</a:t>
+                      </a:r>
+                      <a:endParaRPr lang="en-US" altLang="zh-CN" sz="1100" b="0" i="0" u="none" strike="noStrike" dirty="0">
+                        <a:solidFill>
+                          <a:srgbClr val="000000"/>
+                        </a:solidFill>
+                        <a:effectLst/>
+                        <a:latin typeface="等线" panose="02010600030101010101" pitchFamily="2" charset="-122"/>
+                        <a:ea typeface="等线" panose="02010600030101010101" pitchFamily="2" charset="-122"/>
+                      </a:endParaRPr>
+                    </a:p>
+                  </a:txBody>
+                  <a:tcPr marL="9525" marR="9525" marT="9525" marB="0" anchor="ctr"/>
+                </a:tc>
+                <a:extLst>
+                  <a:ext uri="{0D108BD9-81ED-4DB2-BD59-A6C34878D82A}">
+                    <a16:rowId xmlns:a16="http://schemas.microsoft.com/office/drawing/2014/main" val="551886024"/>
+                  </a:ext>
+                </a:extLst>
+              </a:tr>
+            </a:tbl>
+          </a:graphicData>
+        </a:graphic>
+      </p:graphicFrame>
+    </p:spTree>
+    <p:extLst>
+      <p:ext uri="{BB962C8B-B14F-4D97-AF65-F5344CB8AC3E}">
+        <p14:creationId xmlns:p14="http://schemas.microsoft.com/office/powerpoint/2010/main" val="227342391"/>
+      </p:ext>
+    </p:extLst>
+  </p:cSld>
+  <p:clrMapOvr>
+    <a:masterClrMapping/>
+  </p:clrMapOvr>
+</p:sld>
+</file>
+
+<file path=ppt/slides/slide12.xml><?xml version="1.0" encoding="utf-8"?>
+<p:sld xmlns:a="http://schemas.openxmlformats.org/drawingml/2006/main" xmlns:r="http://schemas.openxmlformats.org/officeDocument/2006/relationships" xmlns:p="http://schemas.openxmlformats.org/presentationml/2006/main">
+  <p:cSld>
+    <p:spTree>
+      <p:nvGrpSpPr>
+        <p:cNvPr id="1" name=""/>
+        <p:cNvGrpSpPr/>
+        <p:nvPr/>
+      </p:nvGrpSpPr>
+      <p:grpSpPr>
+        <a:xfrm>
+          <a:off x="0" y="0"/>
+          <a:ext cx="0" cy="0"/>
+          <a:chOff x="0" y="0"/>
+          <a:chExt cx="0" cy="0"/>
+        </a:xfrm>
+      </p:grpSpPr>
+      <p:sp>
+        <p:nvSpPr>
           <p:cNvPr id="3" name="Text Placeholder 2">
             <a:extLst>
               <a:ext uri="{FF2B5EF4-FFF2-40B4-BE49-F238E27FC236}">
@@ -4223,7 +7232,7 @@
               <a:pPr>
                 <a:defRPr/>
               </a:pPr>
-              <a:t>10/18/2019</a:t>
+              <a:t>10/22/2019</a:t>
             </a:fld>
             <a:endParaRPr lang="en-US" altLang="zh-CN"/>
           </a:p>
@@ -4258,7 +7267,7 @@
               <a:pPr>
                 <a:defRPr/>
               </a:pPr>
-              <a:t>10</a:t>
+              <a:t>12</a:t>
             </a:fld>
             <a:endParaRPr lang="en-US" altLang="zh-CN"/>
           </a:p>
@@ -5809,7 +8818,7 @@
 </p:sld>
 </file>
 
-<file path=ppt/slides/slide11.xml><?xml version="1.0" encoding="utf-8"?>
+<file path=ppt/slides/slide13.xml><?xml version="1.0" encoding="utf-8"?>
 <p:sld xmlns:a="http://schemas.openxmlformats.org/drawingml/2006/main" xmlns:r="http://schemas.openxmlformats.org/officeDocument/2006/relationships" xmlns:p="http://schemas.openxmlformats.org/presentationml/2006/main">
   <p:cSld>
     <p:spTree>
@@ -5859,7 +8868,7 @@
             </a:r>
             <a:r>
               <a:rPr lang="en-US" altLang="zh-CN" b="0" dirty="0"/>
-              <a:t>1. Word bag may not be the best way in feature extraction.</a:t>
+              <a:t>1. Bag-of-Words may not be the best way in feature extraction.</a:t>
             </a:r>
           </a:p>
           <a:p>
@@ -5968,7 +8977,7 @@
               <a:pPr>
                 <a:defRPr/>
               </a:pPr>
-              <a:t>10/18/2019</a:t>
+              <a:t>10/22/2019</a:t>
             </a:fld>
             <a:endParaRPr lang="en-US" altLang="zh-CN"/>
           </a:p>
@@ -6003,7 +9012,7 @@
               <a:pPr>
                 <a:defRPr/>
               </a:pPr>
-              <a:t>11</a:t>
+              <a:t>13</a:t>
             </a:fld>
             <a:endParaRPr lang="en-US" altLang="zh-CN"/>
           </a:p>
@@ -6022,7 +9031,7 @@
 </p:sld>
 </file>
 
-<file path=ppt/slides/slide12.xml><?xml version="1.0" encoding="utf-8"?>
+<file path=ppt/slides/slide14.xml><?xml version="1.0" encoding="utf-8"?>
 <p:sld xmlns:a="http://schemas.openxmlformats.org/drawingml/2006/main" xmlns:r="http://schemas.openxmlformats.org/officeDocument/2006/relationships" xmlns:p="http://schemas.openxmlformats.org/presentationml/2006/main">
   <p:cSld>
     <p:spTree>
@@ -6145,7 +9154,7 @@
               <a:pPr>
                 <a:defRPr/>
               </a:pPr>
-              <a:t>10/18/2019</a:t>
+              <a:t>10/22/2019</a:t>
             </a:fld>
             <a:endParaRPr lang="en-US" altLang="zh-CN"/>
           </a:p>
@@ -6180,7 +9189,7 @@
               <a:pPr>
                 <a:defRPr/>
               </a:pPr>
-              <a:t>12</a:t>
+              <a:t>14</a:t>
             </a:fld>
             <a:endParaRPr lang="en-US" altLang="zh-CN"/>
           </a:p>
@@ -6271,7 +9280,7 @@
 </p:sld>
 </file>
 
-<file path=ppt/slides/slide13.xml><?xml version="1.0" encoding="utf-8"?>
+<file path=ppt/slides/slide15.xml><?xml version="1.0" encoding="utf-8"?>
 <p:sld xmlns:a="http://schemas.openxmlformats.org/drawingml/2006/main" xmlns:r="http://schemas.openxmlformats.org/officeDocument/2006/relationships" xmlns:p="http://schemas.openxmlformats.org/presentationml/2006/main">
   <p:cSld>
     <p:spTree>
@@ -6394,7 +9403,7 @@
               <a:pPr>
                 <a:defRPr/>
               </a:pPr>
-              <a:t>10/18/2019</a:t>
+              <a:t>10/22/2019</a:t>
             </a:fld>
             <a:endParaRPr lang="en-US" altLang="zh-CN"/>
           </a:p>
@@ -6429,7 +9438,7 @@
               <a:pPr>
                 <a:defRPr/>
               </a:pPr>
-              <a:t>13</a:t>
+              <a:t>15</a:t>
             </a:fld>
             <a:endParaRPr lang="en-US" altLang="zh-CN"/>
           </a:p>
@@ -6478,7 +9487,2353 @@
 </p:sld>
 </file>
 
-<file path=ppt/slides/slide14.xml><?xml version="1.0" encoding="utf-8"?>
+<file path=ppt/slides/slide16.xml><?xml version="1.0" encoding="utf-8"?>
+<p:sld xmlns:a="http://schemas.openxmlformats.org/drawingml/2006/main" xmlns:r="http://schemas.openxmlformats.org/officeDocument/2006/relationships" xmlns:p="http://schemas.openxmlformats.org/presentationml/2006/main">
+  <p:cSld>
+    <p:spTree>
+      <p:nvGrpSpPr>
+        <p:cNvPr id="1" name=""/>
+        <p:cNvGrpSpPr/>
+        <p:nvPr/>
+      </p:nvGrpSpPr>
+      <p:grpSpPr>
+        <a:xfrm>
+          <a:off x="0" y="0"/>
+          <a:ext cx="0" cy="0"/>
+          <a:chOff x="0" y="0"/>
+          <a:chExt cx="0" cy="0"/>
+        </a:xfrm>
+      </p:grpSpPr>
+      <p:sp>
+        <p:nvSpPr>
+          <p:cNvPr id="2" name="Text Placeholder 1">
+            <a:extLst>
+              <a:ext uri="{FF2B5EF4-FFF2-40B4-BE49-F238E27FC236}">
+                <a16:creationId xmlns:a16="http://schemas.microsoft.com/office/drawing/2014/main" id="{4287B39B-BEAA-4983-8106-BDDF2471118E}"/>
+              </a:ext>
+            </a:extLst>
+          </p:cNvPr>
+          <p:cNvSpPr>
+            <a:spLocks noGrp="1"/>
+          </p:cNvSpPr>
+          <p:nvPr>
+            <p:ph type="body" sz="quarter" idx="12"/>
+          </p:nvPr>
+        </p:nvSpPr>
+        <p:spPr>
+          <a:xfrm>
+            <a:off x="371247" y="916883"/>
+            <a:ext cx="8315553" cy="3131018"/>
+          </a:xfrm>
+        </p:spPr>
+        <p:txBody>
+          <a:bodyPr/>
+          <a:lstStyle/>
+          <a:p>
+            <a:r>
+              <a:rPr lang="en-US" altLang="zh-CN" dirty="0"/>
+              <a:t>Performance</a:t>
+            </a:r>
+            <a:endParaRPr lang="zh-CN" altLang="en-US" dirty="0"/>
+          </a:p>
+        </p:txBody>
+      </p:sp>
+      <p:sp>
+        <p:nvSpPr>
+          <p:cNvPr id="3" name="Text Placeholder 2">
+            <a:extLst>
+              <a:ext uri="{FF2B5EF4-FFF2-40B4-BE49-F238E27FC236}">
+                <a16:creationId xmlns:a16="http://schemas.microsoft.com/office/drawing/2014/main" id="{3BE6B978-D1F3-4556-8403-25A434D552F7}"/>
+              </a:ext>
+            </a:extLst>
+          </p:cNvPr>
+          <p:cNvSpPr>
+            <a:spLocks noGrp="1"/>
+          </p:cNvSpPr>
+          <p:nvPr>
+            <p:ph type="body" sz="quarter" idx="14"/>
+          </p:nvPr>
+        </p:nvSpPr>
+        <p:spPr>
+          <a:xfrm>
+            <a:off x="4733365" y="228989"/>
+            <a:ext cx="4184087" cy="265113"/>
+          </a:xfrm>
+        </p:spPr>
+        <p:txBody>
+          <a:bodyPr/>
+          <a:lstStyle/>
+          <a:p>
+            <a:r>
+              <a:rPr lang="en-US" altLang="zh-CN" dirty="0"/>
+              <a:t>Model Improvements - </a:t>
+            </a:r>
+            <a:r>
+              <a:rPr lang="en-US" altLang="zh-CN" dirty="0">
+                <a:ea typeface="ＭＳ Ｐゴシック" charset="0"/>
+                <a:cs typeface="Arial"/>
+              </a:rPr>
+              <a:t>Doc2Vec and Pooling</a:t>
+            </a:r>
+          </a:p>
+          <a:p>
+            <a:endParaRPr lang="zh-CN" altLang="en-US" dirty="0"/>
+          </a:p>
+          <a:p>
+            <a:endParaRPr lang="zh-CN" altLang="en-US" dirty="0"/>
+          </a:p>
+        </p:txBody>
+      </p:sp>
+      <p:sp>
+        <p:nvSpPr>
+          <p:cNvPr id="4" name="Date Placeholder 3">
+            <a:extLst>
+              <a:ext uri="{FF2B5EF4-FFF2-40B4-BE49-F238E27FC236}">
+                <a16:creationId xmlns:a16="http://schemas.microsoft.com/office/drawing/2014/main" id="{8F34ADFA-0F8B-4450-9753-BC165617292E}"/>
+              </a:ext>
+            </a:extLst>
+          </p:cNvPr>
+          <p:cNvSpPr>
+            <a:spLocks noGrp="1"/>
+          </p:cNvSpPr>
+          <p:nvPr>
+            <p:ph type="dt" sz="half" idx="15"/>
+          </p:nvPr>
+        </p:nvSpPr>
+        <p:spPr/>
+        <p:txBody>
+          <a:bodyPr/>
+          <a:lstStyle/>
+          <a:p>
+            <a:pPr>
+              <a:defRPr/>
+            </a:pPr>
+            <a:fld id="{BB8BC90C-0B0D-4B70-9E78-7734F7D5884F}" type="datetime1">
+              <a:rPr lang="en-US" altLang="zh-CN" smtClean="0"/>
+              <a:pPr>
+                <a:defRPr/>
+              </a:pPr>
+              <a:t>10/22/2019</a:t>
+            </a:fld>
+            <a:endParaRPr lang="en-US" altLang="zh-CN"/>
+          </a:p>
+        </p:txBody>
+      </p:sp>
+      <p:sp>
+        <p:nvSpPr>
+          <p:cNvPr id="5" name="Slide Number Placeholder 4">
+            <a:extLst>
+              <a:ext uri="{FF2B5EF4-FFF2-40B4-BE49-F238E27FC236}">
+                <a16:creationId xmlns:a16="http://schemas.microsoft.com/office/drawing/2014/main" id="{4F0C5119-0AE3-42D3-86C0-6E300D8BCBBA}"/>
+              </a:ext>
+            </a:extLst>
+          </p:cNvPr>
+          <p:cNvSpPr>
+            <a:spLocks noGrp="1"/>
+          </p:cNvSpPr>
+          <p:nvPr>
+            <p:ph type="sldNum" sz="quarter" idx="16"/>
+          </p:nvPr>
+        </p:nvSpPr>
+        <p:spPr/>
+        <p:txBody>
+          <a:bodyPr/>
+          <a:lstStyle/>
+          <a:p>
+            <a:pPr>
+              <a:defRPr/>
+            </a:pPr>
+            <a:fld id="{663A759A-91C0-40B8-8C45-F12E9D2FF7F2}" type="slidenum">
+              <a:rPr lang="en-US" altLang="zh-CN" smtClean="0"/>
+              <a:pPr>
+                <a:defRPr/>
+              </a:pPr>
+              <a:t>16</a:t>
+            </a:fld>
+            <a:endParaRPr lang="en-US" altLang="zh-CN"/>
+          </a:p>
+        </p:txBody>
+      </p:sp>
+      <p:graphicFrame>
+        <p:nvGraphicFramePr>
+          <p:cNvPr id="9" name="Table 8">
+            <a:extLst>
+              <a:ext uri="{FF2B5EF4-FFF2-40B4-BE49-F238E27FC236}">
+                <a16:creationId xmlns:a16="http://schemas.microsoft.com/office/drawing/2014/main" id="{3087A9A8-C213-4EB4-934E-00A613BF00BE}"/>
+              </a:ext>
+            </a:extLst>
+          </p:cNvPr>
+          <p:cNvGraphicFramePr>
+            <a:graphicFrameLocks noGrp="1"/>
+          </p:cNvGraphicFramePr>
+          <p:nvPr>
+            <p:extLst>
+              <p:ext uri="{D42A27DB-BD31-4B8C-83A1-F6EECF244321}">
+                <p14:modId xmlns:p14="http://schemas.microsoft.com/office/powerpoint/2010/main" val="1673465488"/>
+              </p:ext>
+            </p:extLst>
+          </p:nvPr>
+        </p:nvGraphicFramePr>
+        <p:xfrm>
+          <a:off x="371247" y="1307148"/>
+          <a:ext cx="8401505" cy="3262311"/>
+        </p:xfrm>
+        <a:graphic>
+          <a:graphicData uri="http://schemas.openxmlformats.org/drawingml/2006/table">
+            <a:tbl>
+              <a:tblPr>
+                <a:tableStyleId>{5C22544A-7EE6-4342-B048-85BDC9FD1C3A}</a:tableStyleId>
+              </a:tblPr>
+              <a:tblGrid>
+                <a:gridCol w="2817737">
+                  <a:extLst>
+                    <a:ext uri="{9D8B030D-6E8A-4147-A177-3AD203B41FA5}">
+                      <a16:colId xmlns:a16="http://schemas.microsoft.com/office/drawing/2014/main" val="4035547599"/>
+                    </a:ext>
+                  </a:extLst>
+                </a:gridCol>
+                <a:gridCol w="1395942">
+                  <a:extLst>
+                    <a:ext uri="{9D8B030D-6E8A-4147-A177-3AD203B41FA5}">
+                      <a16:colId xmlns:a16="http://schemas.microsoft.com/office/drawing/2014/main" val="516005448"/>
+                    </a:ext>
+                  </a:extLst>
+                </a:gridCol>
+                <a:gridCol w="1395942">
+                  <a:extLst>
+                    <a:ext uri="{9D8B030D-6E8A-4147-A177-3AD203B41FA5}">
+                      <a16:colId xmlns:a16="http://schemas.microsoft.com/office/drawing/2014/main" val="848949659"/>
+                    </a:ext>
+                  </a:extLst>
+                </a:gridCol>
+                <a:gridCol w="1395942">
+                  <a:extLst>
+                    <a:ext uri="{9D8B030D-6E8A-4147-A177-3AD203B41FA5}">
+                      <a16:colId xmlns:a16="http://schemas.microsoft.com/office/drawing/2014/main" val="2415604028"/>
+                    </a:ext>
+                  </a:extLst>
+                </a:gridCol>
+                <a:gridCol w="1395942">
+                  <a:extLst>
+                    <a:ext uri="{9D8B030D-6E8A-4147-A177-3AD203B41FA5}">
+                      <a16:colId xmlns:a16="http://schemas.microsoft.com/office/drawing/2014/main" val="3944039721"/>
+                    </a:ext>
+                  </a:extLst>
+                </a:gridCol>
+              </a:tblGrid>
+              <a:tr h="528531">
+                <a:tc>
+                  <a:txBody>
+                    <a:bodyPr/>
+                    <a:lstStyle/>
+                    <a:p>
+                      <a:pPr algn="l" fontAlgn="ctr"/>
+                      <a:r>
+                        <a:rPr lang="en-US" sz="1100" u="none" strike="noStrike" dirty="0">
+                          <a:effectLst/>
+                        </a:rPr>
+                        <a:t>Version</a:t>
+                      </a:r>
+                      <a:endParaRPr lang="en-US" sz="1100" b="0" i="0" u="none" strike="noStrike" dirty="0">
+                        <a:solidFill>
+                          <a:srgbClr val="000000"/>
+                        </a:solidFill>
+                        <a:effectLst/>
+                        <a:latin typeface="等线" panose="02010600030101010101" pitchFamily="2" charset="-122"/>
+                        <a:ea typeface="等线" panose="02010600030101010101" pitchFamily="2" charset="-122"/>
+                      </a:endParaRPr>
+                    </a:p>
+                  </a:txBody>
+                  <a:tcPr marL="9113" marR="9113" marT="9113" marB="0" anchor="ctr"/>
+                </a:tc>
+                <a:tc>
+                  <a:txBody>
+                    <a:bodyPr/>
+                    <a:lstStyle/>
+                    <a:p>
+                      <a:pPr algn="l" rtl="0" fontAlgn="ctr"/>
+                      <a:r>
+                        <a:rPr lang="en-US" sz="1100" u="none" strike="noStrike">
+                          <a:effectLst/>
+                        </a:rPr>
+                        <a:t>Strategy ID</a:t>
+                      </a:r>
+                      <a:endParaRPr lang="en-US" sz="1100" b="0" i="0" u="none" strike="noStrike">
+                        <a:solidFill>
+                          <a:srgbClr val="000000"/>
+                        </a:solidFill>
+                        <a:effectLst/>
+                        <a:latin typeface="等线" panose="02010600030101010101" pitchFamily="2" charset="-122"/>
+                        <a:ea typeface="等线" panose="02010600030101010101" pitchFamily="2" charset="-122"/>
+                      </a:endParaRPr>
+                    </a:p>
+                  </a:txBody>
+                  <a:tcPr marL="9113" marR="9113" marT="9113" marB="0" anchor="ctr"/>
+                </a:tc>
+                <a:tc>
+                  <a:txBody>
+                    <a:bodyPr/>
+                    <a:lstStyle/>
+                    <a:p>
+                      <a:pPr algn="l" rtl="0" fontAlgn="ctr"/>
+                      <a:r>
+                        <a:rPr lang="en-US" sz="1100" u="none" strike="noStrike">
+                          <a:effectLst/>
+                        </a:rPr>
+                        <a:t>Information Ratio</a:t>
+                      </a:r>
+                      <a:endParaRPr lang="en-US" sz="1100" b="0" i="0" u="none" strike="noStrike">
+                        <a:solidFill>
+                          <a:srgbClr val="000000"/>
+                        </a:solidFill>
+                        <a:effectLst/>
+                        <a:latin typeface="等线" panose="02010600030101010101" pitchFamily="2" charset="-122"/>
+                        <a:ea typeface="等线" panose="02010600030101010101" pitchFamily="2" charset="-122"/>
+                      </a:endParaRPr>
+                    </a:p>
+                  </a:txBody>
+                  <a:tcPr marL="9113" marR="9113" marT="9113" marB="0" anchor="ctr"/>
+                </a:tc>
+                <a:tc>
+                  <a:txBody>
+                    <a:bodyPr/>
+                    <a:lstStyle/>
+                    <a:p>
+                      <a:pPr algn="l" rtl="0" fontAlgn="ctr"/>
+                      <a:r>
+                        <a:rPr lang="en-US" sz="1100" u="none" strike="noStrike">
+                          <a:effectLst/>
+                        </a:rPr>
+                        <a:t>Maximum Drawdown</a:t>
+                      </a:r>
+                      <a:endParaRPr lang="en-US" sz="1100" b="0" i="0" u="none" strike="noStrike">
+                        <a:solidFill>
+                          <a:srgbClr val="000000"/>
+                        </a:solidFill>
+                        <a:effectLst/>
+                        <a:latin typeface="Arial" panose="020B0604020202020204" pitchFamily="34" charset="0"/>
+                        <a:ea typeface="等线" panose="02010600030101010101" pitchFamily="2" charset="-122"/>
+                      </a:endParaRPr>
+                    </a:p>
+                  </a:txBody>
+                  <a:tcPr marL="9113" marR="9113" marT="9113" marB="0" anchor="ctr"/>
+                </a:tc>
+                <a:tc>
+                  <a:txBody>
+                    <a:bodyPr/>
+                    <a:lstStyle/>
+                    <a:p>
+                      <a:pPr algn="l" rtl="0" fontAlgn="ctr"/>
+                      <a:r>
+                        <a:rPr lang="en-US" sz="1100" u="none" strike="noStrike">
+                          <a:effectLst/>
+                        </a:rPr>
+                        <a:t>Cumulative Return</a:t>
+                      </a:r>
+                      <a:endParaRPr lang="en-US" sz="1100" b="0" i="0" u="none" strike="noStrike">
+                        <a:solidFill>
+                          <a:srgbClr val="000000"/>
+                        </a:solidFill>
+                        <a:effectLst/>
+                        <a:latin typeface="Arial" panose="020B0604020202020204" pitchFamily="34" charset="0"/>
+                        <a:ea typeface="等线" panose="02010600030101010101" pitchFamily="2" charset="-122"/>
+                      </a:endParaRPr>
+                    </a:p>
+                  </a:txBody>
+                  <a:tcPr marL="9113" marR="9113" marT="9113" marB="0" anchor="ctr"/>
+                </a:tc>
+                <a:extLst>
+                  <a:ext uri="{0D108BD9-81ED-4DB2-BD59-A6C34878D82A}">
+                    <a16:rowId xmlns:a16="http://schemas.microsoft.com/office/drawing/2014/main" val="962670474"/>
+                  </a:ext>
+                </a:extLst>
+              </a:tr>
+              <a:tr h="182252">
+                <a:tc>
+                  <a:txBody>
+                    <a:bodyPr/>
+                    <a:lstStyle/>
+                    <a:p>
+                      <a:pPr algn="l" fontAlgn="ctr"/>
+                      <a:r>
+                        <a:rPr lang="en-US" sz="1100" u="none" strike="noStrike" dirty="0">
+                          <a:solidFill>
+                            <a:schemeClr val="accent6">
+                              <a:lumMod val="75000"/>
+                            </a:schemeClr>
+                          </a:solidFill>
+                          <a:effectLst/>
+                        </a:rPr>
+                        <a:t>Original</a:t>
+                      </a:r>
+                      <a:endParaRPr lang="en-US" sz="1100" b="0" i="0" u="none" strike="noStrike" dirty="0">
+                        <a:solidFill>
+                          <a:schemeClr val="accent6">
+                            <a:lumMod val="75000"/>
+                          </a:schemeClr>
+                        </a:solidFill>
+                        <a:effectLst/>
+                        <a:latin typeface="等线" panose="02010600030101010101" pitchFamily="2" charset="-122"/>
+                        <a:ea typeface="等线" panose="02010600030101010101" pitchFamily="2" charset="-122"/>
+                      </a:endParaRPr>
+                    </a:p>
+                  </a:txBody>
+                  <a:tcPr marL="9113" marR="9113" marT="9113" marB="0" anchor="ctr"/>
+                </a:tc>
+                <a:tc>
+                  <a:txBody>
+                    <a:bodyPr/>
+                    <a:lstStyle/>
+                    <a:p>
+                      <a:pPr algn="r" rtl="0" fontAlgn="ctr"/>
+                      <a:r>
+                        <a:rPr lang="en-US" altLang="zh-CN" sz="1100" u="none" strike="noStrike">
+                          <a:effectLst/>
+                        </a:rPr>
+                        <a:t>20</a:t>
+                      </a:r>
+                      <a:endParaRPr lang="en-US" altLang="zh-CN" sz="1100" b="0" i="0" u="none" strike="noStrike">
+                        <a:solidFill>
+                          <a:srgbClr val="000000"/>
+                        </a:solidFill>
+                        <a:effectLst/>
+                        <a:latin typeface="Arial" panose="020B0604020202020204" pitchFamily="34" charset="0"/>
+                        <a:ea typeface="等线" panose="02010600030101010101" pitchFamily="2" charset="-122"/>
+                      </a:endParaRPr>
+                    </a:p>
+                  </a:txBody>
+                  <a:tcPr marL="9113" marR="9113" marT="9113" marB="0" anchor="ctr"/>
+                </a:tc>
+                <a:tc>
+                  <a:txBody>
+                    <a:bodyPr/>
+                    <a:lstStyle/>
+                    <a:p>
+                      <a:pPr algn="r" rtl="0" fontAlgn="ctr"/>
+                      <a:r>
+                        <a:rPr lang="en-US" altLang="zh-CN" sz="1100" u="none" strike="noStrike">
+                          <a:effectLst/>
+                        </a:rPr>
+                        <a:t>1.117799</a:t>
+                      </a:r>
+                      <a:endParaRPr lang="en-US" altLang="zh-CN" sz="1100" b="0" i="0" u="none" strike="noStrike">
+                        <a:solidFill>
+                          <a:srgbClr val="000000"/>
+                        </a:solidFill>
+                        <a:effectLst/>
+                        <a:latin typeface="Arial" panose="020B0604020202020204" pitchFamily="34" charset="0"/>
+                        <a:ea typeface="等线" panose="02010600030101010101" pitchFamily="2" charset="-122"/>
+                      </a:endParaRPr>
+                    </a:p>
+                  </a:txBody>
+                  <a:tcPr marL="9113" marR="9113" marT="9113" marB="0" anchor="ctr"/>
+                </a:tc>
+                <a:tc>
+                  <a:txBody>
+                    <a:bodyPr/>
+                    <a:lstStyle/>
+                    <a:p>
+                      <a:pPr algn="r" rtl="0" fontAlgn="ctr"/>
+                      <a:r>
+                        <a:rPr lang="en-US" altLang="zh-CN" sz="1100" u="none" strike="noStrike">
+                          <a:effectLst/>
+                        </a:rPr>
+                        <a:t>2.128295</a:t>
+                      </a:r>
+                      <a:endParaRPr lang="en-US" altLang="zh-CN" sz="1100" b="0" i="0" u="none" strike="noStrike">
+                        <a:solidFill>
+                          <a:srgbClr val="000000"/>
+                        </a:solidFill>
+                        <a:effectLst/>
+                        <a:latin typeface="Arial" panose="020B0604020202020204" pitchFamily="34" charset="0"/>
+                        <a:ea typeface="等线" panose="02010600030101010101" pitchFamily="2" charset="-122"/>
+                      </a:endParaRPr>
+                    </a:p>
+                  </a:txBody>
+                  <a:tcPr marL="9113" marR="9113" marT="9113" marB="0" anchor="ctr"/>
+                </a:tc>
+                <a:tc>
+                  <a:txBody>
+                    <a:bodyPr/>
+                    <a:lstStyle/>
+                    <a:p>
+                      <a:pPr algn="r" rtl="0" fontAlgn="ctr"/>
+                      <a:r>
+                        <a:rPr lang="en-US" altLang="zh-CN" sz="1100" u="none" strike="noStrike">
+                          <a:effectLst/>
+                        </a:rPr>
+                        <a:t>9.025915</a:t>
+                      </a:r>
+                      <a:endParaRPr lang="en-US" altLang="zh-CN" sz="1100" b="0" i="0" u="none" strike="noStrike">
+                        <a:solidFill>
+                          <a:srgbClr val="000000"/>
+                        </a:solidFill>
+                        <a:effectLst/>
+                        <a:latin typeface="Arial" panose="020B0604020202020204" pitchFamily="34" charset="0"/>
+                        <a:ea typeface="等线" panose="02010600030101010101" pitchFamily="2" charset="-122"/>
+                      </a:endParaRPr>
+                    </a:p>
+                  </a:txBody>
+                  <a:tcPr marL="9113" marR="9113" marT="9113" marB="0" anchor="ctr"/>
+                </a:tc>
+                <a:extLst>
+                  <a:ext uri="{0D108BD9-81ED-4DB2-BD59-A6C34878D82A}">
+                    <a16:rowId xmlns:a16="http://schemas.microsoft.com/office/drawing/2014/main" val="186656275"/>
+                  </a:ext>
+                </a:extLst>
+              </a:tr>
+              <a:tr h="182252">
+                <a:tc>
+                  <a:txBody>
+                    <a:bodyPr/>
+                    <a:lstStyle/>
+                    <a:p>
+                      <a:pPr algn="l" fontAlgn="ctr"/>
+                      <a:r>
+                        <a:rPr lang="en-US" sz="1100" u="none" strike="noStrike" dirty="0">
+                          <a:solidFill>
+                            <a:srgbClr val="FF0000"/>
+                          </a:solidFill>
+                          <a:effectLst/>
+                        </a:rPr>
+                        <a:t>Doc2Vec</a:t>
+                      </a:r>
+                      <a:endParaRPr lang="en-US" sz="1100" b="0" i="0" u="none" strike="noStrike" dirty="0">
+                        <a:solidFill>
+                          <a:srgbClr val="FF0000"/>
+                        </a:solidFill>
+                        <a:effectLst/>
+                        <a:latin typeface="等线" panose="02010600030101010101" pitchFamily="2" charset="-122"/>
+                        <a:ea typeface="等线" panose="02010600030101010101" pitchFamily="2" charset="-122"/>
+                      </a:endParaRPr>
+                    </a:p>
+                  </a:txBody>
+                  <a:tcPr marL="9113" marR="9113" marT="9113" marB="0" anchor="ctr"/>
+                </a:tc>
+                <a:tc>
+                  <a:txBody>
+                    <a:bodyPr/>
+                    <a:lstStyle/>
+                    <a:p>
+                      <a:pPr algn="r" fontAlgn="ctr"/>
+                      <a:r>
+                        <a:rPr lang="en-US" altLang="zh-CN" sz="1100" u="none" strike="noStrike">
+                          <a:effectLst/>
+                        </a:rPr>
+                        <a:t>6</a:t>
+                      </a:r>
+                      <a:endParaRPr lang="en-US" altLang="zh-CN" sz="1100" b="0" i="0" u="none" strike="noStrike">
+                        <a:solidFill>
+                          <a:srgbClr val="000000"/>
+                        </a:solidFill>
+                        <a:effectLst/>
+                        <a:latin typeface="等线" panose="02010600030101010101" pitchFamily="2" charset="-122"/>
+                        <a:ea typeface="等线" panose="02010600030101010101" pitchFamily="2" charset="-122"/>
+                      </a:endParaRPr>
+                    </a:p>
+                  </a:txBody>
+                  <a:tcPr marL="9113" marR="9113" marT="9113" marB="0" anchor="ctr"/>
+                </a:tc>
+                <a:tc>
+                  <a:txBody>
+                    <a:bodyPr/>
+                    <a:lstStyle/>
+                    <a:p>
+                      <a:pPr algn="r" fontAlgn="ctr"/>
+                      <a:r>
+                        <a:rPr lang="en-US" altLang="zh-CN" sz="1100" u="none" strike="noStrike">
+                          <a:effectLst/>
+                        </a:rPr>
+                        <a:t>1.013236</a:t>
+                      </a:r>
+                      <a:endParaRPr lang="en-US" altLang="zh-CN" sz="1100" b="0" i="0" u="none" strike="noStrike">
+                        <a:solidFill>
+                          <a:srgbClr val="000000"/>
+                        </a:solidFill>
+                        <a:effectLst/>
+                        <a:latin typeface="等线" panose="02010600030101010101" pitchFamily="2" charset="-122"/>
+                        <a:ea typeface="等线" panose="02010600030101010101" pitchFamily="2" charset="-122"/>
+                      </a:endParaRPr>
+                    </a:p>
+                  </a:txBody>
+                  <a:tcPr marL="9113" marR="9113" marT="9113" marB="0" anchor="ctr"/>
+                </a:tc>
+                <a:tc>
+                  <a:txBody>
+                    <a:bodyPr/>
+                    <a:lstStyle/>
+                    <a:p>
+                      <a:pPr algn="r" fontAlgn="ctr"/>
+                      <a:r>
+                        <a:rPr lang="en-US" altLang="zh-CN" sz="1100" u="none" strike="noStrike">
+                          <a:effectLst/>
+                        </a:rPr>
+                        <a:t>2.565984</a:t>
+                      </a:r>
+                      <a:endParaRPr lang="en-US" altLang="zh-CN" sz="1100" b="0" i="0" u="none" strike="noStrike">
+                        <a:solidFill>
+                          <a:srgbClr val="000000"/>
+                        </a:solidFill>
+                        <a:effectLst/>
+                        <a:latin typeface="等线" panose="02010600030101010101" pitchFamily="2" charset="-122"/>
+                        <a:ea typeface="等线" panose="02010600030101010101" pitchFamily="2" charset="-122"/>
+                      </a:endParaRPr>
+                    </a:p>
+                  </a:txBody>
+                  <a:tcPr marL="9113" marR="9113" marT="9113" marB="0" anchor="ctr"/>
+                </a:tc>
+                <a:tc>
+                  <a:txBody>
+                    <a:bodyPr/>
+                    <a:lstStyle/>
+                    <a:p>
+                      <a:pPr algn="r" fontAlgn="ctr"/>
+                      <a:r>
+                        <a:rPr lang="en-US" altLang="zh-CN" sz="1100" u="none" strike="noStrike">
+                          <a:effectLst/>
+                        </a:rPr>
+                        <a:t>8.594213</a:t>
+                      </a:r>
+                      <a:endParaRPr lang="en-US" altLang="zh-CN" sz="1100" b="0" i="0" u="none" strike="noStrike">
+                        <a:solidFill>
+                          <a:srgbClr val="000000"/>
+                        </a:solidFill>
+                        <a:effectLst/>
+                        <a:latin typeface="等线" panose="02010600030101010101" pitchFamily="2" charset="-122"/>
+                        <a:ea typeface="等线" panose="02010600030101010101" pitchFamily="2" charset="-122"/>
+                      </a:endParaRPr>
+                    </a:p>
+                  </a:txBody>
+                  <a:tcPr marL="9113" marR="9113" marT="9113" marB="0" anchor="ctr"/>
+                </a:tc>
+                <a:extLst>
+                  <a:ext uri="{0D108BD9-81ED-4DB2-BD59-A6C34878D82A}">
+                    <a16:rowId xmlns:a16="http://schemas.microsoft.com/office/drawing/2014/main" val="269358855"/>
+                  </a:ext>
+                </a:extLst>
+              </a:tr>
+              <a:tr h="182252">
+                <a:tc>
+                  <a:txBody>
+                    <a:bodyPr/>
+                    <a:lstStyle/>
+                    <a:p>
+                      <a:pPr algn="l" fontAlgn="ctr"/>
+                      <a:r>
+                        <a:rPr lang="en-US" sz="1100" u="none" strike="noStrike" dirty="0">
+                          <a:solidFill>
+                            <a:srgbClr val="FF0000"/>
+                          </a:solidFill>
+                          <a:effectLst/>
+                        </a:rPr>
+                        <a:t>Doc2Vec</a:t>
+                      </a:r>
+                      <a:endParaRPr lang="en-US" sz="1100" b="0" i="0" u="none" strike="noStrike" dirty="0">
+                        <a:solidFill>
+                          <a:srgbClr val="FF0000"/>
+                        </a:solidFill>
+                        <a:effectLst/>
+                        <a:latin typeface="等线" panose="02010600030101010101" pitchFamily="2" charset="-122"/>
+                        <a:ea typeface="等线" panose="02010600030101010101" pitchFamily="2" charset="-122"/>
+                      </a:endParaRPr>
+                    </a:p>
+                  </a:txBody>
+                  <a:tcPr marL="9113" marR="9113" marT="9113" marB="0" anchor="ctr"/>
+                </a:tc>
+                <a:tc>
+                  <a:txBody>
+                    <a:bodyPr/>
+                    <a:lstStyle/>
+                    <a:p>
+                      <a:pPr algn="r" fontAlgn="ctr"/>
+                      <a:r>
+                        <a:rPr lang="en-US" altLang="zh-CN" sz="1100" u="none" strike="noStrike">
+                          <a:effectLst/>
+                        </a:rPr>
+                        <a:t>33</a:t>
+                      </a:r>
+                      <a:endParaRPr lang="en-US" altLang="zh-CN" sz="1100" b="0" i="0" u="none" strike="noStrike">
+                        <a:solidFill>
+                          <a:srgbClr val="000000"/>
+                        </a:solidFill>
+                        <a:effectLst/>
+                        <a:latin typeface="等线" panose="02010600030101010101" pitchFamily="2" charset="-122"/>
+                        <a:ea typeface="等线" panose="02010600030101010101" pitchFamily="2" charset="-122"/>
+                      </a:endParaRPr>
+                    </a:p>
+                  </a:txBody>
+                  <a:tcPr marL="9113" marR="9113" marT="9113" marB="0" anchor="ctr"/>
+                </a:tc>
+                <a:tc>
+                  <a:txBody>
+                    <a:bodyPr/>
+                    <a:lstStyle/>
+                    <a:p>
+                      <a:pPr algn="r" fontAlgn="ctr"/>
+                      <a:r>
+                        <a:rPr lang="en-US" altLang="zh-CN" sz="1100" u="none" strike="noStrike">
+                          <a:effectLst/>
+                        </a:rPr>
+                        <a:t>0.872234</a:t>
+                      </a:r>
+                      <a:endParaRPr lang="en-US" altLang="zh-CN" sz="1100" b="0" i="0" u="none" strike="noStrike">
+                        <a:solidFill>
+                          <a:srgbClr val="000000"/>
+                        </a:solidFill>
+                        <a:effectLst/>
+                        <a:latin typeface="等线" panose="02010600030101010101" pitchFamily="2" charset="-122"/>
+                        <a:ea typeface="等线" panose="02010600030101010101" pitchFamily="2" charset="-122"/>
+                      </a:endParaRPr>
+                    </a:p>
+                  </a:txBody>
+                  <a:tcPr marL="9113" marR="9113" marT="9113" marB="0" anchor="ctr"/>
+                </a:tc>
+                <a:tc>
+                  <a:txBody>
+                    <a:bodyPr/>
+                    <a:lstStyle/>
+                    <a:p>
+                      <a:pPr algn="r" fontAlgn="ctr"/>
+                      <a:r>
+                        <a:rPr lang="en-US" altLang="zh-CN" sz="1100" u="none" strike="noStrike">
+                          <a:effectLst/>
+                        </a:rPr>
+                        <a:t>3.577525</a:t>
+                      </a:r>
+                      <a:endParaRPr lang="en-US" altLang="zh-CN" sz="1100" b="0" i="0" u="none" strike="noStrike">
+                        <a:solidFill>
+                          <a:srgbClr val="000000"/>
+                        </a:solidFill>
+                        <a:effectLst/>
+                        <a:latin typeface="等线" panose="02010600030101010101" pitchFamily="2" charset="-122"/>
+                        <a:ea typeface="等线" panose="02010600030101010101" pitchFamily="2" charset="-122"/>
+                      </a:endParaRPr>
+                    </a:p>
+                  </a:txBody>
+                  <a:tcPr marL="9113" marR="9113" marT="9113" marB="0" anchor="ctr"/>
+                </a:tc>
+                <a:tc>
+                  <a:txBody>
+                    <a:bodyPr/>
+                    <a:lstStyle/>
+                    <a:p>
+                      <a:pPr algn="r" fontAlgn="ctr"/>
+                      <a:r>
+                        <a:rPr lang="en-US" altLang="zh-CN" sz="1100" u="none" strike="noStrike">
+                          <a:effectLst/>
+                        </a:rPr>
+                        <a:t>6.603261</a:t>
+                      </a:r>
+                      <a:endParaRPr lang="en-US" altLang="zh-CN" sz="1100" b="0" i="0" u="none" strike="noStrike">
+                        <a:solidFill>
+                          <a:srgbClr val="000000"/>
+                        </a:solidFill>
+                        <a:effectLst/>
+                        <a:latin typeface="等线" panose="02010600030101010101" pitchFamily="2" charset="-122"/>
+                        <a:ea typeface="等线" panose="02010600030101010101" pitchFamily="2" charset="-122"/>
+                      </a:endParaRPr>
+                    </a:p>
+                  </a:txBody>
+                  <a:tcPr marL="9113" marR="9113" marT="9113" marB="0" anchor="ctr"/>
+                </a:tc>
+                <a:extLst>
+                  <a:ext uri="{0D108BD9-81ED-4DB2-BD59-A6C34878D82A}">
+                    <a16:rowId xmlns:a16="http://schemas.microsoft.com/office/drawing/2014/main" val="3360494282"/>
+                  </a:ext>
+                </a:extLst>
+              </a:tr>
+              <a:tr h="182252">
+                <a:tc>
+                  <a:txBody>
+                    <a:bodyPr/>
+                    <a:lstStyle/>
+                    <a:p>
+                      <a:pPr algn="l" fontAlgn="ctr"/>
+                      <a:r>
+                        <a:rPr lang="en-US" sz="1100" u="none" strike="noStrike" dirty="0">
+                          <a:solidFill>
+                            <a:schemeClr val="accent6">
+                              <a:lumMod val="75000"/>
+                            </a:schemeClr>
+                          </a:solidFill>
+                          <a:effectLst/>
+                        </a:rPr>
+                        <a:t>Original</a:t>
+                      </a:r>
+                      <a:endParaRPr lang="en-US" sz="1100" b="0" i="0" u="none" strike="noStrike" dirty="0">
+                        <a:solidFill>
+                          <a:schemeClr val="accent6">
+                            <a:lumMod val="75000"/>
+                          </a:schemeClr>
+                        </a:solidFill>
+                        <a:effectLst/>
+                        <a:latin typeface="等线" panose="02010600030101010101" pitchFamily="2" charset="-122"/>
+                        <a:ea typeface="等线" panose="02010600030101010101" pitchFamily="2" charset="-122"/>
+                      </a:endParaRPr>
+                    </a:p>
+                  </a:txBody>
+                  <a:tcPr marL="9113" marR="9113" marT="9113" marB="0" anchor="ctr"/>
+                </a:tc>
+                <a:tc>
+                  <a:txBody>
+                    <a:bodyPr/>
+                    <a:lstStyle/>
+                    <a:p>
+                      <a:pPr algn="r" rtl="0" fontAlgn="ctr"/>
+                      <a:r>
+                        <a:rPr lang="en-US" altLang="zh-CN" sz="1100" u="none" strike="noStrike">
+                          <a:effectLst/>
+                        </a:rPr>
+                        <a:t>35</a:t>
+                      </a:r>
+                      <a:endParaRPr lang="en-US" altLang="zh-CN" sz="1100" b="0" i="0" u="none" strike="noStrike">
+                        <a:solidFill>
+                          <a:srgbClr val="000000"/>
+                        </a:solidFill>
+                        <a:effectLst/>
+                        <a:latin typeface="Arial" panose="020B0604020202020204" pitchFamily="34" charset="0"/>
+                        <a:ea typeface="等线" panose="02010600030101010101" pitchFamily="2" charset="-122"/>
+                      </a:endParaRPr>
+                    </a:p>
+                  </a:txBody>
+                  <a:tcPr marL="9113" marR="9113" marT="9113" marB="0" anchor="ctr"/>
+                </a:tc>
+                <a:tc>
+                  <a:txBody>
+                    <a:bodyPr/>
+                    <a:lstStyle/>
+                    <a:p>
+                      <a:pPr algn="r" rtl="0" fontAlgn="ctr"/>
+                      <a:r>
+                        <a:rPr lang="en-US" altLang="zh-CN" sz="1100" u="none" strike="noStrike">
+                          <a:effectLst/>
+                        </a:rPr>
+                        <a:t>0.811062</a:t>
+                      </a:r>
+                      <a:endParaRPr lang="en-US" altLang="zh-CN" sz="1100" b="0" i="0" u="none" strike="noStrike">
+                        <a:solidFill>
+                          <a:srgbClr val="000000"/>
+                        </a:solidFill>
+                        <a:effectLst/>
+                        <a:latin typeface="Arial" panose="020B0604020202020204" pitchFamily="34" charset="0"/>
+                        <a:ea typeface="等线" panose="02010600030101010101" pitchFamily="2" charset="-122"/>
+                      </a:endParaRPr>
+                    </a:p>
+                  </a:txBody>
+                  <a:tcPr marL="9113" marR="9113" marT="9113" marB="0" anchor="ctr"/>
+                </a:tc>
+                <a:tc>
+                  <a:txBody>
+                    <a:bodyPr/>
+                    <a:lstStyle/>
+                    <a:p>
+                      <a:pPr algn="r" rtl="0" fontAlgn="ctr"/>
+                      <a:r>
+                        <a:rPr lang="en-US" altLang="zh-CN" sz="1100" u="none" strike="noStrike">
+                          <a:effectLst/>
+                        </a:rPr>
+                        <a:t>3.196418</a:t>
+                      </a:r>
+                      <a:endParaRPr lang="en-US" altLang="zh-CN" sz="1100" b="0" i="0" u="none" strike="noStrike">
+                        <a:solidFill>
+                          <a:srgbClr val="000000"/>
+                        </a:solidFill>
+                        <a:effectLst/>
+                        <a:latin typeface="Arial" panose="020B0604020202020204" pitchFamily="34" charset="0"/>
+                        <a:ea typeface="等线" panose="02010600030101010101" pitchFamily="2" charset="-122"/>
+                      </a:endParaRPr>
+                    </a:p>
+                  </a:txBody>
+                  <a:tcPr marL="9113" marR="9113" marT="9113" marB="0" anchor="ctr"/>
+                </a:tc>
+                <a:tc>
+                  <a:txBody>
+                    <a:bodyPr/>
+                    <a:lstStyle/>
+                    <a:p>
+                      <a:pPr algn="r" rtl="0" fontAlgn="ctr"/>
+                      <a:r>
+                        <a:rPr lang="en-US" altLang="zh-CN" sz="1100" u="none" strike="noStrike">
+                          <a:effectLst/>
+                        </a:rPr>
+                        <a:t>4.94178</a:t>
+                      </a:r>
+                      <a:endParaRPr lang="en-US" altLang="zh-CN" sz="1100" b="0" i="0" u="none" strike="noStrike">
+                        <a:solidFill>
+                          <a:srgbClr val="000000"/>
+                        </a:solidFill>
+                        <a:effectLst/>
+                        <a:latin typeface="Arial" panose="020B0604020202020204" pitchFamily="34" charset="0"/>
+                        <a:ea typeface="等线" panose="02010600030101010101" pitchFamily="2" charset="-122"/>
+                      </a:endParaRPr>
+                    </a:p>
+                  </a:txBody>
+                  <a:tcPr marL="9113" marR="9113" marT="9113" marB="0" anchor="ctr"/>
+                </a:tc>
+                <a:extLst>
+                  <a:ext uri="{0D108BD9-81ED-4DB2-BD59-A6C34878D82A}">
+                    <a16:rowId xmlns:a16="http://schemas.microsoft.com/office/drawing/2014/main" val="3116106909"/>
+                  </a:ext>
+                </a:extLst>
+              </a:tr>
+              <a:tr h="182252">
+                <a:tc>
+                  <a:txBody>
+                    <a:bodyPr/>
+                    <a:lstStyle/>
+                    <a:p>
+                      <a:pPr algn="l" fontAlgn="ctr"/>
+                      <a:r>
+                        <a:rPr lang="en-US" sz="1100" u="none" strike="noStrike">
+                          <a:effectLst/>
+                        </a:rPr>
+                        <a:t>With Clustering</a:t>
+                      </a:r>
+                      <a:endParaRPr lang="en-US" sz="1100" b="0" i="0" u="none" strike="noStrike">
+                        <a:solidFill>
+                          <a:srgbClr val="000000"/>
+                        </a:solidFill>
+                        <a:effectLst/>
+                        <a:latin typeface="等线" panose="02010600030101010101" pitchFamily="2" charset="-122"/>
+                        <a:ea typeface="等线" panose="02010600030101010101" pitchFamily="2" charset="-122"/>
+                      </a:endParaRPr>
+                    </a:p>
+                  </a:txBody>
+                  <a:tcPr marL="9113" marR="9113" marT="9113" marB="0" anchor="ctr"/>
+                </a:tc>
+                <a:tc>
+                  <a:txBody>
+                    <a:bodyPr/>
+                    <a:lstStyle/>
+                    <a:p>
+                      <a:pPr algn="r" rtl="0" fontAlgn="ctr"/>
+                      <a:r>
+                        <a:rPr lang="en-US" altLang="zh-CN" sz="1100" u="none" strike="noStrike">
+                          <a:effectLst/>
+                        </a:rPr>
+                        <a:t>55</a:t>
+                      </a:r>
+                      <a:endParaRPr lang="en-US" altLang="zh-CN" sz="1100" b="0" i="0" u="none" strike="noStrike">
+                        <a:solidFill>
+                          <a:srgbClr val="000000"/>
+                        </a:solidFill>
+                        <a:effectLst/>
+                        <a:latin typeface="Arial" panose="020B0604020202020204" pitchFamily="34" charset="0"/>
+                        <a:ea typeface="等线" panose="02010600030101010101" pitchFamily="2" charset="-122"/>
+                      </a:endParaRPr>
+                    </a:p>
+                  </a:txBody>
+                  <a:tcPr marL="9113" marR="9113" marT="9113" marB="0" anchor="ctr"/>
+                </a:tc>
+                <a:tc>
+                  <a:txBody>
+                    <a:bodyPr/>
+                    <a:lstStyle/>
+                    <a:p>
+                      <a:pPr algn="r" rtl="0" fontAlgn="ctr"/>
+                      <a:r>
+                        <a:rPr lang="en-US" altLang="zh-CN" sz="1100" u="none" strike="noStrike">
+                          <a:effectLst/>
+                        </a:rPr>
+                        <a:t>0.701122</a:t>
+                      </a:r>
+                      <a:endParaRPr lang="en-US" altLang="zh-CN" sz="1100" b="0" i="0" u="none" strike="noStrike">
+                        <a:solidFill>
+                          <a:srgbClr val="000000"/>
+                        </a:solidFill>
+                        <a:effectLst/>
+                        <a:latin typeface="Arial" panose="020B0604020202020204" pitchFamily="34" charset="0"/>
+                        <a:ea typeface="等线" panose="02010600030101010101" pitchFamily="2" charset="-122"/>
+                      </a:endParaRPr>
+                    </a:p>
+                  </a:txBody>
+                  <a:tcPr marL="9113" marR="9113" marT="9113" marB="0" anchor="ctr"/>
+                </a:tc>
+                <a:tc>
+                  <a:txBody>
+                    <a:bodyPr/>
+                    <a:lstStyle/>
+                    <a:p>
+                      <a:pPr algn="r" rtl="0" fontAlgn="ctr"/>
+                      <a:r>
+                        <a:rPr lang="en-US" altLang="zh-CN" sz="1100" u="none" strike="noStrike">
+                          <a:effectLst/>
+                        </a:rPr>
+                        <a:t>4.490692</a:t>
+                      </a:r>
+                      <a:endParaRPr lang="en-US" altLang="zh-CN" sz="1100" b="0" i="0" u="none" strike="noStrike">
+                        <a:solidFill>
+                          <a:srgbClr val="000000"/>
+                        </a:solidFill>
+                        <a:effectLst/>
+                        <a:latin typeface="Arial" panose="020B0604020202020204" pitchFamily="34" charset="0"/>
+                        <a:ea typeface="等线" panose="02010600030101010101" pitchFamily="2" charset="-122"/>
+                      </a:endParaRPr>
+                    </a:p>
+                  </a:txBody>
+                  <a:tcPr marL="9113" marR="9113" marT="9113" marB="0" anchor="ctr"/>
+                </a:tc>
+                <a:tc>
+                  <a:txBody>
+                    <a:bodyPr/>
+                    <a:lstStyle/>
+                    <a:p>
+                      <a:pPr algn="r" rtl="0" fontAlgn="ctr"/>
+                      <a:r>
+                        <a:rPr lang="en-US" altLang="zh-CN" sz="1100" u="none" strike="noStrike">
+                          <a:effectLst/>
+                        </a:rPr>
+                        <a:t>6.808737</a:t>
+                      </a:r>
+                      <a:endParaRPr lang="en-US" altLang="zh-CN" sz="1100" b="0" i="0" u="none" strike="noStrike">
+                        <a:solidFill>
+                          <a:srgbClr val="000000"/>
+                        </a:solidFill>
+                        <a:effectLst/>
+                        <a:latin typeface="Arial" panose="020B0604020202020204" pitchFamily="34" charset="0"/>
+                        <a:ea typeface="等线" panose="02010600030101010101" pitchFamily="2" charset="-122"/>
+                      </a:endParaRPr>
+                    </a:p>
+                  </a:txBody>
+                  <a:tcPr marL="9113" marR="9113" marT="9113" marB="0" anchor="ctr"/>
+                </a:tc>
+                <a:extLst>
+                  <a:ext uri="{0D108BD9-81ED-4DB2-BD59-A6C34878D82A}">
+                    <a16:rowId xmlns:a16="http://schemas.microsoft.com/office/drawing/2014/main" val="1950517245"/>
+                  </a:ext>
+                </a:extLst>
+              </a:tr>
+              <a:tr h="182252">
+                <a:tc>
+                  <a:txBody>
+                    <a:bodyPr/>
+                    <a:lstStyle/>
+                    <a:p>
+                      <a:pPr algn="l" fontAlgn="ctr"/>
+                      <a:r>
+                        <a:rPr lang="en-US" sz="1100" u="none" strike="noStrike">
+                          <a:solidFill>
+                            <a:srgbClr val="FF0000"/>
+                          </a:solidFill>
+                          <a:effectLst/>
+                        </a:rPr>
+                        <a:t>Doc2Vec</a:t>
+                      </a:r>
+                      <a:endParaRPr lang="en-US" sz="1100" b="0" i="0" u="none" strike="noStrike">
+                        <a:solidFill>
+                          <a:srgbClr val="FF0000"/>
+                        </a:solidFill>
+                        <a:effectLst/>
+                        <a:latin typeface="等线" panose="02010600030101010101" pitchFamily="2" charset="-122"/>
+                        <a:ea typeface="等线" panose="02010600030101010101" pitchFamily="2" charset="-122"/>
+                      </a:endParaRPr>
+                    </a:p>
+                  </a:txBody>
+                  <a:tcPr marL="9113" marR="9113" marT="9113" marB="0" anchor="ctr"/>
+                </a:tc>
+                <a:tc>
+                  <a:txBody>
+                    <a:bodyPr/>
+                    <a:lstStyle/>
+                    <a:p>
+                      <a:pPr algn="r" fontAlgn="ctr"/>
+                      <a:r>
+                        <a:rPr lang="en-US" altLang="zh-CN" sz="1100" u="none" strike="noStrike">
+                          <a:effectLst/>
+                        </a:rPr>
+                        <a:t>9</a:t>
+                      </a:r>
+                      <a:endParaRPr lang="en-US" altLang="zh-CN" sz="1100" b="0" i="0" u="none" strike="noStrike">
+                        <a:solidFill>
+                          <a:srgbClr val="000000"/>
+                        </a:solidFill>
+                        <a:effectLst/>
+                        <a:latin typeface="等线" panose="02010600030101010101" pitchFamily="2" charset="-122"/>
+                        <a:ea typeface="等线" panose="02010600030101010101" pitchFamily="2" charset="-122"/>
+                      </a:endParaRPr>
+                    </a:p>
+                  </a:txBody>
+                  <a:tcPr marL="9113" marR="9113" marT="9113" marB="0" anchor="ctr"/>
+                </a:tc>
+                <a:tc>
+                  <a:txBody>
+                    <a:bodyPr/>
+                    <a:lstStyle/>
+                    <a:p>
+                      <a:pPr algn="r" fontAlgn="ctr"/>
+                      <a:r>
+                        <a:rPr lang="en-US" altLang="zh-CN" sz="1100" u="none" strike="noStrike">
+                          <a:effectLst/>
+                        </a:rPr>
+                        <a:t>0.676622</a:t>
+                      </a:r>
+                      <a:endParaRPr lang="en-US" altLang="zh-CN" sz="1100" b="0" i="0" u="none" strike="noStrike">
+                        <a:solidFill>
+                          <a:srgbClr val="000000"/>
+                        </a:solidFill>
+                        <a:effectLst/>
+                        <a:latin typeface="等线" panose="02010600030101010101" pitchFamily="2" charset="-122"/>
+                        <a:ea typeface="等线" panose="02010600030101010101" pitchFamily="2" charset="-122"/>
+                      </a:endParaRPr>
+                    </a:p>
+                  </a:txBody>
+                  <a:tcPr marL="9113" marR="9113" marT="9113" marB="0" anchor="ctr"/>
+                </a:tc>
+                <a:tc>
+                  <a:txBody>
+                    <a:bodyPr/>
+                    <a:lstStyle/>
+                    <a:p>
+                      <a:pPr algn="r" fontAlgn="ctr"/>
+                      <a:r>
+                        <a:rPr lang="en-US" altLang="zh-CN" sz="1100" u="none" strike="noStrike">
+                          <a:effectLst/>
+                        </a:rPr>
+                        <a:t>0.433335</a:t>
+                      </a:r>
+                      <a:endParaRPr lang="en-US" altLang="zh-CN" sz="1100" b="0" i="0" u="none" strike="noStrike">
+                        <a:solidFill>
+                          <a:srgbClr val="000000"/>
+                        </a:solidFill>
+                        <a:effectLst/>
+                        <a:latin typeface="等线" panose="02010600030101010101" pitchFamily="2" charset="-122"/>
+                        <a:ea typeface="等线" panose="02010600030101010101" pitchFamily="2" charset="-122"/>
+                      </a:endParaRPr>
+                    </a:p>
+                  </a:txBody>
+                  <a:tcPr marL="9113" marR="9113" marT="9113" marB="0" anchor="ctr"/>
+                </a:tc>
+                <a:tc>
+                  <a:txBody>
+                    <a:bodyPr/>
+                    <a:lstStyle/>
+                    <a:p>
+                      <a:pPr algn="r" fontAlgn="ctr"/>
+                      <a:r>
+                        <a:rPr lang="en-US" altLang="zh-CN" sz="1100" u="none" strike="noStrike">
+                          <a:effectLst/>
+                        </a:rPr>
+                        <a:t>0.981856</a:t>
+                      </a:r>
+                      <a:endParaRPr lang="en-US" altLang="zh-CN" sz="1100" b="0" i="0" u="none" strike="noStrike">
+                        <a:solidFill>
+                          <a:srgbClr val="000000"/>
+                        </a:solidFill>
+                        <a:effectLst/>
+                        <a:latin typeface="等线" panose="02010600030101010101" pitchFamily="2" charset="-122"/>
+                        <a:ea typeface="等线" panose="02010600030101010101" pitchFamily="2" charset="-122"/>
+                      </a:endParaRPr>
+                    </a:p>
+                  </a:txBody>
+                  <a:tcPr marL="9113" marR="9113" marT="9113" marB="0" anchor="ctr"/>
+                </a:tc>
+                <a:extLst>
+                  <a:ext uri="{0D108BD9-81ED-4DB2-BD59-A6C34878D82A}">
+                    <a16:rowId xmlns:a16="http://schemas.microsoft.com/office/drawing/2014/main" val="1798745266"/>
+                  </a:ext>
+                </a:extLst>
+              </a:tr>
+              <a:tr h="182252">
+                <a:tc>
+                  <a:txBody>
+                    <a:bodyPr/>
+                    <a:lstStyle/>
+                    <a:p>
+                      <a:pPr algn="l" fontAlgn="ctr"/>
+                      <a:r>
+                        <a:rPr lang="en-US" sz="1100" u="none" strike="noStrike" dirty="0">
+                          <a:solidFill>
+                            <a:srgbClr val="FF0000"/>
+                          </a:solidFill>
+                          <a:effectLst/>
+                        </a:rPr>
+                        <a:t>Doc2Vec</a:t>
+                      </a:r>
+                      <a:endParaRPr lang="en-US" sz="1100" b="0" i="0" u="none" strike="noStrike" dirty="0">
+                        <a:solidFill>
+                          <a:srgbClr val="FF0000"/>
+                        </a:solidFill>
+                        <a:effectLst/>
+                        <a:latin typeface="等线" panose="02010600030101010101" pitchFamily="2" charset="-122"/>
+                        <a:ea typeface="等线" panose="02010600030101010101" pitchFamily="2" charset="-122"/>
+                      </a:endParaRPr>
+                    </a:p>
+                  </a:txBody>
+                  <a:tcPr marL="9113" marR="9113" marT="9113" marB="0" anchor="ctr"/>
+                </a:tc>
+                <a:tc>
+                  <a:txBody>
+                    <a:bodyPr/>
+                    <a:lstStyle/>
+                    <a:p>
+                      <a:pPr algn="r" fontAlgn="ctr"/>
+                      <a:r>
+                        <a:rPr lang="en-US" altLang="zh-CN" sz="1100" u="none" strike="noStrike">
+                          <a:effectLst/>
+                        </a:rPr>
+                        <a:t>8</a:t>
+                      </a:r>
+                      <a:endParaRPr lang="en-US" altLang="zh-CN" sz="1100" b="0" i="0" u="none" strike="noStrike">
+                        <a:solidFill>
+                          <a:srgbClr val="000000"/>
+                        </a:solidFill>
+                        <a:effectLst/>
+                        <a:latin typeface="等线" panose="02010600030101010101" pitchFamily="2" charset="-122"/>
+                        <a:ea typeface="等线" panose="02010600030101010101" pitchFamily="2" charset="-122"/>
+                      </a:endParaRPr>
+                    </a:p>
+                  </a:txBody>
+                  <a:tcPr marL="9113" marR="9113" marT="9113" marB="0" anchor="ctr"/>
+                </a:tc>
+                <a:tc>
+                  <a:txBody>
+                    <a:bodyPr/>
+                    <a:lstStyle/>
+                    <a:p>
+                      <a:pPr algn="r" fontAlgn="ctr"/>
+                      <a:r>
+                        <a:rPr lang="en-US" altLang="zh-CN" sz="1100" u="none" strike="noStrike">
+                          <a:effectLst/>
+                        </a:rPr>
+                        <a:t>0.632118</a:t>
+                      </a:r>
+                      <a:endParaRPr lang="en-US" altLang="zh-CN" sz="1100" b="0" i="0" u="none" strike="noStrike">
+                        <a:solidFill>
+                          <a:srgbClr val="000000"/>
+                        </a:solidFill>
+                        <a:effectLst/>
+                        <a:latin typeface="等线" panose="02010600030101010101" pitchFamily="2" charset="-122"/>
+                        <a:ea typeface="等线" panose="02010600030101010101" pitchFamily="2" charset="-122"/>
+                      </a:endParaRPr>
+                    </a:p>
+                  </a:txBody>
+                  <a:tcPr marL="9113" marR="9113" marT="9113" marB="0" anchor="ctr"/>
+                </a:tc>
+                <a:tc>
+                  <a:txBody>
+                    <a:bodyPr/>
+                    <a:lstStyle/>
+                    <a:p>
+                      <a:pPr algn="r" fontAlgn="ctr"/>
+                      <a:r>
+                        <a:rPr lang="en-US" altLang="zh-CN" sz="1100" u="none" strike="noStrike">
+                          <a:effectLst/>
+                        </a:rPr>
+                        <a:t>5.338426</a:t>
+                      </a:r>
+                      <a:endParaRPr lang="en-US" altLang="zh-CN" sz="1100" b="0" i="0" u="none" strike="noStrike">
+                        <a:solidFill>
+                          <a:srgbClr val="000000"/>
+                        </a:solidFill>
+                        <a:effectLst/>
+                        <a:latin typeface="等线" panose="02010600030101010101" pitchFamily="2" charset="-122"/>
+                        <a:ea typeface="等线" panose="02010600030101010101" pitchFamily="2" charset="-122"/>
+                      </a:endParaRPr>
+                    </a:p>
+                  </a:txBody>
+                  <a:tcPr marL="9113" marR="9113" marT="9113" marB="0" anchor="ctr"/>
+                </a:tc>
+                <a:tc>
+                  <a:txBody>
+                    <a:bodyPr/>
+                    <a:lstStyle/>
+                    <a:p>
+                      <a:pPr algn="r" fontAlgn="ctr"/>
+                      <a:r>
+                        <a:rPr lang="en-US" altLang="zh-CN" sz="1100" u="none" strike="noStrike">
+                          <a:effectLst/>
+                        </a:rPr>
+                        <a:t>5.227318</a:t>
+                      </a:r>
+                      <a:endParaRPr lang="en-US" altLang="zh-CN" sz="1100" b="0" i="0" u="none" strike="noStrike">
+                        <a:solidFill>
+                          <a:srgbClr val="000000"/>
+                        </a:solidFill>
+                        <a:effectLst/>
+                        <a:latin typeface="等线" panose="02010600030101010101" pitchFamily="2" charset="-122"/>
+                        <a:ea typeface="等线" panose="02010600030101010101" pitchFamily="2" charset="-122"/>
+                      </a:endParaRPr>
+                    </a:p>
+                  </a:txBody>
+                  <a:tcPr marL="9113" marR="9113" marT="9113" marB="0" anchor="ctr"/>
+                </a:tc>
+                <a:extLst>
+                  <a:ext uri="{0D108BD9-81ED-4DB2-BD59-A6C34878D82A}">
+                    <a16:rowId xmlns:a16="http://schemas.microsoft.com/office/drawing/2014/main" val="3197010425"/>
+                  </a:ext>
+                </a:extLst>
+              </a:tr>
+              <a:tr h="182252">
+                <a:tc>
+                  <a:txBody>
+                    <a:bodyPr/>
+                    <a:lstStyle/>
+                    <a:p>
+                      <a:pPr algn="l" fontAlgn="ctr"/>
+                      <a:r>
+                        <a:rPr lang="en-US" sz="1100" u="none" strike="noStrike" dirty="0">
+                          <a:solidFill>
+                            <a:schemeClr val="accent6">
+                              <a:lumMod val="75000"/>
+                            </a:schemeClr>
+                          </a:solidFill>
+                          <a:effectLst/>
+                        </a:rPr>
+                        <a:t>Original</a:t>
+                      </a:r>
+                      <a:endParaRPr lang="en-US" sz="1100" b="0" i="0" u="none" strike="noStrike" dirty="0">
+                        <a:solidFill>
+                          <a:schemeClr val="accent6">
+                            <a:lumMod val="75000"/>
+                          </a:schemeClr>
+                        </a:solidFill>
+                        <a:effectLst/>
+                        <a:latin typeface="等线" panose="02010600030101010101" pitchFamily="2" charset="-122"/>
+                        <a:ea typeface="等线" panose="02010600030101010101" pitchFamily="2" charset="-122"/>
+                      </a:endParaRPr>
+                    </a:p>
+                  </a:txBody>
+                  <a:tcPr marL="9113" marR="9113" marT="9113" marB="0" anchor="ctr"/>
+                </a:tc>
+                <a:tc>
+                  <a:txBody>
+                    <a:bodyPr/>
+                    <a:lstStyle/>
+                    <a:p>
+                      <a:pPr algn="r" rtl="0" fontAlgn="ctr"/>
+                      <a:r>
+                        <a:rPr lang="en-US" altLang="zh-CN" sz="1100" u="none" strike="noStrike">
+                          <a:effectLst/>
+                        </a:rPr>
+                        <a:t>12</a:t>
+                      </a:r>
+                      <a:endParaRPr lang="en-US" altLang="zh-CN" sz="1100" b="0" i="0" u="none" strike="noStrike">
+                        <a:solidFill>
+                          <a:srgbClr val="000000"/>
+                        </a:solidFill>
+                        <a:effectLst/>
+                        <a:latin typeface="Arial" panose="020B0604020202020204" pitchFamily="34" charset="0"/>
+                        <a:ea typeface="等线" panose="02010600030101010101" pitchFamily="2" charset="-122"/>
+                      </a:endParaRPr>
+                    </a:p>
+                  </a:txBody>
+                  <a:tcPr marL="9113" marR="9113" marT="9113" marB="0" anchor="ctr"/>
+                </a:tc>
+                <a:tc>
+                  <a:txBody>
+                    <a:bodyPr/>
+                    <a:lstStyle/>
+                    <a:p>
+                      <a:pPr algn="r" rtl="0" fontAlgn="ctr"/>
+                      <a:r>
+                        <a:rPr lang="en-US" altLang="zh-CN" sz="1100" u="none" strike="noStrike">
+                          <a:effectLst/>
+                        </a:rPr>
+                        <a:t>0.609564</a:t>
+                      </a:r>
+                      <a:endParaRPr lang="en-US" altLang="zh-CN" sz="1100" b="0" i="0" u="none" strike="noStrike">
+                        <a:solidFill>
+                          <a:srgbClr val="000000"/>
+                        </a:solidFill>
+                        <a:effectLst/>
+                        <a:latin typeface="Arial" panose="020B0604020202020204" pitchFamily="34" charset="0"/>
+                        <a:ea typeface="等线" panose="02010600030101010101" pitchFamily="2" charset="-122"/>
+                      </a:endParaRPr>
+                    </a:p>
+                  </a:txBody>
+                  <a:tcPr marL="9113" marR="9113" marT="9113" marB="0" anchor="ctr"/>
+                </a:tc>
+                <a:tc>
+                  <a:txBody>
+                    <a:bodyPr/>
+                    <a:lstStyle/>
+                    <a:p>
+                      <a:pPr algn="r" rtl="0" fontAlgn="ctr"/>
+                      <a:r>
+                        <a:rPr lang="en-US" altLang="zh-CN" sz="1100" u="none" strike="noStrike">
+                          <a:effectLst/>
+                        </a:rPr>
+                        <a:t>2.217124</a:t>
+                      </a:r>
+                      <a:endParaRPr lang="en-US" altLang="zh-CN" sz="1100" b="0" i="0" u="none" strike="noStrike">
+                        <a:solidFill>
+                          <a:srgbClr val="000000"/>
+                        </a:solidFill>
+                        <a:effectLst/>
+                        <a:latin typeface="Arial" panose="020B0604020202020204" pitchFamily="34" charset="0"/>
+                        <a:ea typeface="等线" panose="02010600030101010101" pitchFamily="2" charset="-122"/>
+                      </a:endParaRPr>
+                    </a:p>
+                  </a:txBody>
+                  <a:tcPr marL="9113" marR="9113" marT="9113" marB="0" anchor="ctr"/>
+                </a:tc>
+                <a:tc>
+                  <a:txBody>
+                    <a:bodyPr/>
+                    <a:lstStyle/>
+                    <a:p>
+                      <a:pPr algn="r" rtl="0" fontAlgn="ctr"/>
+                      <a:r>
+                        <a:rPr lang="en-US" altLang="zh-CN" sz="1100" u="none" strike="noStrike">
+                          <a:effectLst/>
+                        </a:rPr>
+                        <a:t>5.740266</a:t>
+                      </a:r>
+                      <a:endParaRPr lang="en-US" altLang="zh-CN" sz="1100" b="0" i="0" u="none" strike="noStrike">
+                        <a:solidFill>
+                          <a:srgbClr val="000000"/>
+                        </a:solidFill>
+                        <a:effectLst/>
+                        <a:latin typeface="Arial" panose="020B0604020202020204" pitchFamily="34" charset="0"/>
+                        <a:ea typeface="等线" panose="02010600030101010101" pitchFamily="2" charset="-122"/>
+                      </a:endParaRPr>
+                    </a:p>
+                  </a:txBody>
+                  <a:tcPr marL="9113" marR="9113" marT="9113" marB="0" anchor="ctr"/>
+                </a:tc>
+                <a:extLst>
+                  <a:ext uri="{0D108BD9-81ED-4DB2-BD59-A6C34878D82A}">
+                    <a16:rowId xmlns:a16="http://schemas.microsoft.com/office/drawing/2014/main" val="2193239721"/>
+                  </a:ext>
+                </a:extLst>
+              </a:tr>
+              <a:tr h="182252">
+                <a:tc>
+                  <a:txBody>
+                    <a:bodyPr/>
+                    <a:lstStyle/>
+                    <a:p>
+                      <a:pPr algn="l" fontAlgn="ctr"/>
+                      <a:r>
+                        <a:rPr lang="en-US" sz="1100" u="none" strike="noStrike" dirty="0">
+                          <a:solidFill>
+                            <a:srgbClr val="FF0000"/>
+                          </a:solidFill>
+                          <a:effectLst/>
+                        </a:rPr>
+                        <a:t>Doc2Vec</a:t>
+                      </a:r>
+                      <a:endParaRPr lang="en-US" sz="1100" b="0" i="0" u="none" strike="noStrike" dirty="0">
+                        <a:solidFill>
+                          <a:srgbClr val="FF0000"/>
+                        </a:solidFill>
+                        <a:effectLst/>
+                        <a:latin typeface="等线" panose="02010600030101010101" pitchFamily="2" charset="-122"/>
+                        <a:ea typeface="等线" panose="02010600030101010101" pitchFamily="2" charset="-122"/>
+                      </a:endParaRPr>
+                    </a:p>
+                  </a:txBody>
+                  <a:tcPr marL="9113" marR="9113" marT="9113" marB="0" anchor="ctr"/>
+                </a:tc>
+                <a:tc>
+                  <a:txBody>
+                    <a:bodyPr/>
+                    <a:lstStyle/>
+                    <a:p>
+                      <a:pPr algn="r" fontAlgn="ctr"/>
+                      <a:r>
+                        <a:rPr lang="en-US" altLang="zh-CN" sz="1100" u="none" strike="noStrike">
+                          <a:effectLst/>
+                        </a:rPr>
+                        <a:t>17</a:t>
+                      </a:r>
+                      <a:endParaRPr lang="en-US" altLang="zh-CN" sz="1100" b="0" i="0" u="none" strike="noStrike">
+                        <a:solidFill>
+                          <a:srgbClr val="000000"/>
+                        </a:solidFill>
+                        <a:effectLst/>
+                        <a:latin typeface="等线" panose="02010600030101010101" pitchFamily="2" charset="-122"/>
+                        <a:ea typeface="等线" panose="02010600030101010101" pitchFamily="2" charset="-122"/>
+                      </a:endParaRPr>
+                    </a:p>
+                  </a:txBody>
+                  <a:tcPr marL="9113" marR="9113" marT="9113" marB="0" anchor="ctr"/>
+                </a:tc>
+                <a:tc>
+                  <a:txBody>
+                    <a:bodyPr/>
+                    <a:lstStyle/>
+                    <a:p>
+                      <a:pPr algn="r" fontAlgn="ctr"/>
+                      <a:r>
+                        <a:rPr lang="en-US" altLang="zh-CN" sz="1100" u="none" strike="noStrike">
+                          <a:effectLst/>
+                        </a:rPr>
+                        <a:t>0.591079</a:t>
+                      </a:r>
+                      <a:endParaRPr lang="en-US" altLang="zh-CN" sz="1100" b="0" i="0" u="none" strike="noStrike">
+                        <a:solidFill>
+                          <a:srgbClr val="000000"/>
+                        </a:solidFill>
+                        <a:effectLst/>
+                        <a:latin typeface="等线" panose="02010600030101010101" pitchFamily="2" charset="-122"/>
+                        <a:ea typeface="等线" panose="02010600030101010101" pitchFamily="2" charset="-122"/>
+                      </a:endParaRPr>
+                    </a:p>
+                  </a:txBody>
+                  <a:tcPr marL="9113" marR="9113" marT="9113" marB="0" anchor="ctr"/>
+                </a:tc>
+                <a:tc>
+                  <a:txBody>
+                    <a:bodyPr/>
+                    <a:lstStyle/>
+                    <a:p>
+                      <a:pPr algn="r" fontAlgn="ctr"/>
+                      <a:r>
+                        <a:rPr lang="en-US" altLang="zh-CN" sz="1100" u="none" strike="noStrike">
+                          <a:effectLst/>
+                        </a:rPr>
+                        <a:t>3.283414</a:t>
+                      </a:r>
+                      <a:endParaRPr lang="en-US" altLang="zh-CN" sz="1100" b="0" i="0" u="none" strike="noStrike">
+                        <a:solidFill>
+                          <a:srgbClr val="000000"/>
+                        </a:solidFill>
+                        <a:effectLst/>
+                        <a:latin typeface="等线" panose="02010600030101010101" pitchFamily="2" charset="-122"/>
+                        <a:ea typeface="等线" panose="02010600030101010101" pitchFamily="2" charset="-122"/>
+                      </a:endParaRPr>
+                    </a:p>
+                  </a:txBody>
+                  <a:tcPr marL="9113" marR="9113" marT="9113" marB="0" anchor="ctr"/>
+                </a:tc>
+                <a:tc>
+                  <a:txBody>
+                    <a:bodyPr/>
+                    <a:lstStyle/>
+                    <a:p>
+                      <a:pPr algn="r" fontAlgn="ctr"/>
+                      <a:r>
+                        <a:rPr lang="en-US" altLang="zh-CN" sz="1100" u="none" strike="noStrike">
+                          <a:effectLst/>
+                        </a:rPr>
+                        <a:t>4.795537</a:t>
+                      </a:r>
+                      <a:endParaRPr lang="en-US" altLang="zh-CN" sz="1100" b="0" i="0" u="none" strike="noStrike">
+                        <a:solidFill>
+                          <a:srgbClr val="000000"/>
+                        </a:solidFill>
+                        <a:effectLst/>
+                        <a:latin typeface="等线" panose="02010600030101010101" pitchFamily="2" charset="-122"/>
+                        <a:ea typeface="等线" panose="02010600030101010101" pitchFamily="2" charset="-122"/>
+                      </a:endParaRPr>
+                    </a:p>
+                  </a:txBody>
+                  <a:tcPr marL="9113" marR="9113" marT="9113" marB="0" anchor="ctr"/>
+                </a:tc>
+                <a:extLst>
+                  <a:ext uri="{0D108BD9-81ED-4DB2-BD59-A6C34878D82A}">
+                    <a16:rowId xmlns:a16="http://schemas.microsoft.com/office/drawing/2014/main" val="2731054647"/>
+                  </a:ext>
+                </a:extLst>
+              </a:tr>
+              <a:tr h="182252">
+                <a:tc>
+                  <a:txBody>
+                    <a:bodyPr/>
+                    <a:lstStyle/>
+                    <a:p>
+                      <a:pPr algn="l" fontAlgn="ctr"/>
+                      <a:r>
+                        <a:rPr lang="en-US" sz="1100" u="none" strike="noStrike">
+                          <a:effectLst/>
+                        </a:rPr>
+                        <a:t>With Clustering</a:t>
+                      </a:r>
+                      <a:endParaRPr lang="en-US" sz="1100" b="0" i="0" u="none" strike="noStrike">
+                        <a:solidFill>
+                          <a:srgbClr val="000000"/>
+                        </a:solidFill>
+                        <a:effectLst/>
+                        <a:latin typeface="等线" panose="02010600030101010101" pitchFamily="2" charset="-122"/>
+                        <a:ea typeface="等线" panose="02010600030101010101" pitchFamily="2" charset="-122"/>
+                      </a:endParaRPr>
+                    </a:p>
+                  </a:txBody>
+                  <a:tcPr marL="9113" marR="9113" marT="9113" marB="0" anchor="ctr"/>
+                </a:tc>
+                <a:tc>
+                  <a:txBody>
+                    <a:bodyPr/>
+                    <a:lstStyle/>
+                    <a:p>
+                      <a:pPr algn="r" rtl="0" fontAlgn="ctr"/>
+                      <a:r>
+                        <a:rPr lang="en-US" altLang="zh-CN" sz="1100" u="none" strike="noStrike">
+                          <a:effectLst/>
+                        </a:rPr>
+                        <a:t>40</a:t>
+                      </a:r>
+                      <a:endParaRPr lang="en-US" altLang="zh-CN" sz="1100" b="0" i="0" u="none" strike="noStrike">
+                        <a:solidFill>
+                          <a:srgbClr val="000000"/>
+                        </a:solidFill>
+                        <a:effectLst/>
+                        <a:latin typeface="Arial" panose="020B0604020202020204" pitchFamily="34" charset="0"/>
+                        <a:ea typeface="等线" panose="02010600030101010101" pitchFamily="2" charset="-122"/>
+                      </a:endParaRPr>
+                    </a:p>
+                  </a:txBody>
+                  <a:tcPr marL="9113" marR="9113" marT="9113" marB="0" anchor="ctr"/>
+                </a:tc>
+                <a:tc>
+                  <a:txBody>
+                    <a:bodyPr/>
+                    <a:lstStyle/>
+                    <a:p>
+                      <a:pPr algn="r" rtl="0" fontAlgn="ctr"/>
+                      <a:r>
+                        <a:rPr lang="en-US" altLang="zh-CN" sz="1100" u="none" strike="noStrike">
+                          <a:effectLst/>
+                        </a:rPr>
+                        <a:t>0.57091</a:t>
+                      </a:r>
+                      <a:endParaRPr lang="en-US" altLang="zh-CN" sz="1100" b="0" i="0" u="none" strike="noStrike">
+                        <a:solidFill>
+                          <a:srgbClr val="000000"/>
+                        </a:solidFill>
+                        <a:effectLst/>
+                        <a:latin typeface="Arial" panose="020B0604020202020204" pitchFamily="34" charset="0"/>
+                        <a:ea typeface="等线" panose="02010600030101010101" pitchFamily="2" charset="-122"/>
+                      </a:endParaRPr>
+                    </a:p>
+                  </a:txBody>
+                  <a:tcPr marL="9113" marR="9113" marT="9113" marB="0" anchor="ctr"/>
+                </a:tc>
+                <a:tc>
+                  <a:txBody>
+                    <a:bodyPr/>
+                    <a:lstStyle/>
+                    <a:p>
+                      <a:pPr algn="r" rtl="0" fontAlgn="ctr"/>
+                      <a:r>
+                        <a:rPr lang="en-US" altLang="zh-CN" sz="1100" u="none" strike="noStrike">
+                          <a:effectLst/>
+                        </a:rPr>
+                        <a:t>3.480486</a:t>
+                      </a:r>
+                      <a:endParaRPr lang="en-US" altLang="zh-CN" sz="1100" b="0" i="0" u="none" strike="noStrike">
+                        <a:solidFill>
+                          <a:srgbClr val="000000"/>
+                        </a:solidFill>
+                        <a:effectLst/>
+                        <a:latin typeface="Arial" panose="020B0604020202020204" pitchFamily="34" charset="0"/>
+                        <a:ea typeface="等线" panose="02010600030101010101" pitchFamily="2" charset="-122"/>
+                      </a:endParaRPr>
+                    </a:p>
+                  </a:txBody>
+                  <a:tcPr marL="9113" marR="9113" marT="9113" marB="0" anchor="ctr"/>
+                </a:tc>
+                <a:tc>
+                  <a:txBody>
+                    <a:bodyPr/>
+                    <a:lstStyle/>
+                    <a:p>
+                      <a:pPr algn="r" rtl="0" fontAlgn="ctr"/>
+                      <a:r>
+                        <a:rPr lang="en-US" altLang="zh-CN" sz="1100" u="none" strike="noStrike">
+                          <a:effectLst/>
+                        </a:rPr>
+                        <a:t>4.8916</a:t>
+                      </a:r>
+                      <a:endParaRPr lang="en-US" altLang="zh-CN" sz="1100" b="0" i="0" u="none" strike="noStrike">
+                        <a:solidFill>
+                          <a:srgbClr val="000000"/>
+                        </a:solidFill>
+                        <a:effectLst/>
+                        <a:latin typeface="Arial" panose="020B0604020202020204" pitchFamily="34" charset="0"/>
+                        <a:ea typeface="等线" panose="02010600030101010101" pitchFamily="2" charset="-122"/>
+                      </a:endParaRPr>
+                    </a:p>
+                  </a:txBody>
+                  <a:tcPr marL="9113" marR="9113" marT="9113" marB="0" anchor="ctr"/>
+                </a:tc>
+                <a:extLst>
+                  <a:ext uri="{0D108BD9-81ED-4DB2-BD59-A6C34878D82A}">
+                    <a16:rowId xmlns:a16="http://schemas.microsoft.com/office/drawing/2014/main" val="2364361548"/>
+                  </a:ext>
+                </a:extLst>
+              </a:tr>
+              <a:tr h="182252">
+                <a:tc>
+                  <a:txBody>
+                    <a:bodyPr/>
+                    <a:lstStyle/>
+                    <a:p>
+                      <a:pPr algn="l" fontAlgn="ctr"/>
+                      <a:r>
+                        <a:rPr lang="en-US" sz="1100" u="none" strike="noStrike" dirty="0">
+                          <a:solidFill>
+                            <a:schemeClr val="accent6">
+                              <a:lumMod val="75000"/>
+                            </a:schemeClr>
+                          </a:solidFill>
+                          <a:effectLst/>
+                        </a:rPr>
+                        <a:t>Original</a:t>
+                      </a:r>
+                      <a:endParaRPr lang="en-US" sz="1100" b="0" i="0" u="none" strike="noStrike" dirty="0">
+                        <a:solidFill>
+                          <a:schemeClr val="accent6">
+                            <a:lumMod val="75000"/>
+                          </a:schemeClr>
+                        </a:solidFill>
+                        <a:effectLst/>
+                        <a:latin typeface="等线" panose="02010600030101010101" pitchFamily="2" charset="-122"/>
+                        <a:ea typeface="等线" panose="02010600030101010101" pitchFamily="2" charset="-122"/>
+                      </a:endParaRPr>
+                    </a:p>
+                  </a:txBody>
+                  <a:tcPr marL="9113" marR="9113" marT="9113" marB="0" anchor="ctr"/>
+                </a:tc>
+                <a:tc>
+                  <a:txBody>
+                    <a:bodyPr/>
+                    <a:lstStyle/>
+                    <a:p>
+                      <a:pPr algn="r" rtl="0" fontAlgn="ctr"/>
+                      <a:r>
+                        <a:rPr lang="en-US" altLang="zh-CN" sz="1100" u="none" strike="noStrike">
+                          <a:effectLst/>
+                        </a:rPr>
+                        <a:t>54</a:t>
+                      </a:r>
+                      <a:endParaRPr lang="en-US" altLang="zh-CN" sz="1100" b="0" i="0" u="none" strike="noStrike">
+                        <a:solidFill>
+                          <a:srgbClr val="000000"/>
+                        </a:solidFill>
+                        <a:effectLst/>
+                        <a:latin typeface="Arial" panose="020B0604020202020204" pitchFamily="34" charset="0"/>
+                        <a:ea typeface="等线" panose="02010600030101010101" pitchFamily="2" charset="-122"/>
+                      </a:endParaRPr>
+                    </a:p>
+                  </a:txBody>
+                  <a:tcPr marL="9113" marR="9113" marT="9113" marB="0" anchor="ctr"/>
+                </a:tc>
+                <a:tc>
+                  <a:txBody>
+                    <a:bodyPr/>
+                    <a:lstStyle/>
+                    <a:p>
+                      <a:pPr algn="r" rtl="0" fontAlgn="ctr"/>
+                      <a:r>
+                        <a:rPr lang="en-US" altLang="zh-CN" sz="1100" u="none" strike="noStrike">
+                          <a:effectLst/>
+                        </a:rPr>
+                        <a:t>0.569435</a:t>
+                      </a:r>
+                      <a:endParaRPr lang="en-US" altLang="zh-CN" sz="1100" b="0" i="0" u="none" strike="noStrike">
+                        <a:solidFill>
+                          <a:srgbClr val="000000"/>
+                        </a:solidFill>
+                        <a:effectLst/>
+                        <a:latin typeface="Arial" panose="020B0604020202020204" pitchFamily="34" charset="0"/>
+                        <a:ea typeface="等线" panose="02010600030101010101" pitchFamily="2" charset="-122"/>
+                      </a:endParaRPr>
+                    </a:p>
+                  </a:txBody>
+                  <a:tcPr marL="9113" marR="9113" marT="9113" marB="0" anchor="ctr"/>
+                </a:tc>
+                <a:tc>
+                  <a:txBody>
+                    <a:bodyPr/>
+                    <a:lstStyle/>
+                    <a:p>
+                      <a:pPr algn="r" rtl="0" fontAlgn="ctr"/>
+                      <a:r>
+                        <a:rPr lang="en-US" altLang="zh-CN" sz="1100" u="none" strike="noStrike">
+                          <a:effectLst/>
+                        </a:rPr>
+                        <a:t>0.295962</a:t>
+                      </a:r>
+                      <a:endParaRPr lang="en-US" altLang="zh-CN" sz="1100" b="0" i="0" u="none" strike="noStrike">
+                        <a:solidFill>
+                          <a:srgbClr val="000000"/>
+                        </a:solidFill>
+                        <a:effectLst/>
+                        <a:latin typeface="Arial" panose="020B0604020202020204" pitchFamily="34" charset="0"/>
+                        <a:ea typeface="等线" panose="02010600030101010101" pitchFamily="2" charset="-122"/>
+                      </a:endParaRPr>
+                    </a:p>
+                  </a:txBody>
+                  <a:tcPr marL="9113" marR="9113" marT="9113" marB="0" anchor="ctr"/>
+                </a:tc>
+                <a:tc>
+                  <a:txBody>
+                    <a:bodyPr/>
+                    <a:lstStyle/>
+                    <a:p>
+                      <a:pPr algn="r" rtl="0" fontAlgn="ctr"/>
+                      <a:r>
+                        <a:rPr lang="en-US" altLang="zh-CN" sz="1100" u="none" strike="noStrike">
+                          <a:effectLst/>
+                        </a:rPr>
+                        <a:t>0.38338</a:t>
+                      </a:r>
+                      <a:endParaRPr lang="en-US" altLang="zh-CN" sz="1100" b="0" i="0" u="none" strike="noStrike">
+                        <a:solidFill>
+                          <a:srgbClr val="000000"/>
+                        </a:solidFill>
+                        <a:effectLst/>
+                        <a:latin typeface="Arial" panose="020B0604020202020204" pitchFamily="34" charset="0"/>
+                        <a:ea typeface="等线" panose="02010600030101010101" pitchFamily="2" charset="-122"/>
+                      </a:endParaRPr>
+                    </a:p>
+                  </a:txBody>
+                  <a:tcPr marL="9113" marR="9113" marT="9113" marB="0" anchor="ctr"/>
+                </a:tc>
+                <a:extLst>
+                  <a:ext uri="{0D108BD9-81ED-4DB2-BD59-A6C34878D82A}">
+                    <a16:rowId xmlns:a16="http://schemas.microsoft.com/office/drawing/2014/main" val="3264355766"/>
+                  </a:ext>
+                </a:extLst>
+              </a:tr>
+              <a:tr h="182252">
+                <a:tc>
+                  <a:txBody>
+                    <a:bodyPr/>
+                    <a:lstStyle/>
+                    <a:p>
+                      <a:pPr algn="l" fontAlgn="ctr"/>
+                      <a:r>
+                        <a:rPr lang="en-US" sz="1100" u="none" strike="noStrike">
+                          <a:solidFill>
+                            <a:schemeClr val="accent6">
+                              <a:lumMod val="75000"/>
+                            </a:schemeClr>
+                          </a:solidFill>
+                          <a:effectLst/>
+                        </a:rPr>
+                        <a:t>Original</a:t>
+                      </a:r>
+                      <a:endParaRPr lang="en-US" sz="1100" b="0" i="0" u="none" strike="noStrike">
+                        <a:solidFill>
+                          <a:schemeClr val="accent6">
+                            <a:lumMod val="75000"/>
+                          </a:schemeClr>
+                        </a:solidFill>
+                        <a:effectLst/>
+                        <a:latin typeface="等线" panose="02010600030101010101" pitchFamily="2" charset="-122"/>
+                        <a:ea typeface="等线" panose="02010600030101010101" pitchFamily="2" charset="-122"/>
+                      </a:endParaRPr>
+                    </a:p>
+                  </a:txBody>
+                  <a:tcPr marL="9113" marR="9113" marT="9113" marB="0" anchor="ctr"/>
+                </a:tc>
+                <a:tc>
+                  <a:txBody>
+                    <a:bodyPr/>
+                    <a:lstStyle/>
+                    <a:p>
+                      <a:pPr algn="r" rtl="0" fontAlgn="ctr"/>
+                      <a:r>
+                        <a:rPr lang="en-US" altLang="zh-CN" sz="1100" u="none" strike="noStrike">
+                          <a:effectLst/>
+                        </a:rPr>
+                        <a:t>56</a:t>
+                      </a:r>
+                      <a:endParaRPr lang="en-US" altLang="zh-CN" sz="1100" b="0" i="0" u="none" strike="noStrike">
+                        <a:solidFill>
+                          <a:srgbClr val="000000"/>
+                        </a:solidFill>
+                        <a:effectLst/>
+                        <a:latin typeface="Arial" panose="020B0604020202020204" pitchFamily="34" charset="0"/>
+                        <a:ea typeface="等线" panose="02010600030101010101" pitchFamily="2" charset="-122"/>
+                      </a:endParaRPr>
+                    </a:p>
+                  </a:txBody>
+                  <a:tcPr marL="9113" marR="9113" marT="9113" marB="0" anchor="ctr"/>
+                </a:tc>
+                <a:tc>
+                  <a:txBody>
+                    <a:bodyPr/>
+                    <a:lstStyle/>
+                    <a:p>
+                      <a:pPr algn="r" rtl="0" fontAlgn="ctr"/>
+                      <a:r>
+                        <a:rPr lang="en-US" altLang="zh-CN" sz="1100" u="none" strike="noStrike">
+                          <a:effectLst/>
+                        </a:rPr>
+                        <a:t>0.566518</a:t>
+                      </a:r>
+                      <a:endParaRPr lang="en-US" altLang="zh-CN" sz="1100" b="0" i="0" u="none" strike="noStrike">
+                        <a:solidFill>
+                          <a:srgbClr val="000000"/>
+                        </a:solidFill>
+                        <a:effectLst/>
+                        <a:latin typeface="Arial" panose="020B0604020202020204" pitchFamily="34" charset="0"/>
+                        <a:ea typeface="等线" panose="02010600030101010101" pitchFamily="2" charset="-122"/>
+                      </a:endParaRPr>
+                    </a:p>
+                  </a:txBody>
+                  <a:tcPr marL="9113" marR="9113" marT="9113" marB="0" anchor="ctr"/>
+                </a:tc>
+                <a:tc>
+                  <a:txBody>
+                    <a:bodyPr/>
+                    <a:lstStyle/>
+                    <a:p>
+                      <a:pPr algn="r" rtl="0" fontAlgn="ctr"/>
+                      <a:r>
+                        <a:rPr lang="en-US" altLang="zh-CN" sz="1100" u="none" strike="noStrike">
+                          <a:effectLst/>
+                        </a:rPr>
+                        <a:t>2.782303</a:t>
+                      </a:r>
+                      <a:endParaRPr lang="en-US" altLang="zh-CN" sz="1100" b="0" i="0" u="none" strike="noStrike">
+                        <a:solidFill>
+                          <a:srgbClr val="000000"/>
+                        </a:solidFill>
+                        <a:effectLst/>
+                        <a:latin typeface="Arial" panose="020B0604020202020204" pitchFamily="34" charset="0"/>
+                        <a:ea typeface="等线" panose="02010600030101010101" pitchFamily="2" charset="-122"/>
+                      </a:endParaRPr>
+                    </a:p>
+                  </a:txBody>
+                  <a:tcPr marL="9113" marR="9113" marT="9113" marB="0" anchor="ctr"/>
+                </a:tc>
+                <a:tc>
+                  <a:txBody>
+                    <a:bodyPr/>
+                    <a:lstStyle/>
+                    <a:p>
+                      <a:pPr algn="r" rtl="0" fontAlgn="ctr"/>
+                      <a:r>
+                        <a:rPr lang="en-US" altLang="zh-CN" sz="1100" u="none" strike="noStrike">
+                          <a:effectLst/>
+                        </a:rPr>
+                        <a:t>5.254754</a:t>
+                      </a:r>
+                      <a:endParaRPr lang="en-US" altLang="zh-CN" sz="1100" b="0" i="0" u="none" strike="noStrike">
+                        <a:solidFill>
+                          <a:srgbClr val="000000"/>
+                        </a:solidFill>
+                        <a:effectLst/>
+                        <a:latin typeface="Arial" panose="020B0604020202020204" pitchFamily="34" charset="0"/>
+                        <a:ea typeface="等线" panose="02010600030101010101" pitchFamily="2" charset="-122"/>
+                      </a:endParaRPr>
+                    </a:p>
+                  </a:txBody>
+                  <a:tcPr marL="9113" marR="9113" marT="9113" marB="0" anchor="ctr"/>
+                </a:tc>
+                <a:extLst>
+                  <a:ext uri="{0D108BD9-81ED-4DB2-BD59-A6C34878D82A}">
+                    <a16:rowId xmlns:a16="http://schemas.microsoft.com/office/drawing/2014/main" val="3440089113"/>
+                  </a:ext>
+                </a:extLst>
+              </a:tr>
+              <a:tr h="182252">
+                <a:tc>
+                  <a:txBody>
+                    <a:bodyPr/>
+                    <a:lstStyle/>
+                    <a:p>
+                      <a:pPr algn="l" fontAlgn="ctr"/>
+                      <a:r>
+                        <a:rPr lang="en-US" sz="1100" u="none" strike="noStrike" dirty="0">
+                          <a:solidFill>
+                            <a:schemeClr val="accent6">
+                              <a:lumMod val="75000"/>
+                            </a:schemeClr>
+                          </a:solidFill>
+                          <a:effectLst/>
+                        </a:rPr>
+                        <a:t>Original</a:t>
+                      </a:r>
+                      <a:endParaRPr lang="en-US" sz="1100" b="0" i="0" u="none" strike="noStrike" dirty="0">
+                        <a:solidFill>
+                          <a:schemeClr val="accent6">
+                            <a:lumMod val="75000"/>
+                          </a:schemeClr>
+                        </a:solidFill>
+                        <a:effectLst/>
+                        <a:latin typeface="等线" panose="02010600030101010101" pitchFamily="2" charset="-122"/>
+                        <a:ea typeface="等线" panose="02010600030101010101" pitchFamily="2" charset="-122"/>
+                      </a:endParaRPr>
+                    </a:p>
+                  </a:txBody>
+                  <a:tcPr marL="9113" marR="9113" marT="9113" marB="0" anchor="ctr"/>
+                </a:tc>
+                <a:tc>
+                  <a:txBody>
+                    <a:bodyPr/>
+                    <a:lstStyle/>
+                    <a:p>
+                      <a:pPr algn="r" rtl="0" fontAlgn="ctr"/>
+                      <a:r>
+                        <a:rPr lang="en-US" altLang="zh-CN" sz="1100" u="none" strike="noStrike">
+                          <a:effectLst/>
+                        </a:rPr>
+                        <a:t>55</a:t>
+                      </a:r>
+                      <a:endParaRPr lang="en-US" altLang="zh-CN" sz="1100" b="0" i="0" u="none" strike="noStrike">
+                        <a:solidFill>
+                          <a:srgbClr val="000000"/>
+                        </a:solidFill>
+                        <a:effectLst/>
+                        <a:latin typeface="Arial" panose="020B0604020202020204" pitchFamily="34" charset="0"/>
+                        <a:ea typeface="等线" panose="02010600030101010101" pitchFamily="2" charset="-122"/>
+                      </a:endParaRPr>
+                    </a:p>
+                  </a:txBody>
+                  <a:tcPr marL="9113" marR="9113" marT="9113" marB="0" anchor="ctr"/>
+                </a:tc>
+                <a:tc>
+                  <a:txBody>
+                    <a:bodyPr/>
+                    <a:lstStyle/>
+                    <a:p>
+                      <a:pPr algn="r" rtl="0" fontAlgn="ctr"/>
+                      <a:r>
+                        <a:rPr lang="en-US" altLang="zh-CN" sz="1100" u="none" strike="noStrike">
+                          <a:effectLst/>
+                        </a:rPr>
+                        <a:t>0.565096</a:t>
+                      </a:r>
+                      <a:endParaRPr lang="en-US" altLang="zh-CN" sz="1100" b="0" i="0" u="none" strike="noStrike">
+                        <a:solidFill>
+                          <a:srgbClr val="000000"/>
+                        </a:solidFill>
+                        <a:effectLst/>
+                        <a:latin typeface="Arial" panose="020B0604020202020204" pitchFamily="34" charset="0"/>
+                        <a:ea typeface="等线" panose="02010600030101010101" pitchFamily="2" charset="-122"/>
+                      </a:endParaRPr>
+                    </a:p>
+                  </a:txBody>
+                  <a:tcPr marL="9113" marR="9113" marT="9113" marB="0" anchor="ctr"/>
+                </a:tc>
+                <a:tc>
+                  <a:txBody>
+                    <a:bodyPr/>
+                    <a:lstStyle/>
+                    <a:p>
+                      <a:pPr algn="r" rtl="0" fontAlgn="ctr"/>
+                      <a:r>
+                        <a:rPr lang="en-US" altLang="zh-CN" sz="1100" u="none" strike="noStrike">
+                          <a:effectLst/>
+                        </a:rPr>
+                        <a:t>3.301108</a:t>
+                      </a:r>
+                      <a:endParaRPr lang="en-US" altLang="zh-CN" sz="1100" b="0" i="0" u="none" strike="noStrike">
+                        <a:solidFill>
+                          <a:srgbClr val="000000"/>
+                        </a:solidFill>
+                        <a:effectLst/>
+                        <a:latin typeface="Arial" panose="020B0604020202020204" pitchFamily="34" charset="0"/>
+                        <a:ea typeface="等线" panose="02010600030101010101" pitchFamily="2" charset="-122"/>
+                      </a:endParaRPr>
+                    </a:p>
+                  </a:txBody>
+                  <a:tcPr marL="9113" marR="9113" marT="9113" marB="0" anchor="ctr"/>
+                </a:tc>
+                <a:tc>
+                  <a:txBody>
+                    <a:bodyPr/>
+                    <a:lstStyle/>
+                    <a:p>
+                      <a:pPr algn="r" rtl="0" fontAlgn="ctr"/>
+                      <a:r>
+                        <a:rPr lang="en-US" altLang="zh-CN" sz="1100" u="none" strike="noStrike">
+                          <a:effectLst/>
+                        </a:rPr>
+                        <a:t>5.491214</a:t>
+                      </a:r>
+                      <a:endParaRPr lang="en-US" altLang="zh-CN" sz="1100" b="0" i="0" u="none" strike="noStrike">
+                        <a:solidFill>
+                          <a:srgbClr val="000000"/>
+                        </a:solidFill>
+                        <a:effectLst/>
+                        <a:latin typeface="Arial" panose="020B0604020202020204" pitchFamily="34" charset="0"/>
+                        <a:ea typeface="等线" panose="02010600030101010101" pitchFamily="2" charset="-122"/>
+                      </a:endParaRPr>
+                    </a:p>
+                  </a:txBody>
+                  <a:tcPr marL="9113" marR="9113" marT="9113" marB="0" anchor="ctr"/>
+                </a:tc>
+                <a:extLst>
+                  <a:ext uri="{0D108BD9-81ED-4DB2-BD59-A6C34878D82A}">
+                    <a16:rowId xmlns:a16="http://schemas.microsoft.com/office/drawing/2014/main" val="1291254646"/>
+                  </a:ext>
+                </a:extLst>
+              </a:tr>
+              <a:tr h="182252">
+                <a:tc>
+                  <a:txBody>
+                    <a:bodyPr/>
+                    <a:lstStyle/>
+                    <a:p>
+                      <a:pPr algn="l" fontAlgn="ctr"/>
+                      <a:r>
+                        <a:rPr lang="en-US" sz="1100" u="none" strike="noStrike">
+                          <a:solidFill>
+                            <a:srgbClr val="FF0000"/>
+                          </a:solidFill>
+                          <a:effectLst/>
+                        </a:rPr>
+                        <a:t>Doc2Vec</a:t>
+                      </a:r>
+                      <a:endParaRPr lang="en-US" sz="1100" b="0" i="0" u="none" strike="noStrike">
+                        <a:solidFill>
+                          <a:srgbClr val="FF0000"/>
+                        </a:solidFill>
+                        <a:effectLst/>
+                        <a:latin typeface="等线" panose="02010600030101010101" pitchFamily="2" charset="-122"/>
+                        <a:ea typeface="等线" panose="02010600030101010101" pitchFamily="2" charset="-122"/>
+                      </a:endParaRPr>
+                    </a:p>
+                  </a:txBody>
+                  <a:tcPr marL="9113" marR="9113" marT="9113" marB="0" anchor="ctr"/>
+                </a:tc>
+                <a:tc>
+                  <a:txBody>
+                    <a:bodyPr/>
+                    <a:lstStyle/>
+                    <a:p>
+                      <a:pPr algn="r" fontAlgn="ctr"/>
+                      <a:r>
+                        <a:rPr lang="en-US" altLang="zh-CN" sz="1100" u="none" strike="noStrike">
+                          <a:effectLst/>
+                        </a:rPr>
+                        <a:t>0</a:t>
+                      </a:r>
+                      <a:endParaRPr lang="en-US" altLang="zh-CN" sz="1100" b="0" i="0" u="none" strike="noStrike">
+                        <a:solidFill>
+                          <a:srgbClr val="000000"/>
+                        </a:solidFill>
+                        <a:effectLst/>
+                        <a:latin typeface="等线" panose="02010600030101010101" pitchFamily="2" charset="-122"/>
+                        <a:ea typeface="等线" panose="02010600030101010101" pitchFamily="2" charset="-122"/>
+                      </a:endParaRPr>
+                    </a:p>
+                  </a:txBody>
+                  <a:tcPr marL="9113" marR="9113" marT="9113" marB="0" anchor="ctr"/>
+                </a:tc>
+                <a:tc>
+                  <a:txBody>
+                    <a:bodyPr/>
+                    <a:lstStyle/>
+                    <a:p>
+                      <a:pPr algn="r" fontAlgn="ctr"/>
+                      <a:r>
+                        <a:rPr lang="en-US" altLang="zh-CN" sz="1100" u="none" strike="noStrike">
+                          <a:effectLst/>
+                        </a:rPr>
+                        <a:t>0.559261</a:t>
+                      </a:r>
+                      <a:endParaRPr lang="en-US" altLang="zh-CN" sz="1100" b="0" i="0" u="none" strike="noStrike">
+                        <a:solidFill>
+                          <a:srgbClr val="000000"/>
+                        </a:solidFill>
+                        <a:effectLst/>
+                        <a:latin typeface="等线" panose="02010600030101010101" pitchFamily="2" charset="-122"/>
+                        <a:ea typeface="等线" panose="02010600030101010101" pitchFamily="2" charset="-122"/>
+                      </a:endParaRPr>
+                    </a:p>
+                  </a:txBody>
+                  <a:tcPr marL="9113" marR="9113" marT="9113" marB="0" anchor="ctr"/>
+                </a:tc>
+                <a:tc>
+                  <a:txBody>
+                    <a:bodyPr/>
+                    <a:lstStyle/>
+                    <a:p>
+                      <a:pPr algn="r" fontAlgn="ctr"/>
+                      <a:r>
+                        <a:rPr lang="en-US" altLang="zh-CN" sz="1100" u="none" strike="noStrike">
+                          <a:effectLst/>
+                        </a:rPr>
+                        <a:t>0.526377</a:t>
+                      </a:r>
+                      <a:endParaRPr lang="en-US" altLang="zh-CN" sz="1100" b="0" i="0" u="none" strike="noStrike">
+                        <a:solidFill>
+                          <a:srgbClr val="000000"/>
+                        </a:solidFill>
+                        <a:effectLst/>
+                        <a:latin typeface="等线" panose="02010600030101010101" pitchFamily="2" charset="-122"/>
+                        <a:ea typeface="等线" panose="02010600030101010101" pitchFamily="2" charset="-122"/>
+                      </a:endParaRPr>
+                    </a:p>
+                  </a:txBody>
+                  <a:tcPr marL="9113" marR="9113" marT="9113" marB="0" anchor="ctr"/>
+                </a:tc>
+                <a:tc>
+                  <a:txBody>
+                    <a:bodyPr/>
+                    <a:lstStyle/>
+                    <a:p>
+                      <a:pPr algn="r" fontAlgn="ctr"/>
+                      <a:r>
+                        <a:rPr lang="en-US" altLang="zh-CN" sz="1100" u="none" strike="noStrike">
+                          <a:effectLst/>
+                        </a:rPr>
+                        <a:t>1.278248</a:t>
+                      </a:r>
+                      <a:endParaRPr lang="en-US" altLang="zh-CN" sz="1100" b="0" i="0" u="none" strike="noStrike">
+                        <a:solidFill>
+                          <a:srgbClr val="000000"/>
+                        </a:solidFill>
+                        <a:effectLst/>
+                        <a:latin typeface="等线" panose="02010600030101010101" pitchFamily="2" charset="-122"/>
+                        <a:ea typeface="等线" panose="02010600030101010101" pitchFamily="2" charset="-122"/>
+                      </a:endParaRPr>
+                    </a:p>
+                  </a:txBody>
+                  <a:tcPr marL="9113" marR="9113" marT="9113" marB="0" anchor="ctr"/>
+                </a:tc>
+                <a:extLst>
+                  <a:ext uri="{0D108BD9-81ED-4DB2-BD59-A6C34878D82A}">
+                    <a16:rowId xmlns:a16="http://schemas.microsoft.com/office/drawing/2014/main" val="2259830073"/>
+                  </a:ext>
+                </a:extLst>
+              </a:tr>
+              <a:tr h="182252">
+                <a:tc>
+                  <a:txBody>
+                    <a:bodyPr/>
+                    <a:lstStyle/>
+                    <a:p>
+                      <a:pPr algn="l" fontAlgn="ctr"/>
+                      <a:r>
+                        <a:rPr lang="en-US" sz="1100" u="none" strike="noStrike" dirty="0">
+                          <a:solidFill>
+                            <a:srgbClr val="FF0000"/>
+                          </a:solidFill>
+                          <a:effectLst/>
+                        </a:rPr>
+                        <a:t>Doc2Vec</a:t>
+                      </a:r>
+                      <a:endParaRPr lang="en-US" sz="1100" b="0" i="0" u="none" strike="noStrike" dirty="0">
+                        <a:solidFill>
+                          <a:srgbClr val="FF0000"/>
+                        </a:solidFill>
+                        <a:effectLst/>
+                        <a:latin typeface="等线" panose="02010600030101010101" pitchFamily="2" charset="-122"/>
+                        <a:ea typeface="等线" panose="02010600030101010101" pitchFamily="2" charset="-122"/>
+                      </a:endParaRPr>
+                    </a:p>
+                  </a:txBody>
+                  <a:tcPr marL="9113" marR="9113" marT="9113" marB="0" anchor="ctr"/>
+                </a:tc>
+                <a:tc>
+                  <a:txBody>
+                    <a:bodyPr/>
+                    <a:lstStyle/>
+                    <a:p>
+                      <a:pPr algn="r" fontAlgn="ctr"/>
+                      <a:r>
+                        <a:rPr lang="en-US" altLang="zh-CN" sz="1100" u="none" strike="noStrike">
+                          <a:effectLst/>
+                        </a:rPr>
+                        <a:t>1</a:t>
+                      </a:r>
+                      <a:endParaRPr lang="en-US" altLang="zh-CN" sz="1100" b="0" i="0" u="none" strike="noStrike">
+                        <a:solidFill>
+                          <a:srgbClr val="000000"/>
+                        </a:solidFill>
+                        <a:effectLst/>
+                        <a:latin typeface="等线" panose="02010600030101010101" pitchFamily="2" charset="-122"/>
+                        <a:ea typeface="等线" panose="02010600030101010101" pitchFamily="2" charset="-122"/>
+                      </a:endParaRPr>
+                    </a:p>
+                  </a:txBody>
+                  <a:tcPr marL="9113" marR="9113" marT="9113" marB="0" anchor="ctr"/>
+                </a:tc>
+                <a:tc>
+                  <a:txBody>
+                    <a:bodyPr/>
+                    <a:lstStyle/>
+                    <a:p>
+                      <a:pPr algn="r" fontAlgn="ctr"/>
+                      <a:r>
+                        <a:rPr lang="en-US" altLang="zh-CN" sz="1100" u="none" strike="noStrike">
+                          <a:effectLst/>
+                        </a:rPr>
+                        <a:t>0.519884</a:t>
+                      </a:r>
+                      <a:endParaRPr lang="en-US" altLang="zh-CN" sz="1100" b="0" i="0" u="none" strike="noStrike">
+                        <a:solidFill>
+                          <a:srgbClr val="000000"/>
+                        </a:solidFill>
+                        <a:effectLst/>
+                        <a:latin typeface="等线" panose="02010600030101010101" pitchFamily="2" charset="-122"/>
+                        <a:ea typeface="等线" panose="02010600030101010101" pitchFamily="2" charset="-122"/>
+                      </a:endParaRPr>
+                    </a:p>
+                  </a:txBody>
+                  <a:tcPr marL="9113" marR="9113" marT="9113" marB="0" anchor="ctr"/>
+                </a:tc>
+                <a:tc>
+                  <a:txBody>
+                    <a:bodyPr/>
+                    <a:lstStyle/>
+                    <a:p>
+                      <a:pPr algn="r" fontAlgn="ctr"/>
+                      <a:r>
+                        <a:rPr lang="en-US" altLang="zh-CN" sz="1100" u="none" strike="noStrike">
+                          <a:effectLst/>
+                        </a:rPr>
+                        <a:t>0.396033</a:t>
+                      </a:r>
+                      <a:endParaRPr lang="en-US" altLang="zh-CN" sz="1100" b="0" i="0" u="none" strike="noStrike">
+                        <a:solidFill>
+                          <a:srgbClr val="000000"/>
+                        </a:solidFill>
+                        <a:effectLst/>
+                        <a:latin typeface="等线" panose="02010600030101010101" pitchFamily="2" charset="-122"/>
+                        <a:ea typeface="等线" panose="02010600030101010101" pitchFamily="2" charset="-122"/>
+                      </a:endParaRPr>
+                    </a:p>
+                  </a:txBody>
+                  <a:tcPr marL="9113" marR="9113" marT="9113" marB="0" anchor="ctr"/>
+                </a:tc>
+                <a:tc>
+                  <a:txBody>
+                    <a:bodyPr/>
+                    <a:lstStyle/>
+                    <a:p>
+                      <a:pPr algn="r" fontAlgn="ctr"/>
+                      <a:r>
+                        <a:rPr lang="en-US" altLang="zh-CN" sz="1100" u="none" strike="noStrike" dirty="0">
+                          <a:effectLst/>
+                        </a:rPr>
+                        <a:t>0.633132</a:t>
+                      </a:r>
+                      <a:endParaRPr lang="en-US" altLang="zh-CN" sz="1100" b="0" i="0" u="none" strike="noStrike" dirty="0">
+                        <a:solidFill>
+                          <a:srgbClr val="000000"/>
+                        </a:solidFill>
+                        <a:effectLst/>
+                        <a:latin typeface="等线" panose="02010600030101010101" pitchFamily="2" charset="-122"/>
+                        <a:ea typeface="等线" panose="02010600030101010101" pitchFamily="2" charset="-122"/>
+                      </a:endParaRPr>
+                    </a:p>
+                  </a:txBody>
+                  <a:tcPr marL="9113" marR="9113" marT="9113" marB="0" anchor="ctr"/>
+                </a:tc>
+                <a:extLst>
+                  <a:ext uri="{0D108BD9-81ED-4DB2-BD59-A6C34878D82A}">
+                    <a16:rowId xmlns:a16="http://schemas.microsoft.com/office/drawing/2014/main" val="2768130574"/>
+                  </a:ext>
+                </a:extLst>
+              </a:tr>
+            </a:tbl>
+          </a:graphicData>
+        </a:graphic>
+      </p:graphicFrame>
+    </p:spTree>
+    <p:extLst>
+      <p:ext uri="{BB962C8B-B14F-4D97-AF65-F5344CB8AC3E}">
+        <p14:creationId xmlns:p14="http://schemas.microsoft.com/office/powerpoint/2010/main" val="3537164223"/>
+      </p:ext>
+    </p:extLst>
+  </p:cSld>
+  <p:clrMapOvr>
+    <a:masterClrMapping/>
+  </p:clrMapOvr>
+</p:sld>
+</file>
+
+<file path=ppt/slides/slide17.xml><?xml version="1.0" encoding="utf-8"?>
 <p:sld xmlns:a="http://schemas.openxmlformats.org/drawingml/2006/main" xmlns:r="http://schemas.openxmlformats.org/officeDocument/2006/relationships" xmlns:p="http://schemas.openxmlformats.org/presentationml/2006/main">
   <p:cSld>
     <p:spTree>
@@ -6570,7 +11925,7 @@
               <a:pPr>
                 <a:defRPr/>
               </a:pPr>
-              <a:t>10/18/2019</a:t>
+              <a:t>10/22/2019</a:t>
             </a:fld>
             <a:endParaRPr lang="en-US" altLang="zh-CN"/>
           </a:p>
@@ -6605,7 +11960,7 @@
               <a:pPr>
                 <a:defRPr/>
               </a:pPr>
-              <a:t>14</a:t>
+              <a:t>17</a:t>
             </a:fld>
             <a:endParaRPr lang="en-US" altLang="zh-CN"/>
           </a:p>
@@ -8055,7 +13410,7 @@
 </p:sld>
 </file>
 
-<file path=ppt/slides/slide15.xml><?xml version="1.0" encoding="utf-8"?>
+<file path=ppt/slides/slide18.xml><?xml version="1.0" encoding="utf-8"?>
 <p:sld xmlns:a="http://schemas.openxmlformats.org/drawingml/2006/main" xmlns:r="http://schemas.openxmlformats.org/officeDocument/2006/relationships" xmlns:p="http://schemas.openxmlformats.org/presentationml/2006/main">
   <p:cSld>
     <p:spTree>
@@ -8095,7 +13450,7 @@
           <a:p>
             <a:r>
               <a:rPr lang="en-US" altLang="zh-CN" dirty="0"/>
-              <a:t>Conclusions:</a:t>
+              <a:t>Comments:</a:t>
             </a:r>
           </a:p>
           <a:p>
@@ -8198,7 +13553,7 @@
               <a:pPr>
                 <a:defRPr/>
               </a:pPr>
-              <a:t>10/18/2019</a:t>
+              <a:t>10/22/2019</a:t>
             </a:fld>
             <a:endParaRPr lang="en-US" altLang="zh-CN"/>
           </a:p>
@@ -8233,7 +13588,7 @@
               <a:pPr>
                 <a:defRPr/>
               </a:pPr>
-              <a:t>15</a:t>
+              <a:t>18</a:t>
             </a:fld>
             <a:endParaRPr lang="en-US" altLang="zh-CN"/>
           </a:p>
@@ -8287,7 +13642,7 @@
         </p:nvSpPr>
         <p:spPr>
           <a:xfrm>
-            <a:off x="501650" y="1584325"/>
+            <a:off x="457200" y="1121746"/>
             <a:ext cx="3811588" cy="3130550"/>
           </a:xfrm>
         </p:spPr>
@@ -8331,6 +13686,48 @@
                 <a:cs typeface="Arial"/>
               </a:rPr>
               <a:t>Quick Refresh</a:t>
+            </a:r>
+          </a:p>
+          <a:p>
+            <a:pPr lvl="1" indent="-285750" fontAlgn="auto">
+              <a:lnSpc>
+                <a:spcPct val="200000"/>
+              </a:lnSpc>
+              <a:spcAft>
+                <a:spcPts val="0"/>
+              </a:spcAft>
+              <a:buSzPct val="100000"/>
+              <a:buFont typeface="Arial"/>
+              <a:buChar char="•"/>
+              <a:defRPr/>
+            </a:pPr>
+            <a:r>
+              <a:rPr lang="en-US" sz="1200" dirty="0">
+                <a:ea typeface="ＭＳ Ｐゴシック" charset="0"/>
+                <a:cs typeface="Arial"/>
+              </a:rPr>
+              <a:t>Model Summary</a:t>
+            </a:r>
+          </a:p>
+          <a:p>
+            <a:pPr lvl="1" indent="-285750" fontAlgn="auto">
+              <a:lnSpc>
+                <a:spcPct val="200000"/>
+              </a:lnSpc>
+              <a:spcAft>
+                <a:spcPts val="0"/>
+              </a:spcAft>
+              <a:buSzPct val="100000"/>
+              <a:buFont typeface="Arial"/>
+              <a:buChar char="•"/>
+              <a:defRPr/>
+            </a:pPr>
+            <a:r>
+              <a:rPr lang="en-US" sz="1200" dirty="0">
+                <a:ea typeface="ＭＳ Ｐゴシック" charset="0"/>
+                <a:cs typeface="Arial"/>
+              </a:rPr>
+              <a:t>Performance</a:t>
             </a:r>
           </a:p>
           <a:p>
@@ -8485,26 +13882,26 @@
               </a:spcBef>
             </a:pPr>
             <a:r>
-              <a:rPr lang="en-US" altLang="zh-CN"/>
+              <a:rPr lang="en-US" altLang="zh-CN" dirty="0"/>
               <a:t>News Analytics and</a:t>
             </a:r>
             <a:r>
-              <a:rPr lang="zh-CN" altLang="en-US"/>
+              <a:rPr lang="zh-CN" altLang="en-US" dirty="0"/>
               <a:t> </a:t>
             </a:r>
             <a:r>
-              <a:rPr lang="en-US" altLang="zh-CN"/>
+              <a:rPr lang="en-US" altLang="zh-CN" dirty="0"/>
               <a:t>Machine</a:t>
             </a:r>
             <a:r>
-              <a:rPr lang="zh-CN" altLang="en-US"/>
+              <a:rPr lang="zh-CN" altLang="en-US" dirty="0"/>
               <a:t> </a:t>
             </a:r>
             <a:r>
-              <a:rPr lang="en-US" altLang="zh-CN"/>
+              <a:rPr lang="en-US" altLang="zh-CN" dirty="0"/>
               <a:t>Learning</a:t>
             </a:r>
-            <a:endParaRPr lang="zh-CN" altLang="zh-CN"/>
+            <a:endParaRPr lang="zh-CN" altLang="zh-CN" dirty="0"/>
           </a:p>
         </p:txBody>
       </p:sp>
@@ -8525,7 +13922,7 @@
           </p:nvPr>
         </p:nvPicPr>
         <p:blipFill>
-          <a:blip r:embed="rId2">
+          <a:blip r:embed="rId3">
             <a:extLst>
               <a:ext uri="{28A0092B-C50C-407E-A947-70E740481C1C}">
                 <a14:useLocalDpi xmlns:a14="http://schemas.microsoft.com/office/drawing/2010/main" val="0"/>
@@ -8719,7 +14116,7 @@
                 </a:solidFill>
               </a:rPr>
               <a:pPr/>
-              <a:t>10/18/2019</a:t>
+              <a:t>10/22/2019</a:t>
             </a:fld>
             <a:endParaRPr lang="en-US" altLang="zh-CN">
               <a:solidFill>
@@ -9003,7 +14400,7 @@
             </a:pPr>
             <a:r>
               <a:rPr lang="en-US" altLang="zh-CN" dirty="0"/>
-              <a:t>1. Using word bags</a:t>
+              <a:t>1. Using Bag-of-words</a:t>
             </a:r>
           </a:p>
           <a:p>
@@ -9139,7 +14536,7 @@
               <a:rPr lang="en-US" altLang="zh-CN" sz="1400" b="0" dirty="0">
                 <a:cs typeface="+mn-cs"/>
               </a:rPr>
-              <a:t>		1. Cumulative returns</a:t>
+              <a:t>		1. Cumulative returns + maximum drawdown</a:t>
             </a:r>
           </a:p>
           <a:p>
@@ -9258,7 +14655,7 @@
             </a:pPr>
             <a:r>
               <a:rPr lang="en-US" altLang="zh-CN" dirty="0"/>
-              <a:t>Quick Refresh</a:t>
+              <a:t>Quick Refresh – Model Summary</a:t>
             </a:r>
             <a:endParaRPr lang="zh-CN" altLang="zh-CN" dirty="0"/>
           </a:p>
@@ -9427,7 +14824,7 @@
                 </a:solidFill>
               </a:rPr>
               <a:pPr/>
-              <a:t>10/18/2019</a:t>
+              <a:t>10/22/2019</a:t>
             </a:fld>
             <a:endParaRPr lang="en-US" altLang="zh-CN">
               <a:solidFill>
@@ -9747,7 +15144,7 @@
             </a:pPr>
             <a:r>
               <a:rPr lang="en-US" altLang="zh-CN" dirty="0"/>
-              <a:t>A Quick Refresh - Strategy Performance Overview</a:t>
+              <a:t>A Quick Refresh – Performance</a:t>
             </a:r>
             <a:endParaRPr lang="zh-CN" altLang="zh-CN" dirty="0"/>
           </a:p>
@@ -9916,7 +15313,7 @@
                 </a:solidFill>
               </a:rPr>
               <a:pPr/>
-              <a:t>10/18/2019</a:t>
+              <a:t>10/22/2019</a:t>
             </a:fld>
             <a:endParaRPr lang="en-US" altLang="zh-CN">
               <a:solidFill>
@@ -10174,7 +15571,7 @@
           <a:p>
             <a:r>
               <a:rPr lang="en-US" altLang="zh-CN" dirty="0"/>
-              <a:t>A Quick Refresh - Strategy Performance Overview</a:t>
+              <a:t>A Quick Refresh - Performance</a:t>
             </a:r>
             <a:endParaRPr lang="zh-CN" altLang="zh-CN" dirty="0"/>
           </a:p>
@@ -10212,7 +15609,7 @@
               <a:pPr>
                 <a:defRPr/>
               </a:pPr>
-              <a:t>10/18/2019</a:t>
+              <a:t>10/22/2019</a:t>
             </a:fld>
             <a:endParaRPr lang="en-US" altLang="zh-CN"/>
           </a:p>
@@ -11765,6 +17162,1367 @@
 </file>
 
 <file path=ppt/slides/slide6.xml><?xml version="1.0" encoding="utf-8"?>
+<p:sld xmlns:a="http://schemas.openxmlformats.org/drawingml/2006/main" xmlns:r="http://schemas.openxmlformats.org/officeDocument/2006/relationships" xmlns:p="http://schemas.openxmlformats.org/presentationml/2006/main">
+  <p:cSld>
+    <p:spTree>
+      <p:nvGrpSpPr>
+        <p:cNvPr id="1" name=""/>
+        <p:cNvGrpSpPr/>
+        <p:nvPr/>
+      </p:nvGrpSpPr>
+      <p:grpSpPr>
+        <a:xfrm>
+          <a:off x="0" y="0"/>
+          <a:ext cx="0" cy="0"/>
+          <a:chOff x="0" y="0"/>
+          <a:chExt cx="0" cy="0"/>
+        </a:xfrm>
+      </p:grpSpPr>
+      <p:sp>
+        <p:nvSpPr>
+          <p:cNvPr id="2" name="Text Placeholder 1">
+            <a:extLst>
+              <a:ext uri="{FF2B5EF4-FFF2-40B4-BE49-F238E27FC236}">
+                <a16:creationId xmlns:a16="http://schemas.microsoft.com/office/drawing/2014/main" id="{30AF4150-F153-466F-9806-469DFE3DF319}"/>
+              </a:ext>
+            </a:extLst>
+          </p:cNvPr>
+          <p:cNvSpPr>
+            <a:spLocks noGrp="1"/>
+          </p:cNvSpPr>
+          <p:nvPr>
+            <p:ph type="body" sz="quarter" idx="12"/>
+          </p:nvPr>
+        </p:nvSpPr>
+        <p:spPr/>
+        <p:txBody>
+          <a:bodyPr/>
+          <a:lstStyle/>
+          <a:p>
+            <a:r>
+              <a:rPr lang="en-US" altLang="zh-CN" dirty="0"/>
+              <a:t>Performance</a:t>
+            </a:r>
+            <a:endParaRPr lang="zh-CN" altLang="en-US" dirty="0"/>
+          </a:p>
+        </p:txBody>
+      </p:sp>
+      <p:sp>
+        <p:nvSpPr>
+          <p:cNvPr id="3" name="Text Placeholder 2">
+            <a:extLst>
+              <a:ext uri="{FF2B5EF4-FFF2-40B4-BE49-F238E27FC236}">
+                <a16:creationId xmlns:a16="http://schemas.microsoft.com/office/drawing/2014/main" id="{C90C7212-195A-4B6C-B374-ADD92E2D7935}"/>
+              </a:ext>
+            </a:extLst>
+          </p:cNvPr>
+          <p:cNvSpPr>
+            <a:spLocks noGrp="1"/>
+          </p:cNvSpPr>
+          <p:nvPr>
+            <p:ph type="body" sz="quarter" idx="14"/>
+          </p:nvPr>
+        </p:nvSpPr>
+        <p:spPr/>
+        <p:txBody>
+          <a:bodyPr/>
+          <a:lstStyle/>
+          <a:p>
+            <a:r>
+              <a:rPr lang="en-US" altLang="zh-CN" dirty="0"/>
+              <a:t>A Quick Refresh - Performance</a:t>
+            </a:r>
+            <a:endParaRPr lang="zh-CN" altLang="zh-CN" dirty="0"/>
+          </a:p>
+          <a:p>
+            <a:endParaRPr lang="zh-CN" altLang="en-US" dirty="0"/>
+          </a:p>
+          <a:p>
+            <a:endParaRPr lang="zh-CN" altLang="en-US" dirty="0"/>
+          </a:p>
+        </p:txBody>
+      </p:sp>
+      <p:sp>
+        <p:nvSpPr>
+          <p:cNvPr id="4" name="Date Placeholder 3">
+            <a:extLst>
+              <a:ext uri="{FF2B5EF4-FFF2-40B4-BE49-F238E27FC236}">
+                <a16:creationId xmlns:a16="http://schemas.microsoft.com/office/drawing/2014/main" id="{B15E709E-CD07-415A-85ED-A2BAD7390C8D}"/>
+              </a:ext>
+            </a:extLst>
+          </p:cNvPr>
+          <p:cNvSpPr>
+            <a:spLocks noGrp="1"/>
+          </p:cNvSpPr>
+          <p:nvPr>
+            <p:ph type="dt" sz="half" idx="15"/>
+          </p:nvPr>
+        </p:nvSpPr>
+        <p:spPr/>
+        <p:txBody>
+          <a:bodyPr/>
+          <a:lstStyle/>
+          <a:p>
+            <a:pPr>
+              <a:defRPr/>
+            </a:pPr>
+            <a:fld id="{BB8BC90C-0B0D-4B70-9E78-7734F7D5884F}" type="datetime1">
+              <a:rPr lang="en-US" altLang="zh-CN" smtClean="0"/>
+              <a:pPr>
+                <a:defRPr/>
+              </a:pPr>
+              <a:t>10/22/2019</a:t>
+            </a:fld>
+            <a:endParaRPr lang="en-US" altLang="zh-CN"/>
+          </a:p>
+        </p:txBody>
+      </p:sp>
+      <p:sp>
+        <p:nvSpPr>
+          <p:cNvPr id="5" name="Slide Number Placeholder 4">
+            <a:extLst>
+              <a:ext uri="{FF2B5EF4-FFF2-40B4-BE49-F238E27FC236}">
+                <a16:creationId xmlns:a16="http://schemas.microsoft.com/office/drawing/2014/main" id="{F40982A0-8E6D-4125-90F6-32169FD69A65}"/>
+              </a:ext>
+            </a:extLst>
+          </p:cNvPr>
+          <p:cNvSpPr>
+            <a:spLocks noGrp="1"/>
+          </p:cNvSpPr>
+          <p:nvPr>
+            <p:ph type="sldNum" sz="quarter" idx="16"/>
+          </p:nvPr>
+        </p:nvSpPr>
+        <p:spPr/>
+        <p:txBody>
+          <a:bodyPr/>
+          <a:lstStyle/>
+          <a:p>
+            <a:pPr>
+              <a:defRPr/>
+            </a:pPr>
+            <a:fld id="{663A759A-91C0-40B8-8C45-F12E9D2FF7F2}" type="slidenum">
+              <a:rPr lang="en-US" altLang="zh-CN" smtClean="0"/>
+              <a:pPr>
+                <a:defRPr/>
+              </a:pPr>
+              <a:t>6</a:t>
+            </a:fld>
+            <a:endParaRPr lang="en-US" altLang="zh-CN"/>
+          </a:p>
+        </p:txBody>
+      </p:sp>
+      <p:graphicFrame>
+        <p:nvGraphicFramePr>
+          <p:cNvPr id="9" name="Table 8">
+            <a:extLst>
+              <a:ext uri="{FF2B5EF4-FFF2-40B4-BE49-F238E27FC236}">
+                <a16:creationId xmlns:a16="http://schemas.microsoft.com/office/drawing/2014/main" id="{3E2533E3-ECF8-4222-94B3-4A34AA09FDF2}"/>
+              </a:ext>
+            </a:extLst>
+          </p:cNvPr>
+          <p:cNvGraphicFramePr>
+            <a:graphicFrameLocks noGrp="1"/>
+          </p:cNvGraphicFramePr>
+          <p:nvPr>
+            <p:extLst>
+              <p:ext uri="{D42A27DB-BD31-4B8C-83A1-F6EECF244321}">
+                <p14:modId xmlns:p14="http://schemas.microsoft.com/office/powerpoint/2010/main" val="248818293"/>
+              </p:ext>
+            </p:extLst>
+          </p:nvPr>
+        </p:nvGraphicFramePr>
+        <p:xfrm>
+          <a:off x="501792" y="2072088"/>
+          <a:ext cx="8185008" cy="1990725"/>
+        </p:xfrm>
+        <a:graphic>
+          <a:graphicData uri="http://schemas.openxmlformats.org/drawingml/2006/table">
+            <a:tbl>
+              <a:tblPr>
+                <a:tableStyleId>{5C22544A-7EE6-4342-B048-85BDC9FD1C3A}</a:tableStyleId>
+              </a:tblPr>
+              <a:tblGrid>
+                <a:gridCol w="1987112">
+                  <a:extLst>
+                    <a:ext uri="{9D8B030D-6E8A-4147-A177-3AD203B41FA5}">
+                      <a16:colId xmlns:a16="http://schemas.microsoft.com/office/drawing/2014/main" val="3870275542"/>
+                    </a:ext>
+                  </a:extLst>
+                </a:gridCol>
+                <a:gridCol w="2247329">
+                  <a:extLst>
+                    <a:ext uri="{9D8B030D-6E8A-4147-A177-3AD203B41FA5}">
+                      <a16:colId xmlns:a16="http://schemas.microsoft.com/office/drawing/2014/main" val="3108713383"/>
+                    </a:ext>
+                  </a:extLst>
+                </a:gridCol>
+                <a:gridCol w="2673138">
+                  <a:extLst>
+                    <a:ext uri="{9D8B030D-6E8A-4147-A177-3AD203B41FA5}">
+                      <a16:colId xmlns:a16="http://schemas.microsoft.com/office/drawing/2014/main" val="279525163"/>
+                    </a:ext>
+                  </a:extLst>
+                </a:gridCol>
+                <a:gridCol w="1277429">
+                  <a:extLst>
+                    <a:ext uri="{9D8B030D-6E8A-4147-A177-3AD203B41FA5}">
+                      <a16:colId xmlns:a16="http://schemas.microsoft.com/office/drawing/2014/main" val="3174882261"/>
+                    </a:ext>
+                  </a:extLst>
+                </a:gridCol>
+              </a:tblGrid>
+              <a:tr h="180975">
+                <a:tc>
+                  <a:txBody>
+                    <a:bodyPr/>
+                    <a:lstStyle/>
+                    <a:p>
+                      <a:pPr algn="l" fontAlgn="ctr"/>
+                      <a:r>
+                        <a:rPr lang="en-US" sz="1100" u="none" strike="noStrike" dirty="0">
+                          <a:effectLst/>
+                        </a:rPr>
+                        <a:t>Strategy ID</a:t>
+                      </a:r>
+                      <a:endParaRPr lang="en-US" sz="1100" b="0" i="0" u="none" strike="noStrike" dirty="0">
+                        <a:solidFill>
+                          <a:srgbClr val="000000"/>
+                        </a:solidFill>
+                        <a:effectLst/>
+                        <a:latin typeface="等线" panose="02010600030101010101" pitchFamily="2" charset="-122"/>
+                        <a:ea typeface="等线" panose="02010600030101010101" pitchFamily="2" charset="-122"/>
+                      </a:endParaRPr>
+                    </a:p>
+                  </a:txBody>
+                  <a:tcPr marL="9525" marR="9525" marT="9525" marB="0" anchor="ctr"/>
+                </a:tc>
+                <a:tc>
+                  <a:txBody>
+                    <a:bodyPr/>
+                    <a:lstStyle/>
+                    <a:p>
+                      <a:pPr algn="l" fontAlgn="ctr"/>
+                      <a:r>
+                        <a:rPr lang="en-US" sz="1100" u="none" strike="noStrike">
+                          <a:effectLst/>
+                        </a:rPr>
+                        <a:t>Sharp Ratio</a:t>
+                      </a:r>
+                      <a:endParaRPr lang="en-US" sz="1100" b="0" i="0" u="none" strike="noStrike">
+                        <a:solidFill>
+                          <a:srgbClr val="000000"/>
+                        </a:solidFill>
+                        <a:effectLst/>
+                        <a:latin typeface="等线" panose="02010600030101010101" pitchFamily="2" charset="-122"/>
+                        <a:ea typeface="等线" panose="02010600030101010101" pitchFamily="2" charset="-122"/>
+                      </a:endParaRPr>
+                    </a:p>
+                  </a:txBody>
+                  <a:tcPr marL="9525" marR="9525" marT="9525" marB="0" anchor="ctr"/>
+                </a:tc>
+                <a:tc>
+                  <a:txBody>
+                    <a:bodyPr/>
+                    <a:lstStyle/>
+                    <a:p>
+                      <a:pPr algn="l" fontAlgn="ctr"/>
+                      <a:r>
+                        <a:rPr lang="en-US" sz="1100" u="none" strike="noStrike">
+                          <a:effectLst/>
+                        </a:rPr>
+                        <a:t>Maximum Drawdown</a:t>
+                      </a:r>
+                      <a:endParaRPr lang="en-US" sz="1100" b="0" i="0" u="none" strike="noStrike">
+                        <a:solidFill>
+                          <a:srgbClr val="000000"/>
+                        </a:solidFill>
+                        <a:effectLst/>
+                        <a:latin typeface="等线" panose="02010600030101010101" pitchFamily="2" charset="-122"/>
+                        <a:ea typeface="等线" panose="02010600030101010101" pitchFamily="2" charset="-122"/>
+                      </a:endParaRPr>
+                    </a:p>
+                  </a:txBody>
+                  <a:tcPr marL="9525" marR="9525" marT="9525" marB="0" anchor="ctr"/>
+                </a:tc>
+                <a:tc>
+                  <a:txBody>
+                    <a:bodyPr/>
+                    <a:lstStyle/>
+                    <a:p>
+                      <a:pPr algn="l" fontAlgn="ctr"/>
+                      <a:r>
+                        <a:rPr lang="en-US" sz="1100" u="none" strike="noStrike">
+                          <a:effectLst/>
+                        </a:rPr>
+                        <a:t>Cumulative Return</a:t>
+                      </a:r>
+                      <a:endParaRPr lang="en-US" sz="1100" b="0" i="0" u="none" strike="noStrike">
+                        <a:solidFill>
+                          <a:srgbClr val="000000"/>
+                        </a:solidFill>
+                        <a:effectLst/>
+                        <a:latin typeface="等线" panose="02010600030101010101" pitchFamily="2" charset="-122"/>
+                        <a:ea typeface="等线" panose="02010600030101010101" pitchFamily="2" charset="-122"/>
+                      </a:endParaRPr>
+                    </a:p>
+                  </a:txBody>
+                  <a:tcPr marL="9525" marR="9525" marT="9525" marB="0" anchor="ctr"/>
+                </a:tc>
+                <a:extLst>
+                  <a:ext uri="{0D108BD9-81ED-4DB2-BD59-A6C34878D82A}">
+                    <a16:rowId xmlns:a16="http://schemas.microsoft.com/office/drawing/2014/main" val="1770042639"/>
+                  </a:ext>
+                </a:extLst>
+              </a:tr>
+              <a:tr h="180975">
+                <a:tc>
+                  <a:txBody>
+                    <a:bodyPr/>
+                    <a:lstStyle/>
+                    <a:p>
+                      <a:pPr algn="r" fontAlgn="ctr"/>
+                      <a:r>
+                        <a:rPr lang="en-US" altLang="zh-CN" sz="1100" u="none" strike="noStrike">
+                          <a:effectLst/>
+                        </a:rPr>
+                        <a:t>20</a:t>
+                      </a:r>
+                      <a:endParaRPr lang="en-US" altLang="zh-CN" sz="1100" b="0" i="0" u="none" strike="noStrike">
+                        <a:solidFill>
+                          <a:srgbClr val="000000"/>
+                        </a:solidFill>
+                        <a:effectLst/>
+                        <a:latin typeface="等线" panose="02010600030101010101" pitchFamily="2" charset="-122"/>
+                        <a:ea typeface="等线" panose="02010600030101010101" pitchFamily="2" charset="-122"/>
+                      </a:endParaRPr>
+                    </a:p>
+                  </a:txBody>
+                  <a:tcPr marL="9525" marR="9525" marT="9525" marB="0" anchor="ctr"/>
+                </a:tc>
+                <a:tc>
+                  <a:txBody>
+                    <a:bodyPr/>
+                    <a:lstStyle/>
+                    <a:p>
+                      <a:pPr algn="r" fontAlgn="ctr"/>
+                      <a:r>
+                        <a:rPr lang="en-US" altLang="zh-CN" sz="1100" u="none" strike="noStrike">
+                          <a:effectLst/>
+                        </a:rPr>
+                        <a:t>1.117799277</a:t>
+                      </a:r>
+                      <a:endParaRPr lang="en-US" altLang="zh-CN" sz="1100" b="0" i="0" u="none" strike="noStrike">
+                        <a:solidFill>
+                          <a:srgbClr val="000000"/>
+                        </a:solidFill>
+                        <a:effectLst/>
+                        <a:latin typeface="等线" panose="02010600030101010101" pitchFamily="2" charset="-122"/>
+                        <a:ea typeface="等线" panose="02010600030101010101" pitchFamily="2" charset="-122"/>
+                      </a:endParaRPr>
+                    </a:p>
+                  </a:txBody>
+                  <a:tcPr marL="9525" marR="9525" marT="9525" marB="0" anchor="ctr"/>
+                </a:tc>
+                <a:tc>
+                  <a:txBody>
+                    <a:bodyPr/>
+                    <a:lstStyle/>
+                    <a:p>
+                      <a:pPr algn="r" fontAlgn="ctr"/>
+                      <a:r>
+                        <a:rPr lang="en-US" altLang="zh-CN" sz="1100" u="none" strike="noStrike">
+                          <a:effectLst/>
+                        </a:rPr>
+                        <a:t>2.128294673</a:t>
+                      </a:r>
+                      <a:endParaRPr lang="en-US" altLang="zh-CN" sz="1100" b="0" i="0" u="none" strike="noStrike">
+                        <a:solidFill>
+                          <a:srgbClr val="000000"/>
+                        </a:solidFill>
+                        <a:effectLst/>
+                        <a:latin typeface="等线" panose="02010600030101010101" pitchFamily="2" charset="-122"/>
+                        <a:ea typeface="等线" panose="02010600030101010101" pitchFamily="2" charset="-122"/>
+                      </a:endParaRPr>
+                    </a:p>
+                  </a:txBody>
+                  <a:tcPr marL="9525" marR="9525" marT="9525" marB="0" anchor="ctr"/>
+                </a:tc>
+                <a:tc>
+                  <a:txBody>
+                    <a:bodyPr/>
+                    <a:lstStyle/>
+                    <a:p>
+                      <a:pPr algn="r" fontAlgn="ctr"/>
+                      <a:r>
+                        <a:rPr lang="en-US" altLang="zh-CN" sz="1100" u="none" strike="noStrike">
+                          <a:effectLst/>
+                        </a:rPr>
+                        <a:t>9.025915</a:t>
+                      </a:r>
+                      <a:endParaRPr lang="en-US" altLang="zh-CN" sz="1100" b="0" i="0" u="none" strike="noStrike">
+                        <a:solidFill>
+                          <a:srgbClr val="000000"/>
+                        </a:solidFill>
+                        <a:effectLst/>
+                        <a:latin typeface="等线" panose="02010600030101010101" pitchFamily="2" charset="-122"/>
+                        <a:ea typeface="等线" panose="02010600030101010101" pitchFamily="2" charset="-122"/>
+                      </a:endParaRPr>
+                    </a:p>
+                  </a:txBody>
+                  <a:tcPr marL="9525" marR="9525" marT="9525" marB="0" anchor="ctr"/>
+                </a:tc>
+                <a:extLst>
+                  <a:ext uri="{0D108BD9-81ED-4DB2-BD59-A6C34878D82A}">
+                    <a16:rowId xmlns:a16="http://schemas.microsoft.com/office/drawing/2014/main" val="2862264014"/>
+                  </a:ext>
+                </a:extLst>
+              </a:tr>
+              <a:tr h="180975">
+                <a:tc>
+                  <a:txBody>
+                    <a:bodyPr/>
+                    <a:lstStyle/>
+                    <a:p>
+                      <a:pPr algn="r" fontAlgn="ctr"/>
+                      <a:r>
+                        <a:rPr lang="en-US" altLang="zh-CN" sz="1100" u="none" strike="noStrike">
+                          <a:effectLst/>
+                        </a:rPr>
+                        <a:t>35</a:t>
+                      </a:r>
+                      <a:endParaRPr lang="en-US" altLang="zh-CN" sz="1100" b="0" i="0" u="none" strike="noStrike">
+                        <a:solidFill>
+                          <a:srgbClr val="000000"/>
+                        </a:solidFill>
+                        <a:effectLst/>
+                        <a:latin typeface="等线" panose="02010600030101010101" pitchFamily="2" charset="-122"/>
+                        <a:ea typeface="等线" panose="02010600030101010101" pitchFamily="2" charset="-122"/>
+                      </a:endParaRPr>
+                    </a:p>
+                  </a:txBody>
+                  <a:tcPr marL="9525" marR="9525" marT="9525" marB="0" anchor="ctr"/>
+                </a:tc>
+                <a:tc>
+                  <a:txBody>
+                    <a:bodyPr/>
+                    <a:lstStyle/>
+                    <a:p>
+                      <a:pPr algn="r" fontAlgn="ctr"/>
+                      <a:r>
+                        <a:rPr lang="en-US" altLang="zh-CN" sz="1100" u="none" strike="noStrike">
+                          <a:effectLst/>
+                        </a:rPr>
+                        <a:t>0.811062124</a:t>
+                      </a:r>
+                      <a:endParaRPr lang="en-US" altLang="zh-CN" sz="1100" b="0" i="0" u="none" strike="noStrike">
+                        <a:solidFill>
+                          <a:srgbClr val="000000"/>
+                        </a:solidFill>
+                        <a:effectLst/>
+                        <a:latin typeface="等线" panose="02010600030101010101" pitchFamily="2" charset="-122"/>
+                        <a:ea typeface="等线" panose="02010600030101010101" pitchFamily="2" charset="-122"/>
+                      </a:endParaRPr>
+                    </a:p>
+                  </a:txBody>
+                  <a:tcPr marL="9525" marR="9525" marT="9525" marB="0" anchor="ctr"/>
+                </a:tc>
+                <a:tc>
+                  <a:txBody>
+                    <a:bodyPr/>
+                    <a:lstStyle/>
+                    <a:p>
+                      <a:pPr algn="r" fontAlgn="ctr"/>
+                      <a:r>
+                        <a:rPr lang="en-US" altLang="zh-CN" sz="1100" u="none" strike="noStrike">
+                          <a:effectLst/>
+                        </a:rPr>
+                        <a:t>3.19641783</a:t>
+                      </a:r>
+                      <a:endParaRPr lang="en-US" altLang="zh-CN" sz="1100" b="0" i="0" u="none" strike="noStrike">
+                        <a:solidFill>
+                          <a:srgbClr val="000000"/>
+                        </a:solidFill>
+                        <a:effectLst/>
+                        <a:latin typeface="等线" panose="02010600030101010101" pitchFamily="2" charset="-122"/>
+                        <a:ea typeface="等线" panose="02010600030101010101" pitchFamily="2" charset="-122"/>
+                      </a:endParaRPr>
+                    </a:p>
+                  </a:txBody>
+                  <a:tcPr marL="9525" marR="9525" marT="9525" marB="0" anchor="ctr"/>
+                </a:tc>
+                <a:tc>
+                  <a:txBody>
+                    <a:bodyPr/>
+                    <a:lstStyle/>
+                    <a:p>
+                      <a:pPr algn="r" fontAlgn="ctr"/>
+                      <a:r>
+                        <a:rPr lang="en-US" altLang="zh-CN" sz="1100" u="none" strike="noStrike">
+                          <a:effectLst/>
+                        </a:rPr>
+                        <a:t>4.94178</a:t>
+                      </a:r>
+                      <a:endParaRPr lang="en-US" altLang="zh-CN" sz="1100" b="0" i="0" u="none" strike="noStrike">
+                        <a:solidFill>
+                          <a:srgbClr val="000000"/>
+                        </a:solidFill>
+                        <a:effectLst/>
+                        <a:latin typeface="等线" panose="02010600030101010101" pitchFamily="2" charset="-122"/>
+                        <a:ea typeface="等线" panose="02010600030101010101" pitchFamily="2" charset="-122"/>
+                      </a:endParaRPr>
+                    </a:p>
+                  </a:txBody>
+                  <a:tcPr marL="9525" marR="9525" marT="9525" marB="0" anchor="ctr"/>
+                </a:tc>
+                <a:extLst>
+                  <a:ext uri="{0D108BD9-81ED-4DB2-BD59-A6C34878D82A}">
+                    <a16:rowId xmlns:a16="http://schemas.microsoft.com/office/drawing/2014/main" val="3664842628"/>
+                  </a:ext>
+                </a:extLst>
+              </a:tr>
+              <a:tr h="180975">
+                <a:tc>
+                  <a:txBody>
+                    <a:bodyPr/>
+                    <a:lstStyle/>
+                    <a:p>
+                      <a:pPr algn="r" fontAlgn="ctr"/>
+                      <a:r>
+                        <a:rPr lang="en-US" altLang="zh-CN" sz="1100" u="none" strike="noStrike">
+                          <a:effectLst/>
+                        </a:rPr>
+                        <a:t>12</a:t>
+                      </a:r>
+                      <a:endParaRPr lang="en-US" altLang="zh-CN" sz="1100" b="0" i="0" u="none" strike="noStrike">
+                        <a:solidFill>
+                          <a:srgbClr val="000000"/>
+                        </a:solidFill>
+                        <a:effectLst/>
+                        <a:latin typeface="等线" panose="02010600030101010101" pitchFamily="2" charset="-122"/>
+                        <a:ea typeface="等线" panose="02010600030101010101" pitchFamily="2" charset="-122"/>
+                      </a:endParaRPr>
+                    </a:p>
+                  </a:txBody>
+                  <a:tcPr marL="9525" marR="9525" marT="9525" marB="0" anchor="ctr"/>
+                </a:tc>
+                <a:tc>
+                  <a:txBody>
+                    <a:bodyPr/>
+                    <a:lstStyle/>
+                    <a:p>
+                      <a:pPr algn="r" fontAlgn="ctr"/>
+                      <a:r>
+                        <a:rPr lang="en-US" altLang="zh-CN" sz="1100" u="none" strike="noStrike">
+                          <a:effectLst/>
+                        </a:rPr>
+                        <a:t>0.609563784</a:t>
+                      </a:r>
+                      <a:endParaRPr lang="en-US" altLang="zh-CN" sz="1100" b="0" i="0" u="none" strike="noStrike">
+                        <a:solidFill>
+                          <a:srgbClr val="000000"/>
+                        </a:solidFill>
+                        <a:effectLst/>
+                        <a:latin typeface="等线" panose="02010600030101010101" pitchFamily="2" charset="-122"/>
+                        <a:ea typeface="等线" panose="02010600030101010101" pitchFamily="2" charset="-122"/>
+                      </a:endParaRPr>
+                    </a:p>
+                  </a:txBody>
+                  <a:tcPr marL="9525" marR="9525" marT="9525" marB="0" anchor="ctr"/>
+                </a:tc>
+                <a:tc>
+                  <a:txBody>
+                    <a:bodyPr/>
+                    <a:lstStyle/>
+                    <a:p>
+                      <a:pPr algn="r" fontAlgn="ctr"/>
+                      <a:r>
+                        <a:rPr lang="en-US" altLang="zh-CN" sz="1100" u="none" strike="noStrike">
+                          <a:effectLst/>
+                        </a:rPr>
+                        <a:t>2.217124259</a:t>
+                      </a:r>
+                      <a:endParaRPr lang="en-US" altLang="zh-CN" sz="1100" b="0" i="0" u="none" strike="noStrike">
+                        <a:solidFill>
+                          <a:srgbClr val="000000"/>
+                        </a:solidFill>
+                        <a:effectLst/>
+                        <a:latin typeface="等线" panose="02010600030101010101" pitchFamily="2" charset="-122"/>
+                        <a:ea typeface="等线" panose="02010600030101010101" pitchFamily="2" charset="-122"/>
+                      </a:endParaRPr>
+                    </a:p>
+                  </a:txBody>
+                  <a:tcPr marL="9525" marR="9525" marT="9525" marB="0" anchor="ctr"/>
+                </a:tc>
+                <a:tc>
+                  <a:txBody>
+                    <a:bodyPr/>
+                    <a:lstStyle/>
+                    <a:p>
+                      <a:pPr algn="r" fontAlgn="ctr"/>
+                      <a:r>
+                        <a:rPr lang="en-US" altLang="zh-CN" sz="1100" u="none" strike="noStrike">
+                          <a:effectLst/>
+                        </a:rPr>
+                        <a:t>5.740266</a:t>
+                      </a:r>
+                      <a:endParaRPr lang="en-US" altLang="zh-CN" sz="1100" b="0" i="0" u="none" strike="noStrike">
+                        <a:solidFill>
+                          <a:srgbClr val="000000"/>
+                        </a:solidFill>
+                        <a:effectLst/>
+                        <a:latin typeface="等线" panose="02010600030101010101" pitchFamily="2" charset="-122"/>
+                        <a:ea typeface="等线" panose="02010600030101010101" pitchFamily="2" charset="-122"/>
+                      </a:endParaRPr>
+                    </a:p>
+                  </a:txBody>
+                  <a:tcPr marL="9525" marR="9525" marT="9525" marB="0" anchor="ctr"/>
+                </a:tc>
+                <a:extLst>
+                  <a:ext uri="{0D108BD9-81ED-4DB2-BD59-A6C34878D82A}">
+                    <a16:rowId xmlns:a16="http://schemas.microsoft.com/office/drawing/2014/main" val="1002550635"/>
+                  </a:ext>
+                </a:extLst>
+              </a:tr>
+              <a:tr h="180975">
+                <a:tc>
+                  <a:txBody>
+                    <a:bodyPr/>
+                    <a:lstStyle/>
+                    <a:p>
+                      <a:pPr algn="r" fontAlgn="ctr"/>
+                      <a:r>
+                        <a:rPr lang="en-US" altLang="zh-CN" sz="1100" u="none" strike="noStrike">
+                          <a:effectLst/>
+                        </a:rPr>
+                        <a:t>54</a:t>
+                      </a:r>
+                      <a:endParaRPr lang="en-US" altLang="zh-CN" sz="1100" b="0" i="0" u="none" strike="noStrike">
+                        <a:solidFill>
+                          <a:srgbClr val="000000"/>
+                        </a:solidFill>
+                        <a:effectLst/>
+                        <a:latin typeface="等线" panose="02010600030101010101" pitchFamily="2" charset="-122"/>
+                        <a:ea typeface="等线" panose="02010600030101010101" pitchFamily="2" charset="-122"/>
+                      </a:endParaRPr>
+                    </a:p>
+                  </a:txBody>
+                  <a:tcPr marL="9525" marR="9525" marT="9525" marB="0" anchor="ctr"/>
+                </a:tc>
+                <a:tc>
+                  <a:txBody>
+                    <a:bodyPr/>
+                    <a:lstStyle/>
+                    <a:p>
+                      <a:pPr algn="r" fontAlgn="ctr"/>
+                      <a:r>
+                        <a:rPr lang="en-US" altLang="zh-CN" sz="1100" u="none" strike="noStrike">
+                          <a:effectLst/>
+                        </a:rPr>
+                        <a:t>0.569434943</a:t>
+                      </a:r>
+                      <a:endParaRPr lang="en-US" altLang="zh-CN" sz="1100" b="0" i="0" u="none" strike="noStrike">
+                        <a:solidFill>
+                          <a:srgbClr val="000000"/>
+                        </a:solidFill>
+                        <a:effectLst/>
+                        <a:latin typeface="等线" panose="02010600030101010101" pitchFamily="2" charset="-122"/>
+                        <a:ea typeface="等线" panose="02010600030101010101" pitchFamily="2" charset="-122"/>
+                      </a:endParaRPr>
+                    </a:p>
+                  </a:txBody>
+                  <a:tcPr marL="9525" marR="9525" marT="9525" marB="0" anchor="ctr"/>
+                </a:tc>
+                <a:tc>
+                  <a:txBody>
+                    <a:bodyPr/>
+                    <a:lstStyle/>
+                    <a:p>
+                      <a:pPr algn="r" fontAlgn="ctr"/>
+                      <a:r>
+                        <a:rPr lang="en-US" altLang="zh-CN" sz="1100" u="none" strike="noStrike">
+                          <a:effectLst/>
+                        </a:rPr>
+                        <a:t>0.295962135</a:t>
+                      </a:r>
+                      <a:endParaRPr lang="en-US" altLang="zh-CN" sz="1100" b="0" i="0" u="none" strike="noStrike">
+                        <a:solidFill>
+                          <a:srgbClr val="000000"/>
+                        </a:solidFill>
+                        <a:effectLst/>
+                        <a:latin typeface="等线" panose="02010600030101010101" pitchFamily="2" charset="-122"/>
+                        <a:ea typeface="等线" panose="02010600030101010101" pitchFamily="2" charset="-122"/>
+                      </a:endParaRPr>
+                    </a:p>
+                  </a:txBody>
+                  <a:tcPr marL="9525" marR="9525" marT="9525" marB="0" anchor="ctr"/>
+                </a:tc>
+                <a:tc>
+                  <a:txBody>
+                    <a:bodyPr/>
+                    <a:lstStyle/>
+                    <a:p>
+                      <a:pPr algn="r" fontAlgn="ctr"/>
+                      <a:r>
+                        <a:rPr lang="en-US" altLang="zh-CN" sz="1100" u="none" strike="noStrike">
+                          <a:effectLst/>
+                        </a:rPr>
+                        <a:t>0.38338</a:t>
+                      </a:r>
+                      <a:endParaRPr lang="en-US" altLang="zh-CN" sz="1100" b="0" i="0" u="none" strike="noStrike">
+                        <a:solidFill>
+                          <a:srgbClr val="000000"/>
+                        </a:solidFill>
+                        <a:effectLst/>
+                        <a:latin typeface="等线" panose="02010600030101010101" pitchFamily="2" charset="-122"/>
+                        <a:ea typeface="等线" panose="02010600030101010101" pitchFamily="2" charset="-122"/>
+                      </a:endParaRPr>
+                    </a:p>
+                  </a:txBody>
+                  <a:tcPr marL="9525" marR="9525" marT="9525" marB="0" anchor="ctr"/>
+                </a:tc>
+                <a:extLst>
+                  <a:ext uri="{0D108BD9-81ED-4DB2-BD59-A6C34878D82A}">
+                    <a16:rowId xmlns:a16="http://schemas.microsoft.com/office/drawing/2014/main" val="192391914"/>
+                  </a:ext>
+                </a:extLst>
+              </a:tr>
+              <a:tr h="180975">
+                <a:tc>
+                  <a:txBody>
+                    <a:bodyPr/>
+                    <a:lstStyle/>
+                    <a:p>
+                      <a:pPr algn="r" fontAlgn="ctr"/>
+                      <a:r>
+                        <a:rPr lang="en-US" altLang="zh-CN" sz="1100" u="none" strike="noStrike">
+                          <a:effectLst/>
+                        </a:rPr>
+                        <a:t>56</a:t>
+                      </a:r>
+                      <a:endParaRPr lang="en-US" altLang="zh-CN" sz="1100" b="0" i="0" u="none" strike="noStrike">
+                        <a:solidFill>
+                          <a:srgbClr val="000000"/>
+                        </a:solidFill>
+                        <a:effectLst/>
+                        <a:latin typeface="等线" panose="02010600030101010101" pitchFamily="2" charset="-122"/>
+                        <a:ea typeface="等线" panose="02010600030101010101" pitchFamily="2" charset="-122"/>
+                      </a:endParaRPr>
+                    </a:p>
+                  </a:txBody>
+                  <a:tcPr marL="9525" marR="9525" marT="9525" marB="0" anchor="ctr"/>
+                </a:tc>
+                <a:tc>
+                  <a:txBody>
+                    <a:bodyPr/>
+                    <a:lstStyle/>
+                    <a:p>
+                      <a:pPr algn="r" fontAlgn="ctr"/>
+                      <a:r>
+                        <a:rPr lang="en-US" altLang="zh-CN" sz="1100" u="none" strike="noStrike">
+                          <a:effectLst/>
+                        </a:rPr>
+                        <a:t>0.566517857</a:t>
+                      </a:r>
+                      <a:endParaRPr lang="en-US" altLang="zh-CN" sz="1100" b="0" i="0" u="none" strike="noStrike">
+                        <a:solidFill>
+                          <a:srgbClr val="000000"/>
+                        </a:solidFill>
+                        <a:effectLst/>
+                        <a:latin typeface="等线" panose="02010600030101010101" pitchFamily="2" charset="-122"/>
+                        <a:ea typeface="等线" panose="02010600030101010101" pitchFamily="2" charset="-122"/>
+                      </a:endParaRPr>
+                    </a:p>
+                  </a:txBody>
+                  <a:tcPr marL="9525" marR="9525" marT="9525" marB="0" anchor="ctr"/>
+                </a:tc>
+                <a:tc>
+                  <a:txBody>
+                    <a:bodyPr/>
+                    <a:lstStyle/>
+                    <a:p>
+                      <a:pPr algn="r" fontAlgn="ctr"/>
+                      <a:r>
+                        <a:rPr lang="en-US" altLang="zh-CN" sz="1100" u="none" strike="noStrike">
+                          <a:effectLst/>
+                        </a:rPr>
+                        <a:t>2.782303302</a:t>
+                      </a:r>
+                      <a:endParaRPr lang="en-US" altLang="zh-CN" sz="1100" b="0" i="0" u="none" strike="noStrike">
+                        <a:solidFill>
+                          <a:srgbClr val="000000"/>
+                        </a:solidFill>
+                        <a:effectLst/>
+                        <a:latin typeface="等线" panose="02010600030101010101" pitchFamily="2" charset="-122"/>
+                        <a:ea typeface="等线" panose="02010600030101010101" pitchFamily="2" charset="-122"/>
+                      </a:endParaRPr>
+                    </a:p>
+                  </a:txBody>
+                  <a:tcPr marL="9525" marR="9525" marT="9525" marB="0" anchor="ctr"/>
+                </a:tc>
+                <a:tc>
+                  <a:txBody>
+                    <a:bodyPr/>
+                    <a:lstStyle/>
+                    <a:p>
+                      <a:pPr algn="r" fontAlgn="ctr"/>
+                      <a:r>
+                        <a:rPr lang="en-US" altLang="zh-CN" sz="1100" u="none" strike="noStrike">
+                          <a:effectLst/>
+                        </a:rPr>
+                        <a:t>5.254754</a:t>
+                      </a:r>
+                      <a:endParaRPr lang="en-US" altLang="zh-CN" sz="1100" b="0" i="0" u="none" strike="noStrike">
+                        <a:solidFill>
+                          <a:srgbClr val="000000"/>
+                        </a:solidFill>
+                        <a:effectLst/>
+                        <a:latin typeface="等线" panose="02010600030101010101" pitchFamily="2" charset="-122"/>
+                        <a:ea typeface="等线" panose="02010600030101010101" pitchFamily="2" charset="-122"/>
+                      </a:endParaRPr>
+                    </a:p>
+                  </a:txBody>
+                  <a:tcPr marL="9525" marR="9525" marT="9525" marB="0" anchor="ctr"/>
+                </a:tc>
+                <a:extLst>
+                  <a:ext uri="{0D108BD9-81ED-4DB2-BD59-A6C34878D82A}">
+                    <a16:rowId xmlns:a16="http://schemas.microsoft.com/office/drawing/2014/main" val="2016386922"/>
+                  </a:ext>
+                </a:extLst>
+              </a:tr>
+              <a:tr h="180975">
+                <a:tc>
+                  <a:txBody>
+                    <a:bodyPr/>
+                    <a:lstStyle/>
+                    <a:p>
+                      <a:pPr algn="r" fontAlgn="ctr"/>
+                      <a:r>
+                        <a:rPr lang="en-US" altLang="zh-CN" sz="1100" u="none" strike="noStrike">
+                          <a:effectLst/>
+                        </a:rPr>
+                        <a:t>55</a:t>
+                      </a:r>
+                      <a:endParaRPr lang="en-US" altLang="zh-CN" sz="1100" b="0" i="0" u="none" strike="noStrike">
+                        <a:solidFill>
+                          <a:srgbClr val="000000"/>
+                        </a:solidFill>
+                        <a:effectLst/>
+                        <a:latin typeface="等线" panose="02010600030101010101" pitchFamily="2" charset="-122"/>
+                        <a:ea typeface="等线" panose="02010600030101010101" pitchFamily="2" charset="-122"/>
+                      </a:endParaRPr>
+                    </a:p>
+                  </a:txBody>
+                  <a:tcPr marL="9525" marR="9525" marT="9525" marB="0" anchor="ctr"/>
+                </a:tc>
+                <a:tc>
+                  <a:txBody>
+                    <a:bodyPr/>
+                    <a:lstStyle/>
+                    <a:p>
+                      <a:pPr algn="r" fontAlgn="ctr"/>
+                      <a:r>
+                        <a:rPr lang="en-US" altLang="zh-CN" sz="1100" u="none" strike="noStrike">
+                          <a:effectLst/>
+                        </a:rPr>
+                        <a:t>0.565095573</a:t>
+                      </a:r>
+                      <a:endParaRPr lang="en-US" altLang="zh-CN" sz="1100" b="0" i="0" u="none" strike="noStrike">
+                        <a:solidFill>
+                          <a:srgbClr val="000000"/>
+                        </a:solidFill>
+                        <a:effectLst/>
+                        <a:latin typeface="等线" panose="02010600030101010101" pitchFamily="2" charset="-122"/>
+                        <a:ea typeface="等线" panose="02010600030101010101" pitchFamily="2" charset="-122"/>
+                      </a:endParaRPr>
+                    </a:p>
+                  </a:txBody>
+                  <a:tcPr marL="9525" marR="9525" marT="9525" marB="0" anchor="ctr"/>
+                </a:tc>
+                <a:tc>
+                  <a:txBody>
+                    <a:bodyPr/>
+                    <a:lstStyle/>
+                    <a:p>
+                      <a:pPr algn="r" fontAlgn="ctr"/>
+                      <a:r>
+                        <a:rPr lang="en-US" altLang="zh-CN" sz="1100" u="none" strike="noStrike">
+                          <a:effectLst/>
+                        </a:rPr>
+                        <a:t>3.301107805</a:t>
+                      </a:r>
+                      <a:endParaRPr lang="en-US" altLang="zh-CN" sz="1100" b="0" i="0" u="none" strike="noStrike">
+                        <a:solidFill>
+                          <a:srgbClr val="000000"/>
+                        </a:solidFill>
+                        <a:effectLst/>
+                        <a:latin typeface="等线" panose="02010600030101010101" pitchFamily="2" charset="-122"/>
+                        <a:ea typeface="等线" panose="02010600030101010101" pitchFamily="2" charset="-122"/>
+                      </a:endParaRPr>
+                    </a:p>
+                  </a:txBody>
+                  <a:tcPr marL="9525" marR="9525" marT="9525" marB="0" anchor="ctr"/>
+                </a:tc>
+                <a:tc>
+                  <a:txBody>
+                    <a:bodyPr/>
+                    <a:lstStyle/>
+                    <a:p>
+                      <a:pPr algn="r" fontAlgn="ctr"/>
+                      <a:r>
+                        <a:rPr lang="en-US" altLang="zh-CN" sz="1100" u="none" strike="noStrike">
+                          <a:effectLst/>
+                        </a:rPr>
+                        <a:t>5.491214</a:t>
+                      </a:r>
+                      <a:endParaRPr lang="en-US" altLang="zh-CN" sz="1100" b="0" i="0" u="none" strike="noStrike">
+                        <a:solidFill>
+                          <a:srgbClr val="000000"/>
+                        </a:solidFill>
+                        <a:effectLst/>
+                        <a:latin typeface="等线" panose="02010600030101010101" pitchFamily="2" charset="-122"/>
+                        <a:ea typeface="等线" panose="02010600030101010101" pitchFamily="2" charset="-122"/>
+                      </a:endParaRPr>
+                    </a:p>
+                  </a:txBody>
+                  <a:tcPr marL="9525" marR="9525" marT="9525" marB="0" anchor="ctr"/>
+                </a:tc>
+                <a:extLst>
+                  <a:ext uri="{0D108BD9-81ED-4DB2-BD59-A6C34878D82A}">
+                    <a16:rowId xmlns:a16="http://schemas.microsoft.com/office/drawing/2014/main" val="3013130845"/>
+                  </a:ext>
+                </a:extLst>
+              </a:tr>
+              <a:tr h="180975">
+                <a:tc>
+                  <a:txBody>
+                    <a:bodyPr/>
+                    <a:lstStyle/>
+                    <a:p>
+                      <a:pPr algn="r" fontAlgn="ctr"/>
+                      <a:r>
+                        <a:rPr lang="en-US" altLang="zh-CN" sz="1100" u="none" strike="noStrike">
+                          <a:effectLst/>
+                        </a:rPr>
+                        <a:t>15</a:t>
+                      </a:r>
+                      <a:endParaRPr lang="en-US" altLang="zh-CN" sz="1100" b="0" i="0" u="none" strike="noStrike">
+                        <a:solidFill>
+                          <a:srgbClr val="000000"/>
+                        </a:solidFill>
+                        <a:effectLst/>
+                        <a:latin typeface="等线" panose="02010600030101010101" pitchFamily="2" charset="-122"/>
+                        <a:ea typeface="等线" panose="02010600030101010101" pitchFamily="2" charset="-122"/>
+                      </a:endParaRPr>
+                    </a:p>
+                  </a:txBody>
+                  <a:tcPr marL="9525" marR="9525" marT="9525" marB="0" anchor="ctr"/>
+                </a:tc>
+                <a:tc>
+                  <a:txBody>
+                    <a:bodyPr/>
+                    <a:lstStyle/>
+                    <a:p>
+                      <a:pPr algn="r" fontAlgn="ctr"/>
+                      <a:r>
+                        <a:rPr lang="en-US" altLang="zh-CN" sz="1100" u="none" strike="noStrike">
+                          <a:effectLst/>
+                        </a:rPr>
+                        <a:t>0.51284976</a:t>
+                      </a:r>
+                      <a:endParaRPr lang="en-US" altLang="zh-CN" sz="1100" b="0" i="0" u="none" strike="noStrike">
+                        <a:solidFill>
+                          <a:srgbClr val="000000"/>
+                        </a:solidFill>
+                        <a:effectLst/>
+                        <a:latin typeface="等线" panose="02010600030101010101" pitchFamily="2" charset="-122"/>
+                        <a:ea typeface="等线" panose="02010600030101010101" pitchFamily="2" charset="-122"/>
+                      </a:endParaRPr>
+                    </a:p>
+                  </a:txBody>
+                  <a:tcPr marL="9525" marR="9525" marT="9525" marB="0" anchor="ctr"/>
+                </a:tc>
+                <a:tc>
+                  <a:txBody>
+                    <a:bodyPr/>
+                    <a:lstStyle/>
+                    <a:p>
+                      <a:pPr algn="r" fontAlgn="ctr"/>
+                      <a:r>
+                        <a:rPr lang="en-US" altLang="zh-CN" sz="1100" u="none" strike="noStrike">
+                          <a:effectLst/>
+                        </a:rPr>
+                        <a:t>0.325011571</a:t>
+                      </a:r>
+                      <a:endParaRPr lang="en-US" altLang="zh-CN" sz="1100" b="0" i="0" u="none" strike="noStrike">
+                        <a:solidFill>
+                          <a:srgbClr val="000000"/>
+                        </a:solidFill>
+                        <a:effectLst/>
+                        <a:latin typeface="等线" panose="02010600030101010101" pitchFamily="2" charset="-122"/>
+                        <a:ea typeface="等线" panose="02010600030101010101" pitchFamily="2" charset="-122"/>
+                      </a:endParaRPr>
+                    </a:p>
+                  </a:txBody>
+                  <a:tcPr marL="9525" marR="9525" marT="9525" marB="0" anchor="ctr"/>
+                </a:tc>
+                <a:tc>
+                  <a:txBody>
+                    <a:bodyPr/>
+                    <a:lstStyle/>
+                    <a:p>
+                      <a:pPr algn="r" fontAlgn="ctr"/>
+                      <a:r>
+                        <a:rPr lang="en-US" altLang="zh-CN" sz="1100" u="none" strike="noStrike">
+                          <a:effectLst/>
+                        </a:rPr>
+                        <a:t>0.937775</a:t>
+                      </a:r>
+                      <a:endParaRPr lang="en-US" altLang="zh-CN" sz="1100" b="0" i="0" u="none" strike="noStrike">
+                        <a:solidFill>
+                          <a:srgbClr val="000000"/>
+                        </a:solidFill>
+                        <a:effectLst/>
+                        <a:latin typeface="等线" panose="02010600030101010101" pitchFamily="2" charset="-122"/>
+                        <a:ea typeface="等线" panose="02010600030101010101" pitchFamily="2" charset="-122"/>
+                      </a:endParaRPr>
+                    </a:p>
+                  </a:txBody>
+                  <a:tcPr marL="9525" marR="9525" marT="9525" marB="0" anchor="ctr"/>
+                </a:tc>
+                <a:extLst>
+                  <a:ext uri="{0D108BD9-81ED-4DB2-BD59-A6C34878D82A}">
+                    <a16:rowId xmlns:a16="http://schemas.microsoft.com/office/drawing/2014/main" val="2218948112"/>
+                  </a:ext>
+                </a:extLst>
+              </a:tr>
+              <a:tr h="180975">
+                <a:tc>
+                  <a:txBody>
+                    <a:bodyPr/>
+                    <a:lstStyle/>
+                    <a:p>
+                      <a:pPr algn="r" fontAlgn="ctr"/>
+                      <a:r>
+                        <a:rPr lang="en-US" altLang="zh-CN" sz="1100" u="none" strike="noStrike">
+                          <a:effectLst/>
+                        </a:rPr>
+                        <a:t>46</a:t>
+                      </a:r>
+                      <a:endParaRPr lang="en-US" altLang="zh-CN" sz="1100" b="0" i="0" u="none" strike="noStrike">
+                        <a:solidFill>
+                          <a:srgbClr val="000000"/>
+                        </a:solidFill>
+                        <a:effectLst/>
+                        <a:latin typeface="等线" panose="02010600030101010101" pitchFamily="2" charset="-122"/>
+                        <a:ea typeface="等线" panose="02010600030101010101" pitchFamily="2" charset="-122"/>
+                      </a:endParaRPr>
+                    </a:p>
+                  </a:txBody>
+                  <a:tcPr marL="9525" marR="9525" marT="9525" marB="0" anchor="ctr"/>
+                </a:tc>
+                <a:tc>
+                  <a:txBody>
+                    <a:bodyPr/>
+                    <a:lstStyle/>
+                    <a:p>
+                      <a:pPr algn="r" fontAlgn="ctr"/>
+                      <a:r>
+                        <a:rPr lang="en-US" altLang="zh-CN" sz="1100" u="none" strike="noStrike">
+                          <a:effectLst/>
+                        </a:rPr>
+                        <a:t>0.488450989</a:t>
+                      </a:r>
+                      <a:endParaRPr lang="en-US" altLang="zh-CN" sz="1100" b="0" i="0" u="none" strike="noStrike">
+                        <a:solidFill>
+                          <a:srgbClr val="000000"/>
+                        </a:solidFill>
+                        <a:effectLst/>
+                        <a:latin typeface="等线" panose="02010600030101010101" pitchFamily="2" charset="-122"/>
+                        <a:ea typeface="等线" panose="02010600030101010101" pitchFamily="2" charset="-122"/>
+                      </a:endParaRPr>
+                    </a:p>
+                  </a:txBody>
+                  <a:tcPr marL="9525" marR="9525" marT="9525" marB="0" anchor="ctr"/>
+                </a:tc>
+                <a:tc>
+                  <a:txBody>
+                    <a:bodyPr/>
+                    <a:lstStyle/>
+                    <a:p>
+                      <a:pPr algn="r" fontAlgn="ctr"/>
+                      <a:r>
+                        <a:rPr lang="en-US" altLang="zh-CN" sz="1100" u="none" strike="noStrike">
+                          <a:effectLst/>
+                        </a:rPr>
+                        <a:t>0.0588405</a:t>
+                      </a:r>
+                      <a:endParaRPr lang="en-US" altLang="zh-CN" sz="1100" b="0" i="0" u="none" strike="noStrike">
+                        <a:solidFill>
+                          <a:srgbClr val="000000"/>
+                        </a:solidFill>
+                        <a:effectLst/>
+                        <a:latin typeface="等线" panose="02010600030101010101" pitchFamily="2" charset="-122"/>
+                        <a:ea typeface="等线" panose="02010600030101010101" pitchFamily="2" charset="-122"/>
+                      </a:endParaRPr>
+                    </a:p>
+                  </a:txBody>
+                  <a:tcPr marL="9525" marR="9525" marT="9525" marB="0" anchor="ctr"/>
+                </a:tc>
+                <a:tc>
+                  <a:txBody>
+                    <a:bodyPr/>
+                    <a:lstStyle/>
+                    <a:p>
+                      <a:pPr algn="r" fontAlgn="ctr"/>
+                      <a:r>
+                        <a:rPr lang="en-US" altLang="zh-CN" sz="1100" u="none" strike="noStrike">
+                          <a:effectLst/>
+                        </a:rPr>
+                        <a:t>0.211837</a:t>
+                      </a:r>
+                      <a:endParaRPr lang="en-US" altLang="zh-CN" sz="1100" b="0" i="0" u="none" strike="noStrike">
+                        <a:solidFill>
+                          <a:srgbClr val="000000"/>
+                        </a:solidFill>
+                        <a:effectLst/>
+                        <a:latin typeface="等线" panose="02010600030101010101" pitchFamily="2" charset="-122"/>
+                        <a:ea typeface="等线" panose="02010600030101010101" pitchFamily="2" charset="-122"/>
+                      </a:endParaRPr>
+                    </a:p>
+                  </a:txBody>
+                  <a:tcPr marL="9525" marR="9525" marT="9525" marB="0" anchor="ctr"/>
+                </a:tc>
+                <a:extLst>
+                  <a:ext uri="{0D108BD9-81ED-4DB2-BD59-A6C34878D82A}">
+                    <a16:rowId xmlns:a16="http://schemas.microsoft.com/office/drawing/2014/main" val="3687538214"/>
+                  </a:ext>
+                </a:extLst>
+              </a:tr>
+              <a:tr h="180975">
+                <a:tc>
+                  <a:txBody>
+                    <a:bodyPr/>
+                    <a:lstStyle/>
+                    <a:p>
+                      <a:pPr algn="r" fontAlgn="ctr"/>
+                      <a:r>
+                        <a:rPr lang="en-US" altLang="zh-CN" sz="1100" u="none" strike="noStrike">
+                          <a:effectLst/>
+                        </a:rPr>
+                        <a:t>2</a:t>
+                      </a:r>
+                      <a:endParaRPr lang="en-US" altLang="zh-CN" sz="1100" b="0" i="0" u="none" strike="noStrike">
+                        <a:solidFill>
+                          <a:srgbClr val="000000"/>
+                        </a:solidFill>
+                        <a:effectLst/>
+                        <a:latin typeface="等线" panose="02010600030101010101" pitchFamily="2" charset="-122"/>
+                        <a:ea typeface="等线" panose="02010600030101010101" pitchFamily="2" charset="-122"/>
+                      </a:endParaRPr>
+                    </a:p>
+                  </a:txBody>
+                  <a:tcPr marL="9525" marR="9525" marT="9525" marB="0" anchor="ctr"/>
+                </a:tc>
+                <a:tc>
+                  <a:txBody>
+                    <a:bodyPr/>
+                    <a:lstStyle/>
+                    <a:p>
+                      <a:pPr algn="r" fontAlgn="ctr"/>
+                      <a:r>
+                        <a:rPr lang="en-US" altLang="zh-CN" sz="1100" u="none" strike="noStrike">
+                          <a:effectLst/>
+                        </a:rPr>
+                        <a:t>0.409534789</a:t>
+                      </a:r>
+                      <a:endParaRPr lang="en-US" altLang="zh-CN" sz="1100" b="0" i="0" u="none" strike="noStrike">
+                        <a:solidFill>
+                          <a:srgbClr val="000000"/>
+                        </a:solidFill>
+                        <a:effectLst/>
+                        <a:latin typeface="等线" panose="02010600030101010101" pitchFamily="2" charset="-122"/>
+                        <a:ea typeface="等线" panose="02010600030101010101" pitchFamily="2" charset="-122"/>
+                      </a:endParaRPr>
+                    </a:p>
+                  </a:txBody>
+                  <a:tcPr marL="9525" marR="9525" marT="9525" marB="0" anchor="ctr"/>
+                </a:tc>
+                <a:tc>
+                  <a:txBody>
+                    <a:bodyPr/>
+                    <a:lstStyle/>
+                    <a:p>
+                      <a:pPr algn="r" fontAlgn="ctr"/>
+                      <a:r>
+                        <a:rPr lang="en-US" altLang="zh-CN" sz="1100" u="none" strike="noStrike">
+                          <a:effectLst/>
+                        </a:rPr>
+                        <a:t>0.072085727</a:t>
+                      </a:r>
+                      <a:endParaRPr lang="en-US" altLang="zh-CN" sz="1100" b="0" i="0" u="none" strike="noStrike">
+                        <a:solidFill>
+                          <a:srgbClr val="000000"/>
+                        </a:solidFill>
+                        <a:effectLst/>
+                        <a:latin typeface="等线" panose="02010600030101010101" pitchFamily="2" charset="-122"/>
+                        <a:ea typeface="等线" panose="02010600030101010101" pitchFamily="2" charset="-122"/>
+                      </a:endParaRPr>
+                    </a:p>
+                  </a:txBody>
+                  <a:tcPr marL="9525" marR="9525" marT="9525" marB="0" anchor="ctr"/>
+                </a:tc>
+                <a:tc>
+                  <a:txBody>
+                    <a:bodyPr/>
+                    <a:lstStyle/>
+                    <a:p>
+                      <a:pPr algn="r" fontAlgn="ctr"/>
+                      <a:r>
+                        <a:rPr lang="en-US" altLang="zh-CN" sz="1100" u="none" strike="noStrike">
+                          <a:effectLst/>
+                        </a:rPr>
+                        <a:t>0.132422</a:t>
+                      </a:r>
+                      <a:endParaRPr lang="en-US" altLang="zh-CN" sz="1100" b="0" i="0" u="none" strike="noStrike">
+                        <a:solidFill>
+                          <a:srgbClr val="000000"/>
+                        </a:solidFill>
+                        <a:effectLst/>
+                        <a:latin typeface="等线" panose="02010600030101010101" pitchFamily="2" charset="-122"/>
+                        <a:ea typeface="等线" panose="02010600030101010101" pitchFamily="2" charset="-122"/>
+                      </a:endParaRPr>
+                    </a:p>
+                  </a:txBody>
+                  <a:tcPr marL="9525" marR="9525" marT="9525" marB="0" anchor="ctr"/>
+                </a:tc>
+                <a:extLst>
+                  <a:ext uri="{0D108BD9-81ED-4DB2-BD59-A6C34878D82A}">
+                    <a16:rowId xmlns:a16="http://schemas.microsoft.com/office/drawing/2014/main" val="1582863938"/>
+                  </a:ext>
+                </a:extLst>
+              </a:tr>
+              <a:tr h="180975">
+                <a:tc>
+                  <a:txBody>
+                    <a:bodyPr/>
+                    <a:lstStyle/>
+                    <a:p>
+                      <a:pPr algn="r" fontAlgn="ctr"/>
+                      <a:r>
+                        <a:rPr lang="en-US" altLang="zh-CN" sz="1100" u="none" strike="noStrike">
+                          <a:effectLst/>
+                        </a:rPr>
+                        <a:t>40</a:t>
+                      </a:r>
+                      <a:endParaRPr lang="en-US" altLang="zh-CN" sz="1100" b="0" i="0" u="none" strike="noStrike">
+                        <a:solidFill>
+                          <a:srgbClr val="000000"/>
+                        </a:solidFill>
+                        <a:effectLst/>
+                        <a:latin typeface="等线" panose="02010600030101010101" pitchFamily="2" charset="-122"/>
+                        <a:ea typeface="等线" panose="02010600030101010101" pitchFamily="2" charset="-122"/>
+                      </a:endParaRPr>
+                    </a:p>
+                  </a:txBody>
+                  <a:tcPr marL="9525" marR="9525" marT="9525" marB="0" anchor="ctr"/>
+                </a:tc>
+                <a:tc>
+                  <a:txBody>
+                    <a:bodyPr/>
+                    <a:lstStyle/>
+                    <a:p>
+                      <a:pPr algn="r" fontAlgn="ctr"/>
+                      <a:r>
+                        <a:rPr lang="en-US" altLang="zh-CN" sz="1100" u="none" strike="noStrike">
+                          <a:effectLst/>
+                        </a:rPr>
+                        <a:t>0.375522125</a:t>
+                      </a:r>
+                      <a:endParaRPr lang="en-US" altLang="zh-CN" sz="1100" b="0" i="0" u="none" strike="noStrike">
+                        <a:solidFill>
+                          <a:srgbClr val="000000"/>
+                        </a:solidFill>
+                        <a:effectLst/>
+                        <a:latin typeface="等线" panose="02010600030101010101" pitchFamily="2" charset="-122"/>
+                        <a:ea typeface="等线" panose="02010600030101010101" pitchFamily="2" charset="-122"/>
+                      </a:endParaRPr>
+                    </a:p>
+                  </a:txBody>
+                  <a:tcPr marL="9525" marR="9525" marT="9525" marB="0" anchor="ctr"/>
+                </a:tc>
+                <a:tc>
+                  <a:txBody>
+                    <a:bodyPr/>
+                    <a:lstStyle/>
+                    <a:p>
+                      <a:pPr algn="r" fontAlgn="ctr"/>
+                      <a:r>
+                        <a:rPr lang="en-US" altLang="zh-CN" sz="1100" u="none" strike="noStrike">
+                          <a:effectLst/>
+                        </a:rPr>
+                        <a:t>5.976538897</a:t>
+                      </a:r>
+                      <a:endParaRPr lang="en-US" altLang="zh-CN" sz="1100" b="0" i="0" u="none" strike="noStrike">
+                        <a:solidFill>
+                          <a:srgbClr val="000000"/>
+                        </a:solidFill>
+                        <a:effectLst/>
+                        <a:latin typeface="等线" panose="02010600030101010101" pitchFamily="2" charset="-122"/>
+                        <a:ea typeface="等线" panose="02010600030101010101" pitchFamily="2" charset="-122"/>
+                      </a:endParaRPr>
+                    </a:p>
+                  </a:txBody>
+                  <a:tcPr marL="9525" marR="9525" marT="9525" marB="0" anchor="ctr"/>
+                </a:tc>
+                <a:tc>
+                  <a:txBody>
+                    <a:bodyPr/>
+                    <a:lstStyle/>
+                    <a:p>
+                      <a:pPr algn="r" fontAlgn="ctr"/>
+                      <a:r>
+                        <a:rPr lang="en-US" altLang="zh-CN" sz="1100" u="none" strike="noStrike" dirty="0">
+                          <a:effectLst/>
+                        </a:rPr>
+                        <a:t>3.606798</a:t>
+                      </a:r>
+                      <a:endParaRPr lang="en-US" altLang="zh-CN" sz="1100" b="0" i="0" u="none" strike="noStrike" dirty="0">
+                        <a:solidFill>
+                          <a:srgbClr val="000000"/>
+                        </a:solidFill>
+                        <a:effectLst/>
+                        <a:latin typeface="等线" panose="02010600030101010101" pitchFamily="2" charset="-122"/>
+                        <a:ea typeface="等线" panose="02010600030101010101" pitchFamily="2" charset="-122"/>
+                      </a:endParaRPr>
+                    </a:p>
+                  </a:txBody>
+                  <a:tcPr marL="9525" marR="9525" marT="9525" marB="0" anchor="ctr"/>
+                </a:tc>
+                <a:extLst>
+                  <a:ext uri="{0D108BD9-81ED-4DB2-BD59-A6C34878D82A}">
+                    <a16:rowId xmlns:a16="http://schemas.microsoft.com/office/drawing/2014/main" val="551886024"/>
+                  </a:ext>
+                </a:extLst>
+              </a:tr>
+            </a:tbl>
+          </a:graphicData>
+        </a:graphic>
+      </p:graphicFrame>
+    </p:spTree>
+    <p:extLst>
+      <p:ext uri="{BB962C8B-B14F-4D97-AF65-F5344CB8AC3E}">
+        <p14:creationId xmlns:p14="http://schemas.microsoft.com/office/powerpoint/2010/main" val="2369769744"/>
+      </p:ext>
+    </p:extLst>
+  </p:cSld>
+  <p:clrMapOvr>
+    <a:masterClrMapping/>
+  </p:clrMapOvr>
+</p:sld>
+</file>
+
+<file path=ppt/slides/slide7.xml><?xml version="1.0" encoding="utf-8"?>
 <p:sld xmlns:a="http://schemas.openxmlformats.org/drawingml/2006/main" xmlns:r="http://schemas.openxmlformats.org/officeDocument/2006/relationships" xmlns:p="http://schemas.openxmlformats.org/presentationml/2006/main">
   <p:cSld>
     <p:spTree>
@@ -11905,7 +18663,7 @@
               <a:pPr>
                 <a:defRPr/>
               </a:pPr>
-              <a:t>10/18/2019</a:t>
+              <a:t>10/22/2019</a:t>
             </a:fld>
             <a:endParaRPr lang="en-US" altLang="zh-CN"/>
           </a:p>
@@ -11940,7 +18698,7 @@
               <a:pPr>
                 <a:defRPr/>
               </a:pPr>
-              <a:t>6</a:t>
+              <a:t>7</a:t>
             </a:fld>
             <a:endParaRPr lang="en-US" altLang="zh-CN"/>
           </a:p>
@@ -12342,7 +19100,7 @@
 </p:sld>
 </file>
 
-<file path=ppt/slides/slide7.xml><?xml version="1.0" encoding="utf-8"?>
+<file path=ppt/slides/slide8.xml><?xml version="1.0" encoding="utf-8"?>
 <p:sld xmlns:a="http://schemas.openxmlformats.org/drawingml/2006/main" xmlns:r="http://schemas.openxmlformats.org/officeDocument/2006/relationships" xmlns:p="http://schemas.openxmlformats.org/presentationml/2006/main">
   <p:cSld>
     <p:spTree>
@@ -12409,7 +19167,7 @@
           <a:p>
             <a:r>
               <a:rPr lang="en-US" altLang="zh-CN" b="0" dirty="0"/>
-              <a:t>	3. Top 10 discriminant features reported as follow:</a:t>
+              <a:t>	3. Top 10 discriminant features reported as follows:</a:t>
             </a:r>
           </a:p>
           <a:p>
@@ -12486,7 +19244,7 @@
               <a:pPr>
                 <a:defRPr/>
               </a:pPr>
-              <a:t>10/18/2019</a:t>
+              <a:t>10/22/2019</a:t>
             </a:fld>
             <a:endParaRPr lang="en-US" altLang="zh-CN"/>
           </a:p>
@@ -12521,7 +19279,7 @@
               <a:pPr>
                 <a:defRPr/>
               </a:pPr>
-              <a:t>7</a:t>
+              <a:t>8</a:t>
             </a:fld>
             <a:endParaRPr lang="en-US" altLang="zh-CN"/>
           </a:p>
@@ -13811,7 +20569,7 @@
 </p:sld>
 </file>
 
-<file path=ppt/slides/slide8.xml><?xml version="1.0" encoding="utf-8"?>
+<file path=ppt/slides/slide9.xml><?xml version="1.0" encoding="utf-8"?>
 <p:sld xmlns:a="http://schemas.openxmlformats.org/drawingml/2006/main" xmlns:r="http://schemas.openxmlformats.org/officeDocument/2006/relationships" xmlns:p="http://schemas.openxmlformats.org/presentationml/2006/main">
   <p:cSld>
     <p:spTree>
@@ -14288,7 +21046,7 @@
               <a:pPr>
                 <a:defRPr/>
               </a:pPr>
-              <a:t>10/18/2019</a:t>
+              <a:t>10/22/2019</a:t>
             </a:fld>
             <a:endParaRPr lang="en-US" altLang="zh-CN"/>
           </a:p>
@@ -14323,7 +21081,7 @@
               <a:pPr>
                 <a:defRPr/>
               </a:pPr>
-              <a:t>8</a:t>
+              <a:t>9</a:t>
             </a:fld>
             <a:endParaRPr lang="en-US" altLang="zh-CN"/>
           </a:p>
@@ -14363,213 +21121,6 @@
     <p:extLst>
       <p:ext uri="{BB962C8B-B14F-4D97-AF65-F5344CB8AC3E}">
         <p14:creationId xmlns:p14="http://schemas.microsoft.com/office/powerpoint/2010/main" val="2726484273"/>
-      </p:ext>
-    </p:extLst>
-  </p:cSld>
-  <p:clrMapOvr>
-    <a:masterClrMapping/>
-  </p:clrMapOvr>
-</p:sld>
-</file>
-
-<file path=ppt/slides/slide9.xml><?xml version="1.0" encoding="utf-8"?>
-<p:sld xmlns:a="http://schemas.openxmlformats.org/drawingml/2006/main" xmlns:r="http://schemas.openxmlformats.org/officeDocument/2006/relationships" xmlns:p="http://schemas.openxmlformats.org/presentationml/2006/main">
-  <p:cSld>
-    <p:spTree>
-      <p:nvGrpSpPr>
-        <p:cNvPr id="1" name=""/>
-        <p:cNvGrpSpPr/>
-        <p:nvPr/>
-      </p:nvGrpSpPr>
-      <p:grpSpPr>
-        <a:xfrm>
-          <a:off x="0" y="0"/>
-          <a:ext cx="0" cy="0"/>
-          <a:chOff x="0" y="0"/>
-          <a:chExt cx="0" cy="0"/>
-        </a:xfrm>
-      </p:grpSpPr>
-      <p:sp>
-        <p:nvSpPr>
-          <p:cNvPr id="2" name="Text Placeholder 1">
-            <a:extLst>
-              <a:ext uri="{FF2B5EF4-FFF2-40B4-BE49-F238E27FC236}">
-                <a16:creationId xmlns:a16="http://schemas.microsoft.com/office/drawing/2014/main" id="{D4369BB7-8F3A-4C89-B2A8-E690340AD2A7}"/>
-              </a:ext>
-            </a:extLst>
-          </p:cNvPr>
-          <p:cNvSpPr>
-            <a:spLocks noGrp="1"/>
-          </p:cNvSpPr>
-          <p:nvPr>
-            <p:ph type="body" sz="quarter" idx="12"/>
-          </p:nvPr>
-        </p:nvSpPr>
-        <p:spPr>
-          <a:xfrm>
-            <a:off x="294582" y="831827"/>
-            <a:ext cx="8315553" cy="3131018"/>
-          </a:xfrm>
-        </p:spPr>
-        <p:txBody>
-          <a:bodyPr/>
-          <a:lstStyle/>
-          <a:p>
-            <a:r>
-              <a:rPr lang="en-US" altLang="zh-CN" dirty="0"/>
-              <a:t>Performance</a:t>
-            </a:r>
-            <a:endParaRPr lang="zh-CN" altLang="en-US" dirty="0"/>
-          </a:p>
-        </p:txBody>
-      </p:sp>
-      <p:sp>
-        <p:nvSpPr>
-          <p:cNvPr id="3" name="Text Placeholder 2">
-            <a:extLst>
-              <a:ext uri="{FF2B5EF4-FFF2-40B4-BE49-F238E27FC236}">
-                <a16:creationId xmlns:a16="http://schemas.microsoft.com/office/drawing/2014/main" id="{2EAA1F98-823B-49AC-AD8C-D462D7DA2647}"/>
-              </a:ext>
-            </a:extLst>
-          </p:cNvPr>
-          <p:cNvSpPr>
-            <a:spLocks noGrp="1"/>
-          </p:cNvSpPr>
-          <p:nvPr>
-            <p:ph type="body" sz="quarter" idx="14"/>
-          </p:nvPr>
-        </p:nvSpPr>
-        <p:spPr>
-          <a:xfrm>
-            <a:off x="4452359" y="228989"/>
-            <a:ext cx="4465093" cy="265113"/>
-          </a:xfrm>
-        </p:spPr>
-        <p:txBody>
-          <a:bodyPr/>
-          <a:lstStyle/>
-          <a:p>
-            <a:r>
-              <a:rPr lang="en-US" altLang="zh-CN" dirty="0"/>
-              <a:t>Model Improvements – Using Clustering</a:t>
-            </a:r>
-            <a:endParaRPr lang="zh-CN" altLang="en-US" dirty="0"/>
-          </a:p>
-          <a:p>
-            <a:endParaRPr lang="zh-CN" altLang="en-US" dirty="0"/>
-          </a:p>
-          <a:p>
-            <a:endParaRPr lang="zh-CN" altLang="en-US" dirty="0"/>
-          </a:p>
-          <a:p>
-            <a:endParaRPr lang="zh-CN" altLang="en-US" dirty="0"/>
-          </a:p>
-        </p:txBody>
-      </p:sp>
-      <p:sp>
-        <p:nvSpPr>
-          <p:cNvPr id="4" name="Date Placeholder 3">
-            <a:extLst>
-              <a:ext uri="{FF2B5EF4-FFF2-40B4-BE49-F238E27FC236}">
-                <a16:creationId xmlns:a16="http://schemas.microsoft.com/office/drawing/2014/main" id="{03B60576-8BB1-42E7-908A-E41687F8C6EF}"/>
-              </a:ext>
-            </a:extLst>
-          </p:cNvPr>
-          <p:cNvSpPr>
-            <a:spLocks noGrp="1"/>
-          </p:cNvSpPr>
-          <p:nvPr>
-            <p:ph type="dt" sz="half" idx="15"/>
-          </p:nvPr>
-        </p:nvSpPr>
-        <p:spPr/>
-        <p:txBody>
-          <a:bodyPr/>
-          <a:lstStyle/>
-          <a:p>
-            <a:pPr>
-              <a:defRPr/>
-            </a:pPr>
-            <a:fld id="{BB8BC90C-0B0D-4B70-9E78-7734F7D5884F}" type="datetime1">
-              <a:rPr lang="en-US" altLang="zh-CN" smtClean="0"/>
-              <a:pPr>
-                <a:defRPr/>
-              </a:pPr>
-              <a:t>10/18/2019</a:t>
-            </a:fld>
-            <a:endParaRPr lang="en-US" altLang="zh-CN"/>
-          </a:p>
-        </p:txBody>
-      </p:sp>
-      <p:sp>
-        <p:nvSpPr>
-          <p:cNvPr id="5" name="Slide Number Placeholder 4">
-            <a:extLst>
-              <a:ext uri="{FF2B5EF4-FFF2-40B4-BE49-F238E27FC236}">
-                <a16:creationId xmlns:a16="http://schemas.microsoft.com/office/drawing/2014/main" id="{0D37F277-4234-4781-99CB-274183C3B3AE}"/>
-              </a:ext>
-            </a:extLst>
-          </p:cNvPr>
-          <p:cNvSpPr>
-            <a:spLocks noGrp="1"/>
-          </p:cNvSpPr>
-          <p:nvPr>
-            <p:ph type="sldNum" sz="quarter" idx="16"/>
-          </p:nvPr>
-        </p:nvSpPr>
-        <p:spPr/>
-        <p:txBody>
-          <a:bodyPr/>
-          <a:lstStyle/>
-          <a:p>
-            <a:pPr>
-              <a:defRPr/>
-            </a:pPr>
-            <a:fld id="{663A759A-91C0-40B8-8C45-F12E9D2FF7F2}" type="slidenum">
-              <a:rPr lang="en-US" altLang="zh-CN" smtClean="0"/>
-              <a:pPr>
-                <a:defRPr/>
-              </a:pPr>
-              <a:t>9</a:t>
-            </a:fld>
-            <a:endParaRPr lang="en-US" altLang="zh-CN"/>
-          </a:p>
-        </p:txBody>
-      </p:sp>
-      <p:pic>
-        <p:nvPicPr>
-          <p:cNvPr id="9" name="Picture 8">
-            <a:extLst>
-              <a:ext uri="{FF2B5EF4-FFF2-40B4-BE49-F238E27FC236}">
-                <a16:creationId xmlns:a16="http://schemas.microsoft.com/office/drawing/2014/main" id="{7268FD8D-022A-4391-A9DE-A4BE01312DEF}"/>
-              </a:ext>
-            </a:extLst>
-          </p:cNvPr>
-          <p:cNvPicPr>
-            <a:picLocks noChangeAspect="1"/>
-          </p:cNvPicPr>
-          <p:nvPr/>
-        </p:nvPicPr>
-        <p:blipFill>
-          <a:blip r:embed="rId2"/>
-          <a:stretch>
-            <a:fillRect/>
-          </a:stretch>
-        </p:blipFill>
-        <p:spPr>
-          <a:xfrm>
-            <a:off x="63929" y="1080474"/>
-            <a:ext cx="8315553" cy="4097210"/>
-          </a:xfrm>
-          <a:prstGeom prst="rect">
-            <a:avLst/>
-          </a:prstGeom>
-        </p:spPr>
-      </p:pic>
-    </p:spTree>
-    <p:extLst>
-      <p:ext uri="{BB962C8B-B14F-4D97-AF65-F5344CB8AC3E}">
-        <p14:creationId xmlns:p14="http://schemas.microsoft.com/office/powerpoint/2010/main" val="1605745820"/>
       </p:ext>
     </p:extLst>
   </p:cSld>

--- a/final_pre.pptx
+++ b/final_pre.pptx
@@ -238,7 +238,7 @@
                     <a:cs typeface="+mn-cs"/>
                   </a:defRPr>
                 </a:pPr>
-                <a:endParaRPr lang="zh-CN"/>
+                <a:endParaRPr lang="en-US"/>
               </a:p>
             </c:txPr>
             <c:showLegendKey val="0"/>
@@ -357,7 +357,7 @@
                 <a:cs typeface="+mn-cs"/>
               </a:defRPr>
             </a:pPr>
-            <a:endParaRPr lang="zh-CN"/>
+            <a:endParaRPr lang="en-US"/>
           </a:p>
         </c:txPr>
         <c:crossAx val="2041866800"/>
@@ -429,7 +429,7 @@
       <a:pPr>
         <a:defRPr/>
       </a:pPr>
-      <a:endParaRPr lang="zh-CN"/>
+      <a:endParaRPr lang="en-US"/>
     </a:p>
   </c:txPr>
   <c:externalData r:id="rId3">
@@ -14480,7 +14480,19 @@
               <a:rPr lang="en-US" altLang="zh-CN" sz="1400" b="0" dirty="0">
                 <a:cs typeface="+mn-cs"/>
               </a:rPr>
-              <a:t>	1. Rolling normalization, training and testing</a:t>
+              <a:t>	1. </a:t>
+            </a:r>
+            <a:r>
+              <a:rPr lang="en-US" altLang="zh-CN" sz="1400" b="0">
+                <a:cs typeface="+mn-cs"/>
+              </a:rPr>
+              <a:t>Rolling training </a:t>
+            </a:r>
+            <a:r>
+              <a:rPr lang="en-US" altLang="zh-CN" sz="1400" b="0" dirty="0">
+                <a:cs typeface="+mn-cs"/>
+              </a:rPr>
+              <a:t>and testing</a:t>
             </a:r>
           </a:p>
           <a:p>

--- a/final_pre.pptx
+++ b/final_pre.pptx
@@ -1709,6 +1709,96 @@
           <a:bodyPr/>
           <a:lstStyle/>
           <a:p>
+            <a:endParaRPr lang="en-US" dirty="0"/>
+          </a:p>
+        </p:txBody>
+      </p:sp>
+      <p:sp>
+        <p:nvSpPr>
+          <p:cNvPr id="4" name="Slide Number Placeholder 3"/>
+          <p:cNvSpPr>
+            <a:spLocks noGrp="1"/>
+          </p:cNvSpPr>
+          <p:nvPr>
+            <p:ph type="sldNum" sz="quarter" idx="5"/>
+          </p:nvPr>
+        </p:nvSpPr>
+        <p:spPr/>
+        <p:txBody>
+          <a:bodyPr/>
+          <a:lstStyle/>
+          <a:p>
+            <a:pPr>
+              <a:defRPr/>
+            </a:pPr>
+            <a:fld id="{B316CEBB-BFF0-43F8-9E07-93A9E73A701E}" type="slidenum">
+              <a:rPr lang="en-US" altLang="zh-CN" smtClean="0"/>
+              <a:pPr>
+                <a:defRPr/>
+              </a:pPr>
+              <a:t>1</a:t>
+            </a:fld>
+            <a:endParaRPr lang="en-US" altLang="zh-CN"/>
+          </a:p>
+        </p:txBody>
+      </p:sp>
+    </p:spTree>
+    <p:extLst>
+      <p:ext uri="{BB962C8B-B14F-4D97-AF65-F5344CB8AC3E}">
+        <p14:creationId xmlns:p14="http://schemas.microsoft.com/office/powerpoint/2010/main" val="2362976777"/>
+      </p:ext>
+    </p:extLst>
+  </p:cSld>
+  <p:clrMapOvr>
+    <a:masterClrMapping/>
+  </p:clrMapOvr>
+</p:notes>
+</file>
+
+<file path=ppt/notesSlides/notesSlide2.xml><?xml version="1.0" encoding="utf-8"?>
+<p:notes xmlns:a="http://schemas.openxmlformats.org/drawingml/2006/main" xmlns:r="http://schemas.openxmlformats.org/officeDocument/2006/relationships" xmlns:p="http://schemas.openxmlformats.org/presentationml/2006/main">
+  <p:cSld>
+    <p:spTree>
+      <p:nvGrpSpPr>
+        <p:cNvPr id="1" name=""/>
+        <p:cNvGrpSpPr/>
+        <p:nvPr/>
+      </p:nvGrpSpPr>
+      <p:grpSpPr>
+        <a:xfrm>
+          <a:off x="0" y="0"/>
+          <a:ext cx="0" cy="0"/>
+          <a:chOff x="0" y="0"/>
+          <a:chExt cx="0" cy="0"/>
+        </a:xfrm>
+      </p:grpSpPr>
+      <p:sp>
+        <p:nvSpPr>
+          <p:cNvPr id="2" name="Slide Image Placeholder 1"/>
+          <p:cNvSpPr>
+            <a:spLocks noGrp="1" noRot="1" noChangeAspect="1"/>
+          </p:cNvSpPr>
+          <p:nvPr>
+            <p:ph type="sldImg"/>
+          </p:nvPr>
+        </p:nvSpPr>
+        <p:spPr/>
+      </p:sp>
+      <p:sp>
+        <p:nvSpPr>
+          <p:cNvPr id="3" name="Notes Placeholder 2"/>
+          <p:cNvSpPr>
+            <a:spLocks noGrp="1"/>
+          </p:cNvSpPr>
+          <p:nvPr>
+            <p:ph type="body" idx="1"/>
+          </p:nvPr>
+        </p:nvSpPr>
+        <p:spPr/>
+        <p:txBody>
+          <a:bodyPr/>
+          <a:lstStyle/>
+          <a:p>
             <a:endParaRPr lang="zh-CN" altLang="en-US" dirty="0"/>
           </a:p>
         </p:txBody>
@@ -1755,7 +1845,7 @@
 </p:notes>
 </file>
 
-<file path=ppt/notesSlides/notesSlide2.xml><?xml version="1.0" encoding="utf-8"?>
+<file path=ppt/notesSlides/notesSlide3.xml><?xml version="1.0" encoding="utf-8"?>
 <p:notes xmlns:a="http://schemas.openxmlformats.org/drawingml/2006/main" xmlns:r="http://schemas.openxmlformats.org/officeDocument/2006/relationships" xmlns:p="http://schemas.openxmlformats.org/presentationml/2006/main">
   <p:cSld>
     <p:spTree>
@@ -1899,7 +1989,7 @@
 </p:notes>
 </file>
 
-<file path=ppt/notesSlides/notesSlide3.xml><?xml version="1.0" encoding="utf-8"?>
+<file path=ppt/notesSlides/notesSlide4.xml><?xml version="1.0" encoding="utf-8"?>
 <p:notes xmlns:a="http://schemas.openxmlformats.org/drawingml/2006/main" xmlns:r="http://schemas.openxmlformats.org/officeDocument/2006/relationships" xmlns:p="http://schemas.openxmlformats.org/presentationml/2006/main">
   <p:cSld>
     <p:spTree>
@@ -1980,6 +2070,96 @@
     <p:extLst>
       <p:ext uri="{BB962C8B-B14F-4D97-AF65-F5344CB8AC3E}">
         <p14:creationId xmlns:p14="http://schemas.microsoft.com/office/powerpoint/2010/main" val="699983421"/>
+      </p:ext>
+    </p:extLst>
+  </p:cSld>
+  <p:clrMapOvr>
+    <a:masterClrMapping/>
+  </p:clrMapOvr>
+</p:notes>
+</file>
+
+<file path=ppt/notesSlides/notesSlide5.xml><?xml version="1.0" encoding="utf-8"?>
+<p:notes xmlns:a="http://schemas.openxmlformats.org/drawingml/2006/main" xmlns:r="http://schemas.openxmlformats.org/officeDocument/2006/relationships" xmlns:p="http://schemas.openxmlformats.org/presentationml/2006/main">
+  <p:cSld>
+    <p:spTree>
+      <p:nvGrpSpPr>
+        <p:cNvPr id="1" name=""/>
+        <p:cNvGrpSpPr/>
+        <p:nvPr/>
+      </p:nvGrpSpPr>
+      <p:grpSpPr>
+        <a:xfrm>
+          <a:off x="0" y="0"/>
+          <a:ext cx="0" cy="0"/>
+          <a:chOff x="0" y="0"/>
+          <a:chExt cx="0" cy="0"/>
+        </a:xfrm>
+      </p:grpSpPr>
+      <p:sp>
+        <p:nvSpPr>
+          <p:cNvPr id="2" name="Slide Image Placeholder 1"/>
+          <p:cNvSpPr>
+            <a:spLocks noGrp="1" noRot="1" noChangeAspect="1"/>
+          </p:cNvSpPr>
+          <p:nvPr>
+            <p:ph type="sldImg"/>
+          </p:nvPr>
+        </p:nvSpPr>
+        <p:spPr/>
+      </p:sp>
+      <p:sp>
+        <p:nvSpPr>
+          <p:cNvPr id="3" name="Notes Placeholder 2"/>
+          <p:cNvSpPr>
+            <a:spLocks noGrp="1"/>
+          </p:cNvSpPr>
+          <p:nvPr>
+            <p:ph type="body" idx="1"/>
+          </p:nvPr>
+        </p:nvSpPr>
+        <p:spPr/>
+        <p:txBody>
+          <a:bodyPr/>
+          <a:lstStyle/>
+          <a:p>
+            <a:endParaRPr lang="en-US" dirty="0"/>
+          </a:p>
+        </p:txBody>
+      </p:sp>
+      <p:sp>
+        <p:nvSpPr>
+          <p:cNvPr id="4" name="Slide Number Placeholder 3"/>
+          <p:cNvSpPr>
+            <a:spLocks noGrp="1"/>
+          </p:cNvSpPr>
+          <p:nvPr>
+            <p:ph type="sldNum" sz="quarter" idx="5"/>
+          </p:nvPr>
+        </p:nvSpPr>
+        <p:spPr/>
+        <p:txBody>
+          <a:bodyPr/>
+          <a:lstStyle/>
+          <a:p>
+            <a:pPr>
+              <a:defRPr/>
+            </a:pPr>
+            <a:fld id="{B316CEBB-BFF0-43F8-9E07-93A9E73A701E}" type="slidenum">
+              <a:rPr lang="en-US" altLang="zh-CN" smtClean="0"/>
+              <a:pPr>
+                <a:defRPr/>
+              </a:pPr>
+              <a:t>11</a:t>
+            </a:fld>
+            <a:endParaRPr lang="en-US" altLang="zh-CN"/>
+          </a:p>
+        </p:txBody>
+      </p:sp>
+    </p:spTree>
+    <p:extLst>
+      <p:ext uri="{BB962C8B-B14F-4D97-AF65-F5344CB8AC3E}">
+        <p14:creationId xmlns:p14="http://schemas.microsoft.com/office/powerpoint/2010/main" val="1774243556"/>
       </p:ext>
     </p:extLst>
   </p:cSld>
@@ -3929,7 +4109,7 @@
           </p:nvPr>
         </p:nvPicPr>
         <p:blipFill>
-          <a:blip r:embed="rId2">
+          <a:blip r:embed="rId3">
             <a:extLst>
               <a:ext uri="{28A0092B-C50C-407E-A947-70E740481C1C}">
                 <a14:useLocalDpi xmlns:a14="http://schemas.microsoft.com/office/drawing/2010/main" val="0"/>
@@ -4324,7 +4504,7 @@
           <p:nvPr/>
         </p:nvPicPr>
         <p:blipFill>
-          <a:blip r:embed="rId3">
+          <a:blip r:embed="rId4">
             <a:extLst>
               <a:ext uri="{28A0092B-C50C-407E-A947-70E740481C1C}">
                 <a14:useLocalDpi xmlns:a14="http://schemas.microsoft.com/office/drawing/2010/main" val="0"/>
@@ -4619,7 +4799,7 @@
         </p:nvSpPr>
         <p:spPr>
           <a:xfrm>
-            <a:off x="501792" y="1054249"/>
+            <a:off x="371247" y="883920"/>
             <a:ext cx="8315553" cy="3660626"/>
           </a:xfrm>
         </p:spPr>
@@ -4744,10 +4924,10 @@
       </p:sp>
       <p:graphicFrame>
         <p:nvGraphicFramePr>
-          <p:cNvPr id="7" name="Table 6">
+          <p:cNvPr id="9" name="Table 8">
             <a:extLst>
               <a:ext uri="{FF2B5EF4-FFF2-40B4-BE49-F238E27FC236}">
-                <a16:creationId xmlns:a16="http://schemas.microsoft.com/office/drawing/2014/main" id="{99B8FC95-CE53-4513-9F9A-EF3B743B89F4}"/>
+                <a16:creationId xmlns:a16="http://schemas.microsoft.com/office/drawing/2014/main" id="{A3B9B469-26C7-4544-A7BC-350FD3023021}"/>
               </a:ext>
             </a:extLst>
           </p:cNvPr>
@@ -4757,14 +4937,14 @@
           <p:nvPr>
             <p:extLst>
               <p:ext uri="{D42A27DB-BD31-4B8C-83A1-F6EECF244321}">
-                <p14:modId xmlns:p14="http://schemas.microsoft.com/office/powerpoint/2010/main" val="2225912665"/>
+                <p14:modId xmlns:p14="http://schemas.microsoft.com/office/powerpoint/2010/main" val="3981679152"/>
               </p:ext>
             </p:extLst>
           </p:nvPr>
         </p:nvGraphicFramePr>
         <p:xfrm>
-          <a:off x="107576" y="1493632"/>
-          <a:ext cx="4070208" cy="3220398"/>
+          <a:off x="371246" y="1201271"/>
+          <a:ext cx="8234870" cy="3565995"/>
         </p:xfrm>
         <a:graphic>
           <a:graphicData uri="http://schemas.openxmlformats.org/drawingml/2006/table">
@@ -4773,2362 +4953,2063 @@
                 <a:tableStyleId>{5C22544A-7EE6-4342-B048-85BDC9FD1C3A}</a:tableStyleId>
               </a:tblPr>
               <a:tblGrid>
-                <a:gridCol w="1017552">
+                <a:gridCol w="2223102">
                   <a:extLst>
                     <a:ext uri="{9D8B030D-6E8A-4147-A177-3AD203B41FA5}">
-                      <a16:colId xmlns:a16="http://schemas.microsoft.com/office/drawing/2014/main" val="2882460662"/>
+                      <a16:colId xmlns:a16="http://schemas.microsoft.com/office/drawing/2014/main" val="2541695169"/>
                     </a:ext>
                   </a:extLst>
                 </a:gridCol>
-                <a:gridCol w="1017552">
+                <a:gridCol w="1502942">
                   <a:extLst>
                     <a:ext uri="{9D8B030D-6E8A-4147-A177-3AD203B41FA5}">
-                      <a16:colId xmlns:a16="http://schemas.microsoft.com/office/drawing/2014/main" val="1456779860"/>
+                      <a16:colId xmlns:a16="http://schemas.microsoft.com/office/drawing/2014/main" val="979979486"/>
                     </a:ext>
                   </a:extLst>
                 </a:gridCol>
-                <a:gridCol w="1017552">
+                <a:gridCol w="1502942">
                   <a:extLst>
                     <a:ext uri="{9D8B030D-6E8A-4147-A177-3AD203B41FA5}">
-                      <a16:colId xmlns:a16="http://schemas.microsoft.com/office/drawing/2014/main" val="191311052"/>
+                      <a16:colId xmlns:a16="http://schemas.microsoft.com/office/drawing/2014/main" val="3480801432"/>
                     </a:ext>
                   </a:extLst>
                 </a:gridCol>
-                <a:gridCol w="1017552">
+                <a:gridCol w="1502942">
                   <a:extLst>
                     <a:ext uri="{9D8B030D-6E8A-4147-A177-3AD203B41FA5}">
-                      <a16:colId xmlns:a16="http://schemas.microsoft.com/office/drawing/2014/main" val="3472059486"/>
+                      <a16:colId xmlns:a16="http://schemas.microsoft.com/office/drawing/2014/main" val="4111100462"/>
+                    </a:ext>
+                  </a:extLst>
+                </a:gridCol>
+                <a:gridCol w="1502942">
+                  <a:extLst>
+                    <a:ext uri="{9D8B030D-6E8A-4147-A177-3AD203B41FA5}">
+                      <a16:colId xmlns:a16="http://schemas.microsoft.com/office/drawing/2014/main" val="33141373"/>
                     </a:ext>
                   </a:extLst>
                 </a:gridCol>
               </a:tblGrid>
-              <a:tr h="515378">
-                <a:tc>
-                  <a:txBody>
-                    <a:bodyPr/>
-                    <a:lstStyle/>
-                    <a:p>
-                      <a:pPr algn="l" fontAlgn="ctr"/>
-                      <a:r>
-                        <a:rPr lang="en-US" sz="1100" b="0" i="0" u="none" strike="noStrike" dirty="0">
-                          <a:solidFill>
-                            <a:srgbClr val="000000"/>
-                          </a:solidFill>
-                          <a:effectLst/>
-                          <a:latin typeface="等线" panose="02010600030101010101" pitchFamily="2" charset="-122"/>
-                          <a:ea typeface="等线" panose="02010600030101010101" pitchFamily="2" charset="-122"/>
+              <a:tr h="549000">
+                <a:tc>
+                  <a:txBody>
+                    <a:bodyPr/>
+                    <a:lstStyle/>
+                    <a:p>
+                      <a:pPr algn="r" fontAlgn="b"/>
+                      <a:r>
+                        <a:rPr lang="en-US" sz="1000" u="none" strike="noStrike" dirty="0">
+                          <a:effectLst/>
+                        </a:rPr>
+                        <a:t>Version</a:t>
+                      </a:r>
+                      <a:endParaRPr lang="en-US" sz="1000" b="0" i="0" u="none" strike="noStrike" dirty="0">
+                        <a:solidFill>
+                          <a:srgbClr val="000000"/>
+                        </a:solidFill>
+                        <a:effectLst/>
+                        <a:latin typeface="Calibri" panose="020F0502020204030204" pitchFamily="34" charset="0"/>
+                      </a:endParaRPr>
+                    </a:p>
+                  </a:txBody>
+                  <a:tcPr marL="6971" marR="6971" marT="6971" marB="0" anchor="b"/>
+                </a:tc>
+                <a:tc>
+                  <a:txBody>
+                    <a:bodyPr/>
+                    <a:lstStyle/>
+                    <a:p>
+                      <a:pPr algn="r" rtl="0" fontAlgn="ctr"/>
+                      <a:r>
+                        <a:rPr lang="en-US" sz="1000" u="none" strike="noStrike" dirty="0">
+                          <a:effectLst/>
                         </a:rPr>
                         <a:t>Strategy ID</a:t>
                       </a:r>
-                    </a:p>
-                  </a:txBody>
-                  <a:tcPr marL="9525" marR="9525" marT="9525" marB="0" anchor="ctr"/>
-                </a:tc>
-                <a:tc>
-                  <a:txBody>
-                    <a:bodyPr/>
-                    <a:lstStyle/>
-                    <a:p>
-                      <a:pPr algn="l" fontAlgn="ctr"/>
-                      <a:r>
-                        <a:rPr lang="en-US" sz="1100" b="0" i="0" u="none" strike="noStrike" dirty="0">
-                          <a:solidFill>
-                            <a:srgbClr val="000000"/>
-                          </a:solidFill>
-                          <a:effectLst/>
-                          <a:latin typeface="等线" panose="02010600030101010101" pitchFamily="2" charset="-122"/>
-                          <a:ea typeface="等线" panose="02010600030101010101" pitchFamily="2" charset="-122"/>
+                      <a:endParaRPr lang="en-US" sz="1000" b="0" i="0" u="none" strike="noStrike" dirty="0">
+                        <a:solidFill>
+                          <a:srgbClr val="000000"/>
+                        </a:solidFill>
+                        <a:effectLst/>
+                        <a:latin typeface="等线" panose="02010600030101010101" pitchFamily="2" charset="-122"/>
+                        <a:ea typeface="等线" panose="02010600030101010101" pitchFamily="2" charset="-122"/>
+                      </a:endParaRPr>
+                    </a:p>
+                  </a:txBody>
+                  <a:tcPr marL="6971" marR="6971" marT="6971" marB="0" anchor="ctr"/>
+                </a:tc>
+                <a:tc>
+                  <a:txBody>
+                    <a:bodyPr/>
+                    <a:lstStyle/>
+                    <a:p>
+                      <a:pPr algn="r" rtl="0" fontAlgn="ctr"/>
+                      <a:r>
+                        <a:rPr lang="en-US" sz="1000" u="none" strike="noStrike" dirty="0">
+                          <a:effectLst/>
                         </a:rPr>
                         <a:t>Information Ratio</a:t>
                       </a:r>
-                    </a:p>
-                  </a:txBody>
-                  <a:tcPr marL="9525" marR="9525" marT="9525" marB="0" anchor="ctr"/>
-                </a:tc>
-                <a:tc>
-                  <a:txBody>
-                    <a:bodyPr/>
-                    <a:lstStyle/>
-                    <a:p>
-                      <a:pPr algn="l" fontAlgn="ctr"/>
-                      <a:r>
-                        <a:rPr lang="en-US" sz="1100" u="none" strike="noStrike" dirty="0">
+                      <a:endParaRPr lang="en-US" sz="1000" b="0" i="0" u="none" strike="noStrike" dirty="0">
+                        <a:solidFill>
+                          <a:srgbClr val="000000"/>
+                        </a:solidFill>
+                        <a:effectLst/>
+                        <a:latin typeface="等线" panose="02010600030101010101" pitchFamily="2" charset="-122"/>
+                        <a:ea typeface="等线" panose="02010600030101010101" pitchFamily="2" charset="-122"/>
+                      </a:endParaRPr>
+                    </a:p>
+                  </a:txBody>
+                  <a:tcPr marL="6971" marR="6971" marT="6971" marB="0" anchor="ctr"/>
+                </a:tc>
+                <a:tc>
+                  <a:txBody>
+                    <a:bodyPr/>
+                    <a:lstStyle/>
+                    <a:p>
+                      <a:pPr algn="r" rtl="0" fontAlgn="ctr"/>
+                      <a:r>
+                        <a:rPr lang="en-US" sz="1000" u="none" strike="noStrike">
                           <a:effectLst/>
                         </a:rPr>
                         <a:t>Maximum Drawdown</a:t>
                       </a:r>
-                      <a:endParaRPr lang="en-US" sz="1100" b="0" i="0" u="none" strike="noStrike" dirty="0">
-                        <a:solidFill>
-                          <a:srgbClr val="000000"/>
-                        </a:solidFill>
-                        <a:effectLst/>
-                        <a:latin typeface="等线" panose="02010600030101010101" pitchFamily="2" charset="-122"/>
-                        <a:ea typeface="等线" panose="02010600030101010101" pitchFamily="2" charset="-122"/>
-                      </a:endParaRPr>
-                    </a:p>
-                  </a:txBody>
-                  <a:tcPr marL="9525" marR="9525" marT="9525" marB="0" anchor="ctr"/>
-                </a:tc>
-                <a:tc>
-                  <a:txBody>
-                    <a:bodyPr/>
-                    <a:lstStyle/>
-                    <a:p>
-                      <a:pPr algn="l" fontAlgn="ctr"/>
-                      <a:r>
-                        <a:rPr lang="en-US" sz="1100" u="none" strike="noStrike" dirty="0">
+                      <a:endParaRPr lang="en-US" sz="1000" b="0" i="0" u="none" strike="noStrike">
+                        <a:solidFill>
+                          <a:srgbClr val="000000"/>
+                        </a:solidFill>
+                        <a:effectLst/>
+                        <a:latin typeface="Arial" panose="020B0604020202020204" pitchFamily="34" charset="0"/>
+                      </a:endParaRPr>
+                    </a:p>
+                  </a:txBody>
+                  <a:tcPr marL="6971" marR="6971" marT="6971" marB="0" anchor="ctr"/>
+                </a:tc>
+                <a:tc>
+                  <a:txBody>
+                    <a:bodyPr/>
+                    <a:lstStyle/>
+                    <a:p>
+                      <a:pPr algn="r" rtl="0" fontAlgn="ctr"/>
+                      <a:r>
+                        <a:rPr lang="en-US" sz="1000" u="none" strike="noStrike">
                           <a:effectLst/>
                         </a:rPr>
                         <a:t>Cumulative Return</a:t>
                       </a:r>
-                      <a:endParaRPr lang="en-US" sz="1100" b="0" i="0" u="none" strike="noStrike" dirty="0">
-                        <a:solidFill>
-                          <a:srgbClr val="000000"/>
-                        </a:solidFill>
-                        <a:effectLst/>
-                        <a:latin typeface="等线" panose="02010600030101010101" pitchFamily="2" charset="-122"/>
-                        <a:ea typeface="等线" panose="02010600030101010101" pitchFamily="2" charset="-122"/>
-                      </a:endParaRPr>
-                    </a:p>
-                  </a:txBody>
-                  <a:tcPr marL="9525" marR="9525" marT="9525" marB="0" anchor="ctr"/>
+                      <a:endParaRPr lang="en-US" sz="1000" b="0" i="0" u="none" strike="noStrike">
+                        <a:solidFill>
+                          <a:srgbClr val="000000"/>
+                        </a:solidFill>
+                        <a:effectLst/>
+                        <a:latin typeface="Arial" panose="020B0604020202020204" pitchFamily="34" charset="0"/>
+                      </a:endParaRPr>
+                    </a:p>
+                  </a:txBody>
+                  <a:tcPr marL="6971" marR="6971" marT="6971" marB="0" anchor="ctr"/>
                 </a:tc>
                 <a:extLst>
                   <a:ext uri="{0D108BD9-81ED-4DB2-BD59-A6C34878D82A}">
-                    <a16:rowId xmlns:a16="http://schemas.microsoft.com/office/drawing/2014/main" val="465822209"/>
+                    <a16:rowId xmlns:a16="http://schemas.microsoft.com/office/drawing/2014/main" val="1344255704"/>
                   </a:ext>
                 </a:extLst>
               </a:tr>
-              <a:tr h="270502">
-                <a:tc>
-                  <a:txBody>
-                    <a:bodyPr/>
-                    <a:lstStyle/>
-                    <a:p>
-                      <a:pPr algn="r" fontAlgn="ctr"/>
-                      <a:r>
-                        <a:rPr lang="en-US" altLang="zh-CN" sz="1100" u="none" strike="noStrike">
-                          <a:effectLst/>
-                        </a:rPr>
-                        <a:t>55</a:t>
-                      </a:r>
-                      <a:endParaRPr lang="en-US" altLang="zh-CN" sz="1100" b="0" i="0" u="none" strike="noStrike">
-                        <a:solidFill>
-                          <a:srgbClr val="000000"/>
-                        </a:solidFill>
-                        <a:effectLst/>
-                        <a:latin typeface="等线" panose="02010600030101010101" pitchFamily="2" charset="-122"/>
-                        <a:ea typeface="等线" panose="02010600030101010101" pitchFamily="2" charset="-122"/>
-                      </a:endParaRPr>
-                    </a:p>
-                  </a:txBody>
-                  <a:tcPr marL="9525" marR="9525" marT="9525" marB="0" anchor="ctr"/>
-                </a:tc>
-                <a:tc>
-                  <a:txBody>
-                    <a:bodyPr/>
-                    <a:lstStyle/>
-                    <a:p>
-                      <a:pPr algn="r" fontAlgn="ctr"/>
-                      <a:r>
-                        <a:rPr lang="en-US" altLang="zh-CN" sz="1100" u="none" strike="noStrike">
-                          <a:effectLst/>
-                        </a:rPr>
-                        <a:t>0.701122</a:t>
-                      </a:r>
-                      <a:endParaRPr lang="en-US" altLang="zh-CN" sz="1100" b="0" i="0" u="none" strike="noStrike">
-                        <a:solidFill>
-                          <a:srgbClr val="000000"/>
-                        </a:solidFill>
-                        <a:effectLst/>
-                        <a:latin typeface="等线" panose="02010600030101010101" pitchFamily="2" charset="-122"/>
-                        <a:ea typeface="等线" panose="02010600030101010101" pitchFamily="2" charset="-122"/>
-                      </a:endParaRPr>
-                    </a:p>
-                  </a:txBody>
-                  <a:tcPr marL="9525" marR="9525" marT="9525" marB="0" anchor="ctr"/>
-                </a:tc>
-                <a:tc>
-                  <a:txBody>
-                    <a:bodyPr/>
-                    <a:lstStyle/>
-                    <a:p>
-                      <a:pPr algn="r" fontAlgn="ctr"/>
-                      <a:r>
-                        <a:rPr lang="en-US" altLang="zh-CN" sz="1100" u="none" strike="noStrike">
-                          <a:effectLst/>
-                        </a:rPr>
-                        <a:t>4.490692</a:t>
-                      </a:r>
-                      <a:endParaRPr lang="en-US" altLang="zh-CN" sz="1100" b="0" i="0" u="none" strike="noStrike">
-                        <a:solidFill>
-                          <a:srgbClr val="000000"/>
-                        </a:solidFill>
-                        <a:effectLst/>
-                        <a:latin typeface="等线" panose="02010600030101010101" pitchFamily="2" charset="-122"/>
-                        <a:ea typeface="等线" panose="02010600030101010101" pitchFamily="2" charset="-122"/>
-                      </a:endParaRPr>
-                    </a:p>
-                  </a:txBody>
-                  <a:tcPr marL="9525" marR="9525" marT="9525" marB="0" anchor="ctr"/>
-                </a:tc>
-                <a:tc>
-                  <a:txBody>
-                    <a:bodyPr/>
-                    <a:lstStyle/>
-                    <a:p>
-                      <a:pPr algn="r" fontAlgn="ctr"/>
-                      <a:r>
-                        <a:rPr lang="en-US" altLang="zh-CN" sz="1100" u="none" strike="noStrike">
-                          <a:effectLst/>
-                        </a:rPr>
-                        <a:t>6.808737</a:t>
-                      </a:r>
-                      <a:endParaRPr lang="en-US" altLang="zh-CN" sz="1100" b="0" i="0" u="none" strike="noStrike">
-                        <a:solidFill>
-                          <a:srgbClr val="000000"/>
-                        </a:solidFill>
-                        <a:effectLst/>
-                        <a:latin typeface="等线" panose="02010600030101010101" pitchFamily="2" charset="-122"/>
-                        <a:ea typeface="等线" panose="02010600030101010101" pitchFamily="2" charset="-122"/>
-                      </a:endParaRPr>
-                    </a:p>
-                  </a:txBody>
-                  <a:tcPr marL="9525" marR="9525" marT="9525" marB="0" anchor="ctr"/>
+              <a:tr h="201133">
+                <a:tc>
+                  <a:txBody>
+                    <a:bodyPr/>
+                    <a:lstStyle/>
+                    <a:p>
+                      <a:pPr algn="r" fontAlgn="b"/>
+                      <a:r>
+                        <a:rPr lang="en-US" sz="1000" u="none" strike="noStrike" dirty="0">
+                          <a:solidFill>
+                            <a:schemeClr val="accent6">
+                              <a:lumMod val="75000"/>
+                            </a:schemeClr>
+                          </a:solidFill>
+                          <a:effectLst/>
+                        </a:rPr>
+                        <a:t>Original</a:t>
+                      </a:r>
+                      <a:endParaRPr lang="en-US" sz="1000" b="0" i="0" u="none" strike="noStrike" dirty="0">
+                        <a:solidFill>
+                          <a:schemeClr val="accent6">
+                            <a:lumMod val="75000"/>
+                          </a:schemeClr>
+                        </a:solidFill>
+                        <a:effectLst/>
+                        <a:latin typeface="Calibri" panose="020F0502020204030204" pitchFamily="34" charset="0"/>
+                      </a:endParaRPr>
+                    </a:p>
+                  </a:txBody>
+                  <a:tcPr marL="6971" marR="6971" marT="6971" marB="0" anchor="b"/>
+                </a:tc>
+                <a:tc>
+                  <a:txBody>
+                    <a:bodyPr/>
+                    <a:lstStyle/>
+                    <a:p>
+                      <a:pPr algn="r" rtl="0" fontAlgn="ctr"/>
+                      <a:r>
+                        <a:rPr lang="en-US" sz="1000" u="none" strike="noStrike" dirty="0">
+                          <a:effectLst/>
+                        </a:rPr>
+                        <a:t>20</a:t>
+                      </a:r>
+                      <a:endParaRPr lang="en-US" sz="1000" b="0" i="0" u="none" strike="noStrike" dirty="0">
+                        <a:solidFill>
+                          <a:srgbClr val="000000"/>
+                        </a:solidFill>
+                        <a:effectLst/>
+                        <a:latin typeface="Arial" panose="020B0604020202020204" pitchFamily="34" charset="0"/>
+                      </a:endParaRPr>
+                    </a:p>
+                  </a:txBody>
+                  <a:tcPr marL="6971" marR="6971" marT="6971" marB="0" anchor="ctr"/>
+                </a:tc>
+                <a:tc>
+                  <a:txBody>
+                    <a:bodyPr/>
+                    <a:lstStyle/>
+                    <a:p>
+                      <a:pPr algn="r" rtl="0" fontAlgn="ctr"/>
+                      <a:r>
+                        <a:rPr lang="en-US" sz="1000" u="none" strike="noStrike">
+                          <a:effectLst/>
+                        </a:rPr>
+                        <a:t>1.1178</a:t>
+                      </a:r>
+                      <a:endParaRPr lang="en-US" sz="1000" b="0" i="0" u="none" strike="noStrike">
+                        <a:solidFill>
+                          <a:srgbClr val="000000"/>
+                        </a:solidFill>
+                        <a:effectLst/>
+                        <a:latin typeface="Arial" panose="020B0604020202020204" pitchFamily="34" charset="0"/>
+                      </a:endParaRPr>
+                    </a:p>
+                  </a:txBody>
+                  <a:tcPr marL="6971" marR="6971" marT="6971" marB="0" anchor="ctr"/>
+                </a:tc>
+                <a:tc>
+                  <a:txBody>
+                    <a:bodyPr/>
+                    <a:lstStyle/>
+                    <a:p>
+                      <a:pPr algn="r" rtl="0" fontAlgn="ctr"/>
+                      <a:r>
+                        <a:rPr lang="en-US" sz="1000" u="none" strike="noStrike">
+                          <a:effectLst/>
+                        </a:rPr>
+                        <a:t>2.12829</a:t>
+                      </a:r>
+                      <a:endParaRPr lang="en-US" sz="1000" b="0" i="0" u="none" strike="noStrike">
+                        <a:solidFill>
+                          <a:srgbClr val="000000"/>
+                        </a:solidFill>
+                        <a:effectLst/>
+                        <a:latin typeface="Arial" panose="020B0604020202020204" pitchFamily="34" charset="0"/>
+                      </a:endParaRPr>
+                    </a:p>
+                  </a:txBody>
+                  <a:tcPr marL="6971" marR="6971" marT="6971" marB="0" anchor="ctr"/>
+                </a:tc>
+                <a:tc>
+                  <a:txBody>
+                    <a:bodyPr/>
+                    <a:lstStyle/>
+                    <a:p>
+                      <a:pPr algn="r" rtl="0" fontAlgn="ctr"/>
+                      <a:r>
+                        <a:rPr lang="en-US" sz="1000" u="none" strike="noStrike">
+                          <a:effectLst/>
+                        </a:rPr>
+                        <a:t>9.02592</a:t>
+                      </a:r>
+                      <a:endParaRPr lang="en-US" sz="1000" b="0" i="0" u="none" strike="noStrike">
+                        <a:solidFill>
+                          <a:srgbClr val="000000"/>
+                        </a:solidFill>
+                        <a:effectLst/>
+                        <a:latin typeface="Arial" panose="020B0604020202020204" pitchFamily="34" charset="0"/>
+                      </a:endParaRPr>
+                    </a:p>
+                  </a:txBody>
+                  <a:tcPr marL="6971" marR="6971" marT="6971" marB="0" anchor="ctr"/>
                 </a:tc>
                 <a:extLst>
                   <a:ext uri="{0D108BD9-81ED-4DB2-BD59-A6C34878D82A}">
-                    <a16:rowId xmlns:a16="http://schemas.microsoft.com/office/drawing/2014/main" val="823802316"/>
+                    <a16:rowId xmlns:a16="http://schemas.microsoft.com/office/drawing/2014/main" val="1428148088"/>
                   </a:ext>
                 </a:extLst>
               </a:tr>
-              <a:tr h="270502">
-                <a:tc>
-                  <a:txBody>
-                    <a:bodyPr/>
-                    <a:lstStyle/>
-                    <a:p>
-                      <a:pPr algn="r" fontAlgn="ctr"/>
-                      <a:r>
-                        <a:rPr lang="en-US" altLang="zh-CN" sz="1100" u="none" strike="noStrike">
-                          <a:effectLst/>
-                        </a:rPr>
-                        <a:t>40</a:t>
-                      </a:r>
-                      <a:endParaRPr lang="en-US" altLang="zh-CN" sz="1100" b="0" i="0" u="none" strike="noStrike">
-                        <a:solidFill>
-                          <a:srgbClr val="000000"/>
-                        </a:solidFill>
-                        <a:effectLst/>
-                        <a:latin typeface="等线" panose="02010600030101010101" pitchFamily="2" charset="-122"/>
-                        <a:ea typeface="等线" panose="02010600030101010101" pitchFamily="2" charset="-122"/>
-                      </a:endParaRPr>
-                    </a:p>
-                  </a:txBody>
-                  <a:tcPr marL="9525" marR="9525" marT="9525" marB="0" anchor="ctr"/>
-                </a:tc>
-                <a:tc>
-                  <a:txBody>
-                    <a:bodyPr/>
-                    <a:lstStyle/>
-                    <a:p>
-                      <a:pPr algn="r" fontAlgn="ctr"/>
-                      <a:r>
-                        <a:rPr lang="en-US" altLang="zh-CN" sz="1100" u="none" strike="noStrike" dirty="0">
-                          <a:effectLst/>
-                        </a:rPr>
-                        <a:t>0.57091</a:t>
-                      </a:r>
-                      <a:endParaRPr lang="en-US" altLang="zh-CN" sz="1100" b="0" i="0" u="none" strike="noStrike" dirty="0">
-                        <a:solidFill>
-                          <a:srgbClr val="000000"/>
-                        </a:solidFill>
-                        <a:effectLst/>
-                        <a:latin typeface="等线" panose="02010600030101010101" pitchFamily="2" charset="-122"/>
-                        <a:ea typeface="等线" panose="02010600030101010101" pitchFamily="2" charset="-122"/>
-                      </a:endParaRPr>
-                    </a:p>
-                  </a:txBody>
-                  <a:tcPr marL="9525" marR="9525" marT="9525" marB="0" anchor="ctr"/>
-                </a:tc>
-                <a:tc>
-                  <a:txBody>
-                    <a:bodyPr/>
-                    <a:lstStyle/>
-                    <a:p>
-                      <a:pPr algn="r" fontAlgn="ctr"/>
-                      <a:r>
-                        <a:rPr lang="en-US" altLang="zh-CN" sz="1100" u="none" strike="noStrike">
-                          <a:effectLst/>
-                        </a:rPr>
-                        <a:t>3.480486</a:t>
-                      </a:r>
-                      <a:endParaRPr lang="en-US" altLang="zh-CN" sz="1100" b="0" i="0" u="none" strike="noStrike">
-                        <a:solidFill>
-                          <a:srgbClr val="000000"/>
-                        </a:solidFill>
-                        <a:effectLst/>
-                        <a:latin typeface="等线" panose="02010600030101010101" pitchFamily="2" charset="-122"/>
-                        <a:ea typeface="等线" panose="02010600030101010101" pitchFamily="2" charset="-122"/>
-                      </a:endParaRPr>
-                    </a:p>
-                  </a:txBody>
-                  <a:tcPr marL="9525" marR="9525" marT="9525" marB="0" anchor="ctr"/>
-                </a:tc>
-                <a:tc>
-                  <a:txBody>
-                    <a:bodyPr/>
-                    <a:lstStyle/>
-                    <a:p>
-                      <a:pPr algn="r" fontAlgn="ctr"/>
-                      <a:r>
-                        <a:rPr lang="en-US" altLang="zh-CN" sz="1100" u="none" strike="noStrike">
-                          <a:effectLst/>
-                        </a:rPr>
-                        <a:t>4.8916</a:t>
-                      </a:r>
-                      <a:endParaRPr lang="en-US" altLang="zh-CN" sz="1100" b="0" i="0" u="none" strike="noStrike">
-                        <a:solidFill>
-                          <a:srgbClr val="000000"/>
-                        </a:solidFill>
-                        <a:effectLst/>
-                        <a:latin typeface="等线" panose="02010600030101010101" pitchFamily="2" charset="-122"/>
-                        <a:ea typeface="等线" panose="02010600030101010101" pitchFamily="2" charset="-122"/>
-                      </a:endParaRPr>
-                    </a:p>
-                  </a:txBody>
-                  <a:tcPr marL="9525" marR="9525" marT="9525" marB="0" anchor="ctr"/>
+              <a:tr h="201133">
+                <a:tc>
+                  <a:txBody>
+                    <a:bodyPr/>
+                    <a:lstStyle/>
+                    <a:p>
+                      <a:pPr algn="r" fontAlgn="b"/>
+                      <a:r>
+                        <a:rPr lang="en-US" sz="1000" u="none" strike="noStrike" dirty="0">
+                          <a:solidFill>
+                            <a:schemeClr val="accent6">
+                              <a:lumMod val="75000"/>
+                            </a:schemeClr>
+                          </a:solidFill>
+                          <a:effectLst/>
+                        </a:rPr>
+                        <a:t>Original</a:t>
+                      </a:r>
+                      <a:endParaRPr lang="en-US" sz="1000" b="0" i="0" u="none" strike="noStrike" dirty="0">
+                        <a:solidFill>
+                          <a:schemeClr val="accent6">
+                            <a:lumMod val="75000"/>
+                          </a:schemeClr>
+                        </a:solidFill>
+                        <a:effectLst/>
+                        <a:latin typeface="Calibri" panose="020F0502020204030204" pitchFamily="34" charset="0"/>
+                      </a:endParaRPr>
+                    </a:p>
+                  </a:txBody>
+                  <a:tcPr marL="6971" marR="6971" marT="6971" marB="0" anchor="b"/>
+                </a:tc>
+                <a:tc>
+                  <a:txBody>
+                    <a:bodyPr/>
+                    <a:lstStyle/>
+                    <a:p>
+                      <a:pPr algn="r" rtl="0" fontAlgn="ctr"/>
+                      <a:r>
+                        <a:rPr lang="en-US" sz="1000" u="none" strike="noStrike" dirty="0">
+                          <a:effectLst/>
+                        </a:rPr>
+                        <a:t>35</a:t>
+                      </a:r>
+                      <a:endParaRPr lang="en-US" sz="1000" b="0" i="0" u="none" strike="noStrike" dirty="0">
+                        <a:solidFill>
+                          <a:srgbClr val="000000"/>
+                        </a:solidFill>
+                        <a:effectLst/>
+                        <a:latin typeface="Arial" panose="020B0604020202020204" pitchFamily="34" charset="0"/>
+                      </a:endParaRPr>
+                    </a:p>
+                  </a:txBody>
+                  <a:tcPr marL="6971" marR="6971" marT="6971" marB="0" anchor="ctr"/>
+                </a:tc>
+                <a:tc>
+                  <a:txBody>
+                    <a:bodyPr/>
+                    <a:lstStyle/>
+                    <a:p>
+                      <a:pPr algn="r" rtl="0" fontAlgn="ctr"/>
+                      <a:r>
+                        <a:rPr lang="en-US" sz="1000" u="none" strike="noStrike">
+                          <a:effectLst/>
+                        </a:rPr>
+                        <a:t>0.81106</a:t>
+                      </a:r>
+                      <a:endParaRPr lang="en-US" sz="1000" b="0" i="0" u="none" strike="noStrike">
+                        <a:solidFill>
+                          <a:srgbClr val="000000"/>
+                        </a:solidFill>
+                        <a:effectLst/>
+                        <a:latin typeface="Arial" panose="020B0604020202020204" pitchFamily="34" charset="0"/>
+                      </a:endParaRPr>
+                    </a:p>
+                  </a:txBody>
+                  <a:tcPr marL="6971" marR="6971" marT="6971" marB="0" anchor="ctr"/>
+                </a:tc>
+                <a:tc>
+                  <a:txBody>
+                    <a:bodyPr/>
+                    <a:lstStyle/>
+                    <a:p>
+                      <a:pPr algn="r" rtl="0" fontAlgn="ctr"/>
+                      <a:r>
+                        <a:rPr lang="en-US" sz="1000" u="none" strike="noStrike">
+                          <a:effectLst/>
+                        </a:rPr>
+                        <a:t>3.19642</a:t>
+                      </a:r>
+                      <a:endParaRPr lang="en-US" sz="1000" b="0" i="0" u="none" strike="noStrike">
+                        <a:solidFill>
+                          <a:srgbClr val="000000"/>
+                        </a:solidFill>
+                        <a:effectLst/>
+                        <a:latin typeface="Arial" panose="020B0604020202020204" pitchFamily="34" charset="0"/>
+                      </a:endParaRPr>
+                    </a:p>
+                  </a:txBody>
+                  <a:tcPr marL="6971" marR="6971" marT="6971" marB="0" anchor="ctr"/>
+                </a:tc>
+                <a:tc>
+                  <a:txBody>
+                    <a:bodyPr/>
+                    <a:lstStyle/>
+                    <a:p>
+                      <a:pPr algn="r" rtl="0" fontAlgn="ctr"/>
+                      <a:r>
+                        <a:rPr lang="en-US" sz="1000" u="none" strike="noStrike">
+                          <a:effectLst/>
+                        </a:rPr>
+                        <a:t>4.94178</a:t>
+                      </a:r>
+                      <a:endParaRPr lang="en-US" sz="1000" b="0" i="0" u="none" strike="noStrike">
+                        <a:solidFill>
+                          <a:srgbClr val="000000"/>
+                        </a:solidFill>
+                        <a:effectLst/>
+                        <a:latin typeface="Arial" panose="020B0604020202020204" pitchFamily="34" charset="0"/>
+                      </a:endParaRPr>
+                    </a:p>
+                  </a:txBody>
+                  <a:tcPr marL="6971" marR="6971" marT="6971" marB="0" anchor="ctr"/>
                 </a:tc>
                 <a:extLst>
                   <a:ext uri="{0D108BD9-81ED-4DB2-BD59-A6C34878D82A}">
-                    <a16:rowId xmlns:a16="http://schemas.microsoft.com/office/drawing/2014/main" val="4242091317"/>
+                    <a16:rowId xmlns:a16="http://schemas.microsoft.com/office/drawing/2014/main" val="1548383858"/>
                   </a:ext>
                 </a:extLst>
               </a:tr>
-              <a:tr h="270502">
-                <a:tc>
-                  <a:txBody>
-                    <a:bodyPr/>
-                    <a:lstStyle/>
-                    <a:p>
-                      <a:pPr algn="r" fontAlgn="ctr"/>
-                      <a:r>
-                        <a:rPr lang="en-US" altLang="zh-CN" sz="1100" u="none" strike="noStrike">
-                          <a:effectLst/>
-                        </a:rPr>
-                        <a:t>31</a:t>
-                      </a:r>
-                      <a:endParaRPr lang="en-US" altLang="zh-CN" sz="1100" b="0" i="0" u="none" strike="noStrike">
-                        <a:solidFill>
-                          <a:srgbClr val="000000"/>
-                        </a:solidFill>
-                        <a:effectLst/>
-                        <a:latin typeface="等线" panose="02010600030101010101" pitchFamily="2" charset="-122"/>
-                        <a:ea typeface="等线" panose="02010600030101010101" pitchFamily="2" charset="-122"/>
-                      </a:endParaRPr>
-                    </a:p>
-                  </a:txBody>
-                  <a:tcPr marL="9525" marR="9525" marT="9525" marB="0" anchor="ctr"/>
-                </a:tc>
-                <a:tc>
-                  <a:txBody>
-                    <a:bodyPr/>
-                    <a:lstStyle/>
-                    <a:p>
-                      <a:pPr algn="r" fontAlgn="ctr"/>
-                      <a:r>
-                        <a:rPr lang="en-US" altLang="zh-CN" sz="1100" u="none" strike="noStrike">
-                          <a:effectLst/>
-                        </a:rPr>
-                        <a:t>0.509244</a:t>
-                      </a:r>
-                      <a:endParaRPr lang="en-US" altLang="zh-CN" sz="1100" b="0" i="0" u="none" strike="noStrike">
-                        <a:solidFill>
-                          <a:srgbClr val="000000"/>
-                        </a:solidFill>
-                        <a:effectLst/>
-                        <a:latin typeface="等线" panose="02010600030101010101" pitchFamily="2" charset="-122"/>
-                        <a:ea typeface="等线" panose="02010600030101010101" pitchFamily="2" charset="-122"/>
-                      </a:endParaRPr>
-                    </a:p>
-                  </a:txBody>
-                  <a:tcPr marL="9525" marR="9525" marT="9525" marB="0" anchor="ctr"/>
-                </a:tc>
-                <a:tc>
-                  <a:txBody>
-                    <a:bodyPr/>
-                    <a:lstStyle/>
-                    <a:p>
-                      <a:pPr algn="r" fontAlgn="ctr"/>
-                      <a:r>
-                        <a:rPr lang="en-US" altLang="zh-CN" sz="1100" u="none" strike="noStrike">
-                          <a:effectLst/>
-                        </a:rPr>
-                        <a:t>0.039221</a:t>
-                      </a:r>
-                      <a:endParaRPr lang="en-US" altLang="zh-CN" sz="1100" b="0" i="0" u="none" strike="noStrike">
-                        <a:solidFill>
-                          <a:srgbClr val="000000"/>
-                        </a:solidFill>
-                        <a:effectLst/>
-                        <a:latin typeface="等线" panose="02010600030101010101" pitchFamily="2" charset="-122"/>
-                        <a:ea typeface="等线" panose="02010600030101010101" pitchFamily="2" charset="-122"/>
-                      </a:endParaRPr>
-                    </a:p>
-                  </a:txBody>
-                  <a:tcPr marL="9525" marR="9525" marT="9525" marB="0" anchor="ctr"/>
-                </a:tc>
-                <a:tc>
-                  <a:txBody>
-                    <a:bodyPr/>
-                    <a:lstStyle/>
-                    <a:p>
-                      <a:pPr algn="r" fontAlgn="ctr"/>
-                      <a:r>
-                        <a:rPr lang="en-US" altLang="zh-CN" sz="1100" u="none" strike="noStrike">
-                          <a:effectLst/>
-                        </a:rPr>
-                        <a:t>0.620025</a:t>
-                      </a:r>
-                      <a:endParaRPr lang="en-US" altLang="zh-CN" sz="1100" b="0" i="0" u="none" strike="noStrike">
-                        <a:solidFill>
-                          <a:srgbClr val="000000"/>
-                        </a:solidFill>
-                        <a:effectLst/>
-                        <a:latin typeface="等线" panose="02010600030101010101" pitchFamily="2" charset="-122"/>
-                        <a:ea typeface="等线" panose="02010600030101010101" pitchFamily="2" charset="-122"/>
-                      </a:endParaRPr>
-                    </a:p>
-                  </a:txBody>
-                  <a:tcPr marL="9525" marR="9525" marT="9525" marB="0" anchor="ctr"/>
+              <a:tr h="201133">
+                <a:tc>
+                  <a:txBody>
+                    <a:bodyPr/>
+                    <a:lstStyle/>
+                    <a:p>
+                      <a:pPr algn="r" fontAlgn="b"/>
+                      <a:r>
+                        <a:rPr lang="en-US" sz="1000" u="none" strike="noStrike" dirty="0">
+                          <a:effectLst/>
+                        </a:rPr>
+                        <a:t>With Clustering</a:t>
+                      </a:r>
+                      <a:endParaRPr lang="en-US" sz="1000" b="0" i="0" u="none" strike="noStrike" dirty="0">
+                        <a:solidFill>
+                          <a:srgbClr val="000000"/>
+                        </a:solidFill>
+                        <a:effectLst/>
+                        <a:latin typeface="Calibri" panose="020F0502020204030204" pitchFamily="34" charset="0"/>
+                      </a:endParaRPr>
+                    </a:p>
+                  </a:txBody>
+                  <a:tcPr marL="6971" marR="6971" marT="6971" marB="0" anchor="b"/>
+                </a:tc>
+                <a:tc>
+                  <a:txBody>
+                    <a:bodyPr/>
+                    <a:lstStyle/>
+                    <a:p>
+                      <a:pPr algn="r" rtl="0" fontAlgn="ctr"/>
+                      <a:r>
+                        <a:rPr lang="en-US" sz="1000" u="none" strike="noStrike" dirty="0">
+                          <a:effectLst/>
+                        </a:rPr>
+                        <a:t>55</a:t>
+                      </a:r>
+                      <a:endParaRPr lang="en-US" sz="1000" b="0" i="0" u="none" strike="noStrike" dirty="0">
+                        <a:solidFill>
+                          <a:srgbClr val="000000"/>
+                        </a:solidFill>
+                        <a:effectLst/>
+                        <a:latin typeface="Arial" panose="020B0604020202020204" pitchFamily="34" charset="0"/>
+                      </a:endParaRPr>
+                    </a:p>
+                  </a:txBody>
+                  <a:tcPr marL="6971" marR="6971" marT="6971" marB="0" anchor="ctr"/>
+                </a:tc>
+                <a:tc>
+                  <a:txBody>
+                    <a:bodyPr/>
+                    <a:lstStyle/>
+                    <a:p>
+                      <a:pPr algn="r" rtl="0" fontAlgn="ctr"/>
+                      <a:r>
+                        <a:rPr lang="en-US" sz="1000" u="none" strike="noStrike">
+                          <a:effectLst/>
+                        </a:rPr>
+                        <a:t>0.70112</a:t>
+                      </a:r>
+                      <a:endParaRPr lang="en-US" sz="1000" b="0" i="0" u="none" strike="noStrike">
+                        <a:solidFill>
+                          <a:srgbClr val="000000"/>
+                        </a:solidFill>
+                        <a:effectLst/>
+                        <a:latin typeface="Arial" panose="020B0604020202020204" pitchFamily="34" charset="0"/>
+                      </a:endParaRPr>
+                    </a:p>
+                  </a:txBody>
+                  <a:tcPr marL="6971" marR="6971" marT="6971" marB="0" anchor="ctr"/>
+                </a:tc>
+                <a:tc>
+                  <a:txBody>
+                    <a:bodyPr/>
+                    <a:lstStyle/>
+                    <a:p>
+                      <a:pPr algn="r" rtl="0" fontAlgn="ctr"/>
+                      <a:r>
+                        <a:rPr lang="en-US" sz="1000" u="none" strike="noStrike">
+                          <a:effectLst/>
+                        </a:rPr>
+                        <a:t>4.49069</a:t>
+                      </a:r>
+                      <a:endParaRPr lang="en-US" sz="1000" b="0" i="0" u="none" strike="noStrike">
+                        <a:solidFill>
+                          <a:srgbClr val="000000"/>
+                        </a:solidFill>
+                        <a:effectLst/>
+                        <a:latin typeface="Arial" panose="020B0604020202020204" pitchFamily="34" charset="0"/>
+                      </a:endParaRPr>
+                    </a:p>
+                  </a:txBody>
+                  <a:tcPr marL="6971" marR="6971" marT="6971" marB="0" anchor="ctr"/>
+                </a:tc>
+                <a:tc>
+                  <a:txBody>
+                    <a:bodyPr/>
+                    <a:lstStyle/>
+                    <a:p>
+                      <a:pPr algn="r" rtl="0" fontAlgn="ctr"/>
+                      <a:r>
+                        <a:rPr lang="en-US" sz="1000" u="none" strike="noStrike">
+                          <a:effectLst/>
+                        </a:rPr>
+                        <a:t>6.80874</a:t>
+                      </a:r>
+                      <a:endParaRPr lang="en-US" sz="1000" b="0" i="0" u="none" strike="noStrike">
+                        <a:solidFill>
+                          <a:srgbClr val="000000"/>
+                        </a:solidFill>
+                        <a:effectLst/>
+                        <a:latin typeface="Arial" panose="020B0604020202020204" pitchFamily="34" charset="0"/>
+                      </a:endParaRPr>
+                    </a:p>
+                  </a:txBody>
+                  <a:tcPr marL="6971" marR="6971" marT="6971" marB="0" anchor="ctr"/>
                 </a:tc>
                 <a:extLst>
                   <a:ext uri="{0D108BD9-81ED-4DB2-BD59-A6C34878D82A}">
-                    <a16:rowId xmlns:a16="http://schemas.microsoft.com/office/drawing/2014/main" val="4244988620"/>
+                    <a16:rowId xmlns:a16="http://schemas.microsoft.com/office/drawing/2014/main" val="3097504600"/>
                   </a:ext>
                 </a:extLst>
               </a:tr>
-              <a:tr h="270502">
-                <a:tc>
-                  <a:txBody>
-                    <a:bodyPr/>
-                    <a:lstStyle/>
-                    <a:p>
-                      <a:pPr algn="r" fontAlgn="ctr"/>
-                      <a:r>
-                        <a:rPr lang="en-US" altLang="zh-CN" sz="1100" u="none" strike="noStrike">
-                          <a:effectLst/>
-                        </a:rPr>
-                        <a:t>50</a:t>
-                      </a:r>
-                      <a:endParaRPr lang="en-US" altLang="zh-CN" sz="1100" b="0" i="0" u="none" strike="noStrike">
-                        <a:solidFill>
-                          <a:srgbClr val="000000"/>
-                        </a:solidFill>
-                        <a:effectLst/>
-                        <a:latin typeface="等线" panose="02010600030101010101" pitchFamily="2" charset="-122"/>
-                        <a:ea typeface="等线" panose="02010600030101010101" pitchFamily="2" charset="-122"/>
-                      </a:endParaRPr>
-                    </a:p>
-                  </a:txBody>
-                  <a:tcPr marL="9525" marR="9525" marT="9525" marB="0" anchor="ctr"/>
-                </a:tc>
-                <a:tc>
-                  <a:txBody>
-                    <a:bodyPr/>
-                    <a:lstStyle/>
-                    <a:p>
-                      <a:pPr algn="r" fontAlgn="ctr"/>
-                      <a:r>
-                        <a:rPr lang="en-US" altLang="zh-CN" sz="1100" u="none" strike="noStrike">
-                          <a:effectLst/>
-                        </a:rPr>
-                        <a:t>0.445645</a:t>
-                      </a:r>
-                      <a:endParaRPr lang="en-US" altLang="zh-CN" sz="1100" b="0" i="0" u="none" strike="noStrike">
-                        <a:solidFill>
-                          <a:srgbClr val="000000"/>
-                        </a:solidFill>
-                        <a:effectLst/>
-                        <a:latin typeface="等线" panose="02010600030101010101" pitchFamily="2" charset="-122"/>
-                        <a:ea typeface="等线" panose="02010600030101010101" pitchFamily="2" charset="-122"/>
-                      </a:endParaRPr>
-                    </a:p>
-                  </a:txBody>
-                  <a:tcPr marL="9525" marR="9525" marT="9525" marB="0" anchor="ctr"/>
-                </a:tc>
-                <a:tc>
-                  <a:txBody>
-                    <a:bodyPr/>
-                    <a:lstStyle/>
-                    <a:p>
-                      <a:pPr algn="r" fontAlgn="ctr"/>
-                      <a:r>
-                        <a:rPr lang="en-US" altLang="zh-CN" sz="1100" u="none" strike="noStrike">
-                          <a:effectLst/>
-                        </a:rPr>
-                        <a:t>4.695299</a:t>
-                      </a:r>
-                      <a:endParaRPr lang="en-US" altLang="zh-CN" sz="1100" b="0" i="0" u="none" strike="noStrike">
-                        <a:solidFill>
-                          <a:srgbClr val="000000"/>
-                        </a:solidFill>
-                        <a:effectLst/>
-                        <a:latin typeface="等线" panose="02010600030101010101" pitchFamily="2" charset="-122"/>
-                        <a:ea typeface="等线" panose="02010600030101010101" pitchFamily="2" charset="-122"/>
-                      </a:endParaRPr>
-                    </a:p>
-                  </a:txBody>
-                  <a:tcPr marL="9525" marR="9525" marT="9525" marB="0" anchor="ctr"/>
-                </a:tc>
-                <a:tc>
-                  <a:txBody>
-                    <a:bodyPr/>
-                    <a:lstStyle/>
-                    <a:p>
-                      <a:pPr algn="r" fontAlgn="ctr"/>
-                      <a:r>
-                        <a:rPr lang="en-US" altLang="zh-CN" sz="1100" u="none" strike="noStrike">
-                          <a:effectLst/>
-                        </a:rPr>
-                        <a:t>2.946374</a:t>
-                      </a:r>
-                      <a:endParaRPr lang="en-US" altLang="zh-CN" sz="1100" b="0" i="0" u="none" strike="noStrike">
-                        <a:solidFill>
-                          <a:srgbClr val="000000"/>
-                        </a:solidFill>
-                        <a:effectLst/>
-                        <a:latin typeface="等线" panose="02010600030101010101" pitchFamily="2" charset="-122"/>
-                        <a:ea typeface="等线" panose="02010600030101010101" pitchFamily="2" charset="-122"/>
-                      </a:endParaRPr>
-                    </a:p>
-                  </a:txBody>
-                  <a:tcPr marL="9525" marR="9525" marT="9525" marB="0" anchor="ctr"/>
+              <a:tr h="201133">
+                <a:tc>
+                  <a:txBody>
+                    <a:bodyPr/>
+                    <a:lstStyle/>
+                    <a:p>
+                      <a:pPr algn="r" fontAlgn="b"/>
+                      <a:r>
+                        <a:rPr lang="en-US" sz="1000" u="none" strike="noStrike" dirty="0">
+                          <a:solidFill>
+                            <a:schemeClr val="accent6">
+                              <a:lumMod val="75000"/>
+                            </a:schemeClr>
+                          </a:solidFill>
+                          <a:effectLst/>
+                        </a:rPr>
+                        <a:t>Original</a:t>
+                      </a:r>
+                      <a:endParaRPr lang="en-US" sz="1000" b="0" i="0" u="none" strike="noStrike" dirty="0">
+                        <a:solidFill>
+                          <a:schemeClr val="accent6">
+                            <a:lumMod val="75000"/>
+                          </a:schemeClr>
+                        </a:solidFill>
+                        <a:effectLst/>
+                        <a:latin typeface="Calibri" panose="020F0502020204030204" pitchFamily="34" charset="0"/>
+                      </a:endParaRPr>
+                    </a:p>
+                  </a:txBody>
+                  <a:tcPr marL="6971" marR="6971" marT="6971" marB="0" anchor="b"/>
+                </a:tc>
+                <a:tc>
+                  <a:txBody>
+                    <a:bodyPr/>
+                    <a:lstStyle/>
+                    <a:p>
+                      <a:pPr algn="r" rtl="0" fontAlgn="ctr"/>
+                      <a:r>
+                        <a:rPr lang="en-US" sz="1000" u="none" strike="noStrike" dirty="0">
+                          <a:effectLst/>
+                        </a:rPr>
+                        <a:t>12</a:t>
+                      </a:r>
+                      <a:endParaRPr lang="en-US" sz="1000" b="0" i="0" u="none" strike="noStrike" dirty="0">
+                        <a:solidFill>
+                          <a:srgbClr val="000000"/>
+                        </a:solidFill>
+                        <a:effectLst/>
+                        <a:latin typeface="Arial" panose="020B0604020202020204" pitchFamily="34" charset="0"/>
+                      </a:endParaRPr>
+                    </a:p>
+                  </a:txBody>
+                  <a:tcPr marL="6971" marR="6971" marT="6971" marB="0" anchor="ctr"/>
+                </a:tc>
+                <a:tc>
+                  <a:txBody>
+                    <a:bodyPr/>
+                    <a:lstStyle/>
+                    <a:p>
+                      <a:pPr algn="r" rtl="0" fontAlgn="ctr"/>
+                      <a:r>
+                        <a:rPr lang="en-US" sz="1000" u="none" strike="noStrike">
+                          <a:effectLst/>
+                        </a:rPr>
+                        <a:t>0.60956</a:t>
+                      </a:r>
+                      <a:endParaRPr lang="en-US" sz="1000" b="0" i="0" u="none" strike="noStrike">
+                        <a:solidFill>
+                          <a:srgbClr val="000000"/>
+                        </a:solidFill>
+                        <a:effectLst/>
+                        <a:latin typeface="Arial" panose="020B0604020202020204" pitchFamily="34" charset="0"/>
+                      </a:endParaRPr>
+                    </a:p>
+                  </a:txBody>
+                  <a:tcPr marL="6971" marR="6971" marT="6971" marB="0" anchor="ctr"/>
+                </a:tc>
+                <a:tc>
+                  <a:txBody>
+                    <a:bodyPr/>
+                    <a:lstStyle/>
+                    <a:p>
+                      <a:pPr algn="r" rtl="0" fontAlgn="ctr"/>
+                      <a:r>
+                        <a:rPr lang="en-US" sz="1000" u="none" strike="noStrike">
+                          <a:effectLst/>
+                        </a:rPr>
+                        <a:t>2.21712</a:t>
+                      </a:r>
+                      <a:endParaRPr lang="en-US" sz="1000" b="0" i="0" u="none" strike="noStrike">
+                        <a:solidFill>
+                          <a:srgbClr val="000000"/>
+                        </a:solidFill>
+                        <a:effectLst/>
+                        <a:latin typeface="Arial" panose="020B0604020202020204" pitchFamily="34" charset="0"/>
+                      </a:endParaRPr>
+                    </a:p>
+                  </a:txBody>
+                  <a:tcPr marL="6971" marR="6971" marT="6971" marB="0" anchor="ctr"/>
+                </a:tc>
+                <a:tc>
+                  <a:txBody>
+                    <a:bodyPr/>
+                    <a:lstStyle/>
+                    <a:p>
+                      <a:pPr algn="r" rtl="0" fontAlgn="ctr"/>
+                      <a:r>
+                        <a:rPr lang="en-US" sz="1000" u="none" strike="noStrike">
+                          <a:effectLst/>
+                        </a:rPr>
+                        <a:t>5.74027</a:t>
+                      </a:r>
+                      <a:endParaRPr lang="en-US" sz="1000" b="0" i="0" u="none" strike="noStrike">
+                        <a:solidFill>
+                          <a:srgbClr val="000000"/>
+                        </a:solidFill>
+                        <a:effectLst/>
+                        <a:latin typeface="Arial" panose="020B0604020202020204" pitchFamily="34" charset="0"/>
+                      </a:endParaRPr>
+                    </a:p>
+                  </a:txBody>
+                  <a:tcPr marL="6971" marR="6971" marT="6971" marB="0" anchor="ctr"/>
                 </a:tc>
                 <a:extLst>
                   <a:ext uri="{0D108BD9-81ED-4DB2-BD59-A6C34878D82A}">
-                    <a16:rowId xmlns:a16="http://schemas.microsoft.com/office/drawing/2014/main" val="3063013986"/>
+                    <a16:rowId xmlns:a16="http://schemas.microsoft.com/office/drawing/2014/main" val="3914199658"/>
                   </a:ext>
                 </a:extLst>
               </a:tr>
-              <a:tr h="270502">
-                <a:tc>
-                  <a:txBody>
-                    <a:bodyPr/>
-                    <a:lstStyle/>
-                    <a:p>
-                      <a:pPr algn="r" fontAlgn="ctr"/>
-                      <a:r>
-                        <a:rPr lang="en-US" altLang="zh-CN" sz="1100" u="none" strike="noStrike">
-                          <a:effectLst/>
-                        </a:rPr>
-                        <a:t>45</a:t>
-                      </a:r>
-                      <a:endParaRPr lang="en-US" altLang="zh-CN" sz="1100" b="0" i="0" u="none" strike="noStrike">
-                        <a:solidFill>
-                          <a:srgbClr val="000000"/>
-                        </a:solidFill>
-                        <a:effectLst/>
-                        <a:latin typeface="等线" panose="02010600030101010101" pitchFamily="2" charset="-122"/>
-                        <a:ea typeface="等线" panose="02010600030101010101" pitchFamily="2" charset="-122"/>
-                      </a:endParaRPr>
-                    </a:p>
-                  </a:txBody>
-                  <a:tcPr marL="9525" marR="9525" marT="9525" marB="0" anchor="ctr"/>
-                </a:tc>
-                <a:tc>
-                  <a:txBody>
-                    <a:bodyPr/>
-                    <a:lstStyle/>
-                    <a:p>
-                      <a:pPr algn="r" fontAlgn="ctr"/>
-                      <a:r>
-                        <a:rPr lang="en-US" altLang="zh-CN" sz="1100" u="none" strike="noStrike">
-                          <a:effectLst/>
-                        </a:rPr>
-                        <a:t>0.387308</a:t>
-                      </a:r>
-                      <a:endParaRPr lang="en-US" altLang="zh-CN" sz="1100" b="0" i="0" u="none" strike="noStrike">
-                        <a:solidFill>
-                          <a:srgbClr val="000000"/>
-                        </a:solidFill>
-                        <a:effectLst/>
-                        <a:latin typeface="等线" panose="02010600030101010101" pitchFamily="2" charset="-122"/>
-                        <a:ea typeface="等线" panose="02010600030101010101" pitchFamily="2" charset="-122"/>
-                      </a:endParaRPr>
-                    </a:p>
-                  </a:txBody>
-                  <a:tcPr marL="9525" marR="9525" marT="9525" marB="0" anchor="ctr"/>
-                </a:tc>
-                <a:tc>
-                  <a:txBody>
-                    <a:bodyPr/>
-                    <a:lstStyle/>
-                    <a:p>
-                      <a:pPr algn="r" fontAlgn="ctr"/>
-                      <a:r>
-                        <a:rPr lang="en-US" altLang="zh-CN" sz="1100" u="none" strike="noStrike">
-                          <a:effectLst/>
-                        </a:rPr>
-                        <a:t>0.111226</a:t>
-                      </a:r>
-                      <a:endParaRPr lang="en-US" altLang="zh-CN" sz="1100" b="0" i="0" u="none" strike="noStrike">
-                        <a:solidFill>
-                          <a:srgbClr val="000000"/>
-                        </a:solidFill>
-                        <a:effectLst/>
-                        <a:latin typeface="等线" panose="02010600030101010101" pitchFamily="2" charset="-122"/>
-                        <a:ea typeface="等线" panose="02010600030101010101" pitchFamily="2" charset="-122"/>
-                      </a:endParaRPr>
-                    </a:p>
-                  </a:txBody>
-                  <a:tcPr marL="9525" marR="9525" marT="9525" marB="0" anchor="ctr"/>
-                </a:tc>
-                <a:tc>
-                  <a:txBody>
-                    <a:bodyPr/>
-                    <a:lstStyle/>
-                    <a:p>
-                      <a:pPr algn="r" fontAlgn="ctr"/>
-                      <a:r>
-                        <a:rPr lang="en-US" altLang="zh-CN" sz="1100" u="none" strike="noStrike">
-                          <a:effectLst/>
-                        </a:rPr>
-                        <a:t>0.201752</a:t>
-                      </a:r>
-                      <a:endParaRPr lang="en-US" altLang="zh-CN" sz="1100" b="0" i="0" u="none" strike="noStrike">
-                        <a:solidFill>
-                          <a:srgbClr val="000000"/>
-                        </a:solidFill>
-                        <a:effectLst/>
-                        <a:latin typeface="等线" panose="02010600030101010101" pitchFamily="2" charset="-122"/>
-                        <a:ea typeface="等线" panose="02010600030101010101" pitchFamily="2" charset="-122"/>
-                      </a:endParaRPr>
-                    </a:p>
-                  </a:txBody>
-                  <a:tcPr marL="9525" marR="9525" marT="9525" marB="0" anchor="ctr"/>
+              <a:tr h="201133">
+                <a:tc>
+                  <a:txBody>
+                    <a:bodyPr/>
+                    <a:lstStyle/>
+                    <a:p>
+                      <a:pPr algn="r" fontAlgn="b"/>
+                      <a:r>
+                        <a:rPr lang="en-US" sz="1000" u="none" strike="noStrike" dirty="0">
+                          <a:effectLst/>
+                        </a:rPr>
+                        <a:t>With Clustering</a:t>
+                      </a:r>
+                      <a:endParaRPr lang="en-US" sz="1000" b="0" i="0" u="none" strike="noStrike" dirty="0">
+                        <a:solidFill>
+                          <a:srgbClr val="000000"/>
+                        </a:solidFill>
+                        <a:effectLst/>
+                        <a:latin typeface="Calibri" panose="020F0502020204030204" pitchFamily="34" charset="0"/>
+                      </a:endParaRPr>
+                    </a:p>
+                  </a:txBody>
+                  <a:tcPr marL="6971" marR="6971" marT="6971" marB="0" anchor="b"/>
+                </a:tc>
+                <a:tc>
+                  <a:txBody>
+                    <a:bodyPr/>
+                    <a:lstStyle/>
+                    <a:p>
+                      <a:pPr algn="r" rtl="0" fontAlgn="ctr"/>
+                      <a:r>
+                        <a:rPr lang="en-US" sz="1000" u="none" strike="noStrike" dirty="0">
+                          <a:effectLst/>
+                        </a:rPr>
+                        <a:t>40</a:t>
+                      </a:r>
+                      <a:endParaRPr lang="en-US" sz="1000" b="0" i="0" u="none" strike="noStrike" dirty="0">
+                        <a:solidFill>
+                          <a:srgbClr val="000000"/>
+                        </a:solidFill>
+                        <a:effectLst/>
+                        <a:latin typeface="Arial" panose="020B0604020202020204" pitchFamily="34" charset="0"/>
+                      </a:endParaRPr>
+                    </a:p>
+                  </a:txBody>
+                  <a:tcPr marL="6971" marR="6971" marT="6971" marB="0" anchor="ctr"/>
+                </a:tc>
+                <a:tc>
+                  <a:txBody>
+                    <a:bodyPr/>
+                    <a:lstStyle/>
+                    <a:p>
+                      <a:pPr algn="r" rtl="0" fontAlgn="ctr"/>
+                      <a:r>
+                        <a:rPr lang="en-US" sz="1000" u="none" strike="noStrike">
+                          <a:effectLst/>
+                        </a:rPr>
+                        <a:t>0.57091</a:t>
+                      </a:r>
+                      <a:endParaRPr lang="en-US" sz="1000" b="0" i="0" u="none" strike="noStrike">
+                        <a:solidFill>
+                          <a:srgbClr val="000000"/>
+                        </a:solidFill>
+                        <a:effectLst/>
+                        <a:latin typeface="Arial" panose="020B0604020202020204" pitchFamily="34" charset="0"/>
+                      </a:endParaRPr>
+                    </a:p>
+                  </a:txBody>
+                  <a:tcPr marL="6971" marR="6971" marT="6971" marB="0" anchor="ctr"/>
+                </a:tc>
+                <a:tc>
+                  <a:txBody>
+                    <a:bodyPr/>
+                    <a:lstStyle/>
+                    <a:p>
+                      <a:pPr algn="r" rtl="0" fontAlgn="ctr"/>
+                      <a:r>
+                        <a:rPr lang="en-US" sz="1000" u="none" strike="noStrike">
+                          <a:effectLst/>
+                        </a:rPr>
+                        <a:t>3.48049</a:t>
+                      </a:r>
+                      <a:endParaRPr lang="en-US" sz="1000" b="0" i="0" u="none" strike="noStrike">
+                        <a:solidFill>
+                          <a:srgbClr val="000000"/>
+                        </a:solidFill>
+                        <a:effectLst/>
+                        <a:latin typeface="Arial" panose="020B0604020202020204" pitchFamily="34" charset="0"/>
+                      </a:endParaRPr>
+                    </a:p>
+                  </a:txBody>
+                  <a:tcPr marL="6971" marR="6971" marT="6971" marB="0" anchor="ctr"/>
+                </a:tc>
+                <a:tc>
+                  <a:txBody>
+                    <a:bodyPr/>
+                    <a:lstStyle/>
+                    <a:p>
+                      <a:pPr algn="r" rtl="0" fontAlgn="ctr"/>
+                      <a:r>
+                        <a:rPr lang="en-US" sz="1000" u="none" strike="noStrike" dirty="0">
+                          <a:effectLst/>
+                        </a:rPr>
+                        <a:t>4.8916</a:t>
+                      </a:r>
+                      <a:endParaRPr lang="en-US" sz="1000" b="0" i="0" u="none" strike="noStrike" dirty="0">
+                        <a:solidFill>
+                          <a:srgbClr val="000000"/>
+                        </a:solidFill>
+                        <a:effectLst/>
+                        <a:latin typeface="Arial" panose="020B0604020202020204" pitchFamily="34" charset="0"/>
+                      </a:endParaRPr>
+                    </a:p>
+                  </a:txBody>
+                  <a:tcPr marL="6971" marR="6971" marT="6971" marB="0" anchor="ctr"/>
                 </a:tc>
                 <a:extLst>
                   <a:ext uri="{0D108BD9-81ED-4DB2-BD59-A6C34878D82A}">
-                    <a16:rowId xmlns:a16="http://schemas.microsoft.com/office/drawing/2014/main" val="3898980975"/>
+                    <a16:rowId xmlns:a16="http://schemas.microsoft.com/office/drawing/2014/main" val="165803922"/>
                   </a:ext>
                 </a:extLst>
               </a:tr>
-              <a:tr h="270502">
-                <a:tc>
-                  <a:txBody>
-                    <a:bodyPr/>
-                    <a:lstStyle/>
-                    <a:p>
-                      <a:pPr algn="r" fontAlgn="ctr"/>
-                      <a:r>
-                        <a:rPr lang="en-US" altLang="zh-CN" sz="1100" u="none" strike="noStrike">
-                          <a:effectLst/>
-                        </a:rPr>
-                        <a:t>25</a:t>
-                      </a:r>
-                      <a:endParaRPr lang="en-US" altLang="zh-CN" sz="1100" b="0" i="0" u="none" strike="noStrike">
-                        <a:solidFill>
-                          <a:srgbClr val="000000"/>
-                        </a:solidFill>
-                        <a:effectLst/>
-                        <a:latin typeface="等线" panose="02010600030101010101" pitchFamily="2" charset="-122"/>
-                        <a:ea typeface="等线" panose="02010600030101010101" pitchFamily="2" charset="-122"/>
-                      </a:endParaRPr>
-                    </a:p>
-                  </a:txBody>
-                  <a:tcPr marL="9525" marR="9525" marT="9525" marB="0" anchor="ctr"/>
-                </a:tc>
-                <a:tc>
-                  <a:txBody>
-                    <a:bodyPr/>
-                    <a:lstStyle/>
-                    <a:p>
-                      <a:pPr algn="r" fontAlgn="ctr"/>
-                      <a:r>
-                        <a:rPr lang="en-US" altLang="zh-CN" sz="1100" u="none" strike="noStrike">
-                          <a:effectLst/>
-                        </a:rPr>
-                        <a:t>0.364599</a:t>
-                      </a:r>
-                      <a:endParaRPr lang="en-US" altLang="zh-CN" sz="1100" b="0" i="0" u="none" strike="noStrike">
-                        <a:solidFill>
-                          <a:srgbClr val="000000"/>
-                        </a:solidFill>
-                        <a:effectLst/>
-                        <a:latin typeface="等线" panose="02010600030101010101" pitchFamily="2" charset="-122"/>
-                        <a:ea typeface="等线" panose="02010600030101010101" pitchFamily="2" charset="-122"/>
-                      </a:endParaRPr>
-                    </a:p>
-                  </a:txBody>
-                  <a:tcPr marL="9525" marR="9525" marT="9525" marB="0" anchor="ctr"/>
-                </a:tc>
-                <a:tc>
-                  <a:txBody>
-                    <a:bodyPr/>
-                    <a:lstStyle/>
-                    <a:p>
-                      <a:pPr algn="r" fontAlgn="ctr"/>
-                      <a:r>
-                        <a:rPr lang="en-US" altLang="zh-CN" sz="1100" u="none" strike="noStrike">
-                          <a:effectLst/>
-                        </a:rPr>
-                        <a:t>4.491992</a:t>
-                      </a:r>
-                      <a:endParaRPr lang="en-US" altLang="zh-CN" sz="1100" b="0" i="0" u="none" strike="noStrike">
-                        <a:solidFill>
-                          <a:srgbClr val="000000"/>
-                        </a:solidFill>
-                        <a:effectLst/>
-                        <a:latin typeface="等线" panose="02010600030101010101" pitchFamily="2" charset="-122"/>
-                        <a:ea typeface="等线" panose="02010600030101010101" pitchFamily="2" charset="-122"/>
-                      </a:endParaRPr>
-                    </a:p>
-                  </a:txBody>
-                  <a:tcPr marL="9525" marR="9525" marT="9525" marB="0" anchor="ctr"/>
-                </a:tc>
-                <a:tc>
-                  <a:txBody>
-                    <a:bodyPr/>
-                    <a:lstStyle/>
-                    <a:p>
-                      <a:pPr algn="r" fontAlgn="ctr"/>
-                      <a:r>
-                        <a:rPr lang="en-US" altLang="zh-CN" sz="1100" u="none" strike="noStrike">
-                          <a:effectLst/>
-                        </a:rPr>
-                        <a:t>3.416569</a:t>
-                      </a:r>
-                      <a:endParaRPr lang="en-US" altLang="zh-CN" sz="1100" b="0" i="0" u="none" strike="noStrike">
-                        <a:solidFill>
-                          <a:srgbClr val="000000"/>
-                        </a:solidFill>
-                        <a:effectLst/>
-                        <a:latin typeface="等线" panose="02010600030101010101" pitchFamily="2" charset="-122"/>
-                        <a:ea typeface="等线" panose="02010600030101010101" pitchFamily="2" charset="-122"/>
-                      </a:endParaRPr>
-                    </a:p>
-                  </a:txBody>
-                  <a:tcPr marL="9525" marR="9525" marT="9525" marB="0" anchor="ctr"/>
+              <a:tr h="201133">
+                <a:tc>
+                  <a:txBody>
+                    <a:bodyPr/>
+                    <a:lstStyle/>
+                    <a:p>
+                      <a:pPr algn="r" fontAlgn="b"/>
+                      <a:r>
+                        <a:rPr lang="en-US" sz="1000" u="none" strike="noStrike" dirty="0">
+                          <a:solidFill>
+                            <a:schemeClr val="accent6">
+                              <a:lumMod val="75000"/>
+                            </a:schemeClr>
+                          </a:solidFill>
+                          <a:effectLst/>
+                        </a:rPr>
+                        <a:t>Original</a:t>
+                      </a:r>
+                      <a:endParaRPr lang="en-US" sz="1000" b="0" i="0" u="none" strike="noStrike" dirty="0">
+                        <a:solidFill>
+                          <a:schemeClr val="accent6">
+                            <a:lumMod val="75000"/>
+                          </a:schemeClr>
+                        </a:solidFill>
+                        <a:effectLst/>
+                        <a:latin typeface="Calibri" panose="020F0502020204030204" pitchFamily="34" charset="0"/>
+                      </a:endParaRPr>
+                    </a:p>
+                  </a:txBody>
+                  <a:tcPr marL="6971" marR="6971" marT="6971" marB="0" anchor="b"/>
+                </a:tc>
+                <a:tc>
+                  <a:txBody>
+                    <a:bodyPr/>
+                    <a:lstStyle/>
+                    <a:p>
+                      <a:pPr algn="r" rtl="0" fontAlgn="ctr"/>
+                      <a:r>
+                        <a:rPr lang="en-US" sz="1000" u="none" strike="noStrike" dirty="0">
+                          <a:effectLst/>
+                        </a:rPr>
+                        <a:t>54</a:t>
+                      </a:r>
+                      <a:endParaRPr lang="en-US" sz="1000" b="0" i="0" u="none" strike="noStrike" dirty="0">
+                        <a:solidFill>
+                          <a:srgbClr val="000000"/>
+                        </a:solidFill>
+                        <a:effectLst/>
+                        <a:latin typeface="Arial" panose="020B0604020202020204" pitchFamily="34" charset="0"/>
+                      </a:endParaRPr>
+                    </a:p>
+                  </a:txBody>
+                  <a:tcPr marL="6971" marR="6971" marT="6971" marB="0" anchor="ctr"/>
+                </a:tc>
+                <a:tc>
+                  <a:txBody>
+                    <a:bodyPr/>
+                    <a:lstStyle/>
+                    <a:p>
+                      <a:pPr algn="r" rtl="0" fontAlgn="ctr"/>
+                      <a:r>
+                        <a:rPr lang="en-US" sz="1000" u="none" strike="noStrike">
+                          <a:effectLst/>
+                        </a:rPr>
+                        <a:t>0.56943</a:t>
+                      </a:r>
+                      <a:endParaRPr lang="en-US" sz="1000" b="0" i="0" u="none" strike="noStrike">
+                        <a:solidFill>
+                          <a:srgbClr val="000000"/>
+                        </a:solidFill>
+                        <a:effectLst/>
+                        <a:latin typeface="Arial" panose="020B0604020202020204" pitchFamily="34" charset="0"/>
+                      </a:endParaRPr>
+                    </a:p>
+                  </a:txBody>
+                  <a:tcPr marL="6971" marR="6971" marT="6971" marB="0" anchor="ctr"/>
+                </a:tc>
+                <a:tc>
+                  <a:txBody>
+                    <a:bodyPr/>
+                    <a:lstStyle/>
+                    <a:p>
+                      <a:pPr algn="r" rtl="0" fontAlgn="ctr"/>
+                      <a:r>
+                        <a:rPr lang="en-US" sz="1000" u="none" strike="noStrike">
+                          <a:effectLst/>
+                        </a:rPr>
+                        <a:t>0.29596</a:t>
+                      </a:r>
+                      <a:endParaRPr lang="en-US" sz="1000" b="0" i="0" u="none" strike="noStrike">
+                        <a:solidFill>
+                          <a:srgbClr val="000000"/>
+                        </a:solidFill>
+                        <a:effectLst/>
+                        <a:latin typeface="Arial" panose="020B0604020202020204" pitchFamily="34" charset="0"/>
+                      </a:endParaRPr>
+                    </a:p>
+                  </a:txBody>
+                  <a:tcPr marL="6971" marR="6971" marT="6971" marB="0" anchor="ctr"/>
+                </a:tc>
+                <a:tc>
+                  <a:txBody>
+                    <a:bodyPr/>
+                    <a:lstStyle/>
+                    <a:p>
+                      <a:pPr algn="r" rtl="0" fontAlgn="ctr"/>
+                      <a:r>
+                        <a:rPr lang="en-US" sz="1000" u="none" strike="noStrike">
+                          <a:effectLst/>
+                        </a:rPr>
+                        <a:t>0.38338</a:t>
+                      </a:r>
+                      <a:endParaRPr lang="en-US" sz="1000" b="0" i="0" u="none" strike="noStrike">
+                        <a:solidFill>
+                          <a:srgbClr val="000000"/>
+                        </a:solidFill>
+                        <a:effectLst/>
+                        <a:latin typeface="Arial" panose="020B0604020202020204" pitchFamily="34" charset="0"/>
+                      </a:endParaRPr>
+                    </a:p>
+                  </a:txBody>
+                  <a:tcPr marL="6971" marR="6971" marT="6971" marB="0" anchor="ctr"/>
                 </a:tc>
                 <a:extLst>
                   <a:ext uri="{0D108BD9-81ED-4DB2-BD59-A6C34878D82A}">
-                    <a16:rowId xmlns:a16="http://schemas.microsoft.com/office/drawing/2014/main" val="3298316243"/>
+                    <a16:rowId xmlns:a16="http://schemas.microsoft.com/office/drawing/2014/main" val="3962492863"/>
                   </a:ext>
                 </a:extLst>
               </a:tr>
-              <a:tr h="270502">
-                <a:tc>
-                  <a:txBody>
-                    <a:bodyPr/>
-                    <a:lstStyle/>
-                    <a:p>
-                      <a:pPr algn="r" fontAlgn="ctr"/>
-                      <a:r>
-                        <a:rPr lang="en-US" altLang="zh-CN" sz="1100" u="none" strike="noStrike">
-                          <a:effectLst/>
-                        </a:rPr>
-                        <a:t>47</a:t>
-                      </a:r>
-                      <a:endParaRPr lang="en-US" altLang="zh-CN" sz="1100" b="0" i="0" u="none" strike="noStrike">
-                        <a:solidFill>
-                          <a:srgbClr val="000000"/>
-                        </a:solidFill>
-                        <a:effectLst/>
-                        <a:latin typeface="等线" panose="02010600030101010101" pitchFamily="2" charset="-122"/>
-                        <a:ea typeface="等线" panose="02010600030101010101" pitchFamily="2" charset="-122"/>
-                      </a:endParaRPr>
-                    </a:p>
-                  </a:txBody>
-                  <a:tcPr marL="9525" marR="9525" marT="9525" marB="0" anchor="ctr"/>
-                </a:tc>
-                <a:tc>
-                  <a:txBody>
-                    <a:bodyPr/>
-                    <a:lstStyle/>
-                    <a:p>
-                      <a:pPr algn="r" fontAlgn="ctr"/>
-                      <a:r>
-                        <a:rPr lang="en-US" altLang="zh-CN" sz="1100" u="none" strike="noStrike">
-                          <a:effectLst/>
-                        </a:rPr>
-                        <a:t>0.339173</a:t>
-                      </a:r>
-                      <a:endParaRPr lang="en-US" altLang="zh-CN" sz="1100" b="0" i="0" u="none" strike="noStrike">
-                        <a:solidFill>
-                          <a:srgbClr val="000000"/>
-                        </a:solidFill>
-                        <a:effectLst/>
-                        <a:latin typeface="等线" panose="02010600030101010101" pitchFamily="2" charset="-122"/>
-                        <a:ea typeface="等线" panose="02010600030101010101" pitchFamily="2" charset="-122"/>
-                      </a:endParaRPr>
-                    </a:p>
-                  </a:txBody>
-                  <a:tcPr marL="9525" marR="9525" marT="9525" marB="0" anchor="ctr"/>
-                </a:tc>
-                <a:tc>
-                  <a:txBody>
-                    <a:bodyPr/>
-                    <a:lstStyle/>
-                    <a:p>
-                      <a:pPr algn="r" fontAlgn="ctr"/>
-                      <a:r>
-                        <a:rPr lang="en-US" altLang="zh-CN" sz="1100" u="none" strike="noStrike">
-                          <a:effectLst/>
-                        </a:rPr>
-                        <a:t>0.058841</a:t>
-                      </a:r>
-                      <a:endParaRPr lang="en-US" altLang="zh-CN" sz="1100" b="0" i="0" u="none" strike="noStrike">
-                        <a:solidFill>
-                          <a:srgbClr val="000000"/>
-                        </a:solidFill>
-                        <a:effectLst/>
-                        <a:latin typeface="等线" panose="02010600030101010101" pitchFamily="2" charset="-122"/>
-                        <a:ea typeface="等线" panose="02010600030101010101" pitchFamily="2" charset="-122"/>
-                      </a:endParaRPr>
-                    </a:p>
-                  </a:txBody>
-                  <a:tcPr marL="9525" marR="9525" marT="9525" marB="0" anchor="ctr"/>
-                </a:tc>
-                <a:tc>
-                  <a:txBody>
-                    <a:bodyPr/>
-                    <a:lstStyle/>
-                    <a:p>
-                      <a:pPr algn="r" fontAlgn="ctr"/>
-                      <a:r>
-                        <a:rPr lang="en-US" altLang="zh-CN" sz="1100" u="none" strike="noStrike">
-                          <a:effectLst/>
-                        </a:rPr>
-                        <a:t>0.101502</a:t>
-                      </a:r>
-                      <a:endParaRPr lang="en-US" altLang="zh-CN" sz="1100" b="0" i="0" u="none" strike="noStrike">
-                        <a:solidFill>
-                          <a:srgbClr val="000000"/>
-                        </a:solidFill>
-                        <a:effectLst/>
-                        <a:latin typeface="等线" panose="02010600030101010101" pitchFamily="2" charset="-122"/>
-                        <a:ea typeface="等线" panose="02010600030101010101" pitchFamily="2" charset="-122"/>
-                      </a:endParaRPr>
-                    </a:p>
-                  </a:txBody>
-                  <a:tcPr marL="9525" marR="9525" marT="9525" marB="0" anchor="ctr"/>
+              <a:tr h="201133">
+                <a:tc>
+                  <a:txBody>
+                    <a:bodyPr/>
+                    <a:lstStyle/>
+                    <a:p>
+                      <a:pPr algn="r" fontAlgn="b"/>
+                      <a:r>
+                        <a:rPr lang="en-US" sz="1000" u="none" strike="noStrike" dirty="0">
+                          <a:solidFill>
+                            <a:schemeClr val="accent6">
+                              <a:lumMod val="75000"/>
+                            </a:schemeClr>
+                          </a:solidFill>
+                          <a:effectLst/>
+                        </a:rPr>
+                        <a:t>Original</a:t>
+                      </a:r>
+                      <a:endParaRPr lang="en-US" sz="1000" b="0" i="0" u="none" strike="noStrike" dirty="0">
+                        <a:solidFill>
+                          <a:schemeClr val="accent6">
+                            <a:lumMod val="75000"/>
+                          </a:schemeClr>
+                        </a:solidFill>
+                        <a:effectLst/>
+                        <a:latin typeface="Calibri" panose="020F0502020204030204" pitchFamily="34" charset="0"/>
+                      </a:endParaRPr>
+                    </a:p>
+                  </a:txBody>
+                  <a:tcPr marL="6971" marR="6971" marT="6971" marB="0" anchor="b"/>
+                </a:tc>
+                <a:tc>
+                  <a:txBody>
+                    <a:bodyPr/>
+                    <a:lstStyle/>
+                    <a:p>
+                      <a:pPr algn="r" rtl="0" fontAlgn="ctr"/>
+                      <a:r>
+                        <a:rPr lang="en-US" sz="1000" u="none" strike="noStrike" dirty="0">
+                          <a:effectLst/>
+                        </a:rPr>
+                        <a:t>56</a:t>
+                      </a:r>
+                      <a:endParaRPr lang="en-US" sz="1000" b="0" i="0" u="none" strike="noStrike" dirty="0">
+                        <a:solidFill>
+                          <a:srgbClr val="000000"/>
+                        </a:solidFill>
+                        <a:effectLst/>
+                        <a:latin typeface="Arial" panose="020B0604020202020204" pitchFamily="34" charset="0"/>
+                      </a:endParaRPr>
+                    </a:p>
+                  </a:txBody>
+                  <a:tcPr marL="6971" marR="6971" marT="6971" marB="0" anchor="ctr"/>
+                </a:tc>
+                <a:tc>
+                  <a:txBody>
+                    <a:bodyPr/>
+                    <a:lstStyle/>
+                    <a:p>
+                      <a:pPr algn="r" rtl="0" fontAlgn="ctr"/>
+                      <a:r>
+                        <a:rPr lang="en-US" sz="1000" u="none" strike="noStrike">
+                          <a:effectLst/>
+                        </a:rPr>
+                        <a:t>0.56652</a:t>
+                      </a:r>
+                      <a:endParaRPr lang="en-US" sz="1000" b="0" i="0" u="none" strike="noStrike">
+                        <a:solidFill>
+                          <a:srgbClr val="000000"/>
+                        </a:solidFill>
+                        <a:effectLst/>
+                        <a:latin typeface="Arial" panose="020B0604020202020204" pitchFamily="34" charset="0"/>
+                      </a:endParaRPr>
+                    </a:p>
+                  </a:txBody>
+                  <a:tcPr marL="6971" marR="6971" marT="6971" marB="0" anchor="ctr"/>
+                </a:tc>
+                <a:tc>
+                  <a:txBody>
+                    <a:bodyPr/>
+                    <a:lstStyle/>
+                    <a:p>
+                      <a:pPr algn="r" rtl="0" fontAlgn="ctr"/>
+                      <a:r>
+                        <a:rPr lang="en-US" sz="1000" u="none" strike="noStrike">
+                          <a:effectLst/>
+                        </a:rPr>
+                        <a:t>2.7823</a:t>
+                      </a:r>
+                      <a:endParaRPr lang="en-US" sz="1000" b="0" i="0" u="none" strike="noStrike">
+                        <a:solidFill>
+                          <a:srgbClr val="000000"/>
+                        </a:solidFill>
+                        <a:effectLst/>
+                        <a:latin typeface="Arial" panose="020B0604020202020204" pitchFamily="34" charset="0"/>
+                      </a:endParaRPr>
+                    </a:p>
+                  </a:txBody>
+                  <a:tcPr marL="6971" marR="6971" marT="6971" marB="0" anchor="ctr"/>
+                </a:tc>
+                <a:tc>
+                  <a:txBody>
+                    <a:bodyPr/>
+                    <a:lstStyle/>
+                    <a:p>
+                      <a:pPr algn="r" rtl="0" fontAlgn="ctr"/>
+                      <a:r>
+                        <a:rPr lang="en-US" sz="1000" u="none" strike="noStrike">
+                          <a:effectLst/>
+                        </a:rPr>
+                        <a:t>5.25475</a:t>
+                      </a:r>
+                      <a:endParaRPr lang="en-US" sz="1000" b="0" i="0" u="none" strike="noStrike">
+                        <a:solidFill>
+                          <a:srgbClr val="000000"/>
+                        </a:solidFill>
+                        <a:effectLst/>
+                        <a:latin typeface="Arial" panose="020B0604020202020204" pitchFamily="34" charset="0"/>
+                      </a:endParaRPr>
+                    </a:p>
+                  </a:txBody>
+                  <a:tcPr marL="6971" marR="6971" marT="6971" marB="0" anchor="ctr"/>
                 </a:tc>
                 <a:extLst>
                   <a:ext uri="{0D108BD9-81ED-4DB2-BD59-A6C34878D82A}">
-                    <a16:rowId xmlns:a16="http://schemas.microsoft.com/office/drawing/2014/main" val="2006182088"/>
+                    <a16:rowId xmlns:a16="http://schemas.microsoft.com/office/drawing/2014/main" val="725872985"/>
                   </a:ext>
                 </a:extLst>
               </a:tr>
-              <a:tr h="270502">
-                <a:tc>
-                  <a:txBody>
-                    <a:bodyPr/>
-                    <a:lstStyle/>
-                    <a:p>
-                      <a:pPr algn="r" fontAlgn="ctr"/>
-                      <a:r>
-                        <a:rPr lang="en-US" altLang="zh-CN" sz="1100" u="none" strike="noStrike">
-                          <a:effectLst/>
-                        </a:rPr>
-                        <a:t>48</a:t>
-                      </a:r>
-                      <a:endParaRPr lang="en-US" altLang="zh-CN" sz="1100" b="0" i="0" u="none" strike="noStrike">
-                        <a:solidFill>
-                          <a:srgbClr val="000000"/>
-                        </a:solidFill>
-                        <a:effectLst/>
-                        <a:latin typeface="等线" panose="02010600030101010101" pitchFamily="2" charset="-122"/>
-                        <a:ea typeface="等线" panose="02010600030101010101" pitchFamily="2" charset="-122"/>
-                      </a:endParaRPr>
-                    </a:p>
-                  </a:txBody>
-                  <a:tcPr marL="9525" marR="9525" marT="9525" marB="0" anchor="ctr"/>
-                </a:tc>
-                <a:tc>
-                  <a:txBody>
-                    <a:bodyPr/>
-                    <a:lstStyle/>
-                    <a:p>
-                      <a:pPr algn="r" fontAlgn="ctr"/>
-                      <a:r>
-                        <a:rPr lang="en-US" altLang="zh-CN" sz="1100" u="none" strike="noStrike">
-                          <a:effectLst/>
-                        </a:rPr>
-                        <a:t>0.329672</a:t>
-                      </a:r>
-                      <a:endParaRPr lang="en-US" altLang="zh-CN" sz="1100" b="0" i="0" u="none" strike="noStrike">
-                        <a:solidFill>
-                          <a:srgbClr val="000000"/>
-                        </a:solidFill>
-                        <a:effectLst/>
-                        <a:latin typeface="等线" panose="02010600030101010101" pitchFamily="2" charset="-122"/>
-                        <a:ea typeface="等线" panose="02010600030101010101" pitchFamily="2" charset="-122"/>
-                      </a:endParaRPr>
-                    </a:p>
-                  </a:txBody>
-                  <a:tcPr marL="9525" marR="9525" marT="9525" marB="0" anchor="ctr"/>
-                </a:tc>
-                <a:tc>
-                  <a:txBody>
-                    <a:bodyPr/>
-                    <a:lstStyle/>
-                    <a:p>
-                      <a:pPr algn="r" fontAlgn="ctr"/>
-                      <a:r>
-                        <a:rPr lang="en-US" altLang="zh-CN" sz="1100" u="none" strike="noStrike">
-                          <a:effectLst/>
-                        </a:rPr>
-                        <a:t>0.058841</a:t>
-                      </a:r>
-                      <a:endParaRPr lang="en-US" altLang="zh-CN" sz="1100" b="0" i="0" u="none" strike="noStrike">
-                        <a:solidFill>
-                          <a:srgbClr val="000000"/>
-                        </a:solidFill>
-                        <a:effectLst/>
-                        <a:latin typeface="等线" panose="02010600030101010101" pitchFamily="2" charset="-122"/>
-                        <a:ea typeface="等线" panose="02010600030101010101" pitchFamily="2" charset="-122"/>
-                      </a:endParaRPr>
-                    </a:p>
-                  </a:txBody>
-                  <a:tcPr marL="9525" marR="9525" marT="9525" marB="0" anchor="ctr"/>
-                </a:tc>
-                <a:tc>
-                  <a:txBody>
-                    <a:bodyPr/>
-                    <a:lstStyle/>
-                    <a:p>
-                      <a:pPr algn="r" fontAlgn="ctr"/>
-                      <a:r>
-                        <a:rPr lang="en-US" altLang="zh-CN" sz="1100" u="none" strike="noStrike">
-                          <a:effectLst/>
-                        </a:rPr>
-                        <a:t>0.09531</a:t>
-                      </a:r>
-                      <a:endParaRPr lang="en-US" altLang="zh-CN" sz="1100" b="0" i="0" u="none" strike="noStrike">
-                        <a:solidFill>
-                          <a:srgbClr val="000000"/>
-                        </a:solidFill>
-                        <a:effectLst/>
-                        <a:latin typeface="等线" panose="02010600030101010101" pitchFamily="2" charset="-122"/>
-                        <a:ea typeface="等线" panose="02010600030101010101" pitchFamily="2" charset="-122"/>
-                      </a:endParaRPr>
-                    </a:p>
-                  </a:txBody>
-                  <a:tcPr marL="9525" marR="9525" marT="9525" marB="0" anchor="ctr"/>
+              <a:tr h="201133">
+                <a:tc>
+                  <a:txBody>
+                    <a:bodyPr/>
+                    <a:lstStyle/>
+                    <a:p>
+                      <a:pPr algn="r" fontAlgn="b"/>
+                      <a:r>
+                        <a:rPr lang="en-US" sz="1000" u="none" strike="noStrike" dirty="0">
+                          <a:solidFill>
+                            <a:schemeClr val="accent6">
+                              <a:lumMod val="75000"/>
+                            </a:schemeClr>
+                          </a:solidFill>
+                          <a:effectLst/>
+                        </a:rPr>
+                        <a:t>Original</a:t>
+                      </a:r>
+                      <a:endParaRPr lang="en-US" sz="1000" b="0" i="0" u="none" strike="noStrike" dirty="0">
+                        <a:solidFill>
+                          <a:schemeClr val="accent6">
+                            <a:lumMod val="75000"/>
+                          </a:schemeClr>
+                        </a:solidFill>
+                        <a:effectLst/>
+                        <a:latin typeface="Calibri" panose="020F0502020204030204" pitchFamily="34" charset="0"/>
+                      </a:endParaRPr>
+                    </a:p>
+                  </a:txBody>
+                  <a:tcPr marL="6971" marR="6971" marT="6971" marB="0" anchor="b"/>
+                </a:tc>
+                <a:tc>
+                  <a:txBody>
+                    <a:bodyPr/>
+                    <a:lstStyle/>
+                    <a:p>
+                      <a:pPr algn="r" rtl="0" fontAlgn="ctr"/>
+                      <a:r>
+                        <a:rPr lang="en-US" sz="1000" u="none" strike="noStrike">
+                          <a:effectLst/>
+                        </a:rPr>
+                        <a:t>55</a:t>
+                      </a:r>
+                      <a:endParaRPr lang="en-US" sz="1000" b="0" i="0" u="none" strike="noStrike">
+                        <a:solidFill>
+                          <a:srgbClr val="000000"/>
+                        </a:solidFill>
+                        <a:effectLst/>
+                        <a:latin typeface="Arial" panose="020B0604020202020204" pitchFamily="34" charset="0"/>
+                      </a:endParaRPr>
+                    </a:p>
+                  </a:txBody>
+                  <a:tcPr marL="6971" marR="6971" marT="6971" marB="0" anchor="ctr"/>
+                </a:tc>
+                <a:tc>
+                  <a:txBody>
+                    <a:bodyPr/>
+                    <a:lstStyle/>
+                    <a:p>
+                      <a:pPr algn="r" rtl="0" fontAlgn="ctr"/>
+                      <a:r>
+                        <a:rPr lang="en-US" sz="1000" u="none" strike="noStrike">
+                          <a:effectLst/>
+                        </a:rPr>
+                        <a:t>0.5651</a:t>
+                      </a:r>
+                      <a:endParaRPr lang="en-US" sz="1000" b="0" i="0" u="none" strike="noStrike">
+                        <a:solidFill>
+                          <a:srgbClr val="000000"/>
+                        </a:solidFill>
+                        <a:effectLst/>
+                        <a:latin typeface="Arial" panose="020B0604020202020204" pitchFamily="34" charset="0"/>
+                      </a:endParaRPr>
+                    </a:p>
+                  </a:txBody>
+                  <a:tcPr marL="6971" marR="6971" marT="6971" marB="0" anchor="ctr"/>
+                </a:tc>
+                <a:tc>
+                  <a:txBody>
+                    <a:bodyPr/>
+                    <a:lstStyle/>
+                    <a:p>
+                      <a:pPr algn="r" rtl="0" fontAlgn="ctr"/>
+                      <a:r>
+                        <a:rPr lang="en-US" sz="1000" u="none" strike="noStrike">
+                          <a:effectLst/>
+                        </a:rPr>
+                        <a:t>3.30111</a:t>
+                      </a:r>
+                      <a:endParaRPr lang="en-US" sz="1000" b="0" i="0" u="none" strike="noStrike">
+                        <a:solidFill>
+                          <a:srgbClr val="000000"/>
+                        </a:solidFill>
+                        <a:effectLst/>
+                        <a:latin typeface="Arial" panose="020B0604020202020204" pitchFamily="34" charset="0"/>
+                      </a:endParaRPr>
+                    </a:p>
+                  </a:txBody>
+                  <a:tcPr marL="6971" marR="6971" marT="6971" marB="0" anchor="ctr"/>
+                </a:tc>
+                <a:tc>
+                  <a:txBody>
+                    <a:bodyPr/>
+                    <a:lstStyle/>
+                    <a:p>
+                      <a:pPr algn="r" rtl="0" fontAlgn="ctr"/>
+                      <a:r>
+                        <a:rPr lang="en-US" sz="1000" u="none" strike="noStrike">
+                          <a:effectLst/>
+                        </a:rPr>
+                        <a:t>5.49121</a:t>
+                      </a:r>
+                      <a:endParaRPr lang="en-US" sz="1000" b="0" i="0" u="none" strike="noStrike">
+                        <a:solidFill>
+                          <a:srgbClr val="000000"/>
+                        </a:solidFill>
+                        <a:effectLst/>
+                        <a:latin typeface="Arial" panose="020B0604020202020204" pitchFamily="34" charset="0"/>
+                      </a:endParaRPr>
+                    </a:p>
+                  </a:txBody>
+                  <a:tcPr marL="6971" marR="6971" marT="6971" marB="0" anchor="ctr"/>
                 </a:tc>
                 <a:extLst>
                   <a:ext uri="{0D108BD9-81ED-4DB2-BD59-A6C34878D82A}">
-                    <a16:rowId xmlns:a16="http://schemas.microsoft.com/office/drawing/2014/main" val="593392851"/>
+                    <a16:rowId xmlns:a16="http://schemas.microsoft.com/office/drawing/2014/main" val="1345703685"/>
                   </a:ext>
                 </a:extLst>
               </a:tr>
-              <a:tr h="270502">
-                <a:tc>
-                  <a:txBody>
-                    <a:bodyPr/>
-                    <a:lstStyle/>
-                    <a:p>
-                      <a:pPr algn="r" fontAlgn="ctr"/>
-                      <a:r>
-                        <a:rPr lang="en-US" altLang="zh-CN" sz="1100" u="none" strike="noStrike">
-                          <a:effectLst/>
-                        </a:rPr>
-                        <a:t>12</a:t>
-                      </a:r>
-                      <a:endParaRPr lang="en-US" altLang="zh-CN" sz="1100" b="0" i="0" u="none" strike="noStrike">
-                        <a:solidFill>
-                          <a:srgbClr val="000000"/>
-                        </a:solidFill>
-                        <a:effectLst/>
-                        <a:latin typeface="等线" panose="02010600030101010101" pitchFamily="2" charset="-122"/>
-                        <a:ea typeface="等线" panose="02010600030101010101" pitchFamily="2" charset="-122"/>
-                      </a:endParaRPr>
-                    </a:p>
-                  </a:txBody>
-                  <a:tcPr marL="9525" marR="9525" marT="9525" marB="0" anchor="ctr"/>
-                </a:tc>
-                <a:tc>
-                  <a:txBody>
-                    <a:bodyPr/>
-                    <a:lstStyle/>
-                    <a:p>
-                      <a:pPr algn="r" fontAlgn="ctr"/>
-                      <a:r>
-                        <a:rPr lang="en-US" altLang="zh-CN" sz="1100" u="none" strike="noStrike">
-                          <a:effectLst/>
-                        </a:rPr>
-                        <a:t>0.326528</a:t>
-                      </a:r>
-                      <a:endParaRPr lang="en-US" altLang="zh-CN" sz="1100" b="0" i="0" u="none" strike="noStrike">
-                        <a:solidFill>
-                          <a:srgbClr val="000000"/>
-                        </a:solidFill>
-                        <a:effectLst/>
-                        <a:latin typeface="等线" panose="02010600030101010101" pitchFamily="2" charset="-122"/>
-                        <a:ea typeface="等线" panose="02010600030101010101" pitchFamily="2" charset="-122"/>
-                      </a:endParaRPr>
-                    </a:p>
-                  </a:txBody>
-                  <a:tcPr marL="9525" marR="9525" marT="9525" marB="0" anchor="ctr"/>
-                </a:tc>
-                <a:tc>
-                  <a:txBody>
-                    <a:bodyPr/>
-                    <a:lstStyle/>
-                    <a:p>
-                      <a:pPr algn="r" fontAlgn="ctr"/>
-                      <a:r>
-                        <a:rPr lang="en-US" altLang="zh-CN" sz="1100" u="none" strike="noStrike">
-                          <a:effectLst/>
-                        </a:rPr>
-                        <a:t>5.489241</a:t>
-                      </a:r>
-                      <a:endParaRPr lang="en-US" altLang="zh-CN" sz="1100" b="0" i="0" u="none" strike="noStrike">
-                        <a:solidFill>
-                          <a:srgbClr val="000000"/>
-                        </a:solidFill>
-                        <a:effectLst/>
-                        <a:latin typeface="等线" panose="02010600030101010101" pitchFamily="2" charset="-122"/>
-                        <a:ea typeface="等线" panose="02010600030101010101" pitchFamily="2" charset="-122"/>
-                      </a:endParaRPr>
-                    </a:p>
-                  </a:txBody>
-                  <a:tcPr marL="9525" marR="9525" marT="9525" marB="0" anchor="ctr"/>
-                </a:tc>
-                <a:tc>
-                  <a:txBody>
-                    <a:bodyPr/>
-                    <a:lstStyle/>
-                    <a:p>
-                      <a:pPr algn="r" fontAlgn="ctr"/>
-                      <a:r>
-                        <a:rPr lang="en-US" altLang="zh-CN" sz="1100" u="none" strike="noStrike">
-                          <a:effectLst/>
-                        </a:rPr>
-                        <a:t>2.818283</a:t>
-                      </a:r>
-                      <a:endParaRPr lang="en-US" altLang="zh-CN" sz="1100" b="0" i="0" u="none" strike="noStrike">
-                        <a:solidFill>
-                          <a:srgbClr val="000000"/>
-                        </a:solidFill>
-                        <a:effectLst/>
-                        <a:latin typeface="等线" panose="02010600030101010101" pitchFamily="2" charset="-122"/>
-                        <a:ea typeface="等线" panose="02010600030101010101" pitchFamily="2" charset="-122"/>
-                      </a:endParaRPr>
-                    </a:p>
-                  </a:txBody>
-                  <a:tcPr marL="9525" marR="9525" marT="9525" marB="0" anchor="ctr"/>
+              <a:tr h="201133">
+                <a:tc>
+                  <a:txBody>
+                    <a:bodyPr/>
+                    <a:lstStyle/>
+                    <a:p>
+                      <a:pPr algn="r" fontAlgn="b"/>
+                      <a:r>
+                        <a:rPr lang="en-US" sz="1000" u="none" strike="noStrike" dirty="0">
+                          <a:solidFill>
+                            <a:schemeClr val="accent6">
+                              <a:lumMod val="75000"/>
+                            </a:schemeClr>
+                          </a:solidFill>
+                          <a:effectLst/>
+                        </a:rPr>
+                        <a:t>Original</a:t>
+                      </a:r>
+                      <a:endParaRPr lang="en-US" sz="1000" b="0" i="0" u="none" strike="noStrike" dirty="0">
+                        <a:solidFill>
+                          <a:schemeClr val="accent6">
+                            <a:lumMod val="75000"/>
+                          </a:schemeClr>
+                        </a:solidFill>
+                        <a:effectLst/>
+                        <a:latin typeface="Calibri" panose="020F0502020204030204" pitchFamily="34" charset="0"/>
+                      </a:endParaRPr>
+                    </a:p>
+                  </a:txBody>
+                  <a:tcPr marL="6971" marR="6971" marT="6971" marB="0" anchor="b"/>
+                </a:tc>
+                <a:tc>
+                  <a:txBody>
+                    <a:bodyPr/>
+                    <a:lstStyle/>
+                    <a:p>
+                      <a:pPr algn="r" rtl="0" fontAlgn="ctr"/>
+                      <a:r>
+                        <a:rPr lang="en-US" sz="1000" u="none" strike="noStrike">
+                          <a:effectLst/>
+                        </a:rPr>
+                        <a:t>15</a:t>
+                      </a:r>
+                      <a:endParaRPr lang="en-US" sz="1000" b="0" i="0" u="none" strike="noStrike">
+                        <a:solidFill>
+                          <a:srgbClr val="000000"/>
+                        </a:solidFill>
+                        <a:effectLst/>
+                        <a:latin typeface="Arial" panose="020B0604020202020204" pitchFamily="34" charset="0"/>
+                      </a:endParaRPr>
+                    </a:p>
+                  </a:txBody>
+                  <a:tcPr marL="6971" marR="6971" marT="6971" marB="0" anchor="ctr"/>
+                </a:tc>
+                <a:tc>
+                  <a:txBody>
+                    <a:bodyPr/>
+                    <a:lstStyle/>
+                    <a:p>
+                      <a:pPr algn="r" rtl="0" fontAlgn="ctr"/>
+                      <a:r>
+                        <a:rPr lang="en-US" sz="1000" u="none" strike="noStrike">
+                          <a:effectLst/>
+                        </a:rPr>
+                        <a:t>0.51285</a:t>
+                      </a:r>
+                      <a:endParaRPr lang="en-US" sz="1000" b="0" i="0" u="none" strike="noStrike">
+                        <a:solidFill>
+                          <a:srgbClr val="000000"/>
+                        </a:solidFill>
+                        <a:effectLst/>
+                        <a:latin typeface="Arial" panose="020B0604020202020204" pitchFamily="34" charset="0"/>
+                      </a:endParaRPr>
+                    </a:p>
+                  </a:txBody>
+                  <a:tcPr marL="6971" marR="6971" marT="6971" marB="0" anchor="ctr"/>
+                </a:tc>
+                <a:tc>
+                  <a:txBody>
+                    <a:bodyPr/>
+                    <a:lstStyle/>
+                    <a:p>
+                      <a:pPr algn="r" rtl="0" fontAlgn="ctr"/>
+                      <a:r>
+                        <a:rPr lang="en-US" sz="1000" u="none" strike="noStrike">
+                          <a:effectLst/>
+                        </a:rPr>
+                        <a:t>0.32501</a:t>
+                      </a:r>
+                      <a:endParaRPr lang="en-US" sz="1000" b="0" i="0" u="none" strike="noStrike">
+                        <a:solidFill>
+                          <a:srgbClr val="000000"/>
+                        </a:solidFill>
+                        <a:effectLst/>
+                        <a:latin typeface="Arial" panose="020B0604020202020204" pitchFamily="34" charset="0"/>
+                      </a:endParaRPr>
+                    </a:p>
+                  </a:txBody>
+                  <a:tcPr marL="6971" marR="6971" marT="6971" marB="0" anchor="ctr"/>
+                </a:tc>
+                <a:tc>
+                  <a:txBody>
+                    <a:bodyPr/>
+                    <a:lstStyle/>
+                    <a:p>
+                      <a:pPr algn="r" rtl="0" fontAlgn="ctr"/>
+                      <a:r>
+                        <a:rPr lang="en-US" sz="1000" u="none" strike="noStrike">
+                          <a:effectLst/>
+                        </a:rPr>
+                        <a:t>0.93778</a:t>
+                      </a:r>
+                      <a:endParaRPr lang="en-US" sz="1000" b="0" i="0" u="none" strike="noStrike">
+                        <a:solidFill>
+                          <a:srgbClr val="000000"/>
+                        </a:solidFill>
+                        <a:effectLst/>
+                        <a:latin typeface="Arial" panose="020B0604020202020204" pitchFamily="34" charset="0"/>
+                      </a:endParaRPr>
+                    </a:p>
+                  </a:txBody>
+                  <a:tcPr marL="6971" marR="6971" marT="6971" marB="0" anchor="ctr"/>
                 </a:tc>
                 <a:extLst>
                   <a:ext uri="{0D108BD9-81ED-4DB2-BD59-A6C34878D82A}">
-                    <a16:rowId xmlns:a16="http://schemas.microsoft.com/office/drawing/2014/main" val="3593793488"/>
+                    <a16:rowId xmlns:a16="http://schemas.microsoft.com/office/drawing/2014/main" val="2420116008"/>
                   </a:ext>
                 </a:extLst>
               </a:tr>
-              <a:tr h="270502">
-                <a:tc>
-                  <a:txBody>
-                    <a:bodyPr/>
-                    <a:lstStyle/>
-                    <a:p>
-                      <a:pPr algn="r" fontAlgn="ctr"/>
-                      <a:r>
-                        <a:rPr lang="en-US" altLang="zh-CN" sz="1100" u="none" strike="noStrike">
-                          <a:effectLst/>
-                        </a:rPr>
-                        <a:t>14</a:t>
-                      </a:r>
-                      <a:endParaRPr lang="en-US" altLang="zh-CN" sz="1100" b="0" i="0" u="none" strike="noStrike">
-                        <a:solidFill>
-                          <a:srgbClr val="000000"/>
-                        </a:solidFill>
-                        <a:effectLst/>
-                        <a:latin typeface="等线" panose="02010600030101010101" pitchFamily="2" charset="-122"/>
-                        <a:ea typeface="等线" panose="02010600030101010101" pitchFamily="2" charset="-122"/>
-                      </a:endParaRPr>
-                    </a:p>
-                  </a:txBody>
-                  <a:tcPr marL="9525" marR="9525" marT="9525" marB="0" anchor="ctr"/>
-                </a:tc>
-                <a:tc>
-                  <a:txBody>
-                    <a:bodyPr/>
-                    <a:lstStyle/>
-                    <a:p>
-                      <a:pPr algn="r" fontAlgn="ctr"/>
-                      <a:r>
-                        <a:rPr lang="en-US" altLang="zh-CN" sz="1100" u="none" strike="noStrike">
-                          <a:effectLst/>
-                        </a:rPr>
-                        <a:t>0.30177</a:t>
-                      </a:r>
-                      <a:endParaRPr lang="en-US" altLang="zh-CN" sz="1100" b="0" i="0" u="none" strike="noStrike">
-                        <a:solidFill>
-                          <a:srgbClr val="000000"/>
-                        </a:solidFill>
-                        <a:effectLst/>
-                        <a:latin typeface="等线" panose="02010600030101010101" pitchFamily="2" charset="-122"/>
-                        <a:ea typeface="等线" panose="02010600030101010101" pitchFamily="2" charset="-122"/>
-                      </a:endParaRPr>
-                    </a:p>
-                  </a:txBody>
-                  <a:tcPr marL="9525" marR="9525" marT="9525" marB="0" anchor="ctr"/>
-                </a:tc>
-                <a:tc>
-                  <a:txBody>
-                    <a:bodyPr/>
-                    <a:lstStyle/>
-                    <a:p>
-                      <a:pPr algn="r" fontAlgn="ctr"/>
-                      <a:r>
-                        <a:rPr lang="en-US" altLang="zh-CN" sz="1100" u="none" strike="noStrike">
-                          <a:effectLst/>
-                        </a:rPr>
-                        <a:t>2.60515</a:t>
-                      </a:r>
-                      <a:endParaRPr lang="en-US" altLang="zh-CN" sz="1100" b="0" i="0" u="none" strike="noStrike">
-                        <a:solidFill>
-                          <a:srgbClr val="000000"/>
-                        </a:solidFill>
-                        <a:effectLst/>
-                        <a:latin typeface="等线" panose="02010600030101010101" pitchFamily="2" charset="-122"/>
-                        <a:ea typeface="等线" panose="02010600030101010101" pitchFamily="2" charset="-122"/>
-                      </a:endParaRPr>
-                    </a:p>
-                  </a:txBody>
-                  <a:tcPr marL="9525" marR="9525" marT="9525" marB="0" anchor="ctr"/>
-                </a:tc>
-                <a:tc>
-                  <a:txBody>
-                    <a:bodyPr/>
-                    <a:lstStyle/>
-                    <a:p>
-                      <a:pPr algn="r" fontAlgn="ctr"/>
-                      <a:r>
-                        <a:rPr lang="en-US" altLang="zh-CN" sz="1100" u="none" strike="noStrike" dirty="0">
-                          <a:effectLst/>
-                        </a:rPr>
-                        <a:t>2.504622</a:t>
-                      </a:r>
-                      <a:endParaRPr lang="en-US" altLang="zh-CN" sz="1100" b="0" i="0" u="none" strike="noStrike" dirty="0">
-                        <a:solidFill>
-                          <a:srgbClr val="000000"/>
-                        </a:solidFill>
-                        <a:effectLst/>
-                        <a:latin typeface="等线" panose="02010600030101010101" pitchFamily="2" charset="-122"/>
-                        <a:ea typeface="等线" panose="02010600030101010101" pitchFamily="2" charset="-122"/>
-                      </a:endParaRPr>
-                    </a:p>
-                  </a:txBody>
-                  <a:tcPr marL="9525" marR="9525" marT="9525" marB="0" anchor="ctr"/>
+              <a:tr h="201133">
+                <a:tc>
+                  <a:txBody>
+                    <a:bodyPr/>
+                    <a:lstStyle/>
+                    <a:p>
+                      <a:pPr algn="r" fontAlgn="b"/>
+                      <a:r>
+                        <a:rPr lang="en-US" sz="1000" u="none" strike="noStrike">
+                          <a:effectLst/>
+                        </a:rPr>
+                        <a:t>With Clustering</a:t>
+                      </a:r>
+                      <a:endParaRPr lang="en-US" sz="1000" b="0" i="0" u="none" strike="noStrike">
+                        <a:solidFill>
+                          <a:srgbClr val="000000"/>
+                        </a:solidFill>
+                        <a:effectLst/>
+                        <a:latin typeface="Calibri" panose="020F0502020204030204" pitchFamily="34" charset="0"/>
+                      </a:endParaRPr>
+                    </a:p>
+                  </a:txBody>
+                  <a:tcPr marL="6971" marR="6971" marT="6971" marB="0" anchor="b"/>
+                </a:tc>
+                <a:tc>
+                  <a:txBody>
+                    <a:bodyPr/>
+                    <a:lstStyle/>
+                    <a:p>
+                      <a:pPr algn="r" rtl="0" fontAlgn="ctr"/>
+                      <a:r>
+                        <a:rPr lang="en-US" sz="1000" u="none" strike="noStrike">
+                          <a:effectLst/>
+                        </a:rPr>
+                        <a:t>31</a:t>
+                      </a:r>
+                      <a:endParaRPr lang="en-US" sz="1000" b="0" i="0" u="none" strike="noStrike">
+                        <a:solidFill>
+                          <a:srgbClr val="000000"/>
+                        </a:solidFill>
+                        <a:effectLst/>
+                        <a:latin typeface="Arial" panose="020B0604020202020204" pitchFamily="34" charset="0"/>
+                      </a:endParaRPr>
+                    </a:p>
+                  </a:txBody>
+                  <a:tcPr marL="6971" marR="6971" marT="6971" marB="0" anchor="ctr"/>
+                </a:tc>
+                <a:tc>
+                  <a:txBody>
+                    <a:bodyPr/>
+                    <a:lstStyle/>
+                    <a:p>
+                      <a:pPr algn="r" rtl="0" fontAlgn="ctr"/>
+                      <a:r>
+                        <a:rPr lang="en-US" sz="1000" u="none" strike="noStrike">
+                          <a:effectLst/>
+                        </a:rPr>
+                        <a:t>0.50924</a:t>
+                      </a:r>
+                      <a:endParaRPr lang="en-US" sz="1000" b="0" i="0" u="none" strike="noStrike">
+                        <a:solidFill>
+                          <a:srgbClr val="000000"/>
+                        </a:solidFill>
+                        <a:effectLst/>
+                        <a:latin typeface="Arial" panose="020B0604020202020204" pitchFamily="34" charset="0"/>
+                      </a:endParaRPr>
+                    </a:p>
+                  </a:txBody>
+                  <a:tcPr marL="6971" marR="6971" marT="6971" marB="0" anchor="ctr"/>
+                </a:tc>
+                <a:tc>
+                  <a:txBody>
+                    <a:bodyPr/>
+                    <a:lstStyle/>
+                    <a:p>
+                      <a:pPr algn="r" rtl="0" fontAlgn="ctr"/>
+                      <a:r>
+                        <a:rPr lang="en-US" sz="1000" u="none" strike="noStrike">
+                          <a:effectLst/>
+                        </a:rPr>
+                        <a:t>0.03922</a:t>
+                      </a:r>
+                      <a:endParaRPr lang="en-US" sz="1000" b="0" i="0" u="none" strike="noStrike">
+                        <a:solidFill>
+                          <a:srgbClr val="000000"/>
+                        </a:solidFill>
+                        <a:effectLst/>
+                        <a:latin typeface="Arial" panose="020B0604020202020204" pitchFamily="34" charset="0"/>
+                      </a:endParaRPr>
+                    </a:p>
+                  </a:txBody>
+                  <a:tcPr marL="6971" marR="6971" marT="6971" marB="0" anchor="ctr"/>
+                </a:tc>
+                <a:tc>
+                  <a:txBody>
+                    <a:bodyPr/>
+                    <a:lstStyle/>
+                    <a:p>
+                      <a:pPr algn="r" rtl="0" fontAlgn="ctr"/>
+                      <a:r>
+                        <a:rPr lang="en-US" sz="1000" u="none" strike="noStrike">
+                          <a:effectLst/>
+                        </a:rPr>
+                        <a:t>0.62003</a:t>
+                      </a:r>
+                      <a:endParaRPr lang="en-US" sz="1000" b="0" i="0" u="none" strike="noStrike">
+                        <a:solidFill>
+                          <a:srgbClr val="000000"/>
+                        </a:solidFill>
+                        <a:effectLst/>
+                        <a:latin typeface="Arial" panose="020B0604020202020204" pitchFamily="34" charset="0"/>
+                      </a:endParaRPr>
+                    </a:p>
+                  </a:txBody>
+                  <a:tcPr marL="6971" marR="6971" marT="6971" marB="0" anchor="ctr"/>
                 </a:tc>
                 <a:extLst>
                   <a:ext uri="{0D108BD9-81ED-4DB2-BD59-A6C34878D82A}">
-                    <a16:rowId xmlns:a16="http://schemas.microsoft.com/office/drawing/2014/main" val="3201755212"/>
+                    <a16:rowId xmlns:a16="http://schemas.microsoft.com/office/drawing/2014/main" val="571042625"/>
                   </a:ext>
                 </a:extLst>
               </a:tr>
-            </a:tbl>
-          </a:graphicData>
-        </a:graphic>
-      </p:graphicFrame>
-      <p:graphicFrame>
-        <p:nvGraphicFramePr>
-          <p:cNvPr id="8" name="Table 7">
-            <a:extLst>
-              <a:ext uri="{FF2B5EF4-FFF2-40B4-BE49-F238E27FC236}">
-                <a16:creationId xmlns:a16="http://schemas.microsoft.com/office/drawing/2014/main" id="{4E3ED8E4-03B7-4F44-B15F-BC846E38E85D}"/>
-              </a:ext>
-            </a:extLst>
-          </p:cNvPr>
-          <p:cNvGraphicFramePr>
-            <a:graphicFrameLocks noGrp="1"/>
-          </p:cNvGraphicFramePr>
-          <p:nvPr>
-            <p:extLst>
-              <p:ext uri="{D42A27DB-BD31-4B8C-83A1-F6EECF244321}">
-                <p14:modId xmlns:p14="http://schemas.microsoft.com/office/powerpoint/2010/main" val="1069428302"/>
-              </p:ext>
-            </p:extLst>
-          </p:nvPr>
-        </p:nvGraphicFramePr>
-        <p:xfrm>
-          <a:off x="4184725" y="1487200"/>
-          <a:ext cx="4776395" cy="3324082"/>
-        </p:xfrm>
-        <a:graphic>
-          <a:graphicData uri="http://schemas.openxmlformats.org/drawingml/2006/table">
-            <a:tbl>
-              <a:tblPr>
-                <a:tableStyleId>{5C22544A-7EE6-4342-B048-85BDC9FD1C3A}</a:tableStyleId>
-              </a:tblPr>
-              <a:tblGrid>
-                <a:gridCol w="1159587">
-                  <a:extLst>
-                    <a:ext uri="{9D8B030D-6E8A-4147-A177-3AD203B41FA5}">
-                      <a16:colId xmlns:a16="http://schemas.microsoft.com/office/drawing/2014/main" val="3870275542"/>
-                    </a:ext>
-                  </a:extLst>
-                </a:gridCol>
-                <a:gridCol w="1311438">
-                  <a:extLst>
-                    <a:ext uri="{9D8B030D-6E8A-4147-A177-3AD203B41FA5}">
-                      <a16:colId xmlns:a16="http://schemas.microsoft.com/office/drawing/2014/main" val="3108713383"/>
-                    </a:ext>
-                  </a:extLst>
-                </a:gridCol>
-                <a:gridCol w="1559921">
-                  <a:extLst>
-                    <a:ext uri="{9D8B030D-6E8A-4147-A177-3AD203B41FA5}">
-                      <a16:colId xmlns:a16="http://schemas.microsoft.com/office/drawing/2014/main" val="279525163"/>
-                    </a:ext>
-                  </a:extLst>
-                </a:gridCol>
-                <a:gridCol w="745449">
-                  <a:extLst>
-                    <a:ext uri="{9D8B030D-6E8A-4147-A177-3AD203B41FA5}">
-                      <a16:colId xmlns:a16="http://schemas.microsoft.com/office/drawing/2014/main" val="3174882261"/>
-                    </a:ext>
-                  </a:extLst>
-                </a:gridCol>
-              </a:tblGrid>
-              <a:tr h="524480">
-                <a:tc>
-                  <a:txBody>
-                    <a:bodyPr/>
-                    <a:lstStyle/>
-                    <a:p>
-                      <a:pPr algn="l" fontAlgn="ctr"/>
-                      <a:r>
-                        <a:rPr lang="en-US" sz="1100" u="none" strike="noStrike" dirty="0">
-                          <a:effectLst/>
-                        </a:rPr>
-                        <a:t>Strategy ID</a:t>
-                      </a:r>
-                      <a:endParaRPr lang="en-US" sz="1100" b="0" i="0" u="none" strike="noStrike" dirty="0">
-                        <a:solidFill>
-                          <a:srgbClr val="000000"/>
-                        </a:solidFill>
-                        <a:effectLst/>
-                        <a:latin typeface="等线" panose="02010600030101010101" pitchFamily="2" charset="-122"/>
-                        <a:ea typeface="等线" panose="02010600030101010101" pitchFamily="2" charset="-122"/>
-                      </a:endParaRPr>
-                    </a:p>
-                  </a:txBody>
-                  <a:tcPr marL="9525" marR="9525" marT="9525" marB="0" anchor="ctr"/>
-                </a:tc>
-                <a:tc>
-                  <a:txBody>
-                    <a:bodyPr/>
-                    <a:lstStyle/>
-                    <a:p>
-                      <a:pPr algn="l" fontAlgn="ctr"/>
-                      <a:r>
-                        <a:rPr lang="en-US" altLang="zh-CN" sz="1100" u="none" strike="noStrike" dirty="0">
-                          <a:effectLst/>
-                        </a:rPr>
-                        <a:t>Information</a:t>
-                      </a:r>
-                      <a:r>
-                        <a:rPr lang="en-US" sz="1100" u="none" strike="noStrike" dirty="0">
-                          <a:effectLst/>
-                        </a:rPr>
-                        <a:t> Ratio</a:t>
-                      </a:r>
-                      <a:endParaRPr lang="en-US" sz="1100" b="0" i="0" u="none" strike="noStrike" dirty="0">
-                        <a:solidFill>
-                          <a:srgbClr val="000000"/>
-                        </a:solidFill>
-                        <a:effectLst/>
-                        <a:latin typeface="等线" panose="02010600030101010101" pitchFamily="2" charset="-122"/>
-                        <a:ea typeface="等线" panose="02010600030101010101" pitchFamily="2" charset="-122"/>
-                      </a:endParaRPr>
-                    </a:p>
-                  </a:txBody>
-                  <a:tcPr marL="9525" marR="9525" marT="9525" marB="0" anchor="ctr"/>
-                </a:tc>
-                <a:tc>
-                  <a:txBody>
-                    <a:bodyPr/>
-                    <a:lstStyle/>
-                    <a:p>
-                      <a:pPr algn="l" fontAlgn="ctr"/>
-                      <a:r>
-                        <a:rPr lang="en-US" sz="1100" u="none" strike="noStrike">
-                          <a:effectLst/>
-                        </a:rPr>
-                        <a:t>Maximum Drawdown</a:t>
-                      </a:r>
-                      <a:endParaRPr lang="en-US" sz="1100" b="0" i="0" u="none" strike="noStrike">
-                        <a:solidFill>
-                          <a:srgbClr val="000000"/>
-                        </a:solidFill>
-                        <a:effectLst/>
-                        <a:latin typeface="等线" panose="02010600030101010101" pitchFamily="2" charset="-122"/>
-                        <a:ea typeface="等线" panose="02010600030101010101" pitchFamily="2" charset="-122"/>
-                      </a:endParaRPr>
-                    </a:p>
-                  </a:txBody>
-                  <a:tcPr marL="9525" marR="9525" marT="9525" marB="0" anchor="ctr"/>
-                </a:tc>
-                <a:tc>
-                  <a:txBody>
-                    <a:bodyPr/>
-                    <a:lstStyle/>
-                    <a:p>
-                      <a:pPr algn="l" fontAlgn="ctr"/>
-                      <a:r>
-                        <a:rPr lang="en-US" sz="1100" u="none" strike="noStrike" dirty="0">
-                          <a:effectLst/>
-                        </a:rPr>
-                        <a:t>Cumulative Return</a:t>
-                      </a:r>
-                      <a:endParaRPr lang="en-US" sz="1100" b="0" i="0" u="none" strike="noStrike" dirty="0">
-                        <a:solidFill>
-                          <a:srgbClr val="000000"/>
-                        </a:solidFill>
-                        <a:effectLst/>
-                        <a:latin typeface="等线" panose="02010600030101010101" pitchFamily="2" charset="-122"/>
-                        <a:ea typeface="等线" panose="02010600030101010101" pitchFamily="2" charset="-122"/>
-                      </a:endParaRPr>
-                    </a:p>
-                  </a:txBody>
-                  <a:tcPr marL="9525" marR="9525" marT="9525" marB="0" anchor="ctr"/>
+              <a:tr h="201133">
+                <a:tc>
+                  <a:txBody>
+                    <a:bodyPr/>
+                    <a:lstStyle/>
+                    <a:p>
+                      <a:pPr algn="r" fontAlgn="b"/>
+                      <a:r>
+                        <a:rPr lang="en-US" sz="1000" u="none" strike="noStrike" dirty="0">
+                          <a:solidFill>
+                            <a:schemeClr val="accent6">
+                              <a:lumMod val="75000"/>
+                            </a:schemeClr>
+                          </a:solidFill>
+                          <a:effectLst/>
+                        </a:rPr>
+                        <a:t>Original</a:t>
+                      </a:r>
+                      <a:endParaRPr lang="en-US" sz="1000" b="0" i="0" u="none" strike="noStrike" dirty="0">
+                        <a:solidFill>
+                          <a:schemeClr val="accent6">
+                            <a:lumMod val="75000"/>
+                          </a:schemeClr>
+                        </a:solidFill>
+                        <a:effectLst/>
+                        <a:latin typeface="Calibri" panose="020F0502020204030204" pitchFamily="34" charset="0"/>
+                      </a:endParaRPr>
+                    </a:p>
+                  </a:txBody>
+                  <a:tcPr marL="6971" marR="6971" marT="6971" marB="0" anchor="b"/>
+                </a:tc>
+                <a:tc>
+                  <a:txBody>
+                    <a:bodyPr/>
+                    <a:lstStyle/>
+                    <a:p>
+                      <a:pPr algn="r" rtl="0" fontAlgn="ctr"/>
+                      <a:r>
+                        <a:rPr lang="en-US" sz="1000" u="none" strike="noStrike" dirty="0">
+                          <a:effectLst/>
+                        </a:rPr>
+                        <a:t>46</a:t>
+                      </a:r>
+                      <a:endParaRPr lang="en-US" sz="1000" b="0" i="0" u="none" strike="noStrike" dirty="0">
+                        <a:solidFill>
+                          <a:srgbClr val="000000"/>
+                        </a:solidFill>
+                        <a:effectLst/>
+                        <a:latin typeface="Arial" panose="020B0604020202020204" pitchFamily="34" charset="0"/>
+                      </a:endParaRPr>
+                    </a:p>
+                  </a:txBody>
+                  <a:tcPr marL="6971" marR="6971" marT="6971" marB="0" anchor="ctr"/>
+                </a:tc>
+                <a:tc>
+                  <a:txBody>
+                    <a:bodyPr/>
+                    <a:lstStyle/>
+                    <a:p>
+                      <a:pPr algn="r" rtl="0" fontAlgn="ctr"/>
+                      <a:r>
+                        <a:rPr lang="en-US" sz="1000" u="none" strike="noStrike">
+                          <a:effectLst/>
+                        </a:rPr>
+                        <a:t>0.48845</a:t>
+                      </a:r>
+                      <a:endParaRPr lang="en-US" sz="1000" b="0" i="0" u="none" strike="noStrike">
+                        <a:solidFill>
+                          <a:srgbClr val="000000"/>
+                        </a:solidFill>
+                        <a:effectLst/>
+                        <a:latin typeface="Arial" panose="020B0604020202020204" pitchFamily="34" charset="0"/>
+                      </a:endParaRPr>
+                    </a:p>
+                  </a:txBody>
+                  <a:tcPr marL="6971" marR="6971" marT="6971" marB="0" anchor="ctr"/>
+                </a:tc>
+                <a:tc>
+                  <a:txBody>
+                    <a:bodyPr/>
+                    <a:lstStyle/>
+                    <a:p>
+                      <a:pPr algn="r" rtl="0" fontAlgn="ctr"/>
+                      <a:r>
+                        <a:rPr lang="en-US" sz="1000" u="none" strike="noStrike">
+                          <a:effectLst/>
+                        </a:rPr>
+                        <a:t>0.05884</a:t>
+                      </a:r>
+                      <a:endParaRPr lang="en-US" sz="1000" b="0" i="0" u="none" strike="noStrike">
+                        <a:solidFill>
+                          <a:srgbClr val="000000"/>
+                        </a:solidFill>
+                        <a:effectLst/>
+                        <a:latin typeface="Arial" panose="020B0604020202020204" pitchFamily="34" charset="0"/>
+                      </a:endParaRPr>
+                    </a:p>
+                  </a:txBody>
+                  <a:tcPr marL="6971" marR="6971" marT="6971" marB="0" anchor="ctr"/>
+                </a:tc>
+                <a:tc>
+                  <a:txBody>
+                    <a:bodyPr/>
+                    <a:lstStyle/>
+                    <a:p>
+                      <a:pPr algn="r" rtl="0" fontAlgn="ctr"/>
+                      <a:r>
+                        <a:rPr lang="en-US" sz="1000" u="none" strike="noStrike">
+                          <a:effectLst/>
+                        </a:rPr>
+                        <a:t>0.21184</a:t>
+                      </a:r>
+                      <a:endParaRPr lang="en-US" sz="1000" b="0" i="0" u="none" strike="noStrike">
+                        <a:solidFill>
+                          <a:srgbClr val="000000"/>
+                        </a:solidFill>
+                        <a:effectLst/>
+                        <a:latin typeface="Arial" panose="020B0604020202020204" pitchFamily="34" charset="0"/>
+                      </a:endParaRPr>
+                    </a:p>
+                  </a:txBody>
+                  <a:tcPr marL="6971" marR="6971" marT="6971" marB="0" anchor="ctr"/>
                 </a:tc>
                 <a:extLst>
                   <a:ext uri="{0D108BD9-81ED-4DB2-BD59-A6C34878D82A}">
-                    <a16:rowId xmlns:a16="http://schemas.microsoft.com/office/drawing/2014/main" val="1770042639"/>
+                    <a16:rowId xmlns:a16="http://schemas.microsoft.com/office/drawing/2014/main" val="2016352271"/>
                   </a:ext>
                 </a:extLst>
               </a:tr>
-              <a:tr h="305659">
-                <a:tc>
-                  <a:txBody>
-                    <a:bodyPr/>
-                    <a:lstStyle/>
-                    <a:p>
-                      <a:pPr algn="r" fontAlgn="ctr"/>
-                      <a:r>
-                        <a:rPr lang="en-US" altLang="zh-CN" sz="1100" u="none" strike="noStrike" dirty="0">
-                          <a:effectLst/>
-                        </a:rPr>
-                        <a:t>20</a:t>
-                      </a:r>
-                      <a:endParaRPr lang="en-US" altLang="zh-CN" sz="1100" b="0" i="0" u="none" strike="noStrike" dirty="0">
-                        <a:solidFill>
-                          <a:srgbClr val="000000"/>
-                        </a:solidFill>
-                        <a:effectLst/>
-                        <a:latin typeface="等线" panose="02010600030101010101" pitchFamily="2" charset="-122"/>
-                        <a:ea typeface="等线" panose="02010600030101010101" pitchFamily="2" charset="-122"/>
-                      </a:endParaRPr>
-                    </a:p>
-                  </a:txBody>
-                  <a:tcPr marL="9525" marR="9525" marT="9525" marB="0" anchor="ctr"/>
-                </a:tc>
-                <a:tc>
-                  <a:txBody>
-                    <a:bodyPr/>
-                    <a:lstStyle/>
-                    <a:p>
-                      <a:pPr algn="r" fontAlgn="ctr"/>
-                      <a:r>
-                        <a:rPr lang="en-US" altLang="zh-CN" sz="1100" u="none" strike="noStrike" dirty="0">
-                          <a:effectLst/>
-                        </a:rPr>
-                        <a:t>1.117799277</a:t>
-                      </a:r>
-                      <a:endParaRPr lang="en-US" altLang="zh-CN" sz="1100" b="0" i="0" u="none" strike="noStrike" dirty="0">
-                        <a:solidFill>
-                          <a:srgbClr val="000000"/>
-                        </a:solidFill>
-                        <a:effectLst/>
-                        <a:latin typeface="等线" panose="02010600030101010101" pitchFamily="2" charset="-122"/>
-                        <a:ea typeface="等线" panose="02010600030101010101" pitchFamily="2" charset="-122"/>
-                      </a:endParaRPr>
-                    </a:p>
-                  </a:txBody>
-                  <a:tcPr marL="9525" marR="9525" marT="9525" marB="0" anchor="ctr"/>
-                </a:tc>
-                <a:tc>
-                  <a:txBody>
-                    <a:bodyPr/>
-                    <a:lstStyle/>
-                    <a:p>
-                      <a:pPr algn="r" fontAlgn="ctr"/>
-                      <a:r>
-                        <a:rPr lang="en-US" altLang="zh-CN" sz="1100" u="none" strike="noStrike">
-                          <a:effectLst/>
-                        </a:rPr>
-                        <a:t>2.128294673</a:t>
-                      </a:r>
-                      <a:endParaRPr lang="en-US" altLang="zh-CN" sz="1100" b="0" i="0" u="none" strike="noStrike">
-                        <a:solidFill>
-                          <a:srgbClr val="000000"/>
-                        </a:solidFill>
-                        <a:effectLst/>
-                        <a:latin typeface="等线" panose="02010600030101010101" pitchFamily="2" charset="-122"/>
-                        <a:ea typeface="等线" panose="02010600030101010101" pitchFamily="2" charset="-122"/>
-                      </a:endParaRPr>
-                    </a:p>
-                  </a:txBody>
-                  <a:tcPr marL="9525" marR="9525" marT="9525" marB="0" anchor="ctr"/>
-                </a:tc>
-                <a:tc>
-                  <a:txBody>
-                    <a:bodyPr/>
-                    <a:lstStyle/>
-                    <a:p>
-                      <a:pPr algn="r" fontAlgn="ctr"/>
-                      <a:r>
-                        <a:rPr lang="en-US" altLang="zh-CN" sz="1100" u="none" strike="noStrike">
-                          <a:effectLst/>
-                        </a:rPr>
-                        <a:t>9.025915</a:t>
-                      </a:r>
-                      <a:endParaRPr lang="en-US" altLang="zh-CN" sz="1100" b="0" i="0" u="none" strike="noStrike">
-                        <a:solidFill>
-                          <a:srgbClr val="000000"/>
-                        </a:solidFill>
-                        <a:effectLst/>
-                        <a:latin typeface="等线" panose="02010600030101010101" pitchFamily="2" charset="-122"/>
-                        <a:ea typeface="等线" panose="02010600030101010101" pitchFamily="2" charset="-122"/>
-                      </a:endParaRPr>
-                    </a:p>
-                  </a:txBody>
-                  <a:tcPr marL="9525" marR="9525" marT="9525" marB="0" anchor="ctr"/>
+              <a:tr h="201133">
+                <a:tc>
+                  <a:txBody>
+                    <a:bodyPr/>
+                    <a:lstStyle/>
+                    <a:p>
+                      <a:pPr algn="r" fontAlgn="b"/>
+                      <a:r>
+                        <a:rPr lang="en-US" sz="1000" u="none" strike="noStrike">
+                          <a:effectLst/>
+                        </a:rPr>
+                        <a:t>With Clustering</a:t>
+                      </a:r>
+                      <a:endParaRPr lang="en-US" sz="1000" b="0" i="0" u="none" strike="noStrike">
+                        <a:solidFill>
+                          <a:srgbClr val="000000"/>
+                        </a:solidFill>
+                        <a:effectLst/>
+                        <a:latin typeface="Calibri" panose="020F0502020204030204" pitchFamily="34" charset="0"/>
+                      </a:endParaRPr>
+                    </a:p>
+                  </a:txBody>
+                  <a:tcPr marL="6971" marR="6971" marT="6971" marB="0" anchor="b"/>
+                </a:tc>
+                <a:tc>
+                  <a:txBody>
+                    <a:bodyPr/>
+                    <a:lstStyle/>
+                    <a:p>
+                      <a:pPr algn="r" rtl="0" fontAlgn="ctr"/>
+                      <a:r>
+                        <a:rPr lang="en-US" sz="1000" u="none" strike="noStrike">
+                          <a:effectLst/>
+                        </a:rPr>
+                        <a:t>50</a:t>
+                      </a:r>
+                      <a:endParaRPr lang="en-US" sz="1000" b="0" i="0" u="none" strike="noStrike">
+                        <a:solidFill>
+                          <a:srgbClr val="000000"/>
+                        </a:solidFill>
+                        <a:effectLst/>
+                        <a:latin typeface="Arial" panose="020B0604020202020204" pitchFamily="34" charset="0"/>
+                      </a:endParaRPr>
+                    </a:p>
+                  </a:txBody>
+                  <a:tcPr marL="6971" marR="6971" marT="6971" marB="0" anchor="ctr"/>
+                </a:tc>
+                <a:tc>
+                  <a:txBody>
+                    <a:bodyPr/>
+                    <a:lstStyle/>
+                    <a:p>
+                      <a:pPr algn="r" rtl="0" fontAlgn="ctr"/>
+                      <a:r>
+                        <a:rPr lang="en-US" sz="1000" u="none" strike="noStrike">
+                          <a:effectLst/>
+                        </a:rPr>
+                        <a:t>0.44565</a:t>
+                      </a:r>
+                      <a:endParaRPr lang="en-US" sz="1000" b="0" i="0" u="none" strike="noStrike">
+                        <a:solidFill>
+                          <a:srgbClr val="000000"/>
+                        </a:solidFill>
+                        <a:effectLst/>
+                        <a:latin typeface="Arial" panose="020B0604020202020204" pitchFamily="34" charset="0"/>
+                      </a:endParaRPr>
+                    </a:p>
+                  </a:txBody>
+                  <a:tcPr marL="6971" marR="6971" marT="6971" marB="0" anchor="ctr"/>
+                </a:tc>
+                <a:tc>
+                  <a:txBody>
+                    <a:bodyPr/>
+                    <a:lstStyle/>
+                    <a:p>
+                      <a:pPr algn="r" rtl="0" fontAlgn="ctr"/>
+                      <a:r>
+                        <a:rPr lang="en-US" sz="1000" u="none" strike="noStrike">
+                          <a:effectLst/>
+                        </a:rPr>
+                        <a:t>4.6953</a:t>
+                      </a:r>
+                      <a:endParaRPr lang="en-US" sz="1000" b="0" i="0" u="none" strike="noStrike">
+                        <a:solidFill>
+                          <a:srgbClr val="000000"/>
+                        </a:solidFill>
+                        <a:effectLst/>
+                        <a:latin typeface="Arial" panose="020B0604020202020204" pitchFamily="34" charset="0"/>
+                      </a:endParaRPr>
+                    </a:p>
+                  </a:txBody>
+                  <a:tcPr marL="6971" marR="6971" marT="6971" marB="0" anchor="ctr"/>
+                </a:tc>
+                <a:tc>
+                  <a:txBody>
+                    <a:bodyPr/>
+                    <a:lstStyle/>
+                    <a:p>
+                      <a:pPr algn="r" rtl="0" fontAlgn="ctr"/>
+                      <a:r>
+                        <a:rPr lang="en-US" sz="1000" u="none" strike="noStrike">
+                          <a:effectLst/>
+                        </a:rPr>
+                        <a:t>2.94637</a:t>
+                      </a:r>
+                      <a:endParaRPr lang="en-US" sz="1000" b="0" i="0" u="none" strike="noStrike">
+                        <a:solidFill>
+                          <a:srgbClr val="000000"/>
+                        </a:solidFill>
+                        <a:effectLst/>
+                        <a:latin typeface="Arial" panose="020B0604020202020204" pitchFamily="34" charset="0"/>
+                      </a:endParaRPr>
+                    </a:p>
+                  </a:txBody>
+                  <a:tcPr marL="6971" marR="6971" marT="6971" marB="0" anchor="ctr"/>
                 </a:tc>
                 <a:extLst>
                   <a:ext uri="{0D108BD9-81ED-4DB2-BD59-A6C34878D82A}">
-                    <a16:rowId xmlns:a16="http://schemas.microsoft.com/office/drawing/2014/main" val="2862264014"/>
+                    <a16:rowId xmlns:a16="http://schemas.microsoft.com/office/drawing/2014/main" val="2971311423"/>
                   </a:ext>
                 </a:extLst>
               </a:tr>
-              <a:tr h="160429">
-                <a:tc>
-                  <a:txBody>
-                    <a:bodyPr/>
-                    <a:lstStyle/>
-                    <a:p>
-                      <a:pPr algn="r" fontAlgn="ctr"/>
-                      <a:r>
-                        <a:rPr lang="en-US" altLang="zh-CN" sz="1100" u="none" strike="noStrike">
-                          <a:effectLst/>
-                        </a:rPr>
-                        <a:t>35</a:t>
-                      </a:r>
-                      <a:endParaRPr lang="en-US" altLang="zh-CN" sz="1100" b="0" i="0" u="none" strike="noStrike">
-                        <a:solidFill>
-                          <a:srgbClr val="000000"/>
-                        </a:solidFill>
-                        <a:effectLst/>
-                        <a:latin typeface="等线" panose="02010600030101010101" pitchFamily="2" charset="-122"/>
-                        <a:ea typeface="等线" panose="02010600030101010101" pitchFamily="2" charset="-122"/>
-                      </a:endParaRPr>
-                    </a:p>
-                  </a:txBody>
-                  <a:tcPr marL="9525" marR="9525" marT="9525" marB="0" anchor="ctr"/>
-                </a:tc>
-                <a:tc>
-                  <a:txBody>
-                    <a:bodyPr/>
-                    <a:lstStyle/>
-                    <a:p>
-                      <a:pPr algn="r" fontAlgn="ctr"/>
-                      <a:r>
-                        <a:rPr lang="en-US" altLang="zh-CN" sz="1100" u="none" strike="noStrike" dirty="0">
-                          <a:effectLst/>
-                        </a:rPr>
-                        <a:t>0.811062124</a:t>
-                      </a:r>
-                      <a:endParaRPr lang="en-US" altLang="zh-CN" sz="1100" b="0" i="0" u="none" strike="noStrike" dirty="0">
-                        <a:solidFill>
-                          <a:srgbClr val="000000"/>
-                        </a:solidFill>
-                        <a:effectLst/>
-                        <a:latin typeface="等线" panose="02010600030101010101" pitchFamily="2" charset="-122"/>
-                        <a:ea typeface="等线" panose="02010600030101010101" pitchFamily="2" charset="-122"/>
-                      </a:endParaRPr>
-                    </a:p>
-                  </a:txBody>
-                  <a:tcPr marL="9525" marR="9525" marT="9525" marB="0" anchor="ctr"/>
-                </a:tc>
-                <a:tc>
-                  <a:txBody>
-                    <a:bodyPr/>
-                    <a:lstStyle/>
-                    <a:p>
-                      <a:pPr algn="r" fontAlgn="ctr"/>
-                      <a:r>
-                        <a:rPr lang="en-US" altLang="zh-CN" sz="1100" u="none" strike="noStrike" dirty="0">
-                          <a:effectLst/>
-                        </a:rPr>
-                        <a:t>3.19641783</a:t>
-                      </a:r>
-                      <a:endParaRPr lang="en-US" altLang="zh-CN" sz="1100" b="0" i="0" u="none" strike="noStrike" dirty="0">
-                        <a:solidFill>
-                          <a:srgbClr val="000000"/>
-                        </a:solidFill>
-                        <a:effectLst/>
-                        <a:latin typeface="等线" panose="02010600030101010101" pitchFamily="2" charset="-122"/>
-                        <a:ea typeface="等线" panose="02010600030101010101" pitchFamily="2" charset="-122"/>
-                      </a:endParaRPr>
-                    </a:p>
-                  </a:txBody>
-                  <a:tcPr marL="9525" marR="9525" marT="9525" marB="0" anchor="ctr"/>
-                </a:tc>
-                <a:tc>
-                  <a:txBody>
-                    <a:bodyPr/>
-                    <a:lstStyle/>
-                    <a:p>
-                      <a:pPr algn="r" fontAlgn="ctr"/>
-                      <a:r>
-                        <a:rPr lang="en-US" altLang="zh-CN" sz="1100" u="none" strike="noStrike">
-                          <a:effectLst/>
-                        </a:rPr>
-                        <a:t>4.94178</a:t>
-                      </a:r>
-                      <a:endParaRPr lang="en-US" altLang="zh-CN" sz="1100" b="0" i="0" u="none" strike="noStrike">
-                        <a:solidFill>
-                          <a:srgbClr val="000000"/>
-                        </a:solidFill>
-                        <a:effectLst/>
-                        <a:latin typeface="等线" panose="02010600030101010101" pitchFamily="2" charset="-122"/>
-                        <a:ea typeface="等线" panose="02010600030101010101" pitchFamily="2" charset="-122"/>
-                      </a:endParaRPr>
-                    </a:p>
-                  </a:txBody>
-                  <a:tcPr marL="9525" marR="9525" marT="9525" marB="0" anchor="ctr"/>
+              <a:tr h="201133">
+                <a:tc>
+                  <a:txBody>
+                    <a:bodyPr/>
+                    <a:lstStyle/>
+                    <a:p>
+                      <a:pPr algn="r" fontAlgn="b"/>
+                      <a:r>
+                        <a:rPr lang="en-US" sz="1000" u="none" strike="noStrike" dirty="0">
+                          <a:solidFill>
+                            <a:schemeClr val="accent6">
+                              <a:lumMod val="75000"/>
+                            </a:schemeClr>
+                          </a:solidFill>
+                          <a:effectLst/>
+                        </a:rPr>
+                        <a:t>Original</a:t>
+                      </a:r>
+                      <a:endParaRPr lang="en-US" sz="1000" b="0" i="0" u="none" strike="noStrike" dirty="0">
+                        <a:solidFill>
+                          <a:schemeClr val="accent6">
+                            <a:lumMod val="75000"/>
+                          </a:schemeClr>
+                        </a:solidFill>
+                        <a:effectLst/>
+                        <a:latin typeface="Calibri" panose="020F0502020204030204" pitchFamily="34" charset="0"/>
+                      </a:endParaRPr>
+                    </a:p>
+                  </a:txBody>
+                  <a:tcPr marL="6971" marR="6971" marT="6971" marB="0" anchor="b"/>
+                </a:tc>
+                <a:tc>
+                  <a:txBody>
+                    <a:bodyPr/>
+                    <a:lstStyle/>
+                    <a:p>
+                      <a:pPr algn="r" rtl="0" fontAlgn="ctr"/>
+                      <a:r>
+                        <a:rPr lang="en-US" sz="1000" u="none" strike="noStrike" dirty="0">
+                          <a:effectLst/>
+                        </a:rPr>
+                        <a:t>2</a:t>
+                      </a:r>
+                      <a:endParaRPr lang="en-US" sz="1000" b="0" i="0" u="none" strike="noStrike" dirty="0">
+                        <a:solidFill>
+                          <a:srgbClr val="000000"/>
+                        </a:solidFill>
+                        <a:effectLst/>
+                        <a:latin typeface="Arial" panose="020B0604020202020204" pitchFamily="34" charset="0"/>
+                      </a:endParaRPr>
+                    </a:p>
+                  </a:txBody>
+                  <a:tcPr marL="6971" marR="6971" marT="6971" marB="0" anchor="ctr"/>
+                </a:tc>
+                <a:tc>
+                  <a:txBody>
+                    <a:bodyPr/>
+                    <a:lstStyle/>
+                    <a:p>
+                      <a:pPr algn="r" rtl="0" fontAlgn="ctr"/>
+                      <a:r>
+                        <a:rPr lang="en-US" sz="1000" u="none" strike="noStrike">
+                          <a:effectLst/>
+                        </a:rPr>
+                        <a:t>0.40953</a:t>
+                      </a:r>
+                      <a:endParaRPr lang="en-US" sz="1000" b="0" i="0" u="none" strike="noStrike">
+                        <a:solidFill>
+                          <a:srgbClr val="000000"/>
+                        </a:solidFill>
+                        <a:effectLst/>
+                        <a:latin typeface="Arial" panose="020B0604020202020204" pitchFamily="34" charset="0"/>
+                      </a:endParaRPr>
+                    </a:p>
+                  </a:txBody>
+                  <a:tcPr marL="6971" marR="6971" marT="6971" marB="0" anchor="ctr"/>
+                </a:tc>
+                <a:tc>
+                  <a:txBody>
+                    <a:bodyPr/>
+                    <a:lstStyle/>
+                    <a:p>
+                      <a:pPr algn="r" rtl="0" fontAlgn="ctr"/>
+                      <a:r>
+                        <a:rPr lang="en-US" sz="1000" u="none" strike="noStrike">
+                          <a:effectLst/>
+                        </a:rPr>
+                        <a:t>0.07209</a:t>
+                      </a:r>
+                      <a:endParaRPr lang="en-US" sz="1000" b="0" i="0" u="none" strike="noStrike">
+                        <a:solidFill>
+                          <a:srgbClr val="000000"/>
+                        </a:solidFill>
+                        <a:effectLst/>
+                        <a:latin typeface="Arial" panose="020B0604020202020204" pitchFamily="34" charset="0"/>
+                      </a:endParaRPr>
+                    </a:p>
+                  </a:txBody>
+                  <a:tcPr marL="6971" marR="6971" marT="6971" marB="0" anchor="ctr"/>
+                </a:tc>
+                <a:tc>
+                  <a:txBody>
+                    <a:bodyPr/>
+                    <a:lstStyle/>
+                    <a:p>
+                      <a:pPr algn="r" rtl="0" fontAlgn="ctr"/>
+                      <a:r>
+                        <a:rPr lang="en-US" sz="1000" u="none" strike="noStrike">
+                          <a:effectLst/>
+                        </a:rPr>
+                        <a:t>0.13242</a:t>
+                      </a:r>
+                      <a:endParaRPr lang="en-US" sz="1000" b="0" i="0" u="none" strike="noStrike">
+                        <a:solidFill>
+                          <a:srgbClr val="000000"/>
+                        </a:solidFill>
+                        <a:effectLst/>
+                        <a:latin typeface="Arial" panose="020B0604020202020204" pitchFamily="34" charset="0"/>
+                      </a:endParaRPr>
+                    </a:p>
+                  </a:txBody>
+                  <a:tcPr marL="6971" marR="6971" marT="6971" marB="0" anchor="ctr"/>
                 </a:tc>
                 <a:extLst>
                   <a:ext uri="{0D108BD9-81ED-4DB2-BD59-A6C34878D82A}">
-                    <a16:rowId xmlns:a16="http://schemas.microsoft.com/office/drawing/2014/main" val="3664842628"/>
+                    <a16:rowId xmlns:a16="http://schemas.microsoft.com/office/drawing/2014/main" val="4032163829"/>
                   </a:ext>
                 </a:extLst>
               </a:tr>
-              <a:tr h="305659">
-                <a:tc>
-                  <a:txBody>
-                    <a:bodyPr/>
-                    <a:lstStyle/>
-                    <a:p>
-                      <a:pPr algn="r" fontAlgn="ctr"/>
-                      <a:r>
-                        <a:rPr lang="en-US" altLang="zh-CN" sz="1100" u="none" strike="noStrike">
-                          <a:effectLst/>
-                        </a:rPr>
-                        <a:t>12</a:t>
-                      </a:r>
-                      <a:endParaRPr lang="en-US" altLang="zh-CN" sz="1100" b="0" i="0" u="none" strike="noStrike">
-                        <a:solidFill>
-                          <a:srgbClr val="000000"/>
-                        </a:solidFill>
-                        <a:effectLst/>
-                        <a:latin typeface="等线" panose="02010600030101010101" pitchFamily="2" charset="-122"/>
-                        <a:ea typeface="等线" panose="02010600030101010101" pitchFamily="2" charset="-122"/>
-                      </a:endParaRPr>
-                    </a:p>
-                  </a:txBody>
-                  <a:tcPr marL="9525" marR="9525" marT="9525" marB="0" anchor="ctr"/>
-                </a:tc>
-                <a:tc>
-                  <a:txBody>
-                    <a:bodyPr/>
-                    <a:lstStyle/>
-                    <a:p>
-                      <a:pPr algn="r" fontAlgn="ctr"/>
-                      <a:r>
-                        <a:rPr lang="en-US" altLang="zh-CN" sz="1100" u="none" strike="noStrike">
-                          <a:effectLst/>
-                        </a:rPr>
-                        <a:t>0.609563784</a:t>
-                      </a:r>
-                      <a:endParaRPr lang="en-US" altLang="zh-CN" sz="1100" b="0" i="0" u="none" strike="noStrike">
-                        <a:solidFill>
-                          <a:srgbClr val="000000"/>
-                        </a:solidFill>
-                        <a:effectLst/>
-                        <a:latin typeface="等线" panose="02010600030101010101" pitchFamily="2" charset="-122"/>
-                        <a:ea typeface="等线" panose="02010600030101010101" pitchFamily="2" charset="-122"/>
-                      </a:endParaRPr>
-                    </a:p>
-                  </a:txBody>
-                  <a:tcPr marL="9525" marR="9525" marT="9525" marB="0" anchor="ctr"/>
-                </a:tc>
-                <a:tc>
-                  <a:txBody>
-                    <a:bodyPr/>
-                    <a:lstStyle/>
-                    <a:p>
-                      <a:pPr algn="r" fontAlgn="ctr"/>
-                      <a:r>
-                        <a:rPr lang="en-US" altLang="zh-CN" sz="1100" u="none" strike="noStrike" dirty="0">
-                          <a:effectLst/>
-                        </a:rPr>
-                        <a:t>2.217124259</a:t>
-                      </a:r>
-                      <a:endParaRPr lang="en-US" altLang="zh-CN" sz="1100" b="0" i="0" u="none" strike="noStrike" dirty="0">
-                        <a:solidFill>
-                          <a:srgbClr val="000000"/>
-                        </a:solidFill>
-                        <a:effectLst/>
-                        <a:latin typeface="等线" panose="02010600030101010101" pitchFamily="2" charset="-122"/>
-                        <a:ea typeface="等线" panose="02010600030101010101" pitchFamily="2" charset="-122"/>
-                      </a:endParaRPr>
-                    </a:p>
-                  </a:txBody>
-                  <a:tcPr marL="9525" marR="9525" marT="9525" marB="0" anchor="ctr"/>
-                </a:tc>
-                <a:tc>
-                  <a:txBody>
-                    <a:bodyPr/>
-                    <a:lstStyle/>
-                    <a:p>
-                      <a:pPr algn="r" fontAlgn="ctr"/>
-                      <a:r>
-                        <a:rPr lang="en-US" altLang="zh-CN" sz="1100" u="none" strike="noStrike">
-                          <a:effectLst/>
-                        </a:rPr>
-                        <a:t>5.740266</a:t>
-                      </a:r>
-                      <a:endParaRPr lang="en-US" altLang="zh-CN" sz="1100" b="0" i="0" u="none" strike="noStrike">
-                        <a:solidFill>
-                          <a:srgbClr val="000000"/>
-                        </a:solidFill>
-                        <a:effectLst/>
-                        <a:latin typeface="等线" panose="02010600030101010101" pitchFamily="2" charset="-122"/>
-                        <a:ea typeface="等线" panose="02010600030101010101" pitchFamily="2" charset="-122"/>
-                      </a:endParaRPr>
-                    </a:p>
-                  </a:txBody>
-                  <a:tcPr marL="9525" marR="9525" marT="9525" marB="0" anchor="ctr"/>
+              <a:tr h="201133">
+                <a:tc>
+                  <a:txBody>
+                    <a:bodyPr/>
+                    <a:lstStyle/>
+                    <a:p>
+                      <a:pPr algn="r" fontAlgn="b"/>
+                      <a:r>
+                        <a:rPr lang="en-US" sz="1000" u="none" strike="noStrike" dirty="0">
+                          <a:effectLst/>
+                        </a:rPr>
+                        <a:t>With Clustering</a:t>
+                      </a:r>
+                      <a:endParaRPr lang="en-US" sz="1000" b="0" i="0" u="none" strike="noStrike" dirty="0">
+                        <a:solidFill>
+                          <a:srgbClr val="000000"/>
+                        </a:solidFill>
+                        <a:effectLst/>
+                        <a:latin typeface="Calibri" panose="020F0502020204030204" pitchFamily="34" charset="0"/>
+                      </a:endParaRPr>
+                    </a:p>
+                  </a:txBody>
+                  <a:tcPr marL="6971" marR="6971" marT="6971" marB="0" anchor="b"/>
+                </a:tc>
+                <a:tc>
+                  <a:txBody>
+                    <a:bodyPr/>
+                    <a:lstStyle/>
+                    <a:p>
+                      <a:pPr algn="r" rtl="0" fontAlgn="ctr"/>
+                      <a:r>
+                        <a:rPr lang="en-US" sz="1000" u="none" strike="noStrike" dirty="0">
+                          <a:effectLst/>
+                        </a:rPr>
+                        <a:t>45</a:t>
+                      </a:r>
+                      <a:endParaRPr lang="en-US" sz="1000" b="0" i="0" u="none" strike="noStrike" dirty="0">
+                        <a:solidFill>
+                          <a:srgbClr val="000000"/>
+                        </a:solidFill>
+                        <a:effectLst/>
+                        <a:latin typeface="Arial" panose="020B0604020202020204" pitchFamily="34" charset="0"/>
+                      </a:endParaRPr>
+                    </a:p>
+                  </a:txBody>
+                  <a:tcPr marL="6971" marR="6971" marT="6971" marB="0" anchor="ctr"/>
+                </a:tc>
+                <a:tc>
+                  <a:txBody>
+                    <a:bodyPr/>
+                    <a:lstStyle/>
+                    <a:p>
+                      <a:pPr algn="r" rtl="0" fontAlgn="ctr"/>
+                      <a:r>
+                        <a:rPr lang="en-US" sz="1000" u="none" strike="noStrike">
+                          <a:effectLst/>
+                        </a:rPr>
+                        <a:t>0.38731</a:t>
+                      </a:r>
+                      <a:endParaRPr lang="en-US" sz="1000" b="0" i="0" u="none" strike="noStrike">
+                        <a:solidFill>
+                          <a:srgbClr val="000000"/>
+                        </a:solidFill>
+                        <a:effectLst/>
+                        <a:latin typeface="Arial" panose="020B0604020202020204" pitchFamily="34" charset="0"/>
+                      </a:endParaRPr>
+                    </a:p>
+                  </a:txBody>
+                  <a:tcPr marL="6971" marR="6971" marT="6971" marB="0" anchor="ctr"/>
+                </a:tc>
+                <a:tc>
+                  <a:txBody>
+                    <a:bodyPr/>
+                    <a:lstStyle/>
+                    <a:p>
+                      <a:pPr algn="r" rtl="0" fontAlgn="ctr"/>
+                      <a:r>
+                        <a:rPr lang="en-US" sz="1000" u="none" strike="noStrike">
+                          <a:effectLst/>
+                        </a:rPr>
+                        <a:t>0.11123</a:t>
+                      </a:r>
+                      <a:endParaRPr lang="en-US" sz="1000" b="0" i="0" u="none" strike="noStrike">
+                        <a:solidFill>
+                          <a:srgbClr val="000000"/>
+                        </a:solidFill>
+                        <a:effectLst/>
+                        <a:latin typeface="Arial" panose="020B0604020202020204" pitchFamily="34" charset="0"/>
+                      </a:endParaRPr>
+                    </a:p>
+                  </a:txBody>
+                  <a:tcPr marL="6971" marR="6971" marT="6971" marB="0" anchor="ctr"/>
+                </a:tc>
+                <a:tc>
+                  <a:txBody>
+                    <a:bodyPr/>
+                    <a:lstStyle/>
+                    <a:p>
+                      <a:pPr algn="r" rtl="0" fontAlgn="ctr"/>
+                      <a:r>
+                        <a:rPr lang="en-US" sz="1000" u="none" strike="noStrike" dirty="0">
+                          <a:effectLst/>
+                        </a:rPr>
+                        <a:t>0.20175</a:t>
+                      </a:r>
+                      <a:endParaRPr lang="en-US" sz="1000" b="0" i="0" u="none" strike="noStrike" dirty="0">
+                        <a:solidFill>
+                          <a:srgbClr val="000000"/>
+                        </a:solidFill>
+                        <a:effectLst/>
+                        <a:latin typeface="Arial" panose="020B0604020202020204" pitchFamily="34" charset="0"/>
+                      </a:endParaRPr>
+                    </a:p>
+                  </a:txBody>
+                  <a:tcPr marL="6971" marR="6971" marT="6971" marB="0" anchor="ctr"/>
                 </a:tc>
                 <a:extLst>
                   <a:ext uri="{0D108BD9-81ED-4DB2-BD59-A6C34878D82A}">
-                    <a16:rowId xmlns:a16="http://schemas.microsoft.com/office/drawing/2014/main" val="1002550635"/>
+                    <a16:rowId xmlns:a16="http://schemas.microsoft.com/office/drawing/2014/main" val="3275018006"/>
                   </a:ext>
                 </a:extLst>
               </a:tr>
-              <a:tr h="160429">
-                <a:tc>
-                  <a:txBody>
-                    <a:bodyPr/>
-                    <a:lstStyle/>
-                    <a:p>
-                      <a:pPr algn="r" fontAlgn="ctr"/>
-                      <a:r>
-                        <a:rPr lang="en-US" altLang="zh-CN" sz="1100" u="none" strike="noStrike">
-                          <a:effectLst/>
-                        </a:rPr>
-                        <a:t>54</a:t>
-                      </a:r>
-                      <a:endParaRPr lang="en-US" altLang="zh-CN" sz="1100" b="0" i="0" u="none" strike="noStrike">
-                        <a:solidFill>
-                          <a:srgbClr val="000000"/>
-                        </a:solidFill>
-                        <a:effectLst/>
-                        <a:latin typeface="等线" panose="02010600030101010101" pitchFamily="2" charset="-122"/>
-                        <a:ea typeface="等线" panose="02010600030101010101" pitchFamily="2" charset="-122"/>
-                      </a:endParaRPr>
-                    </a:p>
-                  </a:txBody>
-                  <a:tcPr marL="9525" marR="9525" marT="9525" marB="0" anchor="ctr"/>
-                </a:tc>
-                <a:tc>
-                  <a:txBody>
-                    <a:bodyPr/>
-                    <a:lstStyle/>
-                    <a:p>
-                      <a:pPr algn="r" fontAlgn="ctr"/>
-                      <a:r>
-                        <a:rPr lang="en-US" altLang="zh-CN" sz="1100" u="none" strike="noStrike">
-                          <a:effectLst/>
-                        </a:rPr>
-                        <a:t>0.569434943</a:t>
-                      </a:r>
-                      <a:endParaRPr lang="en-US" altLang="zh-CN" sz="1100" b="0" i="0" u="none" strike="noStrike">
-                        <a:solidFill>
-                          <a:srgbClr val="000000"/>
-                        </a:solidFill>
-                        <a:effectLst/>
-                        <a:latin typeface="等线" panose="02010600030101010101" pitchFamily="2" charset="-122"/>
-                        <a:ea typeface="等线" panose="02010600030101010101" pitchFamily="2" charset="-122"/>
-                      </a:endParaRPr>
-                    </a:p>
-                  </a:txBody>
-                  <a:tcPr marL="9525" marR="9525" marT="9525" marB="0" anchor="ctr"/>
-                </a:tc>
-                <a:tc>
-                  <a:txBody>
-                    <a:bodyPr/>
-                    <a:lstStyle/>
-                    <a:p>
-                      <a:pPr algn="r" fontAlgn="ctr"/>
-                      <a:r>
-                        <a:rPr lang="en-US" altLang="zh-CN" sz="1100" u="none" strike="noStrike" dirty="0">
-                          <a:effectLst/>
-                        </a:rPr>
-                        <a:t>0.295962135</a:t>
-                      </a:r>
-                      <a:endParaRPr lang="en-US" altLang="zh-CN" sz="1100" b="0" i="0" u="none" strike="noStrike" dirty="0">
-                        <a:solidFill>
-                          <a:srgbClr val="000000"/>
-                        </a:solidFill>
-                        <a:effectLst/>
-                        <a:latin typeface="等线" panose="02010600030101010101" pitchFamily="2" charset="-122"/>
-                        <a:ea typeface="等线" panose="02010600030101010101" pitchFamily="2" charset="-122"/>
-                      </a:endParaRPr>
-                    </a:p>
-                  </a:txBody>
-                  <a:tcPr marL="9525" marR="9525" marT="9525" marB="0" anchor="ctr"/>
-                </a:tc>
-                <a:tc>
-                  <a:txBody>
-                    <a:bodyPr/>
-                    <a:lstStyle/>
-                    <a:p>
-                      <a:pPr algn="r" fontAlgn="ctr"/>
-                      <a:r>
-                        <a:rPr lang="en-US" altLang="zh-CN" sz="1100" u="none" strike="noStrike">
-                          <a:effectLst/>
-                        </a:rPr>
-                        <a:t>0.38338</a:t>
-                      </a:r>
-                      <a:endParaRPr lang="en-US" altLang="zh-CN" sz="1100" b="0" i="0" u="none" strike="noStrike">
-                        <a:solidFill>
-                          <a:srgbClr val="000000"/>
-                        </a:solidFill>
-                        <a:effectLst/>
-                        <a:latin typeface="等线" panose="02010600030101010101" pitchFamily="2" charset="-122"/>
-                        <a:ea typeface="等线" panose="02010600030101010101" pitchFamily="2" charset="-122"/>
-                      </a:endParaRPr>
-                    </a:p>
-                  </a:txBody>
-                  <a:tcPr marL="9525" marR="9525" marT="9525" marB="0" anchor="ctr"/>
+              <a:tr h="201133">
+                <a:tc>
+                  <a:txBody>
+                    <a:bodyPr/>
+                    <a:lstStyle/>
+                    <a:p>
+                      <a:pPr algn="r" fontAlgn="b"/>
+                      <a:r>
+                        <a:rPr lang="en-US" sz="1000" u="none" strike="noStrike" dirty="0">
+                          <a:solidFill>
+                            <a:schemeClr val="accent6">
+                              <a:lumMod val="75000"/>
+                            </a:schemeClr>
+                          </a:solidFill>
+                          <a:effectLst/>
+                        </a:rPr>
+                        <a:t>Original</a:t>
+                      </a:r>
+                      <a:endParaRPr lang="en-US" sz="1000" b="0" i="0" u="none" strike="noStrike" dirty="0">
+                        <a:solidFill>
+                          <a:schemeClr val="accent6">
+                            <a:lumMod val="75000"/>
+                          </a:schemeClr>
+                        </a:solidFill>
+                        <a:effectLst/>
+                        <a:latin typeface="Calibri" panose="020F0502020204030204" pitchFamily="34" charset="0"/>
+                      </a:endParaRPr>
+                    </a:p>
+                  </a:txBody>
+                  <a:tcPr marL="6971" marR="6971" marT="6971" marB="0" anchor="b"/>
+                </a:tc>
+                <a:tc>
+                  <a:txBody>
+                    <a:bodyPr/>
+                    <a:lstStyle/>
+                    <a:p>
+                      <a:pPr algn="r" rtl="0" fontAlgn="ctr"/>
+                      <a:r>
+                        <a:rPr lang="en-US" sz="1000" u="none" strike="noStrike">
+                          <a:effectLst/>
+                        </a:rPr>
+                        <a:t>40</a:t>
+                      </a:r>
+                      <a:endParaRPr lang="en-US" sz="1000" b="0" i="0" u="none" strike="noStrike">
+                        <a:solidFill>
+                          <a:srgbClr val="000000"/>
+                        </a:solidFill>
+                        <a:effectLst/>
+                        <a:latin typeface="Arial" panose="020B0604020202020204" pitchFamily="34" charset="0"/>
+                      </a:endParaRPr>
+                    </a:p>
+                  </a:txBody>
+                  <a:tcPr marL="6971" marR="6971" marT="6971" marB="0" anchor="ctr"/>
+                </a:tc>
+                <a:tc>
+                  <a:txBody>
+                    <a:bodyPr/>
+                    <a:lstStyle/>
+                    <a:p>
+                      <a:pPr algn="r" rtl="0" fontAlgn="ctr"/>
+                      <a:r>
+                        <a:rPr lang="en-US" sz="1000" u="none" strike="noStrike" dirty="0">
+                          <a:effectLst/>
+                        </a:rPr>
+                        <a:t>0.37552</a:t>
+                      </a:r>
+                      <a:endParaRPr lang="en-US" sz="1000" b="0" i="0" u="none" strike="noStrike" dirty="0">
+                        <a:solidFill>
+                          <a:srgbClr val="000000"/>
+                        </a:solidFill>
+                        <a:effectLst/>
+                        <a:latin typeface="Arial" panose="020B0604020202020204" pitchFamily="34" charset="0"/>
+                      </a:endParaRPr>
+                    </a:p>
+                  </a:txBody>
+                  <a:tcPr marL="6971" marR="6971" marT="6971" marB="0" anchor="ctr"/>
+                </a:tc>
+                <a:tc>
+                  <a:txBody>
+                    <a:bodyPr/>
+                    <a:lstStyle/>
+                    <a:p>
+                      <a:pPr algn="r" rtl="0" fontAlgn="ctr"/>
+                      <a:r>
+                        <a:rPr lang="en-US" sz="1000" u="none" strike="noStrike">
+                          <a:effectLst/>
+                        </a:rPr>
+                        <a:t>5.97654</a:t>
+                      </a:r>
+                      <a:endParaRPr lang="en-US" sz="1000" b="0" i="0" u="none" strike="noStrike">
+                        <a:solidFill>
+                          <a:srgbClr val="000000"/>
+                        </a:solidFill>
+                        <a:effectLst/>
+                        <a:latin typeface="Arial" panose="020B0604020202020204" pitchFamily="34" charset="0"/>
+                      </a:endParaRPr>
+                    </a:p>
+                  </a:txBody>
+                  <a:tcPr marL="6971" marR="6971" marT="6971" marB="0" anchor="ctr"/>
+                </a:tc>
+                <a:tc>
+                  <a:txBody>
+                    <a:bodyPr/>
+                    <a:lstStyle/>
+                    <a:p>
+                      <a:pPr algn="r" rtl="0" fontAlgn="ctr"/>
+                      <a:r>
+                        <a:rPr lang="en-US" sz="1000" u="none" strike="noStrike" dirty="0">
+                          <a:effectLst/>
+                        </a:rPr>
+                        <a:t>3.6068</a:t>
+                      </a:r>
+                      <a:endParaRPr lang="en-US" sz="1000" b="0" i="0" u="none" strike="noStrike" dirty="0">
+                        <a:solidFill>
+                          <a:srgbClr val="000000"/>
+                        </a:solidFill>
+                        <a:effectLst/>
+                        <a:latin typeface="Arial" panose="020B0604020202020204" pitchFamily="34" charset="0"/>
+                      </a:endParaRPr>
+                    </a:p>
+                  </a:txBody>
+                  <a:tcPr marL="6971" marR="6971" marT="6971" marB="0" anchor="ctr"/>
                 </a:tc>
                 <a:extLst>
                   <a:ext uri="{0D108BD9-81ED-4DB2-BD59-A6C34878D82A}">
-                    <a16:rowId xmlns:a16="http://schemas.microsoft.com/office/drawing/2014/main" val="192391914"/>
-                  </a:ext>
-                </a:extLst>
-              </a:tr>
-              <a:tr h="305659">
-                <a:tc>
-                  <a:txBody>
-                    <a:bodyPr/>
-                    <a:lstStyle/>
-                    <a:p>
-                      <a:pPr algn="r" fontAlgn="ctr"/>
-                      <a:r>
-                        <a:rPr lang="en-US" altLang="zh-CN" sz="1100" u="none" strike="noStrike">
-                          <a:effectLst/>
-                        </a:rPr>
-                        <a:t>56</a:t>
-                      </a:r>
-                      <a:endParaRPr lang="en-US" altLang="zh-CN" sz="1100" b="0" i="0" u="none" strike="noStrike">
-                        <a:solidFill>
-                          <a:srgbClr val="000000"/>
-                        </a:solidFill>
-                        <a:effectLst/>
-                        <a:latin typeface="等线" panose="02010600030101010101" pitchFamily="2" charset="-122"/>
-                        <a:ea typeface="等线" panose="02010600030101010101" pitchFamily="2" charset="-122"/>
-                      </a:endParaRPr>
-                    </a:p>
-                  </a:txBody>
-                  <a:tcPr marL="9525" marR="9525" marT="9525" marB="0" anchor="ctr"/>
-                </a:tc>
-                <a:tc>
-                  <a:txBody>
-                    <a:bodyPr/>
-                    <a:lstStyle/>
-                    <a:p>
-                      <a:pPr algn="r" fontAlgn="ctr"/>
-                      <a:r>
-                        <a:rPr lang="en-US" altLang="zh-CN" sz="1100" u="none" strike="noStrike">
-                          <a:effectLst/>
-                        </a:rPr>
-                        <a:t>0.566517857</a:t>
-                      </a:r>
-                      <a:endParaRPr lang="en-US" altLang="zh-CN" sz="1100" b="0" i="0" u="none" strike="noStrike">
-                        <a:solidFill>
-                          <a:srgbClr val="000000"/>
-                        </a:solidFill>
-                        <a:effectLst/>
-                        <a:latin typeface="等线" panose="02010600030101010101" pitchFamily="2" charset="-122"/>
-                        <a:ea typeface="等线" panose="02010600030101010101" pitchFamily="2" charset="-122"/>
-                      </a:endParaRPr>
-                    </a:p>
-                  </a:txBody>
-                  <a:tcPr marL="9525" marR="9525" marT="9525" marB="0" anchor="ctr"/>
-                </a:tc>
-                <a:tc>
-                  <a:txBody>
-                    <a:bodyPr/>
-                    <a:lstStyle/>
-                    <a:p>
-                      <a:pPr algn="r" fontAlgn="ctr"/>
-                      <a:r>
-                        <a:rPr lang="en-US" altLang="zh-CN" sz="1100" u="none" strike="noStrike" dirty="0">
-                          <a:effectLst/>
-                        </a:rPr>
-                        <a:t>2.782303302</a:t>
-                      </a:r>
-                      <a:endParaRPr lang="en-US" altLang="zh-CN" sz="1100" b="0" i="0" u="none" strike="noStrike" dirty="0">
-                        <a:solidFill>
-                          <a:srgbClr val="000000"/>
-                        </a:solidFill>
-                        <a:effectLst/>
-                        <a:latin typeface="等线" panose="02010600030101010101" pitchFamily="2" charset="-122"/>
-                        <a:ea typeface="等线" panose="02010600030101010101" pitchFamily="2" charset="-122"/>
-                      </a:endParaRPr>
-                    </a:p>
-                  </a:txBody>
-                  <a:tcPr marL="9525" marR="9525" marT="9525" marB="0" anchor="ctr"/>
-                </a:tc>
-                <a:tc>
-                  <a:txBody>
-                    <a:bodyPr/>
-                    <a:lstStyle/>
-                    <a:p>
-                      <a:pPr algn="r" fontAlgn="ctr"/>
-                      <a:r>
-                        <a:rPr lang="en-US" altLang="zh-CN" sz="1100" u="none" strike="noStrike">
-                          <a:effectLst/>
-                        </a:rPr>
-                        <a:t>5.254754</a:t>
-                      </a:r>
-                      <a:endParaRPr lang="en-US" altLang="zh-CN" sz="1100" b="0" i="0" u="none" strike="noStrike">
-                        <a:solidFill>
-                          <a:srgbClr val="000000"/>
-                        </a:solidFill>
-                        <a:effectLst/>
-                        <a:latin typeface="等线" panose="02010600030101010101" pitchFamily="2" charset="-122"/>
-                        <a:ea typeface="等线" panose="02010600030101010101" pitchFamily="2" charset="-122"/>
-                      </a:endParaRPr>
-                    </a:p>
-                  </a:txBody>
-                  <a:tcPr marL="9525" marR="9525" marT="9525" marB="0" anchor="ctr"/>
-                </a:tc>
-                <a:extLst>
-                  <a:ext uri="{0D108BD9-81ED-4DB2-BD59-A6C34878D82A}">
-                    <a16:rowId xmlns:a16="http://schemas.microsoft.com/office/drawing/2014/main" val="2016386922"/>
-                  </a:ext>
-                </a:extLst>
-              </a:tr>
-              <a:tr h="305659">
-                <a:tc>
-                  <a:txBody>
-                    <a:bodyPr/>
-                    <a:lstStyle/>
-                    <a:p>
-                      <a:pPr algn="r" fontAlgn="ctr"/>
-                      <a:r>
-                        <a:rPr lang="en-US" altLang="zh-CN" sz="1100" u="none" strike="noStrike">
-                          <a:effectLst/>
-                        </a:rPr>
-                        <a:t>55</a:t>
-                      </a:r>
-                      <a:endParaRPr lang="en-US" altLang="zh-CN" sz="1100" b="0" i="0" u="none" strike="noStrike">
-                        <a:solidFill>
-                          <a:srgbClr val="000000"/>
-                        </a:solidFill>
-                        <a:effectLst/>
-                        <a:latin typeface="等线" panose="02010600030101010101" pitchFamily="2" charset="-122"/>
-                        <a:ea typeface="等线" panose="02010600030101010101" pitchFamily="2" charset="-122"/>
-                      </a:endParaRPr>
-                    </a:p>
-                  </a:txBody>
-                  <a:tcPr marL="9525" marR="9525" marT="9525" marB="0" anchor="ctr"/>
-                </a:tc>
-                <a:tc>
-                  <a:txBody>
-                    <a:bodyPr/>
-                    <a:lstStyle/>
-                    <a:p>
-                      <a:pPr algn="r" fontAlgn="ctr"/>
-                      <a:r>
-                        <a:rPr lang="en-US" altLang="zh-CN" sz="1100" u="none" strike="noStrike">
-                          <a:effectLst/>
-                        </a:rPr>
-                        <a:t>0.565095573</a:t>
-                      </a:r>
-                      <a:endParaRPr lang="en-US" altLang="zh-CN" sz="1100" b="0" i="0" u="none" strike="noStrike">
-                        <a:solidFill>
-                          <a:srgbClr val="000000"/>
-                        </a:solidFill>
-                        <a:effectLst/>
-                        <a:latin typeface="等线" panose="02010600030101010101" pitchFamily="2" charset="-122"/>
-                        <a:ea typeface="等线" panose="02010600030101010101" pitchFamily="2" charset="-122"/>
-                      </a:endParaRPr>
-                    </a:p>
-                  </a:txBody>
-                  <a:tcPr marL="9525" marR="9525" marT="9525" marB="0" anchor="ctr"/>
-                </a:tc>
-                <a:tc>
-                  <a:txBody>
-                    <a:bodyPr/>
-                    <a:lstStyle/>
-                    <a:p>
-                      <a:pPr algn="r" fontAlgn="ctr"/>
-                      <a:r>
-                        <a:rPr lang="en-US" altLang="zh-CN" sz="1100" u="none" strike="noStrike" dirty="0">
-                          <a:effectLst/>
-                        </a:rPr>
-                        <a:t>3.301107805</a:t>
-                      </a:r>
-                      <a:endParaRPr lang="en-US" altLang="zh-CN" sz="1100" b="0" i="0" u="none" strike="noStrike" dirty="0">
-                        <a:solidFill>
-                          <a:srgbClr val="000000"/>
-                        </a:solidFill>
-                        <a:effectLst/>
-                        <a:latin typeface="等线" panose="02010600030101010101" pitchFamily="2" charset="-122"/>
-                        <a:ea typeface="等线" panose="02010600030101010101" pitchFamily="2" charset="-122"/>
-                      </a:endParaRPr>
-                    </a:p>
-                  </a:txBody>
-                  <a:tcPr marL="9525" marR="9525" marT="9525" marB="0" anchor="ctr"/>
-                </a:tc>
-                <a:tc>
-                  <a:txBody>
-                    <a:bodyPr/>
-                    <a:lstStyle/>
-                    <a:p>
-                      <a:pPr algn="r" fontAlgn="ctr"/>
-                      <a:r>
-                        <a:rPr lang="en-US" altLang="zh-CN" sz="1100" u="none" strike="noStrike">
-                          <a:effectLst/>
-                        </a:rPr>
-                        <a:t>5.491214</a:t>
-                      </a:r>
-                      <a:endParaRPr lang="en-US" altLang="zh-CN" sz="1100" b="0" i="0" u="none" strike="noStrike">
-                        <a:solidFill>
-                          <a:srgbClr val="000000"/>
-                        </a:solidFill>
-                        <a:effectLst/>
-                        <a:latin typeface="等线" panose="02010600030101010101" pitchFamily="2" charset="-122"/>
-                        <a:ea typeface="等线" panose="02010600030101010101" pitchFamily="2" charset="-122"/>
-                      </a:endParaRPr>
-                    </a:p>
-                  </a:txBody>
-                  <a:tcPr marL="9525" marR="9525" marT="9525" marB="0" anchor="ctr"/>
-                </a:tc>
-                <a:extLst>
-                  <a:ext uri="{0D108BD9-81ED-4DB2-BD59-A6C34878D82A}">
-                    <a16:rowId xmlns:a16="http://schemas.microsoft.com/office/drawing/2014/main" val="3013130845"/>
-                  </a:ext>
-                </a:extLst>
-              </a:tr>
-              <a:tr h="305659">
-                <a:tc>
-                  <a:txBody>
-                    <a:bodyPr/>
-                    <a:lstStyle/>
-                    <a:p>
-                      <a:pPr algn="r" fontAlgn="ctr"/>
-                      <a:r>
-                        <a:rPr lang="en-US" altLang="zh-CN" sz="1100" u="none" strike="noStrike">
-                          <a:effectLst/>
-                        </a:rPr>
-                        <a:t>15</a:t>
-                      </a:r>
-                      <a:endParaRPr lang="en-US" altLang="zh-CN" sz="1100" b="0" i="0" u="none" strike="noStrike">
-                        <a:solidFill>
-                          <a:srgbClr val="000000"/>
-                        </a:solidFill>
-                        <a:effectLst/>
-                        <a:latin typeface="等线" panose="02010600030101010101" pitchFamily="2" charset="-122"/>
-                        <a:ea typeface="等线" panose="02010600030101010101" pitchFamily="2" charset="-122"/>
-                      </a:endParaRPr>
-                    </a:p>
-                  </a:txBody>
-                  <a:tcPr marL="9525" marR="9525" marT="9525" marB="0" anchor="ctr"/>
-                </a:tc>
-                <a:tc>
-                  <a:txBody>
-                    <a:bodyPr/>
-                    <a:lstStyle/>
-                    <a:p>
-                      <a:pPr algn="r" fontAlgn="ctr"/>
-                      <a:r>
-                        <a:rPr lang="en-US" altLang="zh-CN" sz="1100" u="none" strike="noStrike">
-                          <a:effectLst/>
-                        </a:rPr>
-                        <a:t>0.51284976</a:t>
-                      </a:r>
-                      <a:endParaRPr lang="en-US" altLang="zh-CN" sz="1100" b="0" i="0" u="none" strike="noStrike">
-                        <a:solidFill>
-                          <a:srgbClr val="000000"/>
-                        </a:solidFill>
-                        <a:effectLst/>
-                        <a:latin typeface="等线" panose="02010600030101010101" pitchFamily="2" charset="-122"/>
-                        <a:ea typeface="等线" panose="02010600030101010101" pitchFamily="2" charset="-122"/>
-                      </a:endParaRPr>
-                    </a:p>
-                  </a:txBody>
-                  <a:tcPr marL="9525" marR="9525" marT="9525" marB="0" anchor="ctr"/>
-                </a:tc>
-                <a:tc>
-                  <a:txBody>
-                    <a:bodyPr/>
-                    <a:lstStyle/>
-                    <a:p>
-                      <a:pPr algn="r" fontAlgn="ctr"/>
-                      <a:r>
-                        <a:rPr lang="en-US" altLang="zh-CN" sz="1100" u="none" strike="noStrike" dirty="0">
-                          <a:effectLst/>
-                        </a:rPr>
-                        <a:t>0.325011571</a:t>
-                      </a:r>
-                      <a:endParaRPr lang="en-US" altLang="zh-CN" sz="1100" b="0" i="0" u="none" strike="noStrike" dirty="0">
-                        <a:solidFill>
-                          <a:srgbClr val="000000"/>
-                        </a:solidFill>
-                        <a:effectLst/>
-                        <a:latin typeface="等线" panose="02010600030101010101" pitchFamily="2" charset="-122"/>
-                        <a:ea typeface="等线" panose="02010600030101010101" pitchFamily="2" charset="-122"/>
-                      </a:endParaRPr>
-                    </a:p>
-                  </a:txBody>
-                  <a:tcPr marL="9525" marR="9525" marT="9525" marB="0" anchor="ctr"/>
-                </a:tc>
-                <a:tc>
-                  <a:txBody>
-                    <a:bodyPr/>
-                    <a:lstStyle/>
-                    <a:p>
-                      <a:pPr algn="r" fontAlgn="ctr"/>
-                      <a:r>
-                        <a:rPr lang="en-US" altLang="zh-CN" sz="1100" u="none" strike="noStrike">
-                          <a:effectLst/>
-                        </a:rPr>
-                        <a:t>0.937775</a:t>
-                      </a:r>
-                      <a:endParaRPr lang="en-US" altLang="zh-CN" sz="1100" b="0" i="0" u="none" strike="noStrike">
-                        <a:solidFill>
-                          <a:srgbClr val="000000"/>
-                        </a:solidFill>
-                        <a:effectLst/>
-                        <a:latin typeface="等线" panose="02010600030101010101" pitchFamily="2" charset="-122"/>
-                        <a:ea typeface="等线" panose="02010600030101010101" pitchFamily="2" charset="-122"/>
-                      </a:endParaRPr>
-                    </a:p>
-                  </a:txBody>
-                  <a:tcPr marL="9525" marR="9525" marT="9525" marB="0" anchor="ctr"/>
-                </a:tc>
-                <a:extLst>
-                  <a:ext uri="{0D108BD9-81ED-4DB2-BD59-A6C34878D82A}">
-                    <a16:rowId xmlns:a16="http://schemas.microsoft.com/office/drawing/2014/main" val="2218948112"/>
-                  </a:ext>
-                </a:extLst>
-              </a:tr>
-              <a:tr h="305659">
-                <a:tc>
-                  <a:txBody>
-                    <a:bodyPr/>
-                    <a:lstStyle/>
-                    <a:p>
-                      <a:pPr algn="r" fontAlgn="ctr"/>
-                      <a:r>
-                        <a:rPr lang="en-US" altLang="zh-CN" sz="1100" u="none" strike="noStrike">
-                          <a:effectLst/>
-                        </a:rPr>
-                        <a:t>46</a:t>
-                      </a:r>
-                      <a:endParaRPr lang="en-US" altLang="zh-CN" sz="1100" b="0" i="0" u="none" strike="noStrike">
-                        <a:solidFill>
-                          <a:srgbClr val="000000"/>
-                        </a:solidFill>
-                        <a:effectLst/>
-                        <a:latin typeface="等线" panose="02010600030101010101" pitchFamily="2" charset="-122"/>
-                        <a:ea typeface="等线" panose="02010600030101010101" pitchFamily="2" charset="-122"/>
-                      </a:endParaRPr>
-                    </a:p>
-                  </a:txBody>
-                  <a:tcPr marL="9525" marR="9525" marT="9525" marB="0" anchor="ctr"/>
-                </a:tc>
-                <a:tc>
-                  <a:txBody>
-                    <a:bodyPr/>
-                    <a:lstStyle/>
-                    <a:p>
-                      <a:pPr algn="r" fontAlgn="ctr"/>
-                      <a:r>
-                        <a:rPr lang="en-US" altLang="zh-CN" sz="1100" u="none" strike="noStrike">
-                          <a:effectLst/>
-                        </a:rPr>
-                        <a:t>0.488450989</a:t>
-                      </a:r>
-                      <a:endParaRPr lang="en-US" altLang="zh-CN" sz="1100" b="0" i="0" u="none" strike="noStrike">
-                        <a:solidFill>
-                          <a:srgbClr val="000000"/>
-                        </a:solidFill>
-                        <a:effectLst/>
-                        <a:latin typeface="等线" panose="02010600030101010101" pitchFamily="2" charset="-122"/>
-                        <a:ea typeface="等线" panose="02010600030101010101" pitchFamily="2" charset="-122"/>
-                      </a:endParaRPr>
-                    </a:p>
-                  </a:txBody>
-                  <a:tcPr marL="9525" marR="9525" marT="9525" marB="0" anchor="ctr"/>
-                </a:tc>
-                <a:tc>
-                  <a:txBody>
-                    <a:bodyPr/>
-                    <a:lstStyle/>
-                    <a:p>
-                      <a:pPr algn="r" fontAlgn="ctr"/>
-                      <a:r>
-                        <a:rPr lang="en-US" altLang="zh-CN" sz="1100" u="none" strike="noStrike" dirty="0">
-                          <a:effectLst/>
-                        </a:rPr>
-                        <a:t>0.0588405</a:t>
-                      </a:r>
-                      <a:endParaRPr lang="en-US" altLang="zh-CN" sz="1100" b="0" i="0" u="none" strike="noStrike" dirty="0">
-                        <a:solidFill>
-                          <a:srgbClr val="000000"/>
-                        </a:solidFill>
-                        <a:effectLst/>
-                        <a:latin typeface="等线" panose="02010600030101010101" pitchFamily="2" charset="-122"/>
-                        <a:ea typeface="等线" panose="02010600030101010101" pitchFamily="2" charset="-122"/>
-                      </a:endParaRPr>
-                    </a:p>
-                  </a:txBody>
-                  <a:tcPr marL="9525" marR="9525" marT="9525" marB="0" anchor="ctr"/>
-                </a:tc>
-                <a:tc>
-                  <a:txBody>
-                    <a:bodyPr/>
-                    <a:lstStyle/>
-                    <a:p>
-                      <a:pPr algn="r" fontAlgn="ctr"/>
-                      <a:r>
-                        <a:rPr lang="en-US" altLang="zh-CN" sz="1100" u="none" strike="noStrike" dirty="0">
-                          <a:effectLst/>
-                        </a:rPr>
-                        <a:t>0.211837</a:t>
-                      </a:r>
-                      <a:endParaRPr lang="en-US" altLang="zh-CN" sz="1100" b="0" i="0" u="none" strike="noStrike" dirty="0">
-                        <a:solidFill>
-                          <a:srgbClr val="000000"/>
-                        </a:solidFill>
-                        <a:effectLst/>
-                        <a:latin typeface="等线" panose="02010600030101010101" pitchFamily="2" charset="-122"/>
-                        <a:ea typeface="等线" panose="02010600030101010101" pitchFamily="2" charset="-122"/>
-                      </a:endParaRPr>
-                    </a:p>
-                  </a:txBody>
-                  <a:tcPr marL="9525" marR="9525" marT="9525" marB="0" anchor="ctr"/>
-                </a:tc>
-                <a:extLst>
-                  <a:ext uri="{0D108BD9-81ED-4DB2-BD59-A6C34878D82A}">
-                    <a16:rowId xmlns:a16="http://schemas.microsoft.com/office/drawing/2014/main" val="3687538214"/>
-                  </a:ext>
-                </a:extLst>
-              </a:tr>
-              <a:tr h="305659">
-                <a:tc>
-                  <a:txBody>
-                    <a:bodyPr/>
-                    <a:lstStyle/>
-                    <a:p>
-                      <a:pPr algn="r" fontAlgn="ctr"/>
-                      <a:r>
-                        <a:rPr lang="en-US" altLang="zh-CN" sz="1100" u="none" strike="noStrike">
-                          <a:effectLst/>
-                        </a:rPr>
-                        <a:t>2</a:t>
-                      </a:r>
-                      <a:endParaRPr lang="en-US" altLang="zh-CN" sz="1100" b="0" i="0" u="none" strike="noStrike">
-                        <a:solidFill>
-                          <a:srgbClr val="000000"/>
-                        </a:solidFill>
-                        <a:effectLst/>
-                        <a:latin typeface="等线" panose="02010600030101010101" pitchFamily="2" charset="-122"/>
-                        <a:ea typeface="等线" panose="02010600030101010101" pitchFamily="2" charset="-122"/>
-                      </a:endParaRPr>
-                    </a:p>
-                  </a:txBody>
-                  <a:tcPr marL="9525" marR="9525" marT="9525" marB="0" anchor="ctr"/>
-                </a:tc>
-                <a:tc>
-                  <a:txBody>
-                    <a:bodyPr/>
-                    <a:lstStyle/>
-                    <a:p>
-                      <a:pPr algn="r" fontAlgn="ctr"/>
-                      <a:r>
-                        <a:rPr lang="en-US" altLang="zh-CN" sz="1100" u="none" strike="noStrike">
-                          <a:effectLst/>
-                        </a:rPr>
-                        <a:t>0.409534789</a:t>
-                      </a:r>
-                      <a:endParaRPr lang="en-US" altLang="zh-CN" sz="1100" b="0" i="0" u="none" strike="noStrike">
-                        <a:solidFill>
-                          <a:srgbClr val="000000"/>
-                        </a:solidFill>
-                        <a:effectLst/>
-                        <a:latin typeface="等线" panose="02010600030101010101" pitchFamily="2" charset="-122"/>
-                        <a:ea typeface="等线" panose="02010600030101010101" pitchFamily="2" charset="-122"/>
-                      </a:endParaRPr>
-                    </a:p>
-                  </a:txBody>
-                  <a:tcPr marL="9525" marR="9525" marT="9525" marB="0" anchor="ctr"/>
-                </a:tc>
-                <a:tc>
-                  <a:txBody>
-                    <a:bodyPr/>
-                    <a:lstStyle/>
-                    <a:p>
-                      <a:pPr algn="r" fontAlgn="ctr"/>
-                      <a:r>
-                        <a:rPr lang="en-US" altLang="zh-CN" sz="1100" u="none" strike="noStrike">
-                          <a:effectLst/>
-                        </a:rPr>
-                        <a:t>0.072085727</a:t>
-                      </a:r>
-                      <a:endParaRPr lang="en-US" altLang="zh-CN" sz="1100" b="0" i="0" u="none" strike="noStrike">
-                        <a:solidFill>
-                          <a:srgbClr val="000000"/>
-                        </a:solidFill>
-                        <a:effectLst/>
-                        <a:latin typeface="等线" panose="02010600030101010101" pitchFamily="2" charset="-122"/>
-                        <a:ea typeface="等线" panose="02010600030101010101" pitchFamily="2" charset="-122"/>
-                      </a:endParaRPr>
-                    </a:p>
-                  </a:txBody>
-                  <a:tcPr marL="9525" marR="9525" marT="9525" marB="0" anchor="ctr"/>
-                </a:tc>
-                <a:tc>
-                  <a:txBody>
-                    <a:bodyPr/>
-                    <a:lstStyle/>
-                    <a:p>
-                      <a:pPr algn="r" fontAlgn="ctr"/>
-                      <a:r>
-                        <a:rPr lang="en-US" altLang="zh-CN" sz="1100" u="none" strike="noStrike" dirty="0">
-                          <a:effectLst/>
-                        </a:rPr>
-                        <a:t>0.132422</a:t>
-                      </a:r>
-                      <a:endParaRPr lang="en-US" altLang="zh-CN" sz="1100" b="0" i="0" u="none" strike="noStrike" dirty="0">
-                        <a:solidFill>
-                          <a:srgbClr val="000000"/>
-                        </a:solidFill>
-                        <a:effectLst/>
-                        <a:latin typeface="等线" panose="02010600030101010101" pitchFamily="2" charset="-122"/>
-                        <a:ea typeface="等线" panose="02010600030101010101" pitchFamily="2" charset="-122"/>
-                      </a:endParaRPr>
-                    </a:p>
-                  </a:txBody>
-                  <a:tcPr marL="9525" marR="9525" marT="9525" marB="0" anchor="ctr"/>
-                </a:tc>
-                <a:extLst>
-                  <a:ext uri="{0D108BD9-81ED-4DB2-BD59-A6C34878D82A}">
-                    <a16:rowId xmlns:a16="http://schemas.microsoft.com/office/drawing/2014/main" val="1582863938"/>
-                  </a:ext>
-                </a:extLst>
-              </a:tr>
-              <a:tr h="305659">
-                <a:tc>
-                  <a:txBody>
-                    <a:bodyPr/>
-                    <a:lstStyle/>
-                    <a:p>
-                      <a:pPr algn="r" fontAlgn="ctr"/>
-                      <a:r>
-                        <a:rPr lang="en-US" altLang="zh-CN" sz="1100" u="none" strike="noStrike">
-                          <a:effectLst/>
-                        </a:rPr>
-                        <a:t>40</a:t>
-                      </a:r>
-                      <a:endParaRPr lang="en-US" altLang="zh-CN" sz="1100" b="0" i="0" u="none" strike="noStrike">
-                        <a:solidFill>
-                          <a:srgbClr val="000000"/>
-                        </a:solidFill>
-                        <a:effectLst/>
-                        <a:latin typeface="等线" panose="02010600030101010101" pitchFamily="2" charset="-122"/>
-                        <a:ea typeface="等线" panose="02010600030101010101" pitchFamily="2" charset="-122"/>
-                      </a:endParaRPr>
-                    </a:p>
-                  </a:txBody>
-                  <a:tcPr marL="9525" marR="9525" marT="9525" marB="0" anchor="ctr"/>
-                </a:tc>
-                <a:tc>
-                  <a:txBody>
-                    <a:bodyPr/>
-                    <a:lstStyle/>
-                    <a:p>
-                      <a:pPr algn="r" fontAlgn="ctr"/>
-                      <a:r>
-                        <a:rPr lang="en-US" altLang="zh-CN" sz="1100" u="none" strike="noStrike">
-                          <a:effectLst/>
-                        </a:rPr>
-                        <a:t>0.375522125</a:t>
-                      </a:r>
-                      <a:endParaRPr lang="en-US" altLang="zh-CN" sz="1100" b="0" i="0" u="none" strike="noStrike">
-                        <a:solidFill>
-                          <a:srgbClr val="000000"/>
-                        </a:solidFill>
-                        <a:effectLst/>
-                        <a:latin typeface="等线" panose="02010600030101010101" pitchFamily="2" charset="-122"/>
-                        <a:ea typeface="等线" panose="02010600030101010101" pitchFamily="2" charset="-122"/>
-                      </a:endParaRPr>
-                    </a:p>
-                  </a:txBody>
-                  <a:tcPr marL="9525" marR="9525" marT="9525" marB="0" anchor="ctr"/>
-                </a:tc>
-                <a:tc>
-                  <a:txBody>
-                    <a:bodyPr/>
-                    <a:lstStyle/>
-                    <a:p>
-                      <a:pPr algn="r" fontAlgn="ctr"/>
-                      <a:r>
-                        <a:rPr lang="en-US" altLang="zh-CN" sz="1100" u="none" strike="noStrike">
-                          <a:effectLst/>
-                        </a:rPr>
-                        <a:t>5.976538897</a:t>
-                      </a:r>
-                      <a:endParaRPr lang="en-US" altLang="zh-CN" sz="1100" b="0" i="0" u="none" strike="noStrike">
-                        <a:solidFill>
-                          <a:srgbClr val="000000"/>
-                        </a:solidFill>
-                        <a:effectLst/>
-                        <a:latin typeface="等线" panose="02010600030101010101" pitchFamily="2" charset="-122"/>
-                        <a:ea typeface="等线" panose="02010600030101010101" pitchFamily="2" charset="-122"/>
-                      </a:endParaRPr>
-                    </a:p>
-                  </a:txBody>
-                  <a:tcPr marL="9525" marR="9525" marT="9525" marB="0" anchor="ctr"/>
-                </a:tc>
-                <a:tc>
-                  <a:txBody>
-                    <a:bodyPr/>
-                    <a:lstStyle/>
-                    <a:p>
-                      <a:pPr algn="r" fontAlgn="ctr"/>
-                      <a:r>
-                        <a:rPr lang="en-US" altLang="zh-CN" sz="1100" u="none" strike="noStrike" dirty="0">
-                          <a:effectLst/>
-                        </a:rPr>
-                        <a:t>3.606798</a:t>
-                      </a:r>
-                      <a:endParaRPr lang="en-US" altLang="zh-CN" sz="1100" b="0" i="0" u="none" strike="noStrike" dirty="0">
-                        <a:solidFill>
-                          <a:srgbClr val="000000"/>
-                        </a:solidFill>
-                        <a:effectLst/>
-                        <a:latin typeface="等线" panose="02010600030101010101" pitchFamily="2" charset="-122"/>
-                        <a:ea typeface="等线" panose="02010600030101010101" pitchFamily="2" charset="-122"/>
-                      </a:endParaRPr>
-                    </a:p>
-                  </a:txBody>
-                  <a:tcPr marL="9525" marR="9525" marT="9525" marB="0" anchor="ctr"/>
-                </a:tc>
-                <a:extLst>
-                  <a:ext uri="{0D108BD9-81ED-4DB2-BD59-A6C34878D82A}">
-                    <a16:rowId xmlns:a16="http://schemas.microsoft.com/office/drawing/2014/main" val="551886024"/>
+                    <a16:rowId xmlns:a16="http://schemas.microsoft.com/office/drawing/2014/main" val="4008566225"/>
                   </a:ext>
                 </a:extLst>
               </a:tr>
@@ -13706,7 +13587,7 @@
                 <a:ea typeface="ＭＳ Ｐゴシック" charset="0"/>
                 <a:cs typeface="Arial"/>
               </a:rPr>
-              <a:t>Model Summary</a:t>
+              <a:t>Summary of the First Model</a:t>
             </a:r>
           </a:p>
           <a:p>
@@ -14373,7 +14254,7 @@
             </a:pPr>
             <a:r>
               <a:rPr lang="en-US" altLang="zh-CN" dirty="0"/>
-              <a:t>Model Summary For the First Stage</a:t>
+              <a:t>Summary of the First Model</a:t>
             </a:r>
           </a:p>
           <a:p>
@@ -14480,19 +14361,7 @@
               <a:rPr lang="en-US" altLang="zh-CN" sz="1400" b="0" dirty="0">
                 <a:cs typeface="+mn-cs"/>
               </a:rPr>
-              <a:t>	1. </a:t>
-            </a:r>
-            <a:r>
-              <a:rPr lang="en-US" altLang="zh-CN" sz="1400" b="0">
-                <a:cs typeface="+mn-cs"/>
-              </a:rPr>
-              <a:t>Rolling training </a:t>
-            </a:r>
-            <a:r>
-              <a:rPr lang="en-US" altLang="zh-CN" sz="1400" b="0" dirty="0">
-                <a:cs typeface="+mn-cs"/>
-              </a:rPr>
-              <a:t>and testing</a:t>
+              <a:t>	1. Rolling training and testing</a:t>
             </a:r>
           </a:p>
           <a:p>
@@ -14667,8 +14536,22 @@
             </a:pPr>
             <a:r>
               <a:rPr lang="en-US" altLang="zh-CN" dirty="0"/>
-              <a:t>Quick Refresh – Model Summary</a:t>
+              <a:t>Quick Refresh – </a:t>
             </a:r>
+            <a:r>
+              <a:rPr lang="en-US" dirty="0">
+                <a:ea typeface="ＭＳ Ｐゴシック" charset="0"/>
+                <a:cs typeface="Arial"/>
+              </a:rPr>
+              <a:t>Summary of the First Model</a:t>
+            </a:r>
+          </a:p>
+          <a:p>
+            <a:pPr>
+              <a:spcBef>
+                <a:spcPct val="0"/>
+              </a:spcBef>
+            </a:pPr>
             <a:endParaRPr lang="zh-CN" altLang="zh-CN" dirty="0"/>
           </a:p>
           <a:p>
@@ -20598,8 +20481,8 @@
           <a:chExt cx="0" cy="0"/>
         </a:xfrm>
       </p:grpSpPr>
-      <mc:AlternateContent xmlns:mc="http://schemas.openxmlformats.org/markup-compatibility/2006" xmlns:a14="http://schemas.microsoft.com/office/drawing/2010/main">
-        <mc:Choice Requires="a14">
+      <mc:AlternateContent xmlns:mc="http://schemas.openxmlformats.org/markup-compatibility/2006">
+        <mc:Choice xmlns:a14="http://schemas.microsoft.com/office/drawing/2010/main" Requires="a14">
           <p:sp>
             <p:nvSpPr>
               <p:cNvPr id="2" name="Text Placeholder 1">
@@ -20774,6 +20657,12 @@
                           </m:nary>
                         </m:num>
                         <m:den>
+                          <m:r>
+                            <a:rPr lang="en-US" altLang="zh-CN" b="0" i="1" smtClean="0">
+                              <a:latin typeface="Cambria Math" panose="02040503050406030204" pitchFamily="18" charset="0"/>
+                            </a:rPr>
+                            <m:t>𝑛</m:t>
+                          </m:r>
                           <m:nary>
                             <m:naryPr>
                               <m:chr m:val="∑"/>
@@ -20945,7 +20834,7 @@
             </p:txBody>
           </p:sp>
         </mc:Choice>
-        <mc:Fallback xmlns="">
+        <mc:Fallback>
           <p:sp>
             <p:nvSpPr>
               <p:cNvPr id="2" name="Text Placeholder 1">
@@ -20979,7 +20868,7 @@
               <a:lstStyle/>
               <a:p>
                 <a:r>
-                  <a:rPr lang="zh-CN" altLang="en-US">
+                  <a:rPr lang="en-US">
                     <a:noFill/>
                   </a:rPr>
                   <a:t> </a:t>
